--- a/docs/demonstracao-progresso.pptx
+++ b/docs/demonstracao-progresso.pptx
@@ -115,6 +115,11 @@
       </a:defRPr>
     </a:lvl9pPr>
   </p:defaultTextStyle>
+  <p:extLst>
+    <p:ext uri="{EFAFB233-063F-42B5-8137-9DF3F51BA10A}">
+      <p15:sldGuideLst xmlns:p15="http://schemas.microsoft.com/office/powerpoint/2012/main"/>
+    </p:ext>
+  </p:extLst>
 </p:presentation>
 </file>
 
@@ -319,7 +324,7 @@
           <a:p>
             <a:fld id="{834E4636-1AC7-4593-8425-9A7E3B693646}" type="slidenum">
               <a:rPr lang="pt-PT" smtClean="0"/>
-              <a:t>‹nº›</a:t>
+              <a:t>‹#›</a:t>
             </a:fld>
             <a:endParaRPr lang="pt-PT"/>
           </a:p>
@@ -517,7 +522,7 @@
           <a:p>
             <a:fld id="{834E4636-1AC7-4593-8425-9A7E3B693646}" type="slidenum">
               <a:rPr lang="pt-PT" smtClean="0"/>
-              <a:t>‹nº›</a:t>
+              <a:t>‹#›</a:t>
             </a:fld>
             <a:endParaRPr lang="pt-PT"/>
           </a:p>
@@ -725,7 +730,7 @@
           <a:p>
             <a:fld id="{834E4636-1AC7-4593-8425-9A7E3B693646}" type="slidenum">
               <a:rPr lang="pt-PT" smtClean="0"/>
-              <a:t>‹nº›</a:t>
+              <a:t>‹#›</a:t>
             </a:fld>
             <a:endParaRPr lang="pt-PT"/>
           </a:p>
@@ -923,7 +928,7 @@
           <a:p>
             <a:fld id="{834E4636-1AC7-4593-8425-9A7E3B693646}" type="slidenum">
               <a:rPr lang="pt-PT" smtClean="0"/>
-              <a:t>‹nº›</a:t>
+              <a:t>‹#›</a:t>
             </a:fld>
             <a:endParaRPr lang="pt-PT"/>
           </a:p>
@@ -1198,7 +1203,7 @@
           <a:p>
             <a:fld id="{834E4636-1AC7-4593-8425-9A7E3B693646}" type="slidenum">
               <a:rPr lang="pt-PT" smtClean="0"/>
-              <a:t>‹nº›</a:t>
+              <a:t>‹#›</a:t>
             </a:fld>
             <a:endParaRPr lang="pt-PT"/>
           </a:p>
@@ -1463,7 +1468,7 @@
           <a:p>
             <a:fld id="{834E4636-1AC7-4593-8425-9A7E3B693646}" type="slidenum">
               <a:rPr lang="pt-PT" smtClean="0"/>
-              <a:t>‹nº›</a:t>
+              <a:t>‹#›</a:t>
             </a:fld>
             <a:endParaRPr lang="pt-PT"/>
           </a:p>
@@ -1875,7 +1880,7 @@
           <a:p>
             <a:fld id="{834E4636-1AC7-4593-8425-9A7E3B693646}" type="slidenum">
               <a:rPr lang="pt-PT" smtClean="0"/>
-              <a:t>‹nº›</a:t>
+              <a:t>‹#›</a:t>
             </a:fld>
             <a:endParaRPr lang="pt-PT"/>
           </a:p>
@@ -2016,7 +2021,7 @@
           <a:p>
             <a:fld id="{834E4636-1AC7-4593-8425-9A7E3B693646}" type="slidenum">
               <a:rPr lang="pt-PT" smtClean="0"/>
-              <a:t>‹nº›</a:t>
+              <a:t>‹#›</a:t>
             </a:fld>
             <a:endParaRPr lang="pt-PT"/>
           </a:p>
@@ -2129,7 +2134,7 @@
           <a:p>
             <a:fld id="{834E4636-1AC7-4593-8425-9A7E3B693646}" type="slidenum">
               <a:rPr lang="pt-PT" smtClean="0"/>
-              <a:t>‹nº›</a:t>
+              <a:t>‹#›</a:t>
             </a:fld>
             <a:endParaRPr lang="pt-PT"/>
           </a:p>
@@ -2440,7 +2445,7 @@
           <a:p>
             <a:fld id="{834E4636-1AC7-4593-8425-9A7E3B693646}" type="slidenum">
               <a:rPr lang="pt-PT" smtClean="0"/>
-              <a:t>‹nº›</a:t>
+              <a:t>‹#›</a:t>
             </a:fld>
             <a:endParaRPr lang="pt-PT"/>
           </a:p>
@@ -2728,7 +2733,7 @@
           <a:p>
             <a:fld id="{834E4636-1AC7-4593-8425-9A7E3B693646}" type="slidenum">
               <a:rPr lang="pt-PT" smtClean="0"/>
-              <a:t>‹nº›</a:t>
+              <a:t>‹#›</a:t>
             </a:fld>
             <a:endParaRPr lang="pt-PT"/>
           </a:p>
@@ -3005,7 +3010,7 @@
           <a:p>
             <a:fld id="{834E4636-1AC7-4593-8425-9A7E3B693646}" type="slidenum">
               <a:rPr lang="pt-PT" smtClean="0"/>
-              <a:t>‹nº›</a:t>
+              <a:t>‹#›</a:t>
             </a:fld>
             <a:endParaRPr lang="pt-PT"/>
           </a:p>
@@ -3702,95 +3707,124 @@
         </p:nvSpPr>
         <p:spPr>
           <a:xfrm>
-            <a:off x="217996" y="1163637"/>
+            <a:off x="217996" y="1280178"/>
             <a:ext cx="10116457" cy="4881563"/>
           </a:xfrm>
         </p:spPr>
         <p:txBody>
           <a:bodyPr>
-            <a:normAutofit lnSpcReduction="10000"/>
+            <a:normAutofit fontScale="92500" lnSpcReduction="10000"/>
           </a:bodyPr>
           <a:lstStyle/>
           <a:p>
-            <a:pPr algn="l"/>
+            <a:pPr marL="342900" indent="-342900" algn="l">
+              <a:lnSpc>
+                <a:spcPct val="110000"/>
+              </a:lnSpc>
+              <a:buFont typeface="Arial" panose="020B0604020202020204" pitchFamily="34" charset="0"/>
+              <a:buChar char="•"/>
+            </a:pPr>
             <a:r>
               <a:rPr lang="pt-PT" dirty="0"/>
               <a:t>Trabalho realizado</a:t>
             </a:r>
           </a:p>
           <a:p>
-            <a:pPr algn="l"/>
+            <a:pPr algn="l">
+              <a:lnSpc>
+                <a:spcPct val="110000"/>
+              </a:lnSpc>
+            </a:pPr>
             <a:r>
               <a:rPr lang="pt-PT" dirty="0"/>
               <a:t>	Versão base da aplicação servidora</a:t>
             </a:r>
           </a:p>
           <a:p>
-            <a:pPr algn="l"/>
+            <a:pPr algn="l">
+              <a:lnSpc>
+                <a:spcPct val="110000"/>
+              </a:lnSpc>
+            </a:pPr>
             <a:r>
               <a:rPr lang="pt-PT" dirty="0"/>
               <a:t>	Documentação da API</a:t>
             </a:r>
           </a:p>
           <a:p>
-            <a:pPr algn="l"/>
+            <a:pPr algn="l">
+              <a:lnSpc>
+                <a:spcPct val="110000"/>
+              </a:lnSpc>
+            </a:pPr>
             <a:r>
               <a:rPr lang="pt-PT" dirty="0"/>
               <a:t>	Autenticação</a:t>
             </a:r>
           </a:p>
           <a:p>
-            <a:pPr algn="l"/>
-            <a:r>
-              <a:rPr lang="pt-PT" dirty="0"/>
-              <a:t>	</a:t>
-            </a:r>
-            <a:r>
-              <a:rPr lang="pt-PT" dirty="0" err="1"/>
-              <a:t>Deploy</a:t>
-            </a:r>
-            <a:r>
-              <a:rPr lang="pt-PT" dirty="0"/>
-              <a:t> da versão demo do cliente web</a:t>
-            </a:r>
-          </a:p>
-          <a:p>
-            <a:pPr algn="l"/>
+            <a:pPr algn="l">
+              <a:lnSpc>
+                <a:spcPct val="110000"/>
+              </a:lnSpc>
+            </a:pPr>
             <a:r>
               <a:rPr lang="pt-PT" dirty="0"/>
               <a:t>	Testes unitários e de integração</a:t>
             </a:r>
           </a:p>
           <a:p>
-            <a:pPr algn="l"/>
+            <a:pPr marL="342900" indent="-342900" algn="l">
+              <a:lnSpc>
+                <a:spcPct val="110000"/>
+              </a:lnSpc>
+              <a:buFont typeface="Arial" panose="020B0604020202020204" pitchFamily="34" charset="0"/>
+              <a:buChar char="•"/>
+            </a:pPr>
             <a:r>
               <a:rPr lang="pt-PT" dirty="0"/>
               <a:t>Trabalho a realizar</a:t>
             </a:r>
           </a:p>
           <a:p>
-            <a:pPr algn="l"/>
+            <a:pPr algn="l">
+              <a:lnSpc>
+                <a:spcPct val="110000"/>
+              </a:lnSpc>
+            </a:pPr>
             <a:r>
               <a:rPr lang="pt-PT" dirty="0"/>
               <a:t>	Adicionar novas funcionalidades à API</a:t>
             </a:r>
           </a:p>
           <a:p>
-            <a:pPr algn="l"/>
+            <a:pPr algn="l">
+              <a:lnSpc>
+                <a:spcPct val="110000"/>
+              </a:lnSpc>
+            </a:pPr>
             <a:r>
               <a:rPr lang="pt-PT" dirty="0"/>
               <a:t>	Concluir o cliente web de modo a utilizar as novas funcionalidades</a:t>
             </a:r>
           </a:p>
           <a:p>
-            <a:pPr algn="l"/>
+            <a:pPr algn="l">
+              <a:lnSpc>
+                <a:spcPct val="110000"/>
+              </a:lnSpc>
+            </a:pPr>
             <a:r>
               <a:rPr lang="pt-PT" dirty="0"/>
               <a:t>	Documentação do projeto em geral</a:t>
             </a:r>
           </a:p>
           <a:p>
-            <a:pPr algn="l"/>
+            <a:pPr algn="l">
+              <a:lnSpc>
+                <a:spcPct val="110000"/>
+              </a:lnSpc>
+            </a:pPr>
             <a:r>
               <a:rPr lang="pt-PT" dirty="0"/>
               <a:t>	Teste da aplicação num ambiente profissional</a:t>
@@ -4040,7 +4074,7 @@
         </p:nvSpPr>
         <p:spPr>
           <a:xfrm>
-            <a:off x="217997" y="1029154"/>
+            <a:off x="217997" y="1441530"/>
             <a:ext cx="10493546" cy="1655762"/>
           </a:xfrm>
         </p:spPr>
@@ -4050,21 +4084,39 @@
           </a:bodyPr>
           <a:lstStyle/>
           <a:p>
-            <a:pPr algn="l"/>
+            <a:pPr marL="342900" indent="-342900" algn="l">
+              <a:lnSpc>
+                <a:spcPct val="100000"/>
+              </a:lnSpc>
+              <a:buFont typeface="Arial" panose="020B0604020202020204" pitchFamily="34" charset="0"/>
+              <a:buChar char="•"/>
+            </a:pPr>
             <a:r>
               <a:rPr lang="pt-PT" dirty="0"/>
               <a:t>Facilidade e eficiência na visualização e criação dos dados (UX)</a:t>
             </a:r>
           </a:p>
           <a:p>
-            <a:pPr algn="l"/>
+            <a:pPr marL="342900" indent="-342900" algn="l">
+              <a:lnSpc>
+                <a:spcPct val="100000"/>
+              </a:lnSpc>
+              <a:buFont typeface="Arial" panose="020B0604020202020204" pitchFamily="34" charset="0"/>
+              <a:buChar char="•"/>
+            </a:pPr>
             <a:r>
               <a:rPr lang="pt-PT" dirty="0"/>
               <a:t>Interação de membros do clube sem intervenção imediata dos administradores</a:t>
             </a:r>
           </a:p>
           <a:p>
-            <a:pPr algn="l"/>
+            <a:pPr marL="342900" indent="-342900" algn="l">
+              <a:lnSpc>
+                <a:spcPct val="100000"/>
+              </a:lnSpc>
+              <a:buFont typeface="Arial" panose="020B0604020202020204" pitchFamily="34" charset="0"/>
+              <a:buChar char="•"/>
+            </a:pPr>
             <a:r>
               <a:rPr lang="pt-PT" dirty="0"/>
               <a:t>Certificado de associação ao clube</a:t>
@@ -4202,7 +4254,7 @@
         </p:nvSpPr>
         <p:spPr>
           <a:xfrm>
-            <a:off x="217996" y="1060790"/>
+            <a:off x="217997" y="1302837"/>
             <a:ext cx="10464517" cy="4736420"/>
           </a:xfrm>
         </p:spPr>
@@ -4212,56 +4264,104 @@
           </a:bodyPr>
           <a:lstStyle/>
           <a:p>
-            <a:pPr algn="l"/>
+            <a:pPr marL="342900" indent="-342900" algn="l">
+              <a:lnSpc>
+                <a:spcPct val="100000"/>
+              </a:lnSpc>
+              <a:buFont typeface="Arial" panose="020B0604020202020204" pitchFamily="34" charset="0"/>
+              <a:buChar char="•"/>
+            </a:pPr>
             <a:r>
               <a:rPr lang="pt-PT" dirty="0"/>
               <a:t>Criação de membros, candidaturas, quotas, eventos, desportos</a:t>
             </a:r>
           </a:p>
           <a:p>
-            <a:pPr algn="l"/>
+            <a:pPr marL="342900" indent="-342900" algn="l">
+              <a:lnSpc>
+                <a:spcPct val="100000"/>
+              </a:lnSpc>
+              <a:buFont typeface="Arial" panose="020B0604020202020204" pitchFamily="34" charset="0"/>
+              <a:buChar char="•"/>
+            </a:pPr>
             <a:r>
               <a:rPr lang="pt-PT" dirty="0"/>
               <a:t>	Respetivas atualizações</a:t>
             </a:r>
           </a:p>
           <a:p>
-            <a:pPr algn="l"/>
+            <a:pPr marL="342900" indent="-342900" algn="l">
+              <a:lnSpc>
+                <a:spcPct val="100000"/>
+              </a:lnSpc>
+              <a:buFont typeface="Arial" panose="020B0604020202020204" pitchFamily="34" charset="0"/>
+              <a:buChar char="•"/>
+            </a:pPr>
             <a:r>
               <a:rPr lang="pt-PT" dirty="0"/>
               <a:t>Associação dos membros atletas presentes na federação e os seus respetivos desportos</a:t>
             </a:r>
           </a:p>
           <a:p>
-            <a:pPr algn="l"/>
+            <a:pPr marL="342900" indent="-342900" algn="l">
+              <a:lnSpc>
+                <a:spcPct val="100000"/>
+              </a:lnSpc>
+              <a:buFont typeface="Arial" panose="020B0604020202020204" pitchFamily="34" charset="0"/>
+              <a:buChar char="•"/>
+            </a:pPr>
             <a:r>
               <a:rPr lang="pt-PT" dirty="0"/>
               <a:t>Criação de um cartão de membro digital</a:t>
             </a:r>
           </a:p>
           <a:p>
-            <a:pPr algn="l"/>
+            <a:pPr marL="342900" indent="-342900" algn="l">
+              <a:lnSpc>
+                <a:spcPct val="100000"/>
+              </a:lnSpc>
+              <a:buFont typeface="Arial" panose="020B0604020202020204" pitchFamily="34" charset="0"/>
+              <a:buChar char="•"/>
+            </a:pPr>
             <a:r>
               <a:rPr lang="pt-PT" dirty="0"/>
               <a:t>	Permite obtenção de descontos em determinadas empresas parceiras.</a:t>
             </a:r>
           </a:p>
           <a:p>
-            <a:pPr algn="l"/>
+            <a:pPr marL="342900" indent="-342900" algn="l">
+              <a:lnSpc>
+                <a:spcPct val="100000"/>
+              </a:lnSpc>
+              <a:buFont typeface="Arial" panose="020B0604020202020204" pitchFamily="34" charset="0"/>
+              <a:buChar char="•"/>
+            </a:pPr>
             <a:r>
               <a:rPr lang="pt-PT" dirty="0"/>
               <a:t>Notificações por email de novos eventos e aprovação de candidatura</a:t>
             </a:r>
           </a:p>
           <a:p>
-            <a:pPr algn="l"/>
+            <a:pPr marL="342900" indent="-342900" algn="l">
+              <a:lnSpc>
+                <a:spcPct val="100000"/>
+              </a:lnSpc>
+              <a:buFont typeface="Arial" panose="020B0604020202020204" pitchFamily="34" charset="0"/>
+              <a:buChar char="•"/>
+            </a:pPr>
             <a:r>
               <a:rPr lang="pt-PT" dirty="0"/>
               <a:t>Análise de dados para fins estatísticos</a:t>
             </a:r>
           </a:p>
           <a:p>
-            <a:pPr algn="l"/>
+            <a:pPr marL="342900" indent="-342900" algn="l">
+              <a:lnSpc>
+                <a:spcPct val="100000"/>
+              </a:lnSpc>
+              <a:buFont typeface="Arial" panose="020B0604020202020204" pitchFamily="34" charset="0"/>
+              <a:buChar char="•"/>
+            </a:pPr>
             <a:r>
               <a:rPr lang="pt-PT" dirty="0"/>
               <a:t>Contactar administração através da aplicação</a:t>
@@ -4583,6 +4683,53 @@
           </a:p>
         </p:txBody>
       </p:sp>
+      <p:pic>
+        <p:nvPicPr>
+          <p:cNvPr id="1026" name="Picture 2">
+            <a:extLst>
+              <a:ext uri="{FF2B5EF4-FFF2-40B4-BE49-F238E27FC236}">
+                <a16:creationId xmlns:a16="http://schemas.microsoft.com/office/drawing/2014/main" id="{707697EA-9C7C-00B0-DCAB-8274725A7AC3}"/>
+              </a:ext>
+            </a:extLst>
+          </p:cNvPr>
+          <p:cNvPicPr>
+            <a:picLocks noChangeAspect="1" noChangeArrowheads="1"/>
+          </p:cNvPicPr>
+          <p:nvPr/>
+        </p:nvPicPr>
+        <p:blipFill>
+          <a:blip r:embed="rId4">
+            <a:extLst>
+              <a:ext uri="{28A0092B-C50C-407E-A947-70E740481C1C}">
+                <a14:useLocalDpi xmlns:a14="http://schemas.microsoft.com/office/drawing/2010/main" val="0"/>
+              </a:ext>
+            </a:extLst>
+          </a:blip>
+          <a:srcRect/>
+          <a:stretch>
+            <a:fillRect/>
+          </a:stretch>
+        </p:blipFill>
+        <p:spPr bwMode="auto">
+          <a:xfrm>
+            <a:off x="1376362" y="1440237"/>
+            <a:ext cx="9439275" cy="4676775"/>
+          </a:xfrm>
+          <a:prstGeom prst="rect">
+            <a:avLst/>
+          </a:prstGeom>
+          <a:noFill/>
+          <a:extLst>
+            <a:ext uri="{909E8E84-426E-40DD-AFC4-6F175D3DCCD1}">
+              <a14:hiddenFill xmlns:a14="http://schemas.microsoft.com/office/drawing/2010/main">
+                <a:solidFill>
+                  <a:srgbClr val="FFFFFF"/>
+                </a:solidFill>
+              </a14:hiddenFill>
+            </a:ext>
+          </a:extLst>
+        </p:spPr>
+      </p:pic>
     </p:spTree>
     <p:extLst>
       <p:ext uri="{BB962C8B-B14F-4D97-AF65-F5344CB8AC3E}">
@@ -4713,31 +4860,49 @@
         </p:nvSpPr>
         <p:spPr>
           <a:xfrm>
-            <a:off x="217997" y="1236209"/>
+            <a:off x="217997" y="1424468"/>
             <a:ext cx="9144000" cy="1655762"/>
           </a:xfrm>
         </p:spPr>
         <p:txBody>
           <a:bodyPr>
-            <a:normAutofit fontScale="77500" lnSpcReduction="20000"/>
+            <a:noAutofit/>
           </a:bodyPr>
           <a:lstStyle/>
           <a:p>
-            <a:pPr algn="l"/>
+            <a:pPr marL="342900" indent="-342900" algn="l">
+              <a:lnSpc>
+                <a:spcPct val="100000"/>
+              </a:lnSpc>
+              <a:buFont typeface="Arial" panose="020B0604020202020204" pitchFamily="34" charset="0"/>
+              <a:buChar char="•"/>
+            </a:pPr>
             <a:r>
               <a:rPr lang="pt-PT" dirty="0"/>
               <a:t>Abrangente a todos os clientes</a:t>
             </a:r>
           </a:p>
           <a:p>
-            <a:pPr algn="l"/>
+            <a:pPr marL="342900" indent="-342900" algn="l">
+              <a:lnSpc>
+                <a:spcPct val="100000"/>
+              </a:lnSpc>
+              <a:buFont typeface="Arial" panose="020B0604020202020204" pitchFamily="34" charset="0"/>
+              <a:buChar char="•"/>
+            </a:pPr>
             <a:r>
               <a:rPr lang="pt-PT" dirty="0"/>
               <a:t>Implementação da lógica e acesso a dados</a:t>
             </a:r>
           </a:p>
           <a:p>
-            <a:pPr algn="l"/>
+            <a:pPr marL="342900" indent="-342900" algn="l">
+              <a:lnSpc>
+                <a:spcPct val="100000"/>
+              </a:lnSpc>
+              <a:buFont typeface="Arial" panose="020B0604020202020204" pitchFamily="34" charset="0"/>
+              <a:buChar char="•"/>
+            </a:pPr>
             <a:r>
               <a:rPr lang="pt-PT" dirty="0"/>
               <a:t>Utilização da </a:t>
@@ -4760,7 +4925,13 @@
             </a:r>
           </a:p>
           <a:p>
-            <a:pPr algn="l"/>
+            <a:pPr marL="342900" indent="-342900" algn="l">
+              <a:lnSpc>
+                <a:spcPct val="100000"/>
+              </a:lnSpc>
+              <a:buFont typeface="Arial" panose="020B0604020202020204" pitchFamily="34" charset="0"/>
+              <a:buChar char="•"/>
+            </a:pPr>
             <a:r>
               <a:rPr lang="pt-PT" dirty="0"/>
               <a:t>Utilização de </a:t>
@@ -4775,7 +4946,13 @@
             </a:r>
           </a:p>
           <a:p>
-            <a:pPr algn="l"/>
+            <a:pPr marL="342900" indent="-342900" algn="l">
+              <a:lnSpc>
+                <a:spcPct val="100000"/>
+              </a:lnSpc>
+              <a:buFont typeface="Arial" panose="020B0604020202020204" pitchFamily="34" charset="0"/>
+              <a:buChar char="•"/>
+            </a:pPr>
             <a:r>
               <a:rPr lang="pt-PT" dirty="0"/>
               <a:t>Contém um estrutura modular para que a adição de novas funcionalidades seja simples</a:t>
@@ -4913,24 +5090,94 @@
         </p:nvSpPr>
         <p:spPr>
           <a:xfrm>
-            <a:off x="1524000" y="1976438"/>
-            <a:ext cx="9144000" cy="1655762"/>
+            <a:off x="217997" y="1416423"/>
+            <a:ext cx="11756006" cy="4697506"/>
           </a:xfrm>
         </p:spPr>
         <p:txBody>
           <a:bodyPr/>
           <a:lstStyle/>
           <a:p>
-            <a:r>
-              <a:rPr lang="pt-PT" dirty="0"/>
-              <a:t>Dificuldade </a:t>
-            </a:r>
-          </a:p>
-          <a:p>
-            <a:r>
-              <a:rPr lang="pt-PT" dirty="0"/>
-              <a:t>Facilitar a gestão dos membros</a:t>
-            </a:r>
+            <a:pPr marL="342900" indent="-342900" algn="l">
+              <a:lnSpc>
+                <a:spcPct val="100000"/>
+              </a:lnSpc>
+              <a:buFont typeface="Arial" panose="020B0604020202020204" pitchFamily="34" charset="0"/>
+              <a:buChar char="•"/>
+            </a:pPr>
+            <a:r>
+              <a:rPr lang="pt-PT" dirty="0"/>
+              <a:t>Realizado com o middleware PassportJs</a:t>
+            </a:r>
+          </a:p>
+          <a:p>
+            <a:pPr marL="342900" indent="-342900" algn="l">
+              <a:lnSpc>
+                <a:spcPct val="100000"/>
+              </a:lnSpc>
+              <a:buFont typeface="Arial" panose="020B0604020202020204" pitchFamily="34" charset="0"/>
+              <a:buChar char="•"/>
+            </a:pPr>
+            <a:r>
+              <a:rPr lang="pt-PT" dirty="0"/>
+              <a:t>Implementada uma estratégia local com username e password</a:t>
+            </a:r>
+          </a:p>
+          <a:p>
+            <a:pPr marL="342900" indent="-342900" algn="l">
+              <a:lnSpc>
+                <a:spcPct val="100000"/>
+              </a:lnSpc>
+              <a:buFont typeface="Arial" panose="020B0604020202020204" pitchFamily="34" charset="0"/>
+              <a:buChar char="•"/>
+            </a:pPr>
+            <a:r>
+              <a:rPr lang="pt-PT" dirty="0"/>
+              <a:t>Autenticação guardada na session</a:t>
+            </a:r>
+          </a:p>
+          <a:p>
+            <a:pPr marL="342900" indent="-342900" algn="l">
+              <a:lnSpc>
+                <a:spcPct val="100000"/>
+              </a:lnSpc>
+              <a:buFont typeface="Arial" panose="020B0604020202020204" pitchFamily="34" charset="0"/>
+              <a:buChar char="•"/>
+            </a:pPr>
+            <a:r>
+              <a:rPr lang="pt-PT" dirty="0"/>
+              <a:t>Diferentes utilizadores têm diferentes autorizacões</a:t>
+            </a:r>
+          </a:p>
+          <a:p>
+            <a:pPr marL="342900" indent="-342900" algn="l">
+              <a:lnSpc>
+                <a:spcPct val="100000"/>
+              </a:lnSpc>
+              <a:buFont typeface="Arial" panose="020B0604020202020204" pitchFamily="34" charset="0"/>
+              <a:buChar char="•"/>
+            </a:pPr>
+            <a:r>
+              <a:rPr lang="pt-PT" dirty="0"/>
+              <a:t>Admins têm permissão para visualizar todas as páginas e alterar o counteúdo de algumas</a:t>
+            </a:r>
+          </a:p>
+          <a:p>
+            <a:pPr marL="342900" indent="-342900" algn="l">
+              <a:lnSpc>
+                <a:spcPct val="100000"/>
+              </a:lnSpc>
+              <a:buFont typeface="Arial" panose="020B0604020202020204" pitchFamily="34" charset="0"/>
+              <a:buChar char="•"/>
+            </a:pPr>
+            <a:r>
+              <a:rPr lang="pt-PT" dirty="0"/>
+              <a:t>Membros normais, podem ver os diferentes desportos e visualizar/editar o seu próprio perfil</a:t>
+            </a:r>
+          </a:p>
+          <a:p>
+            <a:pPr algn="l"/>
+            <a:endParaRPr lang="pt-PT" dirty="0"/>
           </a:p>
         </p:txBody>
       </p:sp>
@@ -5064,7 +5311,7 @@
         </p:nvSpPr>
         <p:spPr>
           <a:xfrm>
-            <a:off x="217997" y="1029153"/>
+            <a:off x="217997" y="1199404"/>
             <a:ext cx="9144000" cy="5683703"/>
           </a:xfrm>
         </p:spPr>
@@ -5074,7 +5321,10 @@
           </a:bodyPr>
           <a:lstStyle/>
           <a:p>
-            <a:pPr algn="l"/>
+            <a:pPr marL="342900" indent="-342900" algn="l">
+              <a:buFont typeface="Arial" panose="020B0604020202020204" pitchFamily="34" charset="0"/>
+              <a:buChar char="•"/>
+            </a:pPr>
             <a:r>
               <a:rPr lang="pt-PT" dirty="0"/>
               <a:t>Aplicação híbrida</a:t>
@@ -5146,11 +5396,17 @@
             </a:r>
           </a:p>
           <a:p>
-            <a:pPr algn="l"/>
+            <a:pPr marL="342900" indent="-342900" algn="l">
+              <a:buFont typeface="Arial" panose="020B0604020202020204" pitchFamily="34" charset="0"/>
+              <a:buChar char="•"/>
+            </a:pPr>
             <a:endParaRPr lang="pt-PT" dirty="0"/>
           </a:p>
           <a:p>
-            <a:pPr algn="l"/>
+            <a:pPr marL="342900" indent="-342900" algn="l">
+              <a:buFont typeface="Arial" panose="020B0604020202020204" pitchFamily="34" charset="0"/>
+              <a:buChar char="•"/>
+            </a:pPr>
             <a:r>
               <a:rPr lang="pt-PT" dirty="0"/>
               <a:t>Desenvolvido com </a:t>
@@ -5162,11 +5418,17 @@
             <a:endParaRPr lang="pt-PT" dirty="0"/>
           </a:p>
           <a:p>
-            <a:pPr algn="l"/>
+            <a:pPr marL="342900" indent="-342900" algn="l">
+              <a:buFont typeface="Arial" panose="020B0604020202020204" pitchFamily="34" charset="0"/>
+              <a:buChar char="•"/>
+            </a:pPr>
             <a:endParaRPr lang="pt-PT" dirty="0"/>
           </a:p>
           <a:p>
-            <a:pPr algn="l"/>
+            <a:pPr marL="342900" indent="-342900" algn="l">
+              <a:buFont typeface="Arial" panose="020B0604020202020204" pitchFamily="34" charset="0"/>
+              <a:buChar char="•"/>
+            </a:pPr>
             <a:r>
               <a:rPr lang="pt-PT" dirty="0" err="1"/>
               <a:t>Routeamento</a:t>
@@ -5192,22 +5454,34 @@
             </a:r>
           </a:p>
           <a:p>
-            <a:pPr algn="l"/>
+            <a:pPr marL="342900" indent="-342900" algn="l">
+              <a:buFont typeface="Arial" panose="020B0604020202020204" pitchFamily="34" charset="0"/>
+              <a:buChar char="•"/>
+            </a:pPr>
             <a:endParaRPr lang="pt-PT" dirty="0"/>
           </a:p>
           <a:p>
-            <a:pPr algn="l"/>
+            <a:pPr marL="342900" indent="-342900" algn="l">
+              <a:buFont typeface="Arial" panose="020B0604020202020204" pitchFamily="34" charset="0"/>
+              <a:buChar char="•"/>
+            </a:pPr>
             <a:r>
               <a:rPr lang="pt-PT" dirty="0"/>
               <a:t>Servidor distinto da aplicação servidora</a:t>
             </a:r>
           </a:p>
           <a:p>
-            <a:pPr algn="l"/>
+            <a:pPr marL="342900" indent="-342900" algn="l">
+              <a:buFont typeface="Arial" panose="020B0604020202020204" pitchFamily="34" charset="0"/>
+              <a:buChar char="•"/>
+            </a:pPr>
             <a:endParaRPr lang="pt-PT" dirty="0"/>
           </a:p>
           <a:p>
-            <a:pPr algn="l"/>
+            <a:pPr marL="342900" indent="-342900" algn="l">
+              <a:buFont typeface="Arial" panose="020B0604020202020204" pitchFamily="34" charset="0"/>
+              <a:buChar char="•"/>
+            </a:pPr>
             <a:r>
               <a:rPr lang="pt-PT" dirty="0"/>
               <a:t>Aplicação responsiva</a:t>

--- a/docs/demonstracao-progresso.pptx
+++ b/docs/demonstracao-progresso.pptx
@@ -13837,15 +13837,15 @@
       </p:sp>
       <p:pic>
         <p:nvPicPr>
-          <p:cNvPr id="11" name="Picture 2">
+          <p:cNvPr id="15" name="Imagem 14">
             <a:extLst>
               <a:ext uri="{FF2B5EF4-FFF2-40B4-BE49-F238E27FC236}">
-                <a16:creationId xmlns:a16="http://schemas.microsoft.com/office/drawing/2014/main" id="{824B7F5E-4983-96B4-5E2C-5A54B18AF14E}"/>
+                <a16:creationId xmlns:a16="http://schemas.microsoft.com/office/drawing/2014/main" id="{5E3DE74F-5B2C-64F3-CCF2-D67C560CA1D6}"/>
               </a:ext>
             </a:extLst>
           </p:cNvPr>
           <p:cNvPicPr>
-            <a:picLocks noChangeAspect="1" noChangeArrowheads="1"/>
+            <a:picLocks noChangeAspect="1"/>
           </p:cNvPicPr>
           <p:nvPr/>
         </p:nvPicPr>
@@ -13857,29 +13857,18 @@
               </a:ext>
             </a:extLst>
           </a:blip>
-          <a:srcRect/>
           <a:stretch>
             <a:fillRect/>
           </a:stretch>
         </p:blipFill>
-        <p:spPr bwMode="auto">
+        <p:spPr>
           <a:xfrm>
-            <a:off x="1509394" y="1256732"/>
-            <a:ext cx="9439275" cy="4676775"/>
+            <a:off x="1697174" y="1400513"/>
+            <a:ext cx="8797651" cy="4358877"/>
           </a:xfrm>
           <a:prstGeom prst="rect">
             <a:avLst/>
           </a:prstGeom>
-          <a:noFill/>
-          <a:extLst>
-            <a:ext uri="{909E8E84-426E-40DD-AFC4-6F175D3DCCD1}">
-              <a14:hiddenFill xmlns:a14="http://schemas.microsoft.com/office/drawing/2010/main">
-                <a:solidFill>
-                  <a:srgbClr val="FFFFFF"/>
-                </a:solidFill>
-              </a14:hiddenFill>
-            </a:ext>
-          </a:extLst>
         </p:spPr>
       </p:pic>
     </p:spTree>

--- a/docs/demonstracao-progresso.pptx
+++ b/docs/demonstracao-progresso.pptx
@@ -5,21 +5,22 @@
     <p:sldMasterId id="2147483648" r:id="rId1"/>
   </p:sldMasterIdLst>
   <p:notesMasterIdLst>
-    <p:notesMasterId r:id="rId14"/>
+    <p:notesMasterId r:id="rId15"/>
   </p:notesMasterIdLst>
   <p:sldIdLst>
     <p:sldId id="256" r:id="rId2"/>
     <p:sldId id="257" r:id="rId3"/>
-    <p:sldId id="259" r:id="rId4"/>
-    <p:sldId id="269" r:id="rId5"/>
-    <p:sldId id="270" r:id="rId6"/>
-    <p:sldId id="271" r:id="rId7"/>
-    <p:sldId id="272" r:id="rId8"/>
-    <p:sldId id="273" r:id="rId9"/>
-    <p:sldId id="274" r:id="rId10"/>
-    <p:sldId id="265" r:id="rId11"/>
-    <p:sldId id="276" r:id="rId12"/>
-    <p:sldId id="275" r:id="rId13"/>
+    <p:sldId id="277" r:id="rId4"/>
+    <p:sldId id="259" r:id="rId5"/>
+    <p:sldId id="269" r:id="rId6"/>
+    <p:sldId id="270" r:id="rId7"/>
+    <p:sldId id="271" r:id="rId8"/>
+    <p:sldId id="272" r:id="rId9"/>
+    <p:sldId id="273" r:id="rId10"/>
+    <p:sldId id="274" r:id="rId11"/>
+    <p:sldId id="265" r:id="rId12"/>
+    <p:sldId id="276" r:id="rId13"/>
+    <p:sldId id="275" r:id="rId14"/>
   </p:sldIdLst>
   <p:sldSz cx="12192000" cy="6858000"/>
   <p:notesSz cx="6858000" cy="9144000"/>
@@ -137,6 +138,181 @@
 </p:presentation>
 </file>
 
+<file path=ppt/revisionInfo.xml><?xml version="1.0" encoding="utf-8"?>
+<p1510:revInfo xmlns:a="http://schemas.openxmlformats.org/drawingml/2006/main" xmlns:r="http://schemas.openxmlformats.org/officeDocument/2006/relationships" xmlns:p1510="http://schemas.microsoft.com/office/powerpoint/2015/10/main">
+  <p1510:revLst>
+    <p1510:client id="{0148AF80-8CDA-4419-B07C-C2F48B4631D7}" v="5" dt="2022-05-08T12:00:13.215"/>
+  </p1510:revLst>
+</p1510:revInfo>
+</file>
+
+<file path=ppt/changesInfos/changesInfo1.xml><?xml version="1.0" encoding="utf-8"?>
+<pc:chgInfo xmlns:a="http://schemas.openxmlformats.org/drawingml/2006/main" xmlns:r="http://schemas.openxmlformats.org/officeDocument/2006/relationships" xmlns:ac="http://schemas.microsoft.com/office/drawing/2013/main/command" xmlns:pc="http://schemas.microsoft.com/office/powerpoint/2013/main/command">
+  <pc:docChgLst>
+    <pc:chgData name="Miguel Sousa" userId="298a8bf888fb9d75" providerId="LiveId" clId="{0148AF80-8CDA-4419-B07C-C2F48B4631D7}"/>
+    <pc:docChg chg="custSel addSld modSld">
+      <pc:chgData name="Miguel Sousa" userId="298a8bf888fb9d75" providerId="LiveId" clId="{0148AF80-8CDA-4419-B07C-C2F48B4631D7}" dt="2022-05-08T12:00:13.214" v="643" actId="167"/>
+      <pc:docMkLst>
+        <pc:docMk/>
+      </pc:docMkLst>
+      <pc:sldChg chg="modSp mod">
+        <pc:chgData name="Miguel Sousa" userId="298a8bf888fb9d75" providerId="LiveId" clId="{0148AF80-8CDA-4419-B07C-C2F48B4631D7}" dt="2022-05-08T11:47:11.656" v="415" actId="20577"/>
+        <pc:sldMkLst>
+          <pc:docMk/>
+          <pc:sldMk cId="45181423" sldId="257"/>
+        </pc:sldMkLst>
+        <pc:spChg chg="mod">
+          <ac:chgData name="Miguel Sousa" userId="298a8bf888fb9d75" providerId="LiveId" clId="{0148AF80-8CDA-4419-B07C-C2F48B4631D7}" dt="2022-05-08T11:47:11.656" v="415" actId="20577"/>
+          <ac:spMkLst>
+            <pc:docMk/>
+            <pc:sldMk cId="45181423" sldId="257"/>
+            <ac:spMk id="5" creationId="{0BBF98B1-EA66-EABA-F256-D9EE9AB32E0B}"/>
+          </ac:spMkLst>
+        </pc:spChg>
+        <pc:spChg chg="mod">
+          <ac:chgData name="Miguel Sousa" userId="298a8bf888fb9d75" providerId="LiveId" clId="{0148AF80-8CDA-4419-B07C-C2F48B4631D7}" dt="2022-05-08T11:46:32.807" v="414" actId="790"/>
+          <ac:spMkLst>
+            <pc:docMk/>
+            <pc:sldMk cId="45181423" sldId="257"/>
+            <ac:spMk id="7" creationId="{5E9F3F82-83AB-94B9-0DBF-3C54F3C19F86}"/>
+          </ac:spMkLst>
+        </pc:spChg>
+        <pc:spChg chg="mod">
+          <ac:chgData name="Miguel Sousa" userId="298a8bf888fb9d75" providerId="LiveId" clId="{0148AF80-8CDA-4419-B07C-C2F48B4631D7}" dt="2022-05-08T11:26:03.927" v="212" actId="207"/>
+          <ac:spMkLst>
+            <pc:docMk/>
+            <pc:sldMk cId="45181423" sldId="257"/>
+            <ac:spMk id="8" creationId="{4276997B-0BD4-162E-DB26-8526791DDE0F}"/>
+          </ac:spMkLst>
+        </pc:spChg>
+        <pc:spChg chg="mod">
+          <ac:chgData name="Miguel Sousa" userId="298a8bf888fb9d75" providerId="LiveId" clId="{0148AF80-8CDA-4419-B07C-C2F48B4631D7}" dt="2022-05-08T11:26:08.430" v="213" actId="207"/>
+          <ac:spMkLst>
+            <pc:docMk/>
+            <pc:sldMk cId="45181423" sldId="257"/>
+            <ac:spMk id="9" creationId="{3652B72F-A6BE-112F-AEC4-3B05341B103C}"/>
+          </ac:spMkLst>
+        </pc:spChg>
+        <pc:spChg chg="mod">
+          <ac:chgData name="Miguel Sousa" userId="298a8bf888fb9d75" providerId="LiveId" clId="{0148AF80-8CDA-4419-B07C-C2F48B4631D7}" dt="2022-05-08T11:25:44.408" v="209" actId="207"/>
+          <ac:spMkLst>
+            <pc:docMk/>
+            <pc:sldMk cId="45181423" sldId="257"/>
+            <ac:spMk id="11" creationId="{23BD3530-BEC0-C1FB-DB60-448B01E7615C}"/>
+          </ac:spMkLst>
+        </pc:spChg>
+        <pc:spChg chg="mod">
+          <ac:chgData name="Miguel Sousa" userId="298a8bf888fb9d75" providerId="LiveId" clId="{0148AF80-8CDA-4419-B07C-C2F48B4631D7}" dt="2022-05-08T11:25:50.876" v="210" actId="207"/>
+          <ac:spMkLst>
+            <pc:docMk/>
+            <pc:sldMk cId="45181423" sldId="257"/>
+            <ac:spMk id="12" creationId="{4579D2A2-EB27-A7CE-84EF-AEC0C78021E7}"/>
+          </ac:spMkLst>
+        </pc:spChg>
+      </pc:sldChg>
+      <pc:sldChg chg="modSp mod">
+        <pc:chgData name="Miguel Sousa" userId="298a8bf888fb9d75" providerId="LiveId" clId="{0148AF80-8CDA-4419-B07C-C2F48B4631D7}" dt="2022-05-08T11:50:39.716" v="489" actId="20577"/>
+        <pc:sldMkLst>
+          <pc:docMk/>
+          <pc:sldMk cId="2657622565" sldId="271"/>
+        </pc:sldMkLst>
+        <pc:spChg chg="mod">
+          <ac:chgData name="Miguel Sousa" userId="298a8bf888fb9d75" providerId="LiveId" clId="{0148AF80-8CDA-4419-B07C-C2F48B4631D7}" dt="2022-05-08T11:50:39.716" v="489" actId="20577"/>
+          <ac:spMkLst>
+            <pc:docMk/>
+            <pc:sldMk cId="2657622565" sldId="271"/>
+            <ac:spMk id="5" creationId="{0BBF98B1-EA66-EABA-F256-D9EE9AB32E0B}"/>
+          </ac:spMkLst>
+        </pc:spChg>
+      </pc:sldChg>
+      <pc:sldChg chg="modSp mod">
+        <pc:chgData name="Miguel Sousa" userId="298a8bf888fb9d75" providerId="LiveId" clId="{0148AF80-8CDA-4419-B07C-C2F48B4631D7}" dt="2022-05-08T11:54:52.935" v="600" actId="20577"/>
+        <pc:sldMkLst>
+          <pc:docMk/>
+          <pc:sldMk cId="717832360" sldId="272"/>
+        </pc:sldMkLst>
+        <pc:spChg chg="mod">
+          <ac:chgData name="Miguel Sousa" userId="298a8bf888fb9d75" providerId="LiveId" clId="{0148AF80-8CDA-4419-B07C-C2F48B4631D7}" dt="2022-05-08T11:54:52.935" v="600" actId="20577"/>
+          <ac:spMkLst>
+            <pc:docMk/>
+            <pc:sldMk cId="717832360" sldId="272"/>
+            <ac:spMk id="5" creationId="{0BBF98B1-EA66-EABA-F256-D9EE9AB32E0B}"/>
+          </ac:spMkLst>
+        </pc:spChg>
+      </pc:sldChg>
+      <pc:sldChg chg="modSp mod">
+        <pc:chgData name="Miguel Sousa" userId="298a8bf888fb9d75" providerId="LiveId" clId="{0148AF80-8CDA-4419-B07C-C2F48B4631D7}" dt="2022-05-08T11:59:30.545" v="637" actId="20577"/>
+        <pc:sldMkLst>
+          <pc:docMk/>
+          <pc:sldMk cId="1901076948" sldId="273"/>
+        </pc:sldMkLst>
+        <pc:spChg chg="mod">
+          <ac:chgData name="Miguel Sousa" userId="298a8bf888fb9d75" providerId="LiveId" clId="{0148AF80-8CDA-4419-B07C-C2F48B4631D7}" dt="2022-05-08T11:59:30.545" v="637" actId="20577"/>
+          <ac:spMkLst>
+            <pc:docMk/>
+            <pc:sldMk cId="1901076948" sldId="273"/>
+            <ac:spMk id="5" creationId="{0BBF98B1-EA66-EABA-F256-D9EE9AB32E0B}"/>
+          </ac:spMkLst>
+        </pc:spChg>
+      </pc:sldChg>
+      <pc:sldChg chg="addSp delSp modSp mod">
+        <pc:chgData name="Miguel Sousa" userId="298a8bf888fb9d75" providerId="LiveId" clId="{0148AF80-8CDA-4419-B07C-C2F48B4631D7}" dt="2022-05-08T12:00:13.214" v="643" actId="167"/>
+        <pc:sldMkLst>
+          <pc:docMk/>
+          <pc:sldMk cId="3481042323" sldId="274"/>
+        </pc:sldMkLst>
+        <pc:picChg chg="del">
+          <ac:chgData name="Miguel Sousa" userId="298a8bf888fb9d75" providerId="LiveId" clId="{0148AF80-8CDA-4419-B07C-C2F48B4631D7}" dt="2022-05-08T11:59:45.311" v="638" actId="478"/>
+          <ac:picMkLst>
+            <pc:docMk/>
+            <pc:sldMk cId="3481042323" sldId="274"/>
+            <ac:picMk id="11" creationId="{D8CFE733-63D6-8110-B77A-29B609D05611}"/>
+          </ac:picMkLst>
+        </pc:picChg>
+        <pc:picChg chg="add mod">
+          <ac:chgData name="Miguel Sousa" userId="298a8bf888fb9d75" providerId="LiveId" clId="{0148AF80-8CDA-4419-B07C-C2F48B4631D7}" dt="2022-05-08T12:00:13.214" v="643" actId="167"/>
+          <ac:picMkLst>
+            <pc:docMk/>
+            <pc:sldMk cId="3481042323" sldId="274"/>
+            <ac:picMk id="1026" creationId="{AF74877F-327F-DAB4-E0E4-3B96516D9570}"/>
+          </ac:picMkLst>
+        </pc:picChg>
+      </pc:sldChg>
+      <pc:sldChg chg="modSp mod">
+        <pc:chgData name="Miguel Sousa" userId="298a8bf888fb9d75" providerId="LiveId" clId="{0148AF80-8CDA-4419-B07C-C2F48B4631D7}" dt="2022-05-08T11:35:55.733" v="236" actId="20577"/>
+        <pc:sldMkLst>
+          <pc:docMk/>
+          <pc:sldMk cId="297441997" sldId="276"/>
+        </pc:sldMkLst>
+        <pc:spChg chg="mod">
+          <ac:chgData name="Miguel Sousa" userId="298a8bf888fb9d75" providerId="LiveId" clId="{0148AF80-8CDA-4419-B07C-C2F48B4631D7}" dt="2022-05-08T11:35:55.733" v="236" actId="20577"/>
+          <ac:spMkLst>
+            <pc:docMk/>
+            <pc:sldMk cId="297441997" sldId="276"/>
+            <ac:spMk id="5" creationId="{0BBF98B1-EA66-EABA-F256-D9EE9AB32E0B}"/>
+          </ac:spMkLst>
+        </pc:spChg>
+      </pc:sldChg>
+      <pc:sldChg chg="modSp add mod">
+        <pc:chgData name="Miguel Sousa" userId="298a8bf888fb9d75" providerId="LiveId" clId="{0148AF80-8CDA-4419-B07C-C2F48B4631D7}" dt="2022-05-08T11:46:15.589" v="411" actId="790"/>
+        <pc:sldMkLst>
+          <pc:docMk/>
+          <pc:sldMk cId="3231315417" sldId="277"/>
+        </pc:sldMkLst>
+        <pc:spChg chg="mod">
+          <ac:chgData name="Miguel Sousa" userId="298a8bf888fb9d75" providerId="LiveId" clId="{0148AF80-8CDA-4419-B07C-C2F48B4631D7}" dt="2022-05-08T11:46:15.589" v="411" actId="790"/>
+          <ac:spMkLst>
+            <pc:docMk/>
+            <pc:sldMk cId="3231315417" sldId="277"/>
+            <ac:spMk id="7" creationId="{5E9F3F82-83AB-94B9-0DBF-3C54F3C19F86}"/>
+          </ac:spMkLst>
+        </pc:spChg>
+      </pc:sldChg>
+    </pc:docChg>
+  </pc:docChgLst>
+</pc:chgInfo>
+</file>
+
 <file path=ppt/notesMasters/notesMaster1.xml><?xml version="1.0" encoding="utf-8"?>
 <p:notesMaster xmlns:a="http://schemas.openxmlformats.org/drawingml/2006/main" xmlns:r="http://schemas.openxmlformats.org/officeDocument/2006/relationships" xmlns:p="http://schemas.openxmlformats.org/presentationml/2006/main">
   <p:cSld>
@@ -377,7 +553,7 @@
           <a:p>
             <a:fld id="{94CA1B7B-AC94-4A5F-A3AF-BA18A1FB115E}" type="slidenum">
               <a:rPr lang="pt-PT" smtClean="0"/>
-              <a:t>‹nº›</a:t>
+              <a:t>‹#›</a:t>
             </a:fld>
             <a:endParaRPr lang="pt-PT"/>
           </a:p>
@@ -551,7 +727,7 @@
           <a:p>
             <a:fld id="{94CA1B7B-AC94-4A5F-A3AF-BA18A1FB115E}" type="slidenum">
               <a:rPr lang="pt-PT" smtClean="0"/>
-              <a:t>3</a:t>
+              <a:t>4</a:t>
             </a:fld>
             <a:endParaRPr lang="pt-PT"/>
           </a:p>
@@ -635,7 +811,7 @@
           <a:p>
             <a:fld id="{94CA1B7B-AC94-4A5F-A3AF-BA18A1FB115E}" type="slidenum">
               <a:rPr lang="pt-PT" smtClean="0"/>
-              <a:t>12</a:t>
+              <a:t>13</a:t>
             </a:fld>
             <a:endParaRPr lang="pt-PT"/>
           </a:p>
@@ -719,7 +895,7 @@
           <a:p>
             <a:fld id="{94CA1B7B-AC94-4A5F-A3AF-BA18A1FB115E}" type="slidenum">
               <a:rPr lang="pt-PT" smtClean="0"/>
-              <a:t>4</a:t>
+              <a:t>5</a:t>
             </a:fld>
             <a:endParaRPr lang="pt-PT"/>
           </a:p>
@@ -803,7 +979,7 @@
           <a:p>
             <a:fld id="{94CA1B7B-AC94-4A5F-A3AF-BA18A1FB115E}" type="slidenum">
               <a:rPr lang="pt-PT" smtClean="0"/>
-              <a:t>5</a:t>
+              <a:t>6</a:t>
             </a:fld>
             <a:endParaRPr lang="pt-PT"/>
           </a:p>
@@ -887,7 +1063,7 @@
           <a:p>
             <a:fld id="{94CA1B7B-AC94-4A5F-A3AF-BA18A1FB115E}" type="slidenum">
               <a:rPr lang="pt-PT" smtClean="0"/>
-              <a:t>6</a:t>
+              <a:t>7</a:t>
             </a:fld>
             <a:endParaRPr lang="pt-PT"/>
           </a:p>
@@ -971,7 +1147,7 @@
           <a:p>
             <a:fld id="{94CA1B7B-AC94-4A5F-A3AF-BA18A1FB115E}" type="slidenum">
               <a:rPr lang="pt-PT" smtClean="0"/>
-              <a:t>7</a:t>
+              <a:t>8</a:t>
             </a:fld>
             <a:endParaRPr lang="pt-PT"/>
           </a:p>
@@ -1055,7 +1231,7 @@
           <a:p>
             <a:fld id="{94CA1B7B-AC94-4A5F-A3AF-BA18A1FB115E}" type="slidenum">
               <a:rPr lang="pt-PT" smtClean="0"/>
-              <a:t>8</a:t>
+              <a:t>9</a:t>
             </a:fld>
             <a:endParaRPr lang="pt-PT"/>
           </a:p>
@@ -1139,7 +1315,7 @@
           <a:p>
             <a:fld id="{94CA1B7B-AC94-4A5F-A3AF-BA18A1FB115E}" type="slidenum">
               <a:rPr lang="pt-PT" smtClean="0"/>
-              <a:t>9</a:t>
+              <a:t>10</a:t>
             </a:fld>
             <a:endParaRPr lang="pt-PT"/>
           </a:p>
@@ -1223,7 +1399,7 @@
           <a:p>
             <a:fld id="{94CA1B7B-AC94-4A5F-A3AF-BA18A1FB115E}" type="slidenum">
               <a:rPr lang="pt-PT" smtClean="0"/>
-              <a:t>10</a:t>
+              <a:t>11</a:t>
             </a:fld>
             <a:endParaRPr lang="pt-PT"/>
           </a:p>
@@ -1307,7 +1483,7 @@
           <a:p>
             <a:fld id="{94CA1B7B-AC94-4A5F-A3AF-BA18A1FB115E}" type="slidenum">
               <a:rPr lang="pt-PT" smtClean="0"/>
-              <a:t>11</a:t>
+              <a:t>12</a:t>
             </a:fld>
             <a:endParaRPr lang="pt-PT"/>
           </a:p>
@@ -1527,7 +1703,7 @@
           <a:p>
             <a:fld id="{834E4636-1AC7-4593-8425-9A7E3B693646}" type="slidenum">
               <a:rPr lang="pt-PT" smtClean="0"/>
-              <a:t>‹nº›</a:t>
+              <a:t>‹#›</a:t>
             </a:fld>
             <a:endParaRPr lang="pt-PT"/>
           </a:p>
@@ -1725,7 +1901,7 @@
           <a:p>
             <a:fld id="{834E4636-1AC7-4593-8425-9A7E3B693646}" type="slidenum">
               <a:rPr lang="pt-PT" smtClean="0"/>
-              <a:t>‹nº›</a:t>
+              <a:t>‹#›</a:t>
             </a:fld>
             <a:endParaRPr lang="pt-PT"/>
           </a:p>
@@ -1933,7 +2109,7 @@
           <a:p>
             <a:fld id="{834E4636-1AC7-4593-8425-9A7E3B693646}" type="slidenum">
               <a:rPr lang="pt-PT" smtClean="0"/>
-              <a:t>‹nº›</a:t>
+              <a:t>‹#›</a:t>
             </a:fld>
             <a:endParaRPr lang="pt-PT"/>
           </a:p>
@@ -2131,7 +2307,7 @@
           <a:p>
             <a:fld id="{834E4636-1AC7-4593-8425-9A7E3B693646}" type="slidenum">
               <a:rPr lang="pt-PT" smtClean="0"/>
-              <a:t>‹nº›</a:t>
+              <a:t>‹#›</a:t>
             </a:fld>
             <a:endParaRPr lang="pt-PT"/>
           </a:p>
@@ -2406,7 +2582,7 @@
           <a:p>
             <a:fld id="{834E4636-1AC7-4593-8425-9A7E3B693646}" type="slidenum">
               <a:rPr lang="pt-PT" smtClean="0"/>
-              <a:t>‹nº›</a:t>
+              <a:t>‹#›</a:t>
             </a:fld>
             <a:endParaRPr lang="pt-PT"/>
           </a:p>
@@ -2671,7 +2847,7 @@
           <a:p>
             <a:fld id="{834E4636-1AC7-4593-8425-9A7E3B693646}" type="slidenum">
               <a:rPr lang="pt-PT" smtClean="0"/>
-              <a:t>‹nº›</a:t>
+              <a:t>‹#›</a:t>
             </a:fld>
             <a:endParaRPr lang="pt-PT"/>
           </a:p>
@@ -3083,7 +3259,7 @@
           <a:p>
             <a:fld id="{834E4636-1AC7-4593-8425-9A7E3B693646}" type="slidenum">
               <a:rPr lang="pt-PT" smtClean="0"/>
-              <a:t>‹nº›</a:t>
+              <a:t>‹#›</a:t>
             </a:fld>
             <a:endParaRPr lang="pt-PT"/>
           </a:p>
@@ -3224,7 +3400,7 @@
           <a:p>
             <a:fld id="{834E4636-1AC7-4593-8425-9A7E3B693646}" type="slidenum">
               <a:rPr lang="pt-PT" smtClean="0"/>
-              <a:t>‹nº›</a:t>
+              <a:t>‹#›</a:t>
             </a:fld>
             <a:endParaRPr lang="pt-PT"/>
           </a:p>
@@ -3337,7 +3513,7 @@
           <a:p>
             <a:fld id="{834E4636-1AC7-4593-8425-9A7E3B693646}" type="slidenum">
               <a:rPr lang="pt-PT" smtClean="0"/>
-              <a:t>‹nº›</a:t>
+              <a:t>‹#›</a:t>
             </a:fld>
             <a:endParaRPr lang="pt-PT"/>
           </a:p>
@@ -3648,7 +3824,7 @@
           <a:p>
             <a:fld id="{834E4636-1AC7-4593-8425-9A7E3B693646}" type="slidenum">
               <a:rPr lang="pt-PT" smtClean="0"/>
-              <a:t>‹nº›</a:t>
+              <a:t>‹#›</a:t>
             </a:fld>
             <a:endParaRPr lang="pt-PT"/>
           </a:p>
@@ -3936,7 +4112,7 @@
           <a:p>
             <a:fld id="{834E4636-1AC7-4593-8425-9A7E3B693646}" type="slidenum">
               <a:rPr lang="pt-PT" smtClean="0"/>
-              <a:t>‹nº›</a:t>
+              <a:t>‹#›</a:t>
             </a:fld>
             <a:endParaRPr lang="pt-PT"/>
           </a:p>
@@ -4213,7 +4389,7 @@
           <a:p>
             <a:fld id="{834E4636-1AC7-4593-8425-9A7E3B693646}" type="slidenum">
               <a:rPr lang="pt-PT" smtClean="0"/>
-              <a:t>‹nº›</a:t>
+              <a:t>‹#›</a:t>
             </a:fld>
             <a:endParaRPr lang="pt-PT"/>
           </a:p>
@@ -6075,6 +6251,1093 @@
           <a:chExt cx="0" cy="0"/>
         </a:xfrm>
       </p:grpSpPr>
+      <p:pic>
+        <p:nvPicPr>
+          <p:cNvPr id="1026" name="Picture 2">
+            <a:extLst>
+              <a:ext uri="{FF2B5EF4-FFF2-40B4-BE49-F238E27FC236}">
+                <a16:creationId xmlns:a16="http://schemas.microsoft.com/office/drawing/2014/main" id="{AF74877F-327F-DAB4-E0E4-3B96516D9570}"/>
+              </a:ext>
+            </a:extLst>
+          </p:cNvPr>
+          <p:cNvPicPr>
+            <a:picLocks noChangeAspect="1" noChangeArrowheads="1"/>
+          </p:cNvPicPr>
+          <p:nvPr/>
+        </p:nvPicPr>
+        <p:blipFill>
+          <a:blip r:embed="rId3">
+            <a:extLst>
+              <a:ext uri="{28A0092B-C50C-407E-A947-70E740481C1C}">
+                <a14:useLocalDpi xmlns:a14="http://schemas.microsoft.com/office/drawing/2010/main" val="0"/>
+              </a:ext>
+            </a:extLst>
+          </a:blip>
+          <a:srcRect/>
+          <a:stretch>
+            <a:fillRect/>
+          </a:stretch>
+        </p:blipFill>
+        <p:spPr bwMode="auto">
+          <a:xfrm>
+            <a:off x="2734181" y="3141436"/>
+            <a:ext cx="6183261" cy="3359912"/>
+          </a:xfrm>
+          <a:prstGeom prst="rect">
+            <a:avLst/>
+          </a:prstGeom>
+          <a:noFill/>
+          <a:extLst>
+            <a:ext uri="{909E8E84-426E-40DD-AFC4-6F175D3DCCD1}">
+              <a14:hiddenFill xmlns:a14="http://schemas.microsoft.com/office/drawing/2010/main">
+                <a:solidFill>
+                  <a:srgbClr val="FFFFFF"/>
+                </a:solidFill>
+              </a14:hiddenFill>
+            </a:ext>
+          </a:extLst>
+        </p:spPr>
+      </p:pic>
+      <p:sp>
+        <p:nvSpPr>
+          <p:cNvPr id="10" name="Google Shape;1463;p74">
+            <a:extLst>
+              <a:ext uri="{FF2B5EF4-FFF2-40B4-BE49-F238E27FC236}">
+                <a16:creationId xmlns:a16="http://schemas.microsoft.com/office/drawing/2014/main" id="{643C1A7C-0827-BEE8-C235-6F25C8D9BCB5}"/>
+              </a:ext>
+            </a:extLst>
+          </p:cNvPr>
+          <p:cNvSpPr/>
+          <p:nvPr/>
+        </p:nvSpPr>
+        <p:spPr>
+          <a:xfrm>
+            <a:off x="-702050" y="4373217"/>
+            <a:ext cx="3536281" cy="2484784"/>
+          </a:xfrm>
+          <a:custGeom>
+            <a:avLst/>
+            <a:gdLst/>
+            <a:ahLst/>
+            <a:cxnLst/>
+            <a:rect l="l" t="t" r="r" b="b"/>
+            <a:pathLst>
+              <a:path w="119881" h="113309" extrusionOk="0">
+                <a:moveTo>
+                  <a:pt x="20594" y="1"/>
+                </a:moveTo>
+                <a:cubicBezTo>
+                  <a:pt x="16552" y="1"/>
+                  <a:pt x="12368" y="1147"/>
+                  <a:pt x="9149" y="2790"/>
+                </a:cubicBezTo>
+                <a:cubicBezTo>
+                  <a:pt x="5471" y="4675"/>
+                  <a:pt x="1915" y="7836"/>
+                  <a:pt x="0" y="11605"/>
+                </a:cubicBezTo>
+                <a:lnTo>
+                  <a:pt x="0" y="113308"/>
+                </a:lnTo>
+                <a:lnTo>
+                  <a:pt x="117935" y="113308"/>
+                </a:lnTo>
+                <a:cubicBezTo>
+                  <a:pt x="117935" y="113308"/>
+                  <a:pt x="119881" y="98901"/>
+                  <a:pt x="102008" y="94250"/>
+                </a:cubicBezTo>
+                <a:cubicBezTo>
+                  <a:pt x="89485" y="90968"/>
+                  <a:pt x="95139" y="77472"/>
+                  <a:pt x="92190" y="68141"/>
+                </a:cubicBezTo>
+                <a:cubicBezTo>
+                  <a:pt x="88773" y="57366"/>
+                  <a:pt x="78869" y="50808"/>
+                  <a:pt x="68440" y="50808"/>
+                </a:cubicBezTo>
+                <a:cubicBezTo>
+                  <a:pt x="64953" y="50808"/>
+                  <a:pt x="61407" y="51541"/>
+                  <a:pt x="58025" y="53095"/>
+                </a:cubicBezTo>
+                <a:cubicBezTo>
+                  <a:pt x="53166" y="55347"/>
+                  <a:pt x="45940" y="60409"/>
+                  <a:pt x="39678" y="60409"/>
+                </a:cubicBezTo>
+                <a:cubicBezTo>
+                  <a:pt x="37911" y="60409"/>
+                  <a:pt x="36220" y="60005"/>
+                  <a:pt x="34681" y="59022"/>
+                </a:cubicBezTo>
+                <a:cubicBezTo>
+                  <a:pt x="26323" y="53703"/>
+                  <a:pt x="32341" y="38991"/>
+                  <a:pt x="33770" y="31635"/>
+                </a:cubicBezTo>
+                <a:cubicBezTo>
+                  <a:pt x="35381" y="23459"/>
+                  <a:pt x="36900" y="14249"/>
+                  <a:pt x="32858" y="6498"/>
+                </a:cubicBezTo>
+                <a:cubicBezTo>
+                  <a:pt x="30386" y="1757"/>
+                  <a:pt x="25599" y="1"/>
+                  <a:pt x="20594" y="1"/>
+                </a:cubicBezTo>
+                <a:close/>
+              </a:path>
+            </a:pathLst>
+          </a:custGeom>
+          <a:solidFill>
+            <a:srgbClr val="3F4853"/>
+          </a:solidFill>
+          <a:ln>
+            <a:noFill/>
+          </a:ln>
+        </p:spPr>
+        <p:txBody>
+          <a:bodyPr spcFirstLastPara="1" wrap="square" lIns="91425" tIns="91425" rIns="91425" bIns="91425" anchor="ctr" anchorCtr="0">
+            <a:noAutofit/>
+          </a:bodyPr>
+          <a:lstStyle/>
+          <a:p>
+            <a:pPr marL="0" marR="0" lvl="0" indent="0" defTabSz="914400" eaLnBrk="1" fontAlgn="auto" latinLnBrk="0" hangingPunct="1">
+              <a:lnSpc>
+                <a:spcPct val="100000"/>
+              </a:lnSpc>
+              <a:spcBef>
+                <a:spcPts val="0"/>
+              </a:spcBef>
+              <a:spcAft>
+                <a:spcPts val="0"/>
+              </a:spcAft>
+              <a:buClr>
+                <a:srgbClr val="000000"/>
+              </a:buClr>
+              <a:buSzTx/>
+              <a:buFont typeface="Arial"/>
+              <a:buNone/>
+              <a:tabLst/>
+              <a:defRPr/>
+            </a:pPr>
+            <a:endParaRPr kumimoji="0" sz="1400" b="0" i="0" u="none" strike="noStrike" kern="0" cap="none" spc="0" normalizeH="0" baseline="0" noProof="0">
+              <a:ln>
+                <a:noFill/>
+              </a:ln>
+              <a:solidFill>
+                <a:srgbClr val="000000"/>
+              </a:solidFill>
+              <a:effectLst/>
+              <a:uLnTx/>
+              <a:uFillTx/>
+              <a:latin typeface="Arial"/>
+              <a:cs typeface="Arial"/>
+              <a:sym typeface="Arial"/>
+            </a:endParaRPr>
+          </a:p>
+        </p:txBody>
+      </p:sp>
+      <p:sp>
+        <p:nvSpPr>
+          <p:cNvPr id="5" name="Subtítulo 4">
+            <a:extLst>
+              <a:ext uri="{FF2B5EF4-FFF2-40B4-BE49-F238E27FC236}">
+                <a16:creationId xmlns:a16="http://schemas.microsoft.com/office/drawing/2014/main" id="{0BBF98B1-EA66-EABA-F256-D9EE9AB32E0B}"/>
+              </a:ext>
+            </a:extLst>
+          </p:cNvPr>
+          <p:cNvSpPr>
+            <a:spLocks noGrp="1"/>
+          </p:cNvSpPr>
+          <p:nvPr>
+            <p:ph type="subTitle" idx="1"/>
+          </p:nvPr>
+        </p:nvSpPr>
+        <p:spPr>
+          <a:xfrm>
+            <a:off x="593554" y="1256732"/>
+            <a:ext cx="10464517" cy="4736420"/>
+          </a:xfrm>
+        </p:spPr>
+        <p:txBody>
+          <a:bodyPr>
+            <a:normAutofit/>
+          </a:bodyPr>
+          <a:lstStyle/>
+          <a:p>
+            <a:pPr marL="342900" indent="-342900" algn="l">
+              <a:lnSpc>
+                <a:spcPct val="100000"/>
+              </a:lnSpc>
+              <a:buSzPct val="100000"/>
+              <a:buFont typeface="Tahoma" panose="020B0604030504040204" pitchFamily="34" charset="0"/>
+              <a:buChar char="●"/>
+            </a:pPr>
+            <a:r>
+              <a:rPr lang="pt-PT" sz="2000" dirty="0">
+                <a:latin typeface="Arial" panose="020B0604020202020204" pitchFamily="34" charset="0"/>
+                <a:cs typeface="Arial" panose="020B0604020202020204" pitchFamily="34" charset="0"/>
+              </a:rPr>
+              <a:t>Realizado com o uso de </a:t>
+            </a:r>
+            <a:r>
+              <a:rPr lang="pt-PT" sz="2000" dirty="0" err="1">
+                <a:latin typeface="Arial" panose="020B0604020202020204" pitchFamily="34" charset="0"/>
+                <a:cs typeface="Arial" panose="020B0604020202020204" pitchFamily="34" charset="0"/>
+              </a:rPr>
+              <a:t>react-redux</a:t>
+            </a:r>
+            <a:endParaRPr lang="pt-PT" sz="2000" dirty="0">
+              <a:latin typeface="Arial" panose="020B0604020202020204" pitchFamily="34" charset="0"/>
+              <a:cs typeface="Arial" panose="020B0604020202020204" pitchFamily="34" charset="0"/>
+            </a:endParaRPr>
+          </a:p>
+          <a:p>
+            <a:pPr marL="800100" lvl="1" indent="-342900" algn="l">
+              <a:lnSpc>
+                <a:spcPct val="100000"/>
+              </a:lnSpc>
+              <a:buSzPct val="100000"/>
+              <a:buFont typeface="Wingdings" panose="05000000000000000000" pitchFamily="2" charset="2"/>
+              <a:buChar char="§"/>
+            </a:pPr>
+            <a:r>
+              <a:rPr lang="pt-PT" dirty="0">
+                <a:latin typeface="Arial" panose="020B0604020202020204" pitchFamily="34" charset="0"/>
+                <a:cs typeface="Arial" panose="020B0604020202020204" pitchFamily="34" charset="0"/>
+              </a:rPr>
+              <a:t>Contentor de estado global – centralizado na </a:t>
+            </a:r>
+            <a:r>
+              <a:rPr lang="pt-PT" dirty="0" err="1">
+                <a:latin typeface="Arial" panose="020B0604020202020204" pitchFamily="34" charset="0"/>
+                <a:cs typeface="Arial" panose="020B0604020202020204" pitchFamily="34" charset="0"/>
+              </a:rPr>
+              <a:t>redux</a:t>
+            </a:r>
+            <a:r>
+              <a:rPr lang="pt-PT" dirty="0">
+                <a:latin typeface="Arial" panose="020B0604020202020204" pitchFamily="34" charset="0"/>
+                <a:cs typeface="Arial" panose="020B0604020202020204" pitchFamily="34" charset="0"/>
+              </a:rPr>
+              <a:t> </a:t>
+            </a:r>
+            <a:r>
+              <a:rPr lang="pt-PT" dirty="0" err="1">
+                <a:latin typeface="Arial" panose="020B0604020202020204" pitchFamily="34" charset="0"/>
+                <a:cs typeface="Arial" panose="020B0604020202020204" pitchFamily="34" charset="0"/>
+              </a:rPr>
+              <a:t>store</a:t>
+            </a:r>
+            <a:endParaRPr lang="pt-PT" dirty="0">
+              <a:latin typeface="Arial" panose="020B0604020202020204" pitchFamily="34" charset="0"/>
+              <a:cs typeface="Arial" panose="020B0604020202020204" pitchFamily="34" charset="0"/>
+            </a:endParaRPr>
+          </a:p>
+          <a:p>
+            <a:pPr marL="342900" indent="-342900" algn="l">
+              <a:lnSpc>
+                <a:spcPct val="100000"/>
+              </a:lnSpc>
+              <a:buSzPct val="100000"/>
+              <a:buFont typeface="Tahoma" panose="020B0604030504040204" pitchFamily="34" charset="0"/>
+              <a:buChar char="●"/>
+            </a:pPr>
+            <a:r>
+              <a:rPr lang="pt-PT" sz="2000" dirty="0">
+                <a:latin typeface="Arial" panose="020B0604020202020204" pitchFamily="34" charset="0"/>
+                <a:cs typeface="Arial" panose="020B0604020202020204" pitchFamily="34" charset="0"/>
+              </a:rPr>
+              <a:t>Permite alteração de estado entre componentes</a:t>
+            </a:r>
+          </a:p>
+          <a:p>
+            <a:pPr marL="800100" lvl="1" indent="-342900" algn="l">
+              <a:lnSpc>
+                <a:spcPct val="100000"/>
+              </a:lnSpc>
+              <a:buSzPct val="100000"/>
+              <a:buFont typeface="Wingdings" panose="05000000000000000000" pitchFamily="2" charset="2"/>
+              <a:buChar char="§"/>
+            </a:pPr>
+            <a:r>
+              <a:rPr lang="pt-PT" dirty="0" err="1">
+                <a:latin typeface="Arial" panose="020B0604020202020204" pitchFamily="34" charset="0"/>
+                <a:cs typeface="Arial" panose="020B0604020202020204" pitchFamily="34" charset="0"/>
+              </a:rPr>
+              <a:t>Renderização</a:t>
+            </a:r>
+            <a:r>
+              <a:rPr lang="pt-PT" dirty="0">
+                <a:latin typeface="Arial" panose="020B0604020202020204" pitchFamily="34" charset="0"/>
+                <a:cs typeface="Arial" panose="020B0604020202020204" pitchFamily="34" charset="0"/>
+              </a:rPr>
+              <a:t> das modificações em real time</a:t>
+            </a:r>
+          </a:p>
+        </p:txBody>
+      </p:sp>
+      <p:sp>
+        <p:nvSpPr>
+          <p:cNvPr id="7" name="Google Shape;296;p37">
+            <a:extLst>
+              <a:ext uri="{FF2B5EF4-FFF2-40B4-BE49-F238E27FC236}">
+                <a16:creationId xmlns:a16="http://schemas.microsoft.com/office/drawing/2014/main" id="{3D7AB695-BD0C-4E75-8783-E697EBED0E05}"/>
+              </a:ext>
+            </a:extLst>
+          </p:cNvPr>
+          <p:cNvSpPr txBox="1">
+            <a:spLocks/>
+          </p:cNvSpPr>
+          <p:nvPr/>
+        </p:nvSpPr>
+        <p:spPr>
+          <a:xfrm>
+            <a:off x="593554" y="383132"/>
+            <a:ext cx="7178846" cy="631554"/>
+          </a:xfrm>
+          <a:prstGeom prst="rect">
+            <a:avLst/>
+          </a:prstGeom>
+          <a:noFill/>
+          <a:ln>
+            <a:noFill/>
+          </a:ln>
+        </p:spPr>
+        <p:txBody>
+          <a:bodyPr spcFirstLastPara="1" wrap="square" lIns="0" tIns="0" rIns="0" bIns="0" anchor="t" anchorCtr="0">
+            <a:noAutofit/>
+          </a:bodyPr>
+          <a:lstStyle>
+            <a:defPPr marR="0" lvl="0" algn="l" rtl="0">
+              <a:lnSpc>
+                <a:spcPct val="100000"/>
+              </a:lnSpc>
+              <a:spcBef>
+                <a:spcPts val="0"/>
+              </a:spcBef>
+              <a:spcAft>
+                <a:spcPts val="0"/>
+              </a:spcAft>
+            </a:defPPr>
+            <a:lvl1pPr marL="0" marR="0" lvl="0" indent="0" algn="l" rtl="0">
+              <a:lnSpc>
+                <a:spcPct val="90000"/>
+              </a:lnSpc>
+              <a:spcBef>
+                <a:spcPts val="0"/>
+              </a:spcBef>
+              <a:spcAft>
+                <a:spcPts val="0"/>
+              </a:spcAft>
+              <a:buClr>
+                <a:schemeClr val="dk2"/>
+              </a:buClr>
+              <a:buSzPts val="5200"/>
+              <a:buFont typeface="Commissioner"/>
+              <a:buNone/>
+              <a:defRPr sz="5000" b="0" i="0" u="none" strike="noStrike" cap="none">
+                <a:solidFill>
+                  <a:schemeClr val="dk2"/>
+                </a:solidFill>
+                <a:latin typeface="Commissioner ExtraBold"/>
+                <a:ea typeface="Commissioner ExtraBold"/>
+                <a:cs typeface="Commissioner ExtraBold"/>
+                <a:sym typeface="Commissioner ExtraBold"/>
+              </a:defRPr>
+            </a:lvl1pPr>
+            <a:lvl2pPr marR="0" lvl="1" algn="ctr" rtl="0">
+              <a:lnSpc>
+                <a:spcPct val="100000"/>
+              </a:lnSpc>
+              <a:spcBef>
+                <a:spcPts val="0"/>
+              </a:spcBef>
+              <a:spcAft>
+                <a:spcPts val="0"/>
+              </a:spcAft>
+              <a:buClr>
+                <a:schemeClr val="dk2"/>
+              </a:buClr>
+              <a:buSzPts val="5200"/>
+              <a:buFont typeface="Barlow SemiBold"/>
+              <a:buNone/>
+              <a:defRPr sz="5200" b="0" i="0" u="none" strike="noStrike" cap="none">
+                <a:solidFill>
+                  <a:schemeClr val="dk2"/>
+                </a:solidFill>
+                <a:latin typeface="Barlow SemiBold"/>
+                <a:ea typeface="Barlow SemiBold"/>
+                <a:cs typeface="Barlow SemiBold"/>
+                <a:sym typeface="Barlow SemiBold"/>
+              </a:defRPr>
+            </a:lvl2pPr>
+            <a:lvl3pPr marR="0" lvl="2" algn="ctr" rtl="0">
+              <a:lnSpc>
+                <a:spcPct val="100000"/>
+              </a:lnSpc>
+              <a:spcBef>
+                <a:spcPts val="0"/>
+              </a:spcBef>
+              <a:spcAft>
+                <a:spcPts val="0"/>
+              </a:spcAft>
+              <a:buClr>
+                <a:schemeClr val="dk2"/>
+              </a:buClr>
+              <a:buSzPts val="5200"/>
+              <a:buFont typeface="Barlow SemiBold"/>
+              <a:buNone/>
+              <a:defRPr sz="5200" b="0" i="0" u="none" strike="noStrike" cap="none">
+                <a:solidFill>
+                  <a:schemeClr val="dk2"/>
+                </a:solidFill>
+                <a:latin typeface="Barlow SemiBold"/>
+                <a:ea typeface="Barlow SemiBold"/>
+                <a:cs typeface="Barlow SemiBold"/>
+                <a:sym typeface="Barlow SemiBold"/>
+              </a:defRPr>
+            </a:lvl3pPr>
+            <a:lvl4pPr marR="0" lvl="3" algn="ctr" rtl="0">
+              <a:lnSpc>
+                <a:spcPct val="100000"/>
+              </a:lnSpc>
+              <a:spcBef>
+                <a:spcPts val="0"/>
+              </a:spcBef>
+              <a:spcAft>
+                <a:spcPts val="0"/>
+              </a:spcAft>
+              <a:buClr>
+                <a:schemeClr val="dk2"/>
+              </a:buClr>
+              <a:buSzPts val="5200"/>
+              <a:buFont typeface="Barlow SemiBold"/>
+              <a:buNone/>
+              <a:defRPr sz="5200" b="0" i="0" u="none" strike="noStrike" cap="none">
+                <a:solidFill>
+                  <a:schemeClr val="dk2"/>
+                </a:solidFill>
+                <a:latin typeface="Barlow SemiBold"/>
+                <a:ea typeface="Barlow SemiBold"/>
+                <a:cs typeface="Barlow SemiBold"/>
+                <a:sym typeface="Barlow SemiBold"/>
+              </a:defRPr>
+            </a:lvl4pPr>
+            <a:lvl5pPr marR="0" lvl="4" algn="ctr" rtl="0">
+              <a:lnSpc>
+                <a:spcPct val="100000"/>
+              </a:lnSpc>
+              <a:spcBef>
+                <a:spcPts val="0"/>
+              </a:spcBef>
+              <a:spcAft>
+                <a:spcPts val="0"/>
+              </a:spcAft>
+              <a:buClr>
+                <a:schemeClr val="dk2"/>
+              </a:buClr>
+              <a:buSzPts val="5200"/>
+              <a:buFont typeface="Barlow SemiBold"/>
+              <a:buNone/>
+              <a:defRPr sz="5200" b="0" i="0" u="none" strike="noStrike" cap="none">
+                <a:solidFill>
+                  <a:schemeClr val="dk2"/>
+                </a:solidFill>
+                <a:latin typeface="Barlow SemiBold"/>
+                <a:ea typeface="Barlow SemiBold"/>
+                <a:cs typeface="Barlow SemiBold"/>
+                <a:sym typeface="Barlow SemiBold"/>
+              </a:defRPr>
+            </a:lvl5pPr>
+            <a:lvl6pPr marR="0" lvl="5" algn="ctr" rtl="0">
+              <a:lnSpc>
+                <a:spcPct val="100000"/>
+              </a:lnSpc>
+              <a:spcBef>
+                <a:spcPts val="0"/>
+              </a:spcBef>
+              <a:spcAft>
+                <a:spcPts val="0"/>
+              </a:spcAft>
+              <a:buClr>
+                <a:schemeClr val="dk2"/>
+              </a:buClr>
+              <a:buSzPts val="5200"/>
+              <a:buFont typeface="Barlow SemiBold"/>
+              <a:buNone/>
+              <a:defRPr sz="5200" b="0" i="0" u="none" strike="noStrike" cap="none">
+                <a:solidFill>
+                  <a:schemeClr val="dk2"/>
+                </a:solidFill>
+                <a:latin typeface="Barlow SemiBold"/>
+                <a:ea typeface="Barlow SemiBold"/>
+                <a:cs typeface="Barlow SemiBold"/>
+                <a:sym typeface="Barlow SemiBold"/>
+              </a:defRPr>
+            </a:lvl6pPr>
+            <a:lvl7pPr marR="0" lvl="6" algn="ctr" rtl="0">
+              <a:lnSpc>
+                <a:spcPct val="100000"/>
+              </a:lnSpc>
+              <a:spcBef>
+                <a:spcPts val="0"/>
+              </a:spcBef>
+              <a:spcAft>
+                <a:spcPts val="0"/>
+              </a:spcAft>
+              <a:buClr>
+                <a:schemeClr val="dk2"/>
+              </a:buClr>
+              <a:buSzPts val="5200"/>
+              <a:buFont typeface="Barlow SemiBold"/>
+              <a:buNone/>
+              <a:defRPr sz="5200" b="0" i="0" u="none" strike="noStrike" cap="none">
+                <a:solidFill>
+                  <a:schemeClr val="dk2"/>
+                </a:solidFill>
+                <a:latin typeface="Barlow SemiBold"/>
+                <a:ea typeface="Barlow SemiBold"/>
+                <a:cs typeface="Barlow SemiBold"/>
+                <a:sym typeface="Barlow SemiBold"/>
+              </a:defRPr>
+            </a:lvl7pPr>
+            <a:lvl8pPr marR="0" lvl="7" algn="ctr" rtl="0">
+              <a:lnSpc>
+                <a:spcPct val="100000"/>
+              </a:lnSpc>
+              <a:spcBef>
+                <a:spcPts val="0"/>
+              </a:spcBef>
+              <a:spcAft>
+                <a:spcPts val="0"/>
+              </a:spcAft>
+              <a:buClr>
+                <a:schemeClr val="dk2"/>
+              </a:buClr>
+              <a:buSzPts val="5200"/>
+              <a:buFont typeface="Barlow SemiBold"/>
+              <a:buNone/>
+              <a:defRPr sz="5200" b="0" i="0" u="none" strike="noStrike" cap="none">
+                <a:solidFill>
+                  <a:schemeClr val="dk2"/>
+                </a:solidFill>
+                <a:latin typeface="Barlow SemiBold"/>
+                <a:ea typeface="Barlow SemiBold"/>
+                <a:cs typeface="Barlow SemiBold"/>
+                <a:sym typeface="Barlow SemiBold"/>
+              </a:defRPr>
+            </a:lvl8pPr>
+            <a:lvl9pPr marR="0" lvl="8" algn="ctr" rtl="0">
+              <a:lnSpc>
+                <a:spcPct val="100000"/>
+              </a:lnSpc>
+              <a:spcBef>
+                <a:spcPts val="0"/>
+              </a:spcBef>
+              <a:spcAft>
+                <a:spcPts val="0"/>
+              </a:spcAft>
+              <a:buClr>
+                <a:schemeClr val="dk2"/>
+              </a:buClr>
+              <a:buSzPts val="5200"/>
+              <a:buFont typeface="Barlow SemiBold"/>
+              <a:buNone/>
+              <a:defRPr sz="5200" b="0" i="0" u="none" strike="noStrike" cap="none">
+                <a:solidFill>
+                  <a:schemeClr val="dk2"/>
+                </a:solidFill>
+                <a:latin typeface="Barlow SemiBold"/>
+                <a:ea typeface="Barlow SemiBold"/>
+                <a:cs typeface="Barlow SemiBold"/>
+                <a:sym typeface="Barlow SemiBold"/>
+              </a:defRPr>
+            </a:lvl9pPr>
+          </a:lstStyle>
+          <a:p>
+            <a:pPr marL="0" marR="0" lvl="0" indent="0" algn="l" defTabSz="914400" rtl="0" eaLnBrk="1" fontAlgn="auto" latinLnBrk="0" hangingPunct="1">
+              <a:lnSpc>
+                <a:spcPct val="90000"/>
+              </a:lnSpc>
+              <a:spcBef>
+                <a:spcPts val="0"/>
+              </a:spcBef>
+              <a:spcAft>
+                <a:spcPts val="0"/>
+              </a:spcAft>
+              <a:buClr>
+                <a:srgbClr val="164A4A"/>
+              </a:buClr>
+              <a:buSzPts val="5200"/>
+              <a:buFont typeface="Commissioner"/>
+              <a:buNone/>
+              <a:tabLst/>
+              <a:defRPr/>
+            </a:pPr>
+            <a:r>
+              <a:rPr kumimoji="0" lang="en-US" sz="5000" b="1" i="0" u="none" strike="noStrike" kern="0" cap="none" spc="0" normalizeH="0" baseline="0" noProof="0" dirty="0" err="1">
+                <a:ln>
+                  <a:noFill/>
+                </a:ln>
+                <a:solidFill>
+                  <a:srgbClr val="3D4D55"/>
+                </a:solidFill>
+                <a:effectLst/>
+                <a:uLnTx/>
+                <a:uFillTx/>
+                <a:latin typeface="Arial" panose="020B0604020202020204" pitchFamily="34" charset="0"/>
+                <a:cs typeface="Arial" panose="020B0604020202020204" pitchFamily="34" charset="0"/>
+                <a:sym typeface="Commissioner ExtraBold"/>
+              </a:rPr>
+              <a:t>Manutenção</a:t>
+            </a:r>
+            <a:r>
+              <a:rPr kumimoji="0" lang="en-US" sz="5000" b="1" i="0" u="none" strike="noStrike" kern="0" cap="none" spc="0" normalizeH="0" baseline="0" noProof="0" dirty="0">
+                <a:ln>
+                  <a:noFill/>
+                </a:ln>
+                <a:solidFill>
+                  <a:srgbClr val="3D4D55"/>
+                </a:solidFill>
+                <a:effectLst/>
+                <a:uLnTx/>
+                <a:uFillTx/>
+                <a:latin typeface="Arial" panose="020B0604020202020204" pitchFamily="34" charset="0"/>
+                <a:cs typeface="Arial" panose="020B0604020202020204" pitchFamily="34" charset="0"/>
+                <a:sym typeface="Commissioner ExtraBold"/>
+              </a:rPr>
+              <a:t> de Estado</a:t>
+            </a:r>
+          </a:p>
+        </p:txBody>
+      </p:sp>
+      <p:sp>
+        <p:nvSpPr>
+          <p:cNvPr id="9" name="Google Shape;1460;p74">
+            <a:extLst>
+              <a:ext uri="{FF2B5EF4-FFF2-40B4-BE49-F238E27FC236}">
+                <a16:creationId xmlns:a16="http://schemas.microsoft.com/office/drawing/2014/main" id="{D1F998ED-C0F8-F98C-374B-0151B38AD950}"/>
+              </a:ext>
+            </a:extLst>
+          </p:cNvPr>
+          <p:cNvSpPr/>
+          <p:nvPr/>
+        </p:nvSpPr>
+        <p:spPr>
+          <a:xfrm rot="9642873">
+            <a:off x="-447547" y="3897933"/>
+            <a:ext cx="3472201" cy="3722914"/>
+          </a:xfrm>
+          <a:custGeom>
+            <a:avLst/>
+            <a:gdLst/>
+            <a:ahLst/>
+            <a:cxnLst/>
+            <a:rect l="l" t="t" r="r" b="b"/>
+            <a:pathLst>
+              <a:path w="146265" h="156112" extrusionOk="0">
+                <a:moveTo>
+                  <a:pt x="5411" y="0"/>
+                </a:moveTo>
+                <a:cubicBezTo>
+                  <a:pt x="5411" y="0"/>
+                  <a:pt x="1" y="28329"/>
+                  <a:pt x="20548" y="36870"/>
+                </a:cubicBezTo>
+                <a:cubicBezTo>
+                  <a:pt x="24058" y="38329"/>
+                  <a:pt x="27694" y="38893"/>
+                  <a:pt x="31373" y="38893"/>
+                </a:cubicBezTo>
+                <a:cubicBezTo>
+                  <a:pt x="43912" y="38893"/>
+                  <a:pt x="56943" y="32338"/>
+                  <a:pt x="67152" y="32338"/>
+                </a:cubicBezTo>
+                <a:cubicBezTo>
+                  <a:pt x="71479" y="32338"/>
+                  <a:pt x="75300" y="33516"/>
+                  <a:pt x="78361" y="36870"/>
+                </a:cubicBezTo>
+                <a:cubicBezTo>
+                  <a:pt x="90793" y="50426"/>
+                  <a:pt x="72190" y="65958"/>
+                  <a:pt x="96993" y="74500"/>
+                </a:cubicBezTo>
+                <a:cubicBezTo>
+                  <a:pt x="105899" y="77600"/>
+                  <a:pt x="114015" y="83740"/>
+                  <a:pt x="115717" y="93497"/>
+                </a:cubicBezTo>
+                <a:cubicBezTo>
+                  <a:pt x="117814" y="105503"/>
+                  <a:pt x="109060" y="112403"/>
+                  <a:pt x="105504" y="122646"/>
+                </a:cubicBezTo>
+                <a:cubicBezTo>
+                  <a:pt x="103559" y="128148"/>
+                  <a:pt x="104744" y="135078"/>
+                  <a:pt x="107024" y="140245"/>
+                </a:cubicBezTo>
+                <a:cubicBezTo>
+                  <a:pt x="109699" y="146294"/>
+                  <a:pt x="114501" y="151218"/>
+                  <a:pt x="120580" y="153832"/>
+                </a:cubicBezTo>
+                <a:cubicBezTo>
+                  <a:pt x="124167" y="155413"/>
+                  <a:pt x="128027" y="156081"/>
+                  <a:pt x="131918" y="156112"/>
+                </a:cubicBezTo>
+                <a:cubicBezTo>
+                  <a:pt x="133438" y="156112"/>
+                  <a:pt x="146265" y="155200"/>
+                  <a:pt x="146265" y="153650"/>
+                </a:cubicBezTo>
+                <a:lnTo>
+                  <a:pt x="146265" y="0"/>
+                </a:lnTo>
+                <a:close/>
+              </a:path>
+            </a:pathLst>
+          </a:custGeom>
+          <a:solidFill>
+            <a:srgbClr val="ACDBD3"/>
+          </a:solidFill>
+          <a:ln>
+            <a:noFill/>
+          </a:ln>
+        </p:spPr>
+        <p:txBody>
+          <a:bodyPr spcFirstLastPara="1" wrap="square" lIns="91425" tIns="91425" rIns="91425" bIns="91425" anchor="ctr" anchorCtr="0">
+            <a:noAutofit/>
+          </a:bodyPr>
+          <a:lstStyle/>
+          <a:p>
+            <a:pPr marL="0" marR="0" lvl="0" indent="0" defTabSz="914400" eaLnBrk="1" fontAlgn="auto" latinLnBrk="0" hangingPunct="1">
+              <a:lnSpc>
+                <a:spcPct val="100000"/>
+              </a:lnSpc>
+              <a:spcBef>
+                <a:spcPts val="0"/>
+              </a:spcBef>
+              <a:spcAft>
+                <a:spcPts val="0"/>
+              </a:spcAft>
+              <a:buClr>
+                <a:srgbClr val="000000"/>
+              </a:buClr>
+              <a:buSzTx/>
+              <a:buFont typeface="Arial"/>
+              <a:buNone/>
+              <a:tabLst/>
+              <a:defRPr/>
+            </a:pPr>
+            <a:endParaRPr kumimoji="0" sz="1400" b="0" i="0" u="none" strike="noStrike" kern="0" cap="none" spc="0" normalizeH="0" baseline="0" noProof="0">
+              <a:ln>
+                <a:noFill/>
+              </a:ln>
+              <a:solidFill>
+                <a:srgbClr val="000000"/>
+              </a:solidFill>
+              <a:effectLst/>
+              <a:uLnTx/>
+              <a:uFillTx/>
+              <a:latin typeface="Arial"/>
+              <a:cs typeface="Arial"/>
+              <a:sym typeface="Arial"/>
+            </a:endParaRPr>
+          </a:p>
+        </p:txBody>
+      </p:sp>
+      <p:sp>
+        <p:nvSpPr>
+          <p:cNvPr id="12" name="Google Shape;1459;p74">
+            <a:extLst>
+              <a:ext uri="{FF2B5EF4-FFF2-40B4-BE49-F238E27FC236}">
+                <a16:creationId xmlns:a16="http://schemas.microsoft.com/office/drawing/2014/main" id="{9F8BE949-C935-C8B4-DDD3-C528C8246C5D}"/>
+              </a:ext>
+            </a:extLst>
+          </p:cNvPr>
+          <p:cNvSpPr/>
+          <p:nvPr/>
+        </p:nvSpPr>
+        <p:spPr>
+          <a:xfrm>
+            <a:off x="10555358" y="-719069"/>
+            <a:ext cx="2534024" cy="1975801"/>
+          </a:xfrm>
+          <a:custGeom>
+            <a:avLst/>
+            <a:gdLst/>
+            <a:ahLst/>
+            <a:cxnLst/>
+            <a:rect l="l" t="t" r="r" b="b"/>
+            <a:pathLst>
+              <a:path w="97966" h="76385" fill="none" extrusionOk="0">
+                <a:moveTo>
+                  <a:pt x="608" y="34743"/>
+                </a:moveTo>
+                <a:cubicBezTo>
+                  <a:pt x="973" y="28967"/>
+                  <a:pt x="3769" y="23618"/>
+                  <a:pt x="8207" y="19849"/>
+                </a:cubicBezTo>
+                <a:cubicBezTo>
+                  <a:pt x="17083" y="12402"/>
+                  <a:pt x="36931" y="0"/>
+                  <a:pt x="62707" y="10396"/>
+                </a:cubicBezTo>
+                <a:cubicBezTo>
+                  <a:pt x="97966" y="24590"/>
+                  <a:pt x="91734" y="64925"/>
+                  <a:pt x="64895" y="73771"/>
+                </a:cubicBezTo>
+                <a:cubicBezTo>
+                  <a:pt x="56962" y="76385"/>
+                  <a:pt x="49028" y="75594"/>
+                  <a:pt x="42463" y="70275"/>
+                </a:cubicBezTo>
+                <a:cubicBezTo>
+                  <a:pt x="37812" y="66506"/>
+                  <a:pt x="35107" y="61126"/>
+                  <a:pt x="31004" y="56901"/>
+                </a:cubicBezTo>
+                <a:cubicBezTo>
+                  <a:pt x="27296" y="53071"/>
+                  <a:pt x="23526" y="53132"/>
+                  <a:pt x="18390" y="52706"/>
+                </a:cubicBezTo>
+                <a:cubicBezTo>
+                  <a:pt x="8602" y="51916"/>
+                  <a:pt x="0" y="45199"/>
+                  <a:pt x="608" y="34743"/>
+                </a:cubicBezTo>
+                <a:close/>
+              </a:path>
+            </a:pathLst>
+          </a:custGeom>
+          <a:noFill/>
+          <a:ln w="9875" cap="rnd" cmpd="sng">
+            <a:solidFill>
+              <a:srgbClr val="3F4853"/>
+            </a:solidFill>
+            <a:prstDash val="solid"/>
+            <a:round/>
+            <a:headEnd type="none" w="sm" len="sm"/>
+            <a:tailEnd type="none" w="sm" len="sm"/>
+          </a:ln>
+        </p:spPr>
+        <p:txBody>
+          <a:bodyPr spcFirstLastPara="1" wrap="square" lIns="91425" tIns="91425" rIns="91425" bIns="91425" anchor="ctr" anchorCtr="0">
+            <a:noAutofit/>
+          </a:bodyPr>
+          <a:lstStyle/>
+          <a:p>
+            <a:pPr marL="0" marR="0" lvl="0" indent="0" defTabSz="914400" eaLnBrk="1" fontAlgn="auto" latinLnBrk="0" hangingPunct="1">
+              <a:lnSpc>
+                <a:spcPct val="100000"/>
+              </a:lnSpc>
+              <a:spcBef>
+                <a:spcPts val="0"/>
+              </a:spcBef>
+              <a:spcAft>
+                <a:spcPts val="0"/>
+              </a:spcAft>
+              <a:buClr>
+                <a:srgbClr val="000000"/>
+              </a:buClr>
+              <a:buSzTx/>
+              <a:buFont typeface="Arial"/>
+              <a:buNone/>
+              <a:tabLst/>
+              <a:defRPr/>
+            </a:pPr>
+            <a:endParaRPr kumimoji="0" sz="1400" b="0" i="0" u="none" strike="noStrike" kern="0" cap="none" spc="0" normalizeH="0" baseline="0" noProof="0">
+              <a:ln>
+                <a:noFill/>
+              </a:ln>
+              <a:solidFill>
+                <a:srgbClr val="000000"/>
+              </a:solidFill>
+              <a:effectLst/>
+              <a:uLnTx/>
+              <a:uFillTx/>
+              <a:latin typeface="Arial"/>
+              <a:cs typeface="Arial"/>
+              <a:sym typeface="Arial"/>
+            </a:endParaRPr>
+          </a:p>
+        </p:txBody>
+      </p:sp>
+      <p:sp>
+        <p:nvSpPr>
+          <p:cNvPr id="14" name="Google Shape;1458;p74">
+            <a:extLst>
+              <a:ext uri="{FF2B5EF4-FFF2-40B4-BE49-F238E27FC236}">
+                <a16:creationId xmlns:a16="http://schemas.microsoft.com/office/drawing/2014/main" id="{633FD01B-ABC4-69D0-7AAC-909B3022F502}"/>
+              </a:ext>
+            </a:extLst>
+          </p:cNvPr>
+          <p:cNvSpPr/>
+          <p:nvPr/>
+        </p:nvSpPr>
+        <p:spPr>
+          <a:xfrm>
+            <a:off x="11209933" y="698909"/>
+            <a:ext cx="1224873" cy="1366944"/>
+          </a:xfrm>
+          <a:custGeom>
+            <a:avLst/>
+            <a:gdLst/>
+            <a:ahLst/>
+            <a:cxnLst/>
+            <a:rect l="l" t="t" r="r" b="b"/>
+            <a:pathLst>
+              <a:path w="77206" h="86161" extrusionOk="0">
+                <a:moveTo>
+                  <a:pt x="43626" y="0"/>
+                </a:moveTo>
+                <a:cubicBezTo>
+                  <a:pt x="31498" y="0"/>
+                  <a:pt x="18907" y="6868"/>
+                  <a:pt x="11551" y="22967"/>
+                </a:cubicBezTo>
+                <a:cubicBezTo>
+                  <a:pt x="1" y="48195"/>
+                  <a:pt x="11521" y="68591"/>
+                  <a:pt x="18542" y="77801"/>
+                </a:cubicBezTo>
+                <a:cubicBezTo>
+                  <a:pt x="22068" y="82421"/>
+                  <a:pt x="27266" y="85460"/>
+                  <a:pt x="33041" y="86068"/>
+                </a:cubicBezTo>
+                <a:cubicBezTo>
+                  <a:pt x="33654" y="86131"/>
+                  <a:pt x="34255" y="86161"/>
+                  <a:pt x="34845" y="86161"/>
+                </a:cubicBezTo>
+                <a:cubicBezTo>
+                  <a:pt x="44307" y="86161"/>
+                  <a:pt x="50652" y="78321"/>
+                  <a:pt x="51826" y="69107"/>
+                </a:cubicBezTo>
+                <a:cubicBezTo>
+                  <a:pt x="52464" y="64001"/>
+                  <a:pt x="52585" y="60262"/>
+                  <a:pt x="56567" y="56706"/>
+                </a:cubicBezTo>
+                <a:cubicBezTo>
+                  <a:pt x="60944" y="52785"/>
+                  <a:pt x="66476" y="50323"/>
+                  <a:pt x="70428" y="45855"/>
+                </a:cubicBezTo>
+                <a:cubicBezTo>
+                  <a:pt x="76081" y="39563"/>
+                  <a:pt x="77206" y="31660"/>
+                  <a:pt x="74957" y="23605"/>
+                </a:cubicBezTo>
+                <a:cubicBezTo>
+                  <a:pt x="70878" y="9062"/>
+                  <a:pt x="57557" y="0"/>
+                  <a:pt x="43626" y="0"/>
+                </a:cubicBezTo>
+                <a:close/>
+              </a:path>
+            </a:pathLst>
+          </a:custGeom>
+          <a:solidFill>
+            <a:srgbClr val="81B5A8"/>
+          </a:solidFill>
+          <a:ln>
+            <a:noFill/>
+          </a:ln>
+        </p:spPr>
+        <p:txBody>
+          <a:bodyPr spcFirstLastPara="1" wrap="square" lIns="91425" tIns="91425" rIns="91425" bIns="91425" anchor="ctr" anchorCtr="0">
+            <a:noAutofit/>
+          </a:bodyPr>
+          <a:lstStyle/>
+          <a:p>
+            <a:pPr marL="0" marR="0" lvl="0" indent="0" defTabSz="914400" eaLnBrk="1" fontAlgn="auto" latinLnBrk="0" hangingPunct="1">
+              <a:lnSpc>
+                <a:spcPct val="100000"/>
+              </a:lnSpc>
+              <a:spcBef>
+                <a:spcPts val="0"/>
+              </a:spcBef>
+              <a:spcAft>
+                <a:spcPts val="0"/>
+              </a:spcAft>
+              <a:buClr>
+                <a:srgbClr val="000000"/>
+              </a:buClr>
+              <a:buSzTx/>
+              <a:buFont typeface="Arial"/>
+              <a:buNone/>
+              <a:tabLst/>
+              <a:defRPr/>
+            </a:pPr>
+            <a:endParaRPr kumimoji="0" sz="1400" b="0" i="0" u="none" strike="noStrike" kern="0" cap="none" spc="0" normalizeH="0" baseline="0" noProof="0">
+              <a:ln>
+                <a:noFill/>
+              </a:ln>
+              <a:solidFill>
+                <a:srgbClr val="000000"/>
+              </a:solidFill>
+              <a:effectLst/>
+              <a:uLnTx/>
+              <a:uFillTx/>
+              <a:latin typeface="Arial"/>
+              <a:cs typeface="Arial"/>
+              <a:sym typeface="Arial"/>
+            </a:endParaRPr>
+          </a:p>
+        </p:txBody>
+      </p:sp>
+    </p:spTree>
+    <p:extLst>
+      <p:ext uri="{BB962C8B-B14F-4D97-AF65-F5344CB8AC3E}">
+        <p14:creationId xmlns:p14="http://schemas.microsoft.com/office/powerpoint/2010/main" val="3481042323"/>
+      </p:ext>
+    </p:extLst>
+  </p:cSld>
+  <p:clrMapOvr>
+    <a:masterClrMapping/>
+  </p:clrMapOvr>
+</p:sld>
+</file>
+
+<file path=ppt/slides/slide11.xml><?xml version="1.0" encoding="utf-8"?>
+<p:sld xmlns:a="http://schemas.openxmlformats.org/drawingml/2006/main" xmlns:r="http://schemas.openxmlformats.org/officeDocument/2006/relationships" xmlns:p="http://schemas.openxmlformats.org/presentationml/2006/main">
+  <p:cSld>
+    <p:bg>
+      <p:bgPr>
+        <a:solidFill>
+          <a:schemeClr val="bg1"/>
+        </a:solidFill>
+        <a:effectLst/>
+      </p:bgPr>
+    </p:bg>
+    <p:spTree>
+      <p:nvGrpSpPr>
+        <p:cNvPr id="1" name=""/>
+        <p:cNvGrpSpPr/>
+        <p:nvPr/>
+      </p:nvGrpSpPr>
+      <p:grpSpPr>
+        <a:xfrm>
+          <a:off x="0" y="0"/>
+          <a:ext cx="0" cy="0"/>
+          <a:chOff x="0" y="0"/>
+          <a:chExt cx="0" cy="0"/>
+        </a:xfrm>
+      </p:grpSpPr>
       <p:sp>
         <p:nvSpPr>
           <p:cNvPr id="19" name="Google Shape;1461;p74">
@@ -7388,7 +8651,7 @@
 </p:sld>
 </file>
 
-<file path=ppt/slides/slide11.xml><?xml version="1.0" encoding="utf-8"?>
+<file path=ppt/slides/slide12.xml><?xml version="1.0" encoding="utf-8"?>
 <p:sld xmlns:a="http://schemas.openxmlformats.org/drawingml/2006/main" xmlns:r="http://schemas.openxmlformats.org/officeDocument/2006/relationships" xmlns:p="http://schemas.openxmlformats.org/presentationml/2006/main">
   <p:cSld>
     <p:bg>
@@ -7526,6 +8789,23 @@
             </a:r>
           </a:p>
           <a:p>
+            <a:pPr marL="800100" lvl="1" indent="-342900" algn="l">
+              <a:lnSpc>
+                <a:spcPct val="100000"/>
+              </a:lnSpc>
+              <a:buSzPct val="100000"/>
+              <a:buFont typeface="Wingdings" panose="05000000000000000000" pitchFamily="2" charset="2"/>
+              <a:buChar char="§"/>
+            </a:pPr>
+            <a:r>
+              <a:rPr lang="pt-PT" dirty="0">
+                <a:latin typeface="Arial" panose="020B0604020202020204" pitchFamily="34" charset="0"/>
+                <a:cs typeface="Arial" panose="020B0604020202020204" pitchFamily="34" charset="0"/>
+              </a:rPr>
+              <a:t>Versão demo do cliente</a:t>
+            </a:r>
+          </a:p>
+          <a:p>
             <a:pPr marL="342900" indent="-342900" algn="l">
               <a:lnSpc>
                 <a:spcPct val="100000"/>
@@ -8422,7 +9702,7 @@
 </p:sld>
 </file>
 
-<file path=ppt/slides/slide12.xml><?xml version="1.0" encoding="utf-8"?>
+<file path=ppt/slides/slide13.xml><?xml version="1.0" encoding="utf-8"?>
 <p:sld xmlns:a="http://schemas.openxmlformats.org/drawingml/2006/main" xmlns:r="http://schemas.openxmlformats.org/officeDocument/2006/relationships" xmlns:p="http://schemas.openxmlformats.org/presentationml/2006/main">
   <p:cSld>
     <p:bg>
@@ -9803,13 +11083,13 @@
         </p:nvSpPr>
         <p:spPr>
           <a:xfrm>
-            <a:off x="1818959" y="2601119"/>
-            <a:ext cx="7401241" cy="1655762"/>
+            <a:off x="1818959" y="2601118"/>
+            <a:ext cx="7401241" cy="2264605"/>
           </a:xfrm>
         </p:spPr>
         <p:txBody>
           <a:bodyPr>
-            <a:normAutofit/>
+            <a:noAutofit/>
           </a:bodyPr>
           <a:lstStyle/>
           <a:p>
@@ -9817,15 +11097,16 @@
               <a:lnSpc>
                 <a:spcPct val="100000"/>
               </a:lnSpc>
-              <a:buFont typeface="Arial" panose="020B0604020202020204" pitchFamily="34" charset="0"/>
-              <a:buChar char="▫"/>
+              <a:buSzPct val="100000"/>
+              <a:buFont typeface="Tahoma" panose="020B0604030504040204" pitchFamily="34" charset="0"/>
+              <a:buChar char="●"/>
             </a:pPr>
             <a:r>
               <a:rPr lang="pt-PT" sz="2000" dirty="0">
                 <a:latin typeface="Arial" panose="020B0604020202020204" pitchFamily="34" charset="0"/>
                 <a:cs typeface="Arial" panose="020B0604020202020204" pitchFamily="34" charset="0"/>
               </a:rPr>
-              <a:t>Facilidade e eficiência na visualização e criação dos dados</a:t>
+              <a:t>Desenvolvimento de uma aplicação Web para gestão dos membros de um clube de surf</a:t>
             </a:r>
           </a:p>
           <a:p>
@@ -9833,15 +11114,16 @@
               <a:lnSpc>
                 <a:spcPct val="100000"/>
               </a:lnSpc>
-              <a:buFont typeface="Arial" panose="020B0604020202020204" pitchFamily="34" charset="0"/>
-              <a:buChar char="▫"/>
+              <a:buSzPct val="100000"/>
+              <a:buFont typeface="Tahoma" panose="020B0604030504040204" pitchFamily="34" charset="0"/>
+              <a:buChar char="●"/>
             </a:pPr>
             <a:r>
               <a:rPr lang="pt-PT" sz="2000" dirty="0">
                 <a:latin typeface="Arial" panose="020B0604020202020204" pitchFamily="34" charset="0"/>
                 <a:cs typeface="Arial" panose="020B0604020202020204" pitchFamily="34" charset="0"/>
               </a:rPr>
-              <a:t>Interação de membros do clube sem intervenção imediata dos administradores</a:t>
+              <a:t>Permitir a gestão de quotas e criação de um cartão digital para aplicação de descontos em empresas parceiras</a:t>
             </a:r>
           </a:p>
           <a:p>
@@ -9849,16 +11131,31 @@
               <a:lnSpc>
                 <a:spcPct val="100000"/>
               </a:lnSpc>
-              <a:buFont typeface="Arial" panose="020B0604020202020204" pitchFamily="34" charset="0"/>
-              <a:buChar char="▫"/>
+              <a:buSzPct val="100000"/>
+              <a:buFont typeface="Tahoma" panose="020B0604030504040204" pitchFamily="34" charset="0"/>
+              <a:buChar char="●"/>
             </a:pPr>
             <a:r>
               <a:rPr lang="pt-PT" sz="2000" dirty="0">
                 <a:latin typeface="Arial" panose="020B0604020202020204" pitchFamily="34" charset="0"/>
                 <a:cs typeface="Arial" panose="020B0604020202020204" pitchFamily="34" charset="0"/>
               </a:rPr>
-              <a:t>Certificado de associação ao clube</a:t>
+              <a:t>Notificações automáticas por email</a:t>
             </a:r>
+          </a:p>
+          <a:p>
+            <a:pPr marL="342900" indent="-342900" algn="l">
+              <a:lnSpc>
+                <a:spcPct val="100000"/>
+              </a:lnSpc>
+              <a:buSzPct val="100000"/>
+              <a:buFont typeface="Tahoma" panose="020B0604030504040204" pitchFamily="34" charset="0"/>
+              <a:buChar char="●"/>
+            </a:pPr>
+            <a:endParaRPr lang="pt-PT" sz="2000" dirty="0">
+              <a:latin typeface="Arial" panose="020B0604020202020204" pitchFamily="34" charset="0"/>
+              <a:cs typeface="Arial" panose="020B0604020202020204" pitchFamily="34" charset="0"/>
+            </a:endParaRPr>
           </a:p>
         </p:txBody>
       </p:sp>
@@ -10161,23 +11458,16 @@
               <a:defRPr/>
             </a:pPr>
             <a:r>
-              <a:rPr kumimoji="0" lang="en-US" sz="5000" b="1" i="0" u="none" strike="noStrike" kern="0" cap="none" spc="0" normalizeH="0" baseline="0" noProof="0" dirty="0" err="1">
-                <a:ln>
-                  <a:noFill/>
-                </a:ln>
+              <a:rPr lang="pt-PT" b="1" kern="0" dirty="0">
                 <a:solidFill>
                   <a:srgbClr val="3D4D55"/>
                 </a:solidFill>
-                <a:effectLst/>
-                <a:uLnTx/>
-                <a:uFillTx/>
                 <a:latin typeface="Arial" panose="020B0604020202020204" pitchFamily="34" charset="0"/>
                 <a:cs typeface="Arial" panose="020B0604020202020204" pitchFamily="34" charset="0"/>
-                <a:sym typeface="Commissioner ExtraBold"/>
               </a:rPr>
-              <a:t>Motivação</a:t>
+              <a:t>Sinopse</a:t>
             </a:r>
-            <a:endParaRPr kumimoji="0" lang="en-US" sz="5000" b="1" i="0" u="none" strike="noStrike" kern="0" cap="none" spc="0" normalizeH="0" baseline="0" noProof="0" dirty="0">
+            <a:endParaRPr kumimoji="0" lang="pt-PT" sz="5000" b="1" i="0" u="none" strike="noStrike" kern="0" cap="none" spc="0" normalizeH="0" baseline="0" dirty="0">
               <a:ln>
                 <a:noFill/>
               </a:ln>
@@ -10288,7 +11578,7 @@
             </a:pathLst>
           </a:custGeom>
           <a:solidFill>
-            <a:srgbClr val="3F4853"/>
+            <a:srgbClr val="ACDBD3"/>
           </a:solidFill>
           <a:ln>
             <a:noFill/>
@@ -10414,7 +11704,7 @@
             </a:pathLst>
           </a:custGeom>
           <a:solidFill>
-            <a:srgbClr val="81B5A8"/>
+            <a:srgbClr val="3D4D55"/>
           </a:solidFill>
           <a:ln>
             <a:noFill/>
@@ -10707,7 +11997,7 @@
             </a:pathLst>
           </a:custGeom>
           <a:solidFill>
-            <a:srgbClr val="ADDBD0"/>
+            <a:srgbClr val="3D4D55"/>
           </a:solidFill>
           <a:ln>
             <a:noFill/>
@@ -10849,7 +12139,7 @@
             </a:pathLst>
           </a:custGeom>
           <a:solidFill>
-            <a:srgbClr val="3F4853"/>
+            <a:srgbClr val="ACDBD3"/>
           </a:solidFill>
           <a:ln>
             <a:noFill/>
@@ -10953,6 +12243,1145 @@
         </p:nvSpPr>
         <p:spPr>
           <a:xfrm>
+            <a:off x="1818959" y="2601118"/>
+            <a:ext cx="7401241" cy="2264605"/>
+          </a:xfrm>
+        </p:spPr>
+        <p:txBody>
+          <a:bodyPr>
+            <a:noAutofit/>
+          </a:bodyPr>
+          <a:lstStyle/>
+          <a:p>
+            <a:pPr marL="342900" indent="-342900" algn="l">
+              <a:lnSpc>
+                <a:spcPct val="100000"/>
+              </a:lnSpc>
+              <a:buSzPct val="100000"/>
+              <a:buFont typeface="Tahoma" panose="020B0604030504040204" pitchFamily="34" charset="0"/>
+              <a:buChar char="●"/>
+            </a:pPr>
+            <a:r>
+              <a:rPr lang="pt-PT" sz="2000" dirty="0">
+                <a:latin typeface="Arial" panose="020B0604020202020204" pitchFamily="34" charset="0"/>
+                <a:cs typeface="Arial" panose="020B0604020202020204" pitchFamily="34" charset="0"/>
+              </a:rPr>
+              <a:t>Facilidade e eficiência na visualização e criação dos dados</a:t>
+            </a:r>
+          </a:p>
+          <a:p>
+            <a:pPr marL="342900" indent="-342900" algn="l">
+              <a:lnSpc>
+                <a:spcPct val="100000"/>
+              </a:lnSpc>
+              <a:buSzPct val="100000"/>
+              <a:buFont typeface="Tahoma" panose="020B0604030504040204" pitchFamily="34" charset="0"/>
+              <a:buChar char="●"/>
+            </a:pPr>
+            <a:r>
+              <a:rPr lang="pt-PT" sz="2000" dirty="0">
+                <a:latin typeface="Arial" panose="020B0604020202020204" pitchFamily="34" charset="0"/>
+                <a:cs typeface="Arial" panose="020B0604020202020204" pitchFamily="34" charset="0"/>
+              </a:rPr>
+              <a:t>Interação de membros do clube sem intervenção imediata dos administradores</a:t>
+            </a:r>
+          </a:p>
+          <a:p>
+            <a:pPr marL="342900" indent="-342900" algn="l">
+              <a:lnSpc>
+                <a:spcPct val="100000"/>
+              </a:lnSpc>
+              <a:buSzPct val="100000"/>
+              <a:buFont typeface="Tahoma" panose="020B0604030504040204" pitchFamily="34" charset="0"/>
+              <a:buChar char="●"/>
+            </a:pPr>
+            <a:r>
+              <a:rPr lang="pt-PT" sz="2000" dirty="0">
+                <a:latin typeface="Arial" panose="020B0604020202020204" pitchFamily="34" charset="0"/>
+                <a:cs typeface="Arial" panose="020B0604020202020204" pitchFamily="34" charset="0"/>
+              </a:rPr>
+              <a:t>Aplicações semelhantes não preenchem todas as necessidades</a:t>
+            </a:r>
+          </a:p>
+        </p:txBody>
+      </p:sp>
+      <p:sp>
+        <p:nvSpPr>
+          <p:cNvPr id="7" name="Google Shape;296;p37">
+            <a:extLst>
+              <a:ext uri="{FF2B5EF4-FFF2-40B4-BE49-F238E27FC236}">
+                <a16:creationId xmlns:a16="http://schemas.microsoft.com/office/drawing/2014/main" id="{5E9F3F82-83AB-94B9-0DBF-3C54F3C19F86}"/>
+              </a:ext>
+            </a:extLst>
+          </p:cNvPr>
+          <p:cNvSpPr txBox="1">
+            <a:spLocks/>
+          </p:cNvSpPr>
+          <p:nvPr/>
+        </p:nvSpPr>
+        <p:spPr>
+          <a:xfrm>
+            <a:off x="1818959" y="1812662"/>
+            <a:ext cx="6885581" cy="631554"/>
+          </a:xfrm>
+          <a:prstGeom prst="rect">
+            <a:avLst/>
+          </a:prstGeom>
+          <a:noFill/>
+          <a:ln>
+            <a:noFill/>
+          </a:ln>
+        </p:spPr>
+        <p:txBody>
+          <a:bodyPr spcFirstLastPara="1" wrap="square" lIns="0" tIns="0" rIns="0" bIns="0" anchor="t" anchorCtr="0">
+            <a:noAutofit/>
+          </a:bodyPr>
+          <a:lstStyle>
+            <a:defPPr marR="0" lvl="0" algn="l" rtl="0">
+              <a:lnSpc>
+                <a:spcPct val="100000"/>
+              </a:lnSpc>
+              <a:spcBef>
+                <a:spcPts val="0"/>
+              </a:spcBef>
+              <a:spcAft>
+                <a:spcPts val="0"/>
+              </a:spcAft>
+            </a:defPPr>
+            <a:lvl1pPr marL="0" marR="0" lvl="0" indent="0" algn="l" rtl="0">
+              <a:lnSpc>
+                <a:spcPct val="90000"/>
+              </a:lnSpc>
+              <a:spcBef>
+                <a:spcPts val="0"/>
+              </a:spcBef>
+              <a:spcAft>
+                <a:spcPts val="0"/>
+              </a:spcAft>
+              <a:buClr>
+                <a:schemeClr val="dk2"/>
+              </a:buClr>
+              <a:buSzPts val="5200"/>
+              <a:buFont typeface="Commissioner"/>
+              <a:buNone/>
+              <a:defRPr sz="5000" b="0" i="0" u="none" strike="noStrike" cap="none">
+                <a:solidFill>
+                  <a:schemeClr val="dk2"/>
+                </a:solidFill>
+                <a:latin typeface="Commissioner ExtraBold"/>
+                <a:ea typeface="Commissioner ExtraBold"/>
+                <a:cs typeface="Commissioner ExtraBold"/>
+                <a:sym typeface="Commissioner ExtraBold"/>
+              </a:defRPr>
+            </a:lvl1pPr>
+            <a:lvl2pPr marR="0" lvl="1" algn="ctr" rtl="0">
+              <a:lnSpc>
+                <a:spcPct val="100000"/>
+              </a:lnSpc>
+              <a:spcBef>
+                <a:spcPts val="0"/>
+              </a:spcBef>
+              <a:spcAft>
+                <a:spcPts val="0"/>
+              </a:spcAft>
+              <a:buClr>
+                <a:schemeClr val="dk2"/>
+              </a:buClr>
+              <a:buSzPts val="5200"/>
+              <a:buFont typeface="Barlow SemiBold"/>
+              <a:buNone/>
+              <a:defRPr sz="5200" b="0" i="0" u="none" strike="noStrike" cap="none">
+                <a:solidFill>
+                  <a:schemeClr val="dk2"/>
+                </a:solidFill>
+                <a:latin typeface="Barlow SemiBold"/>
+                <a:ea typeface="Barlow SemiBold"/>
+                <a:cs typeface="Barlow SemiBold"/>
+                <a:sym typeface="Barlow SemiBold"/>
+              </a:defRPr>
+            </a:lvl2pPr>
+            <a:lvl3pPr marR="0" lvl="2" algn="ctr" rtl="0">
+              <a:lnSpc>
+                <a:spcPct val="100000"/>
+              </a:lnSpc>
+              <a:spcBef>
+                <a:spcPts val="0"/>
+              </a:spcBef>
+              <a:spcAft>
+                <a:spcPts val="0"/>
+              </a:spcAft>
+              <a:buClr>
+                <a:schemeClr val="dk2"/>
+              </a:buClr>
+              <a:buSzPts val="5200"/>
+              <a:buFont typeface="Barlow SemiBold"/>
+              <a:buNone/>
+              <a:defRPr sz="5200" b="0" i="0" u="none" strike="noStrike" cap="none">
+                <a:solidFill>
+                  <a:schemeClr val="dk2"/>
+                </a:solidFill>
+                <a:latin typeface="Barlow SemiBold"/>
+                <a:ea typeface="Barlow SemiBold"/>
+                <a:cs typeface="Barlow SemiBold"/>
+                <a:sym typeface="Barlow SemiBold"/>
+              </a:defRPr>
+            </a:lvl3pPr>
+            <a:lvl4pPr marR="0" lvl="3" algn="ctr" rtl="0">
+              <a:lnSpc>
+                <a:spcPct val="100000"/>
+              </a:lnSpc>
+              <a:spcBef>
+                <a:spcPts val="0"/>
+              </a:spcBef>
+              <a:spcAft>
+                <a:spcPts val="0"/>
+              </a:spcAft>
+              <a:buClr>
+                <a:schemeClr val="dk2"/>
+              </a:buClr>
+              <a:buSzPts val="5200"/>
+              <a:buFont typeface="Barlow SemiBold"/>
+              <a:buNone/>
+              <a:defRPr sz="5200" b="0" i="0" u="none" strike="noStrike" cap="none">
+                <a:solidFill>
+                  <a:schemeClr val="dk2"/>
+                </a:solidFill>
+                <a:latin typeface="Barlow SemiBold"/>
+                <a:ea typeface="Barlow SemiBold"/>
+                <a:cs typeface="Barlow SemiBold"/>
+                <a:sym typeface="Barlow SemiBold"/>
+              </a:defRPr>
+            </a:lvl4pPr>
+            <a:lvl5pPr marR="0" lvl="4" algn="ctr" rtl="0">
+              <a:lnSpc>
+                <a:spcPct val="100000"/>
+              </a:lnSpc>
+              <a:spcBef>
+                <a:spcPts val="0"/>
+              </a:spcBef>
+              <a:spcAft>
+                <a:spcPts val="0"/>
+              </a:spcAft>
+              <a:buClr>
+                <a:schemeClr val="dk2"/>
+              </a:buClr>
+              <a:buSzPts val="5200"/>
+              <a:buFont typeface="Barlow SemiBold"/>
+              <a:buNone/>
+              <a:defRPr sz="5200" b="0" i="0" u="none" strike="noStrike" cap="none">
+                <a:solidFill>
+                  <a:schemeClr val="dk2"/>
+                </a:solidFill>
+                <a:latin typeface="Barlow SemiBold"/>
+                <a:ea typeface="Barlow SemiBold"/>
+                <a:cs typeface="Barlow SemiBold"/>
+                <a:sym typeface="Barlow SemiBold"/>
+              </a:defRPr>
+            </a:lvl5pPr>
+            <a:lvl6pPr marR="0" lvl="5" algn="ctr" rtl="0">
+              <a:lnSpc>
+                <a:spcPct val="100000"/>
+              </a:lnSpc>
+              <a:spcBef>
+                <a:spcPts val="0"/>
+              </a:spcBef>
+              <a:spcAft>
+                <a:spcPts val="0"/>
+              </a:spcAft>
+              <a:buClr>
+                <a:schemeClr val="dk2"/>
+              </a:buClr>
+              <a:buSzPts val="5200"/>
+              <a:buFont typeface="Barlow SemiBold"/>
+              <a:buNone/>
+              <a:defRPr sz="5200" b="0" i="0" u="none" strike="noStrike" cap="none">
+                <a:solidFill>
+                  <a:schemeClr val="dk2"/>
+                </a:solidFill>
+                <a:latin typeface="Barlow SemiBold"/>
+                <a:ea typeface="Barlow SemiBold"/>
+                <a:cs typeface="Barlow SemiBold"/>
+                <a:sym typeface="Barlow SemiBold"/>
+              </a:defRPr>
+            </a:lvl6pPr>
+            <a:lvl7pPr marR="0" lvl="6" algn="ctr" rtl="0">
+              <a:lnSpc>
+                <a:spcPct val="100000"/>
+              </a:lnSpc>
+              <a:spcBef>
+                <a:spcPts val="0"/>
+              </a:spcBef>
+              <a:spcAft>
+                <a:spcPts val="0"/>
+              </a:spcAft>
+              <a:buClr>
+                <a:schemeClr val="dk2"/>
+              </a:buClr>
+              <a:buSzPts val="5200"/>
+              <a:buFont typeface="Barlow SemiBold"/>
+              <a:buNone/>
+              <a:defRPr sz="5200" b="0" i="0" u="none" strike="noStrike" cap="none">
+                <a:solidFill>
+                  <a:schemeClr val="dk2"/>
+                </a:solidFill>
+                <a:latin typeface="Barlow SemiBold"/>
+                <a:ea typeface="Barlow SemiBold"/>
+                <a:cs typeface="Barlow SemiBold"/>
+                <a:sym typeface="Barlow SemiBold"/>
+              </a:defRPr>
+            </a:lvl7pPr>
+            <a:lvl8pPr marR="0" lvl="7" algn="ctr" rtl="0">
+              <a:lnSpc>
+                <a:spcPct val="100000"/>
+              </a:lnSpc>
+              <a:spcBef>
+                <a:spcPts val="0"/>
+              </a:spcBef>
+              <a:spcAft>
+                <a:spcPts val="0"/>
+              </a:spcAft>
+              <a:buClr>
+                <a:schemeClr val="dk2"/>
+              </a:buClr>
+              <a:buSzPts val="5200"/>
+              <a:buFont typeface="Barlow SemiBold"/>
+              <a:buNone/>
+              <a:defRPr sz="5200" b="0" i="0" u="none" strike="noStrike" cap="none">
+                <a:solidFill>
+                  <a:schemeClr val="dk2"/>
+                </a:solidFill>
+                <a:latin typeface="Barlow SemiBold"/>
+                <a:ea typeface="Barlow SemiBold"/>
+                <a:cs typeface="Barlow SemiBold"/>
+                <a:sym typeface="Barlow SemiBold"/>
+              </a:defRPr>
+            </a:lvl8pPr>
+            <a:lvl9pPr marR="0" lvl="8" algn="ctr" rtl="0">
+              <a:lnSpc>
+                <a:spcPct val="100000"/>
+              </a:lnSpc>
+              <a:spcBef>
+                <a:spcPts val="0"/>
+              </a:spcBef>
+              <a:spcAft>
+                <a:spcPts val="0"/>
+              </a:spcAft>
+              <a:buClr>
+                <a:schemeClr val="dk2"/>
+              </a:buClr>
+              <a:buSzPts val="5200"/>
+              <a:buFont typeface="Barlow SemiBold"/>
+              <a:buNone/>
+              <a:defRPr sz="5200" b="0" i="0" u="none" strike="noStrike" cap="none">
+                <a:solidFill>
+                  <a:schemeClr val="dk2"/>
+                </a:solidFill>
+                <a:latin typeface="Barlow SemiBold"/>
+                <a:ea typeface="Barlow SemiBold"/>
+                <a:cs typeface="Barlow SemiBold"/>
+                <a:sym typeface="Barlow SemiBold"/>
+              </a:defRPr>
+            </a:lvl9pPr>
+          </a:lstStyle>
+          <a:p>
+            <a:pPr marL="0" marR="0" lvl="0" indent="0" algn="l" defTabSz="914400" rtl="0" eaLnBrk="1" fontAlgn="auto" latinLnBrk="0" hangingPunct="1">
+              <a:lnSpc>
+                <a:spcPct val="90000"/>
+              </a:lnSpc>
+              <a:spcBef>
+                <a:spcPts val="0"/>
+              </a:spcBef>
+              <a:spcAft>
+                <a:spcPts val="0"/>
+              </a:spcAft>
+              <a:buClr>
+                <a:srgbClr val="164A4A"/>
+              </a:buClr>
+              <a:buSzPts val="5200"/>
+              <a:buFont typeface="Commissioner"/>
+              <a:buNone/>
+              <a:tabLst/>
+              <a:defRPr/>
+            </a:pPr>
+            <a:r>
+              <a:rPr kumimoji="0" lang="pt-PT" sz="5000" b="1" i="0" u="none" strike="noStrike" kern="0" cap="none" spc="0" normalizeH="0" baseline="0" dirty="0">
+                <a:ln>
+                  <a:noFill/>
+                </a:ln>
+                <a:solidFill>
+                  <a:srgbClr val="3D4D55"/>
+                </a:solidFill>
+                <a:effectLst/>
+                <a:uLnTx/>
+                <a:uFillTx/>
+                <a:latin typeface="Arial" panose="020B0604020202020204" pitchFamily="34" charset="0"/>
+                <a:cs typeface="Arial" panose="020B0604020202020204" pitchFamily="34" charset="0"/>
+                <a:sym typeface="Commissioner ExtraBold"/>
+              </a:rPr>
+              <a:t>Motivação</a:t>
+            </a:r>
+          </a:p>
+        </p:txBody>
+      </p:sp>
+      <p:sp>
+        <p:nvSpPr>
+          <p:cNvPr id="8" name="Google Shape;1463;p74">
+            <a:extLst>
+              <a:ext uri="{FF2B5EF4-FFF2-40B4-BE49-F238E27FC236}">
+                <a16:creationId xmlns:a16="http://schemas.microsoft.com/office/drawing/2014/main" id="{4276997B-0BD4-162E-DB26-8526791DDE0F}"/>
+              </a:ext>
+            </a:extLst>
+          </p:cNvPr>
+          <p:cNvSpPr/>
+          <p:nvPr/>
+        </p:nvSpPr>
+        <p:spPr>
+          <a:xfrm rot="10800000">
+            <a:off x="7821261" y="-1"/>
+            <a:ext cx="4370739" cy="4131129"/>
+          </a:xfrm>
+          <a:custGeom>
+            <a:avLst/>
+            <a:gdLst/>
+            <a:ahLst/>
+            <a:cxnLst/>
+            <a:rect l="l" t="t" r="r" b="b"/>
+            <a:pathLst>
+              <a:path w="119881" h="113309" extrusionOk="0">
+                <a:moveTo>
+                  <a:pt x="20594" y="1"/>
+                </a:moveTo>
+                <a:cubicBezTo>
+                  <a:pt x="16552" y="1"/>
+                  <a:pt x="12368" y="1147"/>
+                  <a:pt x="9149" y="2790"/>
+                </a:cubicBezTo>
+                <a:cubicBezTo>
+                  <a:pt x="5471" y="4675"/>
+                  <a:pt x="1915" y="7836"/>
+                  <a:pt x="0" y="11605"/>
+                </a:cubicBezTo>
+                <a:lnTo>
+                  <a:pt x="0" y="113308"/>
+                </a:lnTo>
+                <a:lnTo>
+                  <a:pt x="117935" y="113308"/>
+                </a:lnTo>
+                <a:cubicBezTo>
+                  <a:pt x="117935" y="113308"/>
+                  <a:pt x="119881" y="98901"/>
+                  <a:pt x="102008" y="94250"/>
+                </a:cubicBezTo>
+                <a:cubicBezTo>
+                  <a:pt x="89485" y="90968"/>
+                  <a:pt x="95139" y="77472"/>
+                  <a:pt x="92190" y="68141"/>
+                </a:cubicBezTo>
+                <a:cubicBezTo>
+                  <a:pt x="88773" y="57366"/>
+                  <a:pt x="78869" y="50808"/>
+                  <a:pt x="68440" y="50808"/>
+                </a:cubicBezTo>
+                <a:cubicBezTo>
+                  <a:pt x="64953" y="50808"/>
+                  <a:pt x="61407" y="51541"/>
+                  <a:pt x="58025" y="53095"/>
+                </a:cubicBezTo>
+                <a:cubicBezTo>
+                  <a:pt x="53166" y="55347"/>
+                  <a:pt x="45940" y="60409"/>
+                  <a:pt x="39678" y="60409"/>
+                </a:cubicBezTo>
+                <a:cubicBezTo>
+                  <a:pt x="37911" y="60409"/>
+                  <a:pt x="36220" y="60005"/>
+                  <a:pt x="34681" y="59022"/>
+                </a:cubicBezTo>
+                <a:cubicBezTo>
+                  <a:pt x="26323" y="53703"/>
+                  <a:pt x="32341" y="38991"/>
+                  <a:pt x="33770" y="31635"/>
+                </a:cubicBezTo>
+                <a:cubicBezTo>
+                  <a:pt x="35381" y="23459"/>
+                  <a:pt x="36900" y="14249"/>
+                  <a:pt x="32858" y="6498"/>
+                </a:cubicBezTo>
+                <a:cubicBezTo>
+                  <a:pt x="30386" y="1757"/>
+                  <a:pt x="25599" y="1"/>
+                  <a:pt x="20594" y="1"/>
+                </a:cubicBezTo>
+                <a:close/>
+              </a:path>
+            </a:pathLst>
+          </a:custGeom>
+          <a:solidFill>
+            <a:srgbClr val="3F4853"/>
+          </a:solidFill>
+          <a:ln>
+            <a:noFill/>
+          </a:ln>
+        </p:spPr>
+        <p:txBody>
+          <a:bodyPr spcFirstLastPara="1" wrap="square" lIns="91425" tIns="91425" rIns="91425" bIns="91425" anchor="ctr" anchorCtr="0">
+            <a:noAutofit/>
+          </a:bodyPr>
+          <a:lstStyle/>
+          <a:p>
+            <a:pPr marL="0" marR="0" lvl="0" indent="0" defTabSz="914400" eaLnBrk="1" fontAlgn="auto" latinLnBrk="0" hangingPunct="1">
+              <a:lnSpc>
+                <a:spcPct val="100000"/>
+              </a:lnSpc>
+              <a:spcBef>
+                <a:spcPts val="0"/>
+              </a:spcBef>
+              <a:spcAft>
+                <a:spcPts val="0"/>
+              </a:spcAft>
+              <a:buClr>
+                <a:srgbClr val="000000"/>
+              </a:buClr>
+              <a:buSzTx/>
+              <a:buFont typeface="Arial"/>
+              <a:buNone/>
+              <a:tabLst/>
+              <a:defRPr/>
+            </a:pPr>
+            <a:endParaRPr kumimoji="0" sz="1400" b="0" i="0" u="none" strike="noStrike" kern="0" cap="none" spc="0" normalizeH="0" baseline="0" noProof="0">
+              <a:ln>
+                <a:noFill/>
+              </a:ln>
+              <a:solidFill>
+                <a:srgbClr val="000000"/>
+              </a:solidFill>
+              <a:effectLst/>
+              <a:uLnTx/>
+              <a:uFillTx/>
+              <a:latin typeface="Arial"/>
+              <a:cs typeface="Arial"/>
+              <a:sym typeface="Arial"/>
+            </a:endParaRPr>
+          </a:p>
+        </p:txBody>
+      </p:sp>
+      <p:sp>
+        <p:nvSpPr>
+          <p:cNvPr id="9" name="Google Shape;1458;p74">
+            <a:extLst>
+              <a:ext uri="{FF2B5EF4-FFF2-40B4-BE49-F238E27FC236}">
+                <a16:creationId xmlns:a16="http://schemas.microsoft.com/office/drawing/2014/main" id="{3652B72F-A6BE-112F-AEC4-3B05341B103C}"/>
+              </a:ext>
+            </a:extLst>
+          </p:cNvPr>
+          <p:cNvSpPr/>
+          <p:nvPr/>
+        </p:nvSpPr>
+        <p:spPr>
+          <a:xfrm>
+            <a:off x="7821261" y="445718"/>
+            <a:ext cx="1224873" cy="1366944"/>
+          </a:xfrm>
+          <a:custGeom>
+            <a:avLst/>
+            <a:gdLst/>
+            <a:ahLst/>
+            <a:cxnLst/>
+            <a:rect l="l" t="t" r="r" b="b"/>
+            <a:pathLst>
+              <a:path w="77206" h="86161" extrusionOk="0">
+                <a:moveTo>
+                  <a:pt x="43626" y="0"/>
+                </a:moveTo>
+                <a:cubicBezTo>
+                  <a:pt x="31498" y="0"/>
+                  <a:pt x="18907" y="6868"/>
+                  <a:pt x="11551" y="22967"/>
+                </a:cubicBezTo>
+                <a:cubicBezTo>
+                  <a:pt x="1" y="48195"/>
+                  <a:pt x="11521" y="68591"/>
+                  <a:pt x="18542" y="77801"/>
+                </a:cubicBezTo>
+                <a:cubicBezTo>
+                  <a:pt x="22068" y="82421"/>
+                  <a:pt x="27266" y="85460"/>
+                  <a:pt x="33041" y="86068"/>
+                </a:cubicBezTo>
+                <a:cubicBezTo>
+                  <a:pt x="33654" y="86131"/>
+                  <a:pt x="34255" y="86161"/>
+                  <a:pt x="34845" y="86161"/>
+                </a:cubicBezTo>
+                <a:cubicBezTo>
+                  <a:pt x="44307" y="86161"/>
+                  <a:pt x="50652" y="78321"/>
+                  <a:pt x="51826" y="69107"/>
+                </a:cubicBezTo>
+                <a:cubicBezTo>
+                  <a:pt x="52464" y="64001"/>
+                  <a:pt x="52585" y="60262"/>
+                  <a:pt x="56567" y="56706"/>
+                </a:cubicBezTo>
+                <a:cubicBezTo>
+                  <a:pt x="60944" y="52785"/>
+                  <a:pt x="66476" y="50323"/>
+                  <a:pt x="70428" y="45855"/>
+                </a:cubicBezTo>
+                <a:cubicBezTo>
+                  <a:pt x="76081" y="39563"/>
+                  <a:pt x="77206" y="31660"/>
+                  <a:pt x="74957" y="23605"/>
+                </a:cubicBezTo>
+                <a:cubicBezTo>
+                  <a:pt x="70878" y="9062"/>
+                  <a:pt x="57557" y="0"/>
+                  <a:pt x="43626" y="0"/>
+                </a:cubicBezTo>
+                <a:close/>
+              </a:path>
+            </a:pathLst>
+          </a:custGeom>
+          <a:solidFill>
+            <a:srgbClr val="81B5A8"/>
+          </a:solidFill>
+          <a:ln>
+            <a:noFill/>
+          </a:ln>
+        </p:spPr>
+        <p:txBody>
+          <a:bodyPr spcFirstLastPara="1" wrap="square" lIns="91425" tIns="91425" rIns="91425" bIns="91425" anchor="ctr" anchorCtr="0">
+            <a:noAutofit/>
+          </a:bodyPr>
+          <a:lstStyle/>
+          <a:p>
+            <a:pPr marL="0" marR="0" lvl="0" indent="0" defTabSz="914400" eaLnBrk="1" fontAlgn="auto" latinLnBrk="0" hangingPunct="1">
+              <a:lnSpc>
+                <a:spcPct val="100000"/>
+              </a:lnSpc>
+              <a:spcBef>
+                <a:spcPts val="0"/>
+              </a:spcBef>
+              <a:spcAft>
+                <a:spcPts val="0"/>
+              </a:spcAft>
+              <a:buClr>
+                <a:srgbClr val="000000"/>
+              </a:buClr>
+              <a:buSzTx/>
+              <a:buFont typeface="Arial"/>
+              <a:buNone/>
+              <a:tabLst/>
+              <a:defRPr/>
+            </a:pPr>
+            <a:endParaRPr kumimoji="0" sz="1400" b="0" i="0" u="none" strike="noStrike" kern="0" cap="none" spc="0" normalizeH="0" baseline="0" noProof="0">
+              <a:ln>
+                <a:noFill/>
+              </a:ln>
+              <a:solidFill>
+                <a:srgbClr val="000000"/>
+              </a:solidFill>
+              <a:effectLst/>
+              <a:uLnTx/>
+              <a:uFillTx/>
+              <a:latin typeface="Arial"/>
+              <a:cs typeface="Arial"/>
+              <a:sym typeface="Arial"/>
+            </a:endParaRPr>
+          </a:p>
+        </p:txBody>
+      </p:sp>
+      <p:sp>
+        <p:nvSpPr>
+          <p:cNvPr id="10" name="Google Shape;1457;p74">
+            <a:extLst>
+              <a:ext uri="{FF2B5EF4-FFF2-40B4-BE49-F238E27FC236}">
+                <a16:creationId xmlns:a16="http://schemas.microsoft.com/office/drawing/2014/main" id="{70523ADB-672F-8351-FC00-7E5719ADCB16}"/>
+              </a:ext>
+            </a:extLst>
+          </p:cNvPr>
+          <p:cNvSpPr/>
+          <p:nvPr/>
+        </p:nvSpPr>
+        <p:spPr>
+          <a:xfrm>
+            <a:off x="10006630" y="4865724"/>
+            <a:ext cx="3870905" cy="3051251"/>
+          </a:xfrm>
+          <a:custGeom>
+            <a:avLst/>
+            <a:gdLst/>
+            <a:ahLst/>
+            <a:cxnLst/>
+            <a:rect l="l" t="t" r="r" b="b"/>
+            <a:pathLst>
+              <a:path w="39363" h="31028" extrusionOk="0">
+                <a:moveTo>
+                  <a:pt x="21078" y="1"/>
+                </a:moveTo>
+                <a:cubicBezTo>
+                  <a:pt x="18634" y="1"/>
+                  <a:pt x="16478" y="1773"/>
+                  <a:pt x="15979" y="4271"/>
+                </a:cubicBezTo>
+                <a:cubicBezTo>
+                  <a:pt x="15946" y="4537"/>
+                  <a:pt x="15912" y="4838"/>
+                  <a:pt x="15912" y="5104"/>
+                </a:cubicBezTo>
+                <a:lnTo>
+                  <a:pt x="15912" y="5305"/>
+                </a:lnTo>
+                <a:cubicBezTo>
+                  <a:pt x="15846" y="6272"/>
+                  <a:pt x="15379" y="10008"/>
+                  <a:pt x="9708" y="11342"/>
+                </a:cubicBezTo>
+                <a:cubicBezTo>
+                  <a:pt x="5438" y="11776"/>
+                  <a:pt x="1802" y="14945"/>
+                  <a:pt x="1002" y="19348"/>
+                </a:cubicBezTo>
+                <a:cubicBezTo>
+                  <a:pt x="1" y="24685"/>
+                  <a:pt x="3570" y="29856"/>
+                  <a:pt x="8907" y="30856"/>
+                </a:cubicBezTo>
+                <a:cubicBezTo>
+                  <a:pt x="9518" y="30972"/>
+                  <a:pt x="10126" y="31028"/>
+                  <a:pt x="10725" y="31028"/>
+                </a:cubicBezTo>
+                <a:cubicBezTo>
+                  <a:pt x="13752" y="31028"/>
+                  <a:pt x="16548" y="29604"/>
+                  <a:pt x="18414" y="27320"/>
+                </a:cubicBezTo>
+                <a:cubicBezTo>
+                  <a:pt x="19014" y="26520"/>
+                  <a:pt x="19515" y="25653"/>
+                  <a:pt x="19915" y="24685"/>
+                </a:cubicBezTo>
+                <a:cubicBezTo>
+                  <a:pt x="21857" y="21834"/>
+                  <a:pt x="25742" y="17659"/>
+                  <a:pt x="31816" y="17659"/>
+                </a:cubicBezTo>
+                <a:cubicBezTo>
+                  <a:pt x="32210" y="17659"/>
+                  <a:pt x="32613" y="17677"/>
+                  <a:pt x="33024" y="17714"/>
+                </a:cubicBezTo>
+                <a:cubicBezTo>
+                  <a:pt x="33258" y="17780"/>
+                  <a:pt x="33425" y="17847"/>
+                  <a:pt x="33625" y="17880"/>
+                </a:cubicBezTo>
+                <a:cubicBezTo>
+                  <a:pt x="33909" y="17934"/>
+                  <a:pt x="34192" y="17960"/>
+                  <a:pt x="34471" y="17960"/>
+                </a:cubicBezTo>
+                <a:cubicBezTo>
+                  <a:pt x="36614" y="17960"/>
+                  <a:pt x="38515" y="16432"/>
+                  <a:pt x="38929" y="14278"/>
+                </a:cubicBezTo>
+                <a:cubicBezTo>
+                  <a:pt x="39362" y="11809"/>
+                  <a:pt x="37761" y="9441"/>
+                  <a:pt x="35293" y="8974"/>
+                </a:cubicBezTo>
+                <a:cubicBezTo>
+                  <a:pt x="34999" y="8913"/>
+                  <a:pt x="34710" y="8883"/>
+                  <a:pt x="34425" y="8883"/>
+                </a:cubicBezTo>
+                <a:cubicBezTo>
+                  <a:pt x="33934" y="8883"/>
+                  <a:pt x="33456" y="8972"/>
+                  <a:pt x="32991" y="9141"/>
+                </a:cubicBezTo>
+                <a:cubicBezTo>
+                  <a:pt x="32529" y="9216"/>
+                  <a:pt x="31929" y="9288"/>
+                  <a:pt x="31278" y="9288"/>
+                </a:cubicBezTo>
+                <a:cubicBezTo>
+                  <a:pt x="29341" y="9288"/>
+                  <a:pt x="26944" y="8658"/>
+                  <a:pt x="26320" y="5638"/>
+                </a:cubicBezTo>
+                <a:cubicBezTo>
+                  <a:pt x="26587" y="3103"/>
+                  <a:pt x="24785" y="601"/>
+                  <a:pt x="22083" y="101"/>
+                </a:cubicBezTo>
+                <a:cubicBezTo>
+                  <a:pt x="21745" y="33"/>
+                  <a:pt x="21409" y="1"/>
+                  <a:pt x="21078" y="1"/>
+                </a:cubicBezTo>
+                <a:close/>
+              </a:path>
+            </a:pathLst>
+          </a:custGeom>
+          <a:noFill/>
+          <a:ln>
+            <a:solidFill>
+              <a:srgbClr val="3D4D55"/>
+            </a:solidFill>
+          </a:ln>
+        </p:spPr>
+        <p:txBody>
+          <a:bodyPr spcFirstLastPara="1" wrap="square" lIns="91425" tIns="91425" rIns="91425" bIns="91425" anchor="ctr" anchorCtr="0">
+            <a:noAutofit/>
+          </a:bodyPr>
+          <a:lstStyle/>
+          <a:p>
+            <a:pPr marL="0" marR="0" lvl="0" indent="0" defTabSz="914400" eaLnBrk="1" fontAlgn="auto" latinLnBrk="0" hangingPunct="1">
+              <a:lnSpc>
+                <a:spcPct val="100000"/>
+              </a:lnSpc>
+              <a:spcBef>
+                <a:spcPts val="0"/>
+              </a:spcBef>
+              <a:spcAft>
+                <a:spcPts val="0"/>
+              </a:spcAft>
+              <a:buClr>
+                <a:srgbClr val="000000"/>
+              </a:buClr>
+              <a:buSzTx/>
+              <a:buFont typeface="Arial"/>
+              <a:buNone/>
+              <a:tabLst/>
+              <a:defRPr/>
+            </a:pPr>
+            <a:endParaRPr kumimoji="0" sz="1400" b="0" i="0" u="none" strike="noStrike" kern="0" cap="none" spc="0" normalizeH="0" baseline="0" noProof="0">
+              <a:ln>
+                <a:noFill/>
+              </a:ln>
+              <a:solidFill>
+                <a:srgbClr val="000000"/>
+              </a:solidFill>
+              <a:effectLst/>
+              <a:uLnTx/>
+              <a:uFillTx/>
+              <a:latin typeface="Arial"/>
+              <a:cs typeface="Arial"/>
+              <a:sym typeface="Arial"/>
+            </a:endParaRPr>
+          </a:p>
+        </p:txBody>
+      </p:sp>
+      <p:sp>
+        <p:nvSpPr>
+          <p:cNvPr id="11" name="Google Shape;1461;p74">
+            <a:extLst>
+              <a:ext uri="{FF2B5EF4-FFF2-40B4-BE49-F238E27FC236}">
+                <a16:creationId xmlns:a16="http://schemas.microsoft.com/office/drawing/2014/main" id="{23BD3530-BEC0-C1FB-DB60-448B01E7615C}"/>
+              </a:ext>
+            </a:extLst>
+          </p:cNvPr>
+          <p:cNvSpPr/>
+          <p:nvPr/>
+        </p:nvSpPr>
+        <p:spPr>
+          <a:xfrm rot="16200000">
+            <a:off x="95734" y="-95735"/>
+            <a:ext cx="1655760" cy="1847227"/>
+          </a:xfrm>
+          <a:custGeom>
+            <a:avLst/>
+            <a:gdLst/>
+            <a:ahLst/>
+            <a:cxnLst/>
+            <a:rect l="l" t="t" r="r" b="b"/>
+            <a:pathLst>
+              <a:path w="71370" h="79623" extrusionOk="0">
+                <a:moveTo>
+                  <a:pt x="609" y="0"/>
+                </a:moveTo>
+                <a:cubicBezTo>
+                  <a:pt x="1" y="10578"/>
+                  <a:pt x="2949" y="24438"/>
+                  <a:pt x="14925" y="26627"/>
+                </a:cubicBezTo>
+                <a:cubicBezTo>
+                  <a:pt x="21642" y="27873"/>
+                  <a:pt x="28998" y="28116"/>
+                  <a:pt x="35168" y="31399"/>
+                </a:cubicBezTo>
+                <a:cubicBezTo>
+                  <a:pt x="51734" y="40274"/>
+                  <a:pt x="28512" y="60791"/>
+                  <a:pt x="40214" y="72828"/>
+                </a:cubicBezTo>
+                <a:cubicBezTo>
+                  <a:pt x="44913" y="77681"/>
+                  <a:pt x="50938" y="79622"/>
+                  <a:pt x="57153" y="79622"/>
+                </a:cubicBezTo>
+                <a:cubicBezTo>
+                  <a:pt x="61953" y="79622"/>
+                  <a:pt x="66866" y="78464"/>
+                  <a:pt x="71370" y="76597"/>
+                </a:cubicBezTo>
+                <a:lnTo>
+                  <a:pt x="71370" y="0"/>
+                </a:lnTo>
+                <a:close/>
+              </a:path>
+            </a:pathLst>
+          </a:custGeom>
+          <a:solidFill>
+            <a:srgbClr val="ADDBD0"/>
+          </a:solidFill>
+          <a:ln>
+            <a:noFill/>
+          </a:ln>
+        </p:spPr>
+        <p:txBody>
+          <a:bodyPr spcFirstLastPara="1" wrap="square" lIns="91425" tIns="91425" rIns="91425" bIns="91425" anchor="ctr" anchorCtr="0">
+            <a:noAutofit/>
+          </a:bodyPr>
+          <a:lstStyle/>
+          <a:p>
+            <a:pPr marL="0" marR="0" lvl="0" indent="0" defTabSz="914400" eaLnBrk="1" fontAlgn="auto" latinLnBrk="0" hangingPunct="1">
+              <a:lnSpc>
+                <a:spcPct val="100000"/>
+              </a:lnSpc>
+              <a:spcBef>
+                <a:spcPts val="0"/>
+              </a:spcBef>
+              <a:spcAft>
+                <a:spcPts val="0"/>
+              </a:spcAft>
+              <a:buClr>
+                <a:srgbClr val="000000"/>
+              </a:buClr>
+              <a:buSzTx/>
+              <a:buFont typeface="Arial"/>
+              <a:buNone/>
+              <a:tabLst/>
+              <a:defRPr/>
+            </a:pPr>
+            <a:endParaRPr kumimoji="0" sz="1400" b="0" i="0" u="none" strike="noStrike" kern="0" cap="none" spc="0" normalizeH="0" baseline="0" noProof="0">
+              <a:ln>
+                <a:noFill/>
+              </a:ln>
+              <a:solidFill>
+                <a:srgbClr val="000000"/>
+              </a:solidFill>
+              <a:effectLst/>
+              <a:uLnTx/>
+              <a:uFillTx/>
+              <a:latin typeface="Arial"/>
+              <a:cs typeface="Arial"/>
+              <a:sym typeface="Arial"/>
+            </a:endParaRPr>
+          </a:p>
+        </p:txBody>
+      </p:sp>
+      <p:sp>
+        <p:nvSpPr>
+          <p:cNvPr id="12" name="Google Shape;1463;p74">
+            <a:extLst>
+              <a:ext uri="{FF2B5EF4-FFF2-40B4-BE49-F238E27FC236}">
+                <a16:creationId xmlns:a16="http://schemas.microsoft.com/office/drawing/2014/main" id="{4579D2A2-EB27-A7CE-84EF-AEC0C78021E7}"/>
+              </a:ext>
+            </a:extLst>
+          </p:cNvPr>
+          <p:cNvSpPr/>
+          <p:nvPr/>
+        </p:nvSpPr>
+        <p:spPr>
+          <a:xfrm>
+            <a:off x="-253102" y="6269981"/>
+            <a:ext cx="8686799" cy="2137232"/>
+          </a:xfrm>
+          <a:custGeom>
+            <a:avLst/>
+            <a:gdLst/>
+            <a:ahLst/>
+            <a:cxnLst/>
+            <a:rect l="l" t="t" r="r" b="b"/>
+            <a:pathLst>
+              <a:path w="119881" h="113309" extrusionOk="0">
+                <a:moveTo>
+                  <a:pt x="20594" y="1"/>
+                </a:moveTo>
+                <a:cubicBezTo>
+                  <a:pt x="16552" y="1"/>
+                  <a:pt x="12368" y="1147"/>
+                  <a:pt x="9149" y="2790"/>
+                </a:cubicBezTo>
+                <a:cubicBezTo>
+                  <a:pt x="5471" y="4675"/>
+                  <a:pt x="1915" y="7836"/>
+                  <a:pt x="0" y="11605"/>
+                </a:cubicBezTo>
+                <a:lnTo>
+                  <a:pt x="0" y="113308"/>
+                </a:lnTo>
+                <a:lnTo>
+                  <a:pt x="117935" y="113308"/>
+                </a:lnTo>
+                <a:cubicBezTo>
+                  <a:pt x="117935" y="113308"/>
+                  <a:pt x="119881" y="98901"/>
+                  <a:pt x="102008" y="94250"/>
+                </a:cubicBezTo>
+                <a:cubicBezTo>
+                  <a:pt x="89485" y="90968"/>
+                  <a:pt x="95139" y="77472"/>
+                  <a:pt x="92190" y="68141"/>
+                </a:cubicBezTo>
+                <a:cubicBezTo>
+                  <a:pt x="88773" y="57366"/>
+                  <a:pt x="78869" y="50808"/>
+                  <a:pt x="68440" y="50808"/>
+                </a:cubicBezTo>
+                <a:cubicBezTo>
+                  <a:pt x="64953" y="50808"/>
+                  <a:pt x="61407" y="51541"/>
+                  <a:pt x="58025" y="53095"/>
+                </a:cubicBezTo>
+                <a:cubicBezTo>
+                  <a:pt x="53166" y="55347"/>
+                  <a:pt x="45940" y="60409"/>
+                  <a:pt x="39678" y="60409"/>
+                </a:cubicBezTo>
+                <a:cubicBezTo>
+                  <a:pt x="37911" y="60409"/>
+                  <a:pt x="36220" y="60005"/>
+                  <a:pt x="34681" y="59022"/>
+                </a:cubicBezTo>
+                <a:cubicBezTo>
+                  <a:pt x="26323" y="53703"/>
+                  <a:pt x="32341" y="38991"/>
+                  <a:pt x="33770" y="31635"/>
+                </a:cubicBezTo>
+                <a:cubicBezTo>
+                  <a:pt x="35381" y="23459"/>
+                  <a:pt x="36900" y="14249"/>
+                  <a:pt x="32858" y="6498"/>
+                </a:cubicBezTo>
+                <a:cubicBezTo>
+                  <a:pt x="30386" y="1757"/>
+                  <a:pt x="25599" y="1"/>
+                  <a:pt x="20594" y="1"/>
+                </a:cubicBezTo>
+                <a:close/>
+              </a:path>
+            </a:pathLst>
+          </a:custGeom>
+          <a:solidFill>
+            <a:srgbClr val="3F4853"/>
+          </a:solidFill>
+          <a:ln>
+            <a:noFill/>
+          </a:ln>
+        </p:spPr>
+        <p:txBody>
+          <a:bodyPr spcFirstLastPara="1" wrap="square" lIns="91425" tIns="91425" rIns="91425" bIns="91425" anchor="ctr" anchorCtr="0">
+            <a:noAutofit/>
+          </a:bodyPr>
+          <a:lstStyle/>
+          <a:p>
+            <a:pPr marL="0" marR="0" lvl="0" indent="0" defTabSz="914400" eaLnBrk="1" fontAlgn="auto" latinLnBrk="0" hangingPunct="1">
+              <a:lnSpc>
+                <a:spcPct val="100000"/>
+              </a:lnSpc>
+              <a:spcBef>
+                <a:spcPts val="0"/>
+              </a:spcBef>
+              <a:spcAft>
+                <a:spcPts val="0"/>
+              </a:spcAft>
+              <a:buClr>
+                <a:srgbClr val="000000"/>
+              </a:buClr>
+              <a:buSzTx/>
+              <a:buFont typeface="Arial"/>
+              <a:buNone/>
+              <a:tabLst/>
+              <a:defRPr/>
+            </a:pPr>
+            <a:endParaRPr kumimoji="0" sz="1400" b="0" i="0" u="none" strike="noStrike" kern="0" cap="none" spc="0" normalizeH="0" baseline="0" noProof="0">
+              <a:ln>
+                <a:noFill/>
+              </a:ln>
+              <a:solidFill>
+                <a:srgbClr val="000000"/>
+              </a:solidFill>
+              <a:effectLst/>
+              <a:uLnTx/>
+              <a:uFillTx/>
+              <a:latin typeface="Arial"/>
+              <a:cs typeface="Arial"/>
+              <a:sym typeface="Arial"/>
+            </a:endParaRPr>
+          </a:p>
+        </p:txBody>
+      </p:sp>
+    </p:spTree>
+    <p:extLst>
+      <p:ext uri="{BB962C8B-B14F-4D97-AF65-F5344CB8AC3E}">
+        <p14:creationId xmlns:p14="http://schemas.microsoft.com/office/powerpoint/2010/main" val="3231315417"/>
+      </p:ext>
+    </p:extLst>
+  </p:cSld>
+  <p:clrMapOvr>
+    <a:masterClrMapping/>
+  </p:clrMapOvr>
+</p:sld>
+</file>
+
+<file path=ppt/slides/slide4.xml><?xml version="1.0" encoding="utf-8"?>
+<p:sld xmlns:a="http://schemas.openxmlformats.org/drawingml/2006/main" xmlns:r="http://schemas.openxmlformats.org/officeDocument/2006/relationships" xmlns:p="http://schemas.openxmlformats.org/presentationml/2006/main">
+  <p:cSld>
+    <p:bg>
+      <p:bgPr>
+        <a:solidFill>
+          <a:schemeClr val="bg1"/>
+        </a:solidFill>
+        <a:effectLst/>
+      </p:bgPr>
+    </p:bg>
+    <p:spTree>
+      <p:nvGrpSpPr>
+        <p:cNvPr id="1" name=""/>
+        <p:cNvGrpSpPr/>
+        <p:nvPr/>
+      </p:nvGrpSpPr>
+      <p:grpSpPr>
+        <a:xfrm>
+          <a:off x="0" y="0"/>
+          <a:ext cx="0" cy="0"/>
+          <a:chOff x="0" y="0"/>
+          <a:chExt cx="0" cy="0"/>
+        </a:xfrm>
+      </p:grpSpPr>
+      <p:sp>
+        <p:nvSpPr>
+          <p:cNvPr id="5" name="Subtítulo 4">
+            <a:extLst>
+              <a:ext uri="{FF2B5EF4-FFF2-40B4-BE49-F238E27FC236}">
+                <a16:creationId xmlns:a16="http://schemas.microsoft.com/office/drawing/2014/main" id="{0BBF98B1-EA66-EABA-F256-D9EE9AB32E0B}"/>
+              </a:ext>
+            </a:extLst>
+          </p:cNvPr>
+          <p:cNvSpPr>
+            <a:spLocks noGrp="1"/>
+          </p:cNvSpPr>
+          <p:nvPr>
+            <p:ph type="subTitle" idx="1"/>
+          </p:nvPr>
+        </p:nvSpPr>
+        <p:spPr>
+          <a:xfrm>
             <a:off x="593554" y="1256732"/>
             <a:ext cx="10464517" cy="4736420"/>
           </a:xfrm>
@@ -11910,7 +14339,7 @@
 </p:sld>
 </file>
 
-<file path=ppt/slides/slide4.xml><?xml version="1.0" encoding="utf-8"?>
+<file path=ppt/slides/slide5.xml><?xml version="1.0" encoding="utf-8"?>
 <p:sld xmlns:a="http://schemas.openxmlformats.org/drawingml/2006/main" xmlns:r="http://schemas.openxmlformats.org/officeDocument/2006/relationships" xmlns:p="http://schemas.openxmlformats.org/presentationml/2006/main">
   <p:cSld>
     <p:bg>
@@ -12948,7 +15377,7 @@
 </p:sld>
 </file>
 
-<file path=ppt/slides/slide5.xml><?xml version="1.0" encoding="utf-8"?>
+<file path=ppt/slides/slide6.xml><?xml version="1.0" encoding="utf-8"?>
 <p:sld xmlns:a="http://schemas.openxmlformats.org/drawingml/2006/main" xmlns:r="http://schemas.openxmlformats.org/officeDocument/2006/relationships" xmlns:p="http://schemas.openxmlformats.org/presentationml/2006/main">
   <p:cSld>
     <p:bg>
@@ -13884,7 +16313,7 @@
 </p:sld>
 </file>
 
-<file path=ppt/slides/slide6.xml><?xml version="1.0" encoding="utf-8"?>
+<file path=ppt/slides/slide7.xml><?xml version="1.0" encoding="utf-8"?>
 <p:sld xmlns:a="http://schemas.openxmlformats.org/drawingml/2006/main" xmlns:r="http://schemas.openxmlformats.org/officeDocument/2006/relationships" xmlns:p="http://schemas.openxmlformats.org/presentationml/2006/main">
   <p:cSld>
     <p:bg>
@@ -13984,35 +16413,7 @@
                 <a:latin typeface="Arial" panose="020B0604020202020204" pitchFamily="34" charset="0"/>
                 <a:cs typeface="Arial" panose="020B0604020202020204" pitchFamily="34" charset="0"/>
               </a:rPr>
-              <a:t>Utilização da </a:t>
-            </a:r>
-            <a:r>
-              <a:rPr lang="pt-PT" sz="2000" dirty="0" err="1">
-                <a:latin typeface="Arial" panose="020B0604020202020204" pitchFamily="34" charset="0"/>
-                <a:cs typeface="Arial" panose="020B0604020202020204" pitchFamily="34" charset="0"/>
-              </a:rPr>
-              <a:t>framework</a:t>
-            </a:r>
-            <a:r>
-              <a:rPr lang="pt-PT" sz="2000" dirty="0">
-                <a:latin typeface="Arial" panose="020B0604020202020204" pitchFamily="34" charset="0"/>
-                <a:cs typeface="Arial" panose="020B0604020202020204" pitchFamily="34" charset="0"/>
-              </a:rPr>
-              <a:t> </a:t>
-            </a:r>
-            <a:r>
-              <a:rPr lang="pt-PT" sz="2000" dirty="0" err="1">
-                <a:latin typeface="Arial" panose="020B0604020202020204" pitchFamily="34" charset="0"/>
-                <a:cs typeface="Arial" panose="020B0604020202020204" pitchFamily="34" charset="0"/>
-              </a:rPr>
-              <a:t>express</a:t>
-            </a:r>
-            <a:r>
-              <a:rPr lang="pt-PT" sz="2000" dirty="0">
-                <a:latin typeface="Arial" panose="020B0604020202020204" pitchFamily="34" charset="0"/>
-                <a:cs typeface="Arial" panose="020B0604020202020204" pitchFamily="34" charset="0"/>
-              </a:rPr>
-              <a:t> que contempla a API HTTP</a:t>
+              <a:t>Utilização da framework express para a definição e implementação dos endpoints</a:t>
             </a:r>
           </a:p>
           <a:p>
@@ -14909,1022 +17310,6 @@
 </p:sld>
 </file>
 
-<file path=ppt/slides/slide7.xml><?xml version="1.0" encoding="utf-8"?>
-<p:sld xmlns:a="http://schemas.openxmlformats.org/drawingml/2006/main" xmlns:r="http://schemas.openxmlformats.org/officeDocument/2006/relationships" xmlns:p="http://schemas.openxmlformats.org/presentationml/2006/main">
-  <p:cSld>
-    <p:bg>
-      <p:bgPr>
-        <a:solidFill>
-          <a:schemeClr val="bg1"/>
-        </a:solidFill>
-        <a:effectLst/>
-      </p:bgPr>
-    </p:bg>
-    <p:spTree>
-      <p:nvGrpSpPr>
-        <p:cNvPr id="1" name=""/>
-        <p:cNvGrpSpPr/>
-        <p:nvPr/>
-      </p:nvGrpSpPr>
-      <p:grpSpPr>
-        <a:xfrm>
-          <a:off x="0" y="0"/>
-          <a:ext cx="0" cy="0"/>
-          <a:chOff x="0" y="0"/>
-          <a:chExt cx="0" cy="0"/>
-        </a:xfrm>
-      </p:grpSpPr>
-      <p:sp>
-        <p:nvSpPr>
-          <p:cNvPr id="5" name="Subtítulo 4">
-            <a:extLst>
-              <a:ext uri="{FF2B5EF4-FFF2-40B4-BE49-F238E27FC236}">
-                <a16:creationId xmlns:a16="http://schemas.microsoft.com/office/drawing/2014/main" id="{0BBF98B1-EA66-EABA-F256-D9EE9AB32E0B}"/>
-              </a:ext>
-            </a:extLst>
-          </p:cNvPr>
-          <p:cNvSpPr>
-            <a:spLocks noGrp="1"/>
-          </p:cNvSpPr>
-          <p:nvPr>
-            <p:ph type="subTitle" idx="1"/>
-          </p:nvPr>
-        </p:nvSpPr>
-        <p:spPr>
-          <a:xfrm>
-            <a:off x="593554" y="1256732"/>
-            <a:ext cx="10464517" cy="4736420"/>
-          </a:xfrm>
-        </p:spPr>
-        <p:txBody>
-          <a:bodyPr>
-            <a:normAutofit/>
-          </a:bodyPr>
-          <a:lstStyle/>
-          <a:p>
-            <a:pPr marL="342900" indent="-342900" algn="l">
-              <a:lnSpc>
-                <a:spcPct val="100000"/>
-              </a:lnSpc>
-              <a:buSzPct val="100000"/>
-              <a:buFont typeface="Tahoma" panose="020B0604030504040204" pitchFamily="34" charset="0"/>
-              <a:buChar char="●"/>
-            </a:pPr>
-            <a:r>
-              <a:rPr lang="pt-PT" sz="2000" dirty="0">
-                <a:latin typeface="Arial" panose="020B0604020202020204" pitchFamily="34" charset="0"/>
-                <a:cs typeface="Arial" panose="020B0604020202020204" pitchFamily="34" charset="0"/>
-              </a:rPr>
-              <a:t>Realizado com o </a:t>
-            </a:r>
-            <a:r>
-              <a:rPr lang="pt-PT" sz="2000" dirty="0" err="1">
-                <a:latin typeface="Arial" panose="020B0604020202020204" pitchFamily="34" charset="0"/>
-                <a:cs typeface="Arial" panose="020B0604020202020204" pitchFamily="34" charset="0"/>
-              </a:rPr>
-              <a:t>middleware</a:t>
-            </a:r>
-            <a:r>
-              <a:rPr lang="pt-PT" sz="2000" dirty="0">
-                <a:latin typeface="Arial" panose="020B0604020202020204" pitchFamily="34" charset="0"/>
-                <a:cs typeface="Arial" panose="020B0604020202020204" pitchFamily="34" charset="0"/>
-              </a:rPr>
-              <a:t> </a:t>
-            </a:r>
-            <a:r>
-              <a:rPr lang="pt-PT" sz="2000" dirty="0" err="1">
-                <a:latin typeface="Arial" panose="020B0604020202020204" pitchFamily="34" charset="0"/>
-                <a:cs typeface="Arial" panose="020B0604020202020204" pitchFamily="34" charset="0"/>
-              </a:rPr>
-              <a:t>PassportJs</a:t>
-            </a:r>
-            <a:endParaRPr lang="pt-PT" sz="2000" dirty="0">
-              <a:latin typeface="Arial" panose="020B0604020202020204" pitchFamily="34" charset="0"/>
-              <a:cs typeface="Arial" panose="020B0604020202020204" pitchFamily="34" charset="0"/>
-            </a:endParaRPr>
-          </a:p>
-          <a:p>
-            <a:pPr marL="342900" indent="-342900" algn="l">
-              <a:lnSpc>
-                <a:spcPct val="100000"/>
-              </a:lnSpc>
-              <a:buSzPct val="100000"/>
-              <a:buFont typeface="Tahoma" panose="020B0604030504040204" pitchFamily="34" charset="0"/>
-              <a:buChar char="●"/>
-            </a:pPr>
-            <a:r>
-              <a:rPr lang="pt-PT" sz="2000" dirty="0">
-                <a:latin typeface="Arial" panose="020B0604020202020204" pitchFamily="34" charset="0"/>
-                <a:cs typeface="Arial" panose="020B0604020202020204" pitchFamily="34" charset="0"/>
-              </a:rPr>
-              <a:t>Implementada uma estratégia local com </a:t>
-            </a:r>
-            <a:r>
-              <a:rPr lang="pt-PT" sz="2000" dirty="0" err="1">
-                <a:latin typeface="Arial" panose="020B0604020202020204" pitchFamily="34" charset="0"/>
-                <a:cs typeface="Arial" panose="020B0604020202020204" pitchFamily="34" charset="0"/>
-              </a:rPr>
-              <a:t>username</a:t>
-            </a:r>
-            <a:r>
-              <a:rPr lang="pt-PT" sz="2000" dirty="0">
-                <a:latin typeface="Arial" panose="020B0604020202020204" pitchFamily="34" charset="0"/>
-                <a:cs typeface="Arial" panose="020B0604020202020204" pitchFamily="34" charset="0"/>
-              </a:rPr>
-              <a:t> e password</a:t>
-            </a:r>
-          </a:p>
-          <a:p>
-            <a:pPr marL="342900" indent="-342900" algn="l">
-              <a:lnSpc>
-                <a:spcPct val="100000"/>
-              </a:lnSpc>
-              <a:buSzPct val="100000"/>
-              <a:buFont typeface="Tahoma" panose="020B0604030504040204" pitchFamily="34" charset="0"/>
-              <a:buChar char="●"/>
-            </a:pPr>
-            <a:r>
-              <a:rPr lang="pt-PT" sz="2000" dirty="0">
-                <a:latin typeface="Arial" panose="020B0604020202020204" pitchFamily="34" charset="0"/>
-                <a:cs typeface="Arial" panose="020B0604020202020204" pitchFamily="34" charset="0"/>
-              </a:rPr>
-              <a:t>Autenticação guardada na </a:t>
-            </a:r>
-            <a:r>
-              <a:rPr lang="pt-PT" sz="2000" dirty="0" err="1">
-                <a:latin typeface="Arial" panose="020B0604020202020204" pitchFamily="34" charset="0"/>
-                <a:cs typeface="Arial" panose="020B0604020202020204" pitchFamily="34" charset="0"/>
-              </a:rPr>
-              <a:t>session</a:t>
-            </a:r>
-            <a:endParaRPr lang="pt-PT" sz="2000" dirty="0">
-              <a:latin typeface="Arial" panose="020B0604020202020204" pitchFamily="34" charset="0"/>
-              <a:cs typeface="Arial" panose="020B0604020202020204" pitchFamily="34" charset="0"/>
-            </a:endParaRPr>
-          </a:p>
-          <a:p>
-            <a:pPr marL="342900" indent="-342900" algn="l">
-              <a:lnSpc>
-                <a:spcPct val="100000"/>
-              </a:lnSpc>
-              <a:buSzPct val="100000"/>
-              <a:buFont typeface="Tahoma" panose="020B0604030504040204" pitchFamily="34" charset="0"/>
-              <a:buChar char="●"/>
-            </a:pPr>
-            <a:r>
-              <a:rPr lang="pt-PT" sz="2000" dirty="0">
-                <a:latin typeface="Arial" panose="020B0604020202020204" pitchFamily="34" charset="0"/>
-                <a:cs typeface="Arial" panose="020B0604020202020204" pitchFamily="34" charset="0"/>
-              </a:rPr>
-              <a:t>Diferentes utilizadores têm diferentes autorizações</a:t>
-            </a:r>
-          </a:p>
-          <a:p>
-            <a:pPr marL="342900" indent="-342900" algn="l">
-              <a:lnSpc>
-                <a:spcPct val="100000"/>
-              </a:lnSpc>
-              <a:buSzPct val="100000"/>
-              <a:buFont typeface="Tahoma" panose="020B0604030504040204" pitchFamily="34" charset="0"/>
-              <a:buChar char="●"/>
-            </a:pPr>
-            <a:r>
-              <a:rPr lang="pt-PT" sz="2000" dirty="0">
-                <a:latin typeface="Arial" panose="020B0604020202020204" pitchFamily="34" charset="0"/>
-                <a:cs typeface="Arial" panose="020B0604020202020204" pitchFamily="34" charset="0"/>
-              </a:rPr>
-              <a:t>Administradores têm permissão para visualizar todas as páginas e alterar o conteúdo de algumas</a:t>
-            </a:r>
-          </a:p>
-          <a:p>
-            <a:pPr marL="342900" indent="-342900" algn="l">
-              <a:lnSpc>
-                <a:spcPct val="100000"/>
-              </a:lnSpc>
-              <a:buSzPct val="100000"/>
-              <a:buFont typeface="Tahoma" panose="020B0604030504040204" pitchFamily="34" charset="0"/>
-              <a:buChar char="●"/>
-            </a:pPr>
-            <a:r>
-              <a:rPr lang="pt-PT" sz="2000" dirty="0">
-                <a:latin typeface="Arial" panose="020B0604020202020204" pitchFamily="34" charset="0"/>
-                <a:cs typeface="Arial" panose="020B0604020202020204" pitchFamily="34" charset="0"/>
-              </a:rPr>
-              <a:t>Membros normais, podem ver os diferentes desportos e visualizar/editar o seu próprio perfil</a:t>
-            </a:r>
-          </a:p>
-        </p:txBody>
-      </p:sp>
-      <p:sp>
-        <p:nvSpPr>
-          <p:cNvPr id="7" name="Google Shape;296;p37">
-            <a:extLst>
-              <a:ext uri="{FF2B5EF4-FFF2-40B4-BE49-F238E27FC236}">
-                <a16:creationId xmlns:a16="http://schemas.microsoft.com/office/drawing/2014/main" id="{3D7AB695-BD0C-4E75-8783-E697EBED0E05}"/>
-              </a:ext>
-            </a:extLst>
-          </p:cNvPr>
-          <p:cNvSpPr txBox="1">
-            <a:spLocks/>
-          </p:cNvSpPr>
-          <p:nvPr/>
-        </p:nvSpPr>
-        <p:spPr>
-          <a:xfrm>
-            <a:off x="593554" y="383132"/>
-            <a:ext cx="6885581" cy="631554"/>
-          </a:xfrm>
-          <a:prstGeom prst="rect">
-            <a:avLst/>
-          </a:prstGeom>
-          <a:noFill/>
-          <a:ln>
-            <a:noFill/>
-          </a:ln>
-        </p:spPr>
-        <p:txBody>
-          <a:bodyPr spcFirstLastPara="1" wrap="square" lIns="0" tIns="0" rIns="0" bIns="0" anchor="t" anchorCtr="0">
-            <a:noAutofit/>
-          </a:bodyPr>
-          <a:lstStyle>
-            <a:defPPr marR="0" lvl="0" algn="l" rtl="0">
-              <a:lnSpc>
-                <a:spcPct val="100000"/>
-              </a:lnSpc>
-              <a:spcBef>
-                <a:spcPts val="0"/>
-              </a:spcBef>
-              <a:spcAft>
-                <a:spcPts val="0"/>
-              </a:spcAft>
-            </a:defPPr>
-            <a:lvl1pPr marL="0" marR="0" lvl="0" indent="0" algn="l" rtl="0">
-              <a:lnSpc>
-                <a:spcPct val="90000"/>
-              </a:lnSpc>
-              <a:spcBef>
-                <a:spcPts val="0"/>
-              </a:spcBef>
-              <a:spcAft>
-                <a:spcPts val="0"/>
-              </a:spcAft>
-              <a:buClr>
-                <a:schemeClr val="dk2"/>
-              </a:buClr>
-              <a:buSzPts val="5200"/>
-              <a:buFont typeface="Commissioner"/>
-              <a:buNone/>
-              <a:defRPr sz="5000" b="0" i="0" u="none" strike="noStrike" cap="none">
-                <a:solidFill>
-                  <a:schemeClr val="dk2"/>
-                </a:solidFill>
-                <a:latin typeface="Commissioner ExtraBold"/>
-                <a:ea typeface="Commissioner ExtraBold"/>
-                <a:cs typeface="Commissioner ExtraBold"/>
-                <a:sym typeface="Commissioner ExtraBold"/>
-              </a:defRPr>
-            </a:lvl1pPr>
-            <a:lvl2pPr marR="0" lvl="1" algn="ctr" rtl="0">
-              <a:lnSpc>
-                <a:spcPct val="100000"/>
-              </a:lnSpc>
-              <a:spcBef>
-                <a:spcPts val="0"/>
-              </a:spcBef>
-              <a:spcAft>
-                <a:spcPts val="0"/>
-              </a:spcAft>
-              <a:buClr>
-                <a:schemeClr val="dk2"/>
-              </a:buClr>
-              <a:buSzPts val="5200"/>
-              <a:buFont typeface="Barlow SemiBold"/>
-              <a:buNone/>
-              <a:defRPr sz="5200" b="0" i="0" u="none" strike="noStrike" cap="none">
-                <a:solidFill>
-                  <a:schemeClr val="dk2"/>
-                </a:solidFill>
-                <a:latin typeface="Barlow SemiBold"/>
-                <a:ea typeface="Barlow SemiBold"/>
-                <a:cs typeface="Barlow SemiBold"/>
-                <a:sym typeface="Barlow SemiBold"/>
-              </a:defRPr>
-            </a:lvl2pPr>
-            <a:lvl3pPr marR="0" lvl="2" algn="ctr" rtl="0">
-              <a:lnSpc>
-                <a:spcPct val="100000"/>
-              </a:lnSpc>
-              <a:spcBef>
-                <a:spcPts val="0"/>
-              </a:spcBef>
-              <a:spcAft>
-                <a:spcPts val="0"/>
-              </a:spcAft>
-              <a:buClr>
-                <a:schemeClr val="dk2"/>
-              </a:buClr>
-              <a:buSzPts val="5200"/>
-              <a:buFont typeface="Barlow SemiBold"/>
-              <a:buNone/>
-              <a:defRPr sz="5200" b="0" i="0" u="none" strike="noStrike" cap="none">
-                <a:solidFill>
-                  <a:schemeClr val="dk2"/>
-                </a:solidFill>
-                <a:latin typeface="Barlow SemiBold"/>
-                <a:ea typeface="Barlow SemiBold"/>
-                <a:cs typeface="Barlow SemiBold"/>
-                <a:sym typeface="Barlow SemiBold"/>
-              </a:defRPr>
-            </a:lvl3pPr>
-            <a:lvl4pPr marR="0" lvl="3" algn="ctr" rtl="0">
-              <a:lnSpc>
-                <a:spcPct val="100000"/>
-              </a:lnSpc>
-              <a:spcBef>
-                <a:spcPts val="0"/>
-              </a:spcBef>
-              <a:spcAft>
-                <a:spcPts val="0"/>
-              </a:spcAft>
-              <a:buClr>
-                <a:schemeClr val="dk2"/>
-              </a:buClr>
-              <a:buSzPts val="5200"/>
-              <a:buFont typeface="Barlow SemiBold"/>
-              <a:buNone/>
-              <a:defRPr sz="5200" b="0" i="0" u="none" strike="noStrike" cap="none">
-                <a:solidFill>
-                  <a:schemeClr val="dk2"/>
-                </a:solidFill>
-                <a:latin typeface="Barlow SemiBold"/>
-                <a:ea typeface="Barlow SemiBold"/>
-                <a:cs typeface="Barlow SemiBold"/>
-                <a:sym typeface="Barlow SemiBold"/>
-              </a:defRPr>
-            </a:lvl4pPr>
-            <a:lvl5pPr marR="0" lvl="4" algn="ctr" rtl="0">
-              <a:lnSpc>
-                <a:spcPct val="100000"/>
-              </a:lnSpc>
-              <a:spcBef>
-                <a:spcPts val="0"/>
-              </a:spcBef>
-              <a:spcAft>
-                <a:spcPts val="0"/>
-              </a:spcAft>
-              <a:buClr>
-                <a:schemeClr val="dk2"/>
-              </a:buClr>
-              <a:buSzPts val="5200"/>
-              <a:buFont typeface="Barlow SemiBold"/>
-              <a:buNone/>
-              <a:defRPr sz="5200" b="0" i="0" u="none" strike="noStrike" cap="none">
-                <a:solidFill>
-                  <a:schemeClr val="dk2"/>
-                </a:solidFill>
-                <a:latin typeface="Barlow SemiBold"/>
-                <a:ea typeface="Barlow SemiBold"/>
-                <a:cs typeface="Barlow SemiBold"/>
-                <a:sym typeface="Barlow SemiBold"/>
-              </a:defRPr>
-            </a:lvl5pPr>
-            <a:lvl6pPr marR="0" lvl="5" algn="ctr" rtl="0">
-              <a:lnSpc>
-                <a:spcPct val="100000"/>
-              </a:lnSpc>
-              <a:spcBef>
-                <a:spcPts val="0"/>
-              </a:spcBef>
-              <a:spcAft>
-                <a:spcPts val="0"/>
-              </a:spcAft>
-              <a:buClr>
-                <a:schemeClr val="dk2"/>
-              </a:buClr>
-              <a:buSzPts val="5200"/>
-              <a:buFont typeface="Barlow SemiBold"/>
-              <a:buNone/>
-              <a:defRPr sz="5200" b="0" i="0" u="none" strike="noStrike" cap="none">
-                <a:solidFill>
-                  <a:schemeClr val="dk2"/>
-                </a:solidFill>
-                <a:latin typeface="Barlow SemiBold"/>
-                <a:ea typeface="Barlow SemiBold"/>
-                <a:cs typeface="Barlow SemiBold"/>
-                <a:sym typeface="Barlow SemiBold"/>
-              </a:defRPr>
-            </a:lvl6pPr>
-            <a:lvl7pPr marR="0" lvl="6" algn="ctr" rtl="0">
-              <a:lnSpc>
-                <a:spcPct val="100000"/>
-              </a:lnSpc>
-              <a:spcBef>
-                <a:spcPts val="0"/>
-              </a:spcBef>
-              <a:spcAft>
-                <a:spcPts val="0"/>
-              </a:spcAft>
-              <a:buClr>
-                <a:schemeClr val="dk2"/>
-              </a:buClr>
-              <a:buSzPts val="5200"/>
-              <a:buFont typeface="Barlow SemiBold"/>
-              <a:buNone/>
-              <a:defRPr sz="5200" b="0" i="0" u="none" strike="noStrike" cap="none">
-                <a:solidFill>
-                  <a:schemeClr val="dk2"/>
-                </a:solidFill>
-                <a:latin typeface="Barlow SemiBold"/>
-                <a:ea typeface="Barlow SemiBold"/>
-                <a:cs typeface="Barlow SemiBold"/>
-                <a:sym typeface="Barlow SemiBold"/>
-              </a:defRPr>
-            </a:lvl7pPr>
-            <a:lvl8pPr marR="0" lvl="7" algn="ctr" rtl="0">
-              <a:lnSpc>
-                <a:spcPct val="100000"/>
-              </a:lnSpc>
-              <a:spcBef>
-                <a:spcPts val="0"/>
-              </a:spcBef>
-              <a:spcAft>
-                <a:spcPts val="0"/>
-              </a:spcAft>
-              <a:buClr>
-                <a:schemeClr val="dk2"/>
-              </a:buClr>
-              <a:buSzPts val="5200"/>
-              <a:buFont typeface="Barlow SemiBold"/>
-              <a:buNone/>
-              <a:defRPr sz="5200" b="0" i="0" u="none" strike="noStrike" cap="none">
-                <a:solidFill>
-                  <a:schemeClr val="dk2"/>
-                </a:solidFill>
-                <a:latin typeface="Barlow SemiBold"/>
-                <a:ea typeface="Barlow SemiBold"/>
-                <a:cs typeface="Barlow SemiBold"/>
-                <a:sym typeface="Barlow SemiBold"/>
-              </a:defRPr>
-            </a:lvl8pPr>
-            <a:lvl9pPr marR="0" lvl="8" algn="ctr" rtl="0">
-              <a:lnSpc>
-                <a:spcPct val="100000"/>
-              </a:lnSpc>
-              <a:spcBef>
-                <a:spcPts val="0"/>
-              </a:spcBef>
-              <a:spcAft>
-                <a:spcPts val="0"/>
-              </a:spcAft>
-              <a:buClr>
-                <a:schemeClr val="dk2"/>
-              </a:buClr>
-              <a:buSzPts val="5200"/>
-              <a:buFont typeface="Barlow SemiBold"/>
-              <a:buNone/>
-              <a:defRPr sz="5200" b="0" i="0" u="none" strike="noStrike" cap="none">
-                <a:solidFill>
-                  <a:schemeClr val="dk2"/>
-                </a:solidFill>
-                <a:latin typeface="Barlow SemiBold"/>
-                <a:ea typeface="Barlow SemiBold"/>
-                <a:cs typeface="Barlow SemiBold"/>
-                <a:sym typeface="Barlow SemiBold"/>
-              </a:defRPr>
-            </a:lvl9pPr>
-          </a:lstStyle>
-          <a:p>
-            <a:pPr marL="0" marR="0" lvl="0" indent="0" algn="l" defTabSz="914400" rtl="0" eaLnBrk="1" fontAlgn="auto" latinLnBrk="0" hangingPunct="1">
-              <a:lnSpc>
-                <a:spcPct val="90000"/>
-              </a:lnSpc>
-              <a:spcBef>
-                <a:spcPts val="0"/>
-              </a:spcBef>
-              <a:spcAft>
-                <a:spcPts val="0"/>
-              </a:spcAft>
-              <a:buClr>
-                <a:srgbClr val="164A4A"/>
-              </a:buClr>
-              <a:buSzPts val="5200"/>
-              <a:buFont typeface="Commissioner"/>
-              <a:buNone/>
-              <a:tabLst/>
-              <a:defRPr/>
-            </a:pPr>
-            <a:r>
-              <a:rPr kumimoji="0" lang="en-US" sz="5000" b="1" i="0" u="none" strike="noStrike" kern="0" cap="none" spc="0" normalizeH="0" baseline="0" noProof="0" dirty="0" err="1">
-                <a:ln>
-                  <a:noFill/>
-                </a:ln>
-                <a:solidFill>
-                  <a:srgbClr val="3D4D55"/>
-                </a:solidFill>
-                <a:effectLst/>
-                <a:uLnTx/>
-                <a:uFillTx/>
-                <a:latin typeface="Arial" panose="020B0604020202020204" pitchFamily="34" charset="0"/>
-                <a:cs typeface="Arial" panose="020B0604020202020204" pitchFamily="34" charset="0"/>
-                <a:sym typeface="Commissioner ExtraBold"/>
-              </a:rPr>
-              <a:t>Autenticação</a:t>
-            </a:r>
-            <a:endParaRPr kumimoji="0" lang="en-US" sz="5000" b="1" i="0" u="none" strike="noStrike" kern="0" cap="none" spc="0" normalizeH="0" baseline="0" noProof="0" dirty="0">
-              <a:ln>
-                <a:noFill/>
-              </a:ln>
-              <a:solidFill>
-                <a:srgbClr val="3D4D55"/>
-              </a:solidFill>
-              <a:effectLst/>
-              <a:uLnTx/>
-              <a:uFillTx/>
-              <a:latin typeface="Arial" panose="020B0604020202020204" pitchFamily="34" charset="0"/>
-              <a:cs typeface="Arial" panose="020B0604020202020204" pitchFamily="34" charset="0"/>
-              <a:sym typeface="Commissioner ExtraBold"/>
-            </a:endParaRPr>
-          </a:p>
-        </p:txBody>
-      </p:sp>
-      <p:sp>
-        <p:nvSpPr>
-          <p:cNvPr id="9" name="Google Shape;1460;p74">
-            <a:extLst>
-              <a:ext uri="{FF2B5EF4-FFF2-40B4-BE49-F238E27FC236}">
-                <a16:creationId xmlns:a16="http://schemas.microsoft.com/office/drawing/2014/main" id="{D1F998ED-C0F8-F98C-374B-0151B38AD950}"/>
-              </a:ext>
-            </a:extLst>
-          </p:cNvPr>
-          <p:cNvSpPr/>
-          <p:nvPr/>
-        </p:nvSpPr>
-        <p:spPr>
-          <a:xfrm>
-            <a:off x="8872199" y="-179614"/>
-            <a:ext cx="3472201" cy="3722914"/>
-          </a:xfrm>
-          <a:custGeom>
-            <a:avLst/>
-            <a:gdLst/>
-            <a:ahLst/>
-            <a:cxnLst/>
-            <a:rect l="l" t="t" r="r" b="b"/>
-            <a:pathLst>
-              <a:path w="146265" h="156112" extrusionOk="0">
-                <a:moveTo>
-                  <a:pt x="5411" y="0"/>
-                </a:moveTo>
-                <a:cubicBezTo>
-                  <a:pt x="5411" y="0"/>
-                  <a:pt x="1" y="28329"/>
-                  <a:pt x="20548" y="36870"/>
-                </a:cubicBezTo>
-                <a:cubicBezTo>
-                  <a:pt x="24058" y="38329"/>
-                  <a:pt x="27694" y="38893"/>
-                  <a:pt x="31373" y="38893"/>
-                </a:cubicBezTo>
-                <a:cubicBezTo>
-                  <a:pt x="43912" y="38893"/>
-                  <a:pt x="56943" y="32338"/>
-                  <a:pt x="67152" y="32338"/>
-                </a:cubicBezTo>
-                <a:cubicBezTo>
-                  <a:pt x="71479" y="32338"/>
-                  <a:pt x="75300" y="33516"/>
-                  <a:pt x="78361" y="36870"/>
-                </a:cubicBezTo>
-                <a:cubicBezTo>
-                  <a:pt x="90793" y="50426"/>
-                  <a:pt x="72190" y="65958"/>
-                  <a:pt x="96993" y="74500"/>
-                </a:cubicBezTo>
-                <a:cubicBezTo>
-                  <a:pt x="105899" y="77600"/>
-                  <a:pt x="114015" y="83740"/>
-                  <a:pt x="115717" y="93497"/>
-                </a:cubicBezTo>
-                <a:cubicBezTo>
-                  <a:pt x="117814" y="105503"/>
-                  <a:pt x="109060" y="112403"/>
-                  <a:pt x="105504" y="122646"/>
-                </a:cubicBezTo>
-                <a:cubicBezTo>
-                  <a:pt x="103559" y="128148"/>
-                  <a:pt x="104744" y="135078"/>
-                  <a:pt x="107024" y="140245"/>
-                </a:cubicBezTo>
-                <a:cubicBezTo>
-                  <a:pt x="109699" y="146294"/>
-                  <a:pt x="114501" y="151218"/>
-                  <a:pt x="120580" y="153832"/>
-                </a:cubicBezTo>
-                <a:cubicBezTo>
-                  <a:pt x="124167" y="155413"/>
-                  <a:pt x="128027" y="156081"/>
-                  <a:pt x="131918" y="156112"/>
-                </a:cubicBezTo>
-                <a:cubicBezTo>
-                  <a:pt x="133438" y="156112"/>
-                  <a:pt x="146265" y="155200"/>
-                  <a:pt x="146265" y="153650"/>
-                </a:cubicBezTo>
-                <a:lnTo>
-                  <a:pt x="146265" y="0"/>
-                </a:lnTo>
-                <a:close/>
-              </a:path>
-            </a:pathLst>
-          </a:custGeom>
-          <a:solidFill>
-            <a:srgbClr val="3D4D55"/>
-          </a:solidFill>
-          <a:ln>
-            <a:noFill/>
-          </a:ln>
-        </p:spPr>
-        <p:txBody>
-          <a:bodyPr spcFirstLastPara="1" wrap="square" lIns="91425" tIns="91425" rIns="91425" bIns="91425" anchor="ctr" anchorCtr="0">
-            <a:noAutofit/>
-          </a:bodyPr>
-          <a:lstStyle/>
-          <a:p>
-            <a:pPr marL="0" marR="0" lvl="0" indent="0" defTabSz="914400" eaLnBrk="1" fontAlgn="auto" latinLnBrk="0" hangingPunct="1">
-              <a:lnSpc>
-                <a:spcPct val="100000"/>
-              </a:lnSpc>
-              <a:spcBef>
-                <a:spcPts val="0"/>
-              </a:spcBef>
-              <a:spcAft>
-                <a:spcPts val="0"/>
-              </a:spcAft>
-              <a:buClr>
-                <a:srgbClr val="000000"/>
-              </a:buClr>
-              <a:buSzTx/>
-              <a:buFont typeface="Arial"/>
-              <a:buNone/>
-              <a:tabLst/>
-              <a:defRPr/>
-            </a:pPr>
-            <a:endParaRPr kumimoji="0" sz="1400" b="0" i="0" u="none" strike="noStrike" kern="0" cap="none" spc="0" normalizeH="0" baseline="0" noProof="0">
-              <a:ln>
-                <a:noFill/>
-              </a:ln>
-              <a:solidFill>
-                <a:srgbClr val="000000"/>
-              </a:solidFill>
-              <a:effectLst/>
-              <a:uLnTx/>
-              <a:uFillTx/>
-              <a:latin typeface="Arial"/>
-              <a:cs typeface="Arial"/>
-              <a:sym typeface="Arial"/>
-            </a:endParaRPr>
-          </a:p>
-        </p:txBody>
-      </p:sp>
-      <p:sp>
-        <p:nvSpPr>
-          <p:cNvPr id="11" name="Google Shape;1457;p74">
-            <a:extLst>
-              <a:ext uri="{FF2B5EF4-FFF2-40B4-BE49-F238E27FC236}">
-                <a16:creationId xmlns:a16="http://schemas.microsoft.com/office/drawing/2014/main" id="{D5B91189-D1FE-9273-BC8A-9C82DECCA2E3}"/>
-              </a:ext>
-            </a:extLst>
-          </p:cNvPr>
-          <p:cNvSpPr/>
-          <p:nvPr/>
-        </p:nvSpPr>
-        <p:spPr>
-          <a:xfrm rot="10191456">
-            <a:off x="10056522" y="580606"/>
-            <a:ext cx="2411496" cy="1900868"/>
-          </a:xfrm>
-          <a:custGeom>
-            <a:avLst/>
-            <a:gdLst/>
-            <a:ahLst/>
-            <a:cxnLst/>
-            <a:rect l="l" t="t" r="r" b="b"/>
-            <a:pathLst>
-              <a:path w="39363" h="31028" extrusionOk="0">
-                <a:moveTo>
-                  <a:pt x="21078" y="1"/>
-                </a:moveTo>
-                <a:cubicBezTo>
-                  <a:pt x="18634" y="1"/>
-                  <a:pt x="16478" y="1773"/>
-                  <a:pt x="15979" y="4271"/>
-                </a:cubicBezTo>
-                <a:cubicBezTo>
-                  <a:pt x="15946" y="4537"/>
-                  <a:pt x="15912" y="4838"/>
-                  <a:pt x="15912" y="5104"/>
-                </a:cubicBezTo>
-                <a:lnTo>
-                  <a:pt x="15912" y="5305"/>
-                </a:lnTo>
-                <a:cubicBezTo>
-                  <a:pt x="15846" y="6272"/>
-                  <a:pt x="15379" y="10008"/>
-                  <a:pt x="9708" y="11342"/>
-                </a:cubicBezTo>
-                <a:cubicBezTo>
-                  <a:pt x="5438" y="11776"/>
-                  <a:pt x="1802" y="14945"/>
-                  <a:pt x="1002" y="19348"/>
-                </a:cubicBezTo>
-                <a:cubicBezTo>
-                  <a:pt x="1" y="24685"/>
-                  <a:pt x="3570" y="29856"/>
-                  <a:pt x="8907" y="30856"/>
-                </a:cubicBezTo>
-                <a:cubicBezTo>
-                  <a:pt x="9518" y="30972"/>
-                  <a:pt x="10126" y="31028"/>
-                  <a:pt x="10725" y="31028"/>
-                </a:cubicBezTo>
-                <a:cubicBezTo>
-                  <a:pt x="13752" y="31028"/>
-                  <a:pt x="16548" y="29604"/>
-                  <a:pt x="18414" y="27320"/>
-                </a:cubicBezTo>
-                <a:cubicBezTo>
-                  <a:pt x="19014" y="26520"/>
-                  <a:pt x="19515" y="25653"/>
-                  <a:pt x="19915" y="24685"/>
-                </a:cubicBezTo>
-                <a:cubicBezTo>
-                  <a:pt x="21857" y="21834"/>
-                  <a:pt x="25742" y="17659"/>
-                  <a:pt x="31816" y="17659"/>
-                </a:cubicBezTo>
-                <a:cubicBezTo>
-                  <a:pt x="32210" y="17659"/>
-                  <a:pt x="32613" y="17677"/>
-                  <a:pt x="33024" y="17714"/>
-                </a:cubicBezTo>
-                <a:cubicBezTo>
-                  <a:pt x="33258" y="17780"/>
-                  <a:pt x="33425" y="17847"/>
-                  <a:pt x="33625" y="17880"/>
-                </a:cubicBezTo>
-                <a:cubicBezTo>
-                  <a:pt x="33909" y="17934"/>
-                  <a:pt x="34192" y="17960"/>
-                  <a:pt x="34471" y="17960"/>
-                </a:cubicBezTo>
-                <a:cubicBezTo>
-                  <a:pt x="36614" y="17960"/>
-                  <a:pt x="38515" y="16432"/>
-                  <a:pt x="38929" y="14278"/>
-                </a:cubicBezTo>
-                <a:cubicBezTo>
-                  <a:pt x="39362" y="11809"/>
-                  <a:pt x="37761" y="9441"/>
-                  <a:pt x="35293" y="8974"/>
-                </a:cubicBezTo>
-                <a:cubicBezTo>
-                  <a:pt x="34999" y="8913"/>
-                  <a:pt x="34710" y="8883"/>
-                  <a:pt x="34425" y="8883"/>
-                </a:cubicBezTo>
-                <a:cubicBezTo>
-                  <a:pt x="33934" y="8883"/>
-                  <a:pt x="33456" y="8972"/>
-                  <a:pt x="32991" y="9141"/>
-                </a:cubicBezTo>
-                <a:cubicBezTo>
-                  <a:pt x="32529" y="9216"/>
-                  <a:pt x="31929" y="9288"/>
-                  <a:pt x="31278" y="9288"/>
-                </a:cubicBezTo>
-                <a:cubicBezTo>
-                  <a:pt x="29341" y="9288"/>
-                  <a:pt x="26944" y="8658"/>
-                  <a:pt x="26320" y="5638"/>
-                </a:cubicBezTo>
-                <a:cubicBezTo>
-                  <a:pt x="26587" y="3103"/>
-                  <a:pt x="24785" y="601"/>
-                  <a:pt x="22083" y="101"/>
-                </a:cubicBezTo>
-                <a:cubicBezTo>
-                  <a:pt x="21745" y="33"/>
-                  <a:pt x="21409" y="1"/>
-                  <a:pt x="21078" y="1"/>
-                </a:cubicBezTo>
-                <a:close/>
-              </a:path>
-            </a:pathLst>
-          </a:custGeom>
-          <a:solidFill>
-            <a:srgbClr val="ACDBD3"/>
-          </a:solidFill>
-          <a:ln>
-            <a:noFill/>
-          </a:ln>
-        </p:spPr>
-        <p:txBody>
-          <a:bodyPr spcFirstLastPara="1" wrap="square" lIns="91425" tIns="91425" rIns="91425" bIns="91425" anchor="ctr" anchorCtr="0">
-            <a:noAutofit/>
-          </a:bodyPr>
-          <a:lstStyle/>
-          <a:p>
-            <a:pPr marL="0" marR="0" lvl="0" indent="0" defTabSz="914400" eaLnBrk="1" fontAlgn="auto" latinLnBrk="0" hangingPunct="1">
-              <a:lnSpc>
-                <a:spcPct val="100000"/>
-              </a:lnSpc>
-              <a:spcBef>
-                <a:spcPts val="0"/>
-              </a:spcBef>
-              <a:spcAft>
-                <a:spcPts val="0"/>
-              </a:spcAft>
-              <a:buClr>
-                <a:srgbClr val="000000"/>
-              </a:buClr>
-              <a:buSzTx/>
-              <a:buFont typeface="Arial"/>
-              <a:buNone/>
-              <a:tabLst/>
-              <a:defRPr/>
-            </a:pPr>
-            <a:endParaRPr kumimoji="0" sz="1400" b="0" i="0" u="none" strike="noStrike" kern="0" cap="none" spc="0" normalizeH="0" baseline="0" noProof="0">
-              <a:ln>
-                <a:noFill/>
-              </a:ln>
-              <a:solidFill>
-                <a:srgbClr val="000000"/>
-              </a:solidFill>
-              <a:effectLst/>
-              <a:uLnTx/>
-              <a:uFillTx/>
-              <a:latin typeface="Arial"/>
-              <a:cs typeface="Arial"/>
-              <a:sym typeface="Arial"/>
-            </a:endParaRPr>
-          </a:p>
-        </p:txBody>
-      </p:sp>
-      <p:sp>
-        <p:nvSpPr>
-          <p:cNvPr id="13" name="Google Shape;1463;p74">
-            <a:extLst>
-              <a:ext uri="{FF2B5EF4-FFF2-40B4-BE49-F238E27FC236}">
-                <a16:creationId xmlns:a16="http://schemas.microsoft.com/office/drawing/2014/main" id="{9FBE7827-AFF9-E943-D4D6-469993A3A5E2}"/>
-              </a:ext>
-            </a:extLst>
-          </p:cNvPr>
-          <p:cNvSpPr/>
-          <p:nvPr/>
-        </p:nvSpPr>
-        <p:spPr>
-          <a:xfrm rot="18140219">
-            <a:off x="8441112" y="4410166"/>
-            <a:ext cx="3874663" cy="3662248"/>
-          </a:xfrm>
-          <a:custGeom>
-            <a:avLst/>
-            <a:gdLst/>
-            <a:ahLst/>
-            <a:cxnLst/>
-            <a:rect l="l" t="t" r="r" b="b"/>
-            <a:pathLst>
-              <a:path w="119881" h="113309" extrusionOk="0">
-                <a:moveTo>
-                  <a:pt x="20594" y="1"/>
-                </a:moveTo>
-                <a:cubicBezTo>
-                  <a:pt x="16552" y="1"/>
-                  <a:pt x="12368" y="1147"/>
-                  <a:pt x="9149" y="2790"/>
-                </a:cubicBezTo>
-                <a:cubicBezTo>
-                  <a:pt x="5471" y="4675"/>
-                  <a:pt x="1915" y="7836"/>
-                  <a:pt x="0" y="11605"/>
-                </a:cubicBezTo>
-                <a:lnTo>
-                  <a:pt x="0" y="113308"/>
-                </a:lnTo>
-                <a:lnTo>
-                  <a:pt x="117935" y="113308"/>
-                </a:lnTo>
-                <a:cubicBezTo>
-                  <a:pt x="117935" y="113308"/>
-                  <a:pt x="119881" y="98901"/>
-                  <a:pt x="102008" y="94250"/>
-                </a:cubicBezTo>
-                <a:cubicBezTo>
-                  <a:pt x="89485" y="90968"/>
-                  <a:pt x="95139" y="77472"/>
-                  <a:pt x="92190" y="68141"/>
-                </a:cubicBezTo>
-                <a:cubicBezTo>
-                  <a:pt x="88773" y="57366"/>
-                  <a:pt x="78869" y="50808"/>
-                  <a:pt x="68440" y="50808"/>
-                </a:cubicBezTo>
-                <a:cubicBezTo>
-                  <a:pt x="64953" y="50808"/>
-                  <a:pt x="61407" y="51541"/>
-                  <a:pt x="58025" y="53095"/>
-                </a:cubicBezTo>
-                <a:cubicBezTo>
-                  <a:pt x="53166" y="55347"/>
-                  <a:pt x="45940" y="60409"/>
-                  <a:pt x="39678" y="60409"/>
-                </a:cubicBezTo>
-                <a:cubicBezTo>
-                  <a:pt x="37911" y="60409"/>
-                  <a:pt x="36220" y="60005"/>
-                  <a:pt x="34681" y="59022"/>
-                </a:cubicBezTo>
-                <a:cubicBezTo>
-                  <a:pt x="26323" y="53703"/>
-                  <a:pt x="32341" y="38991"/>
-                  <a:pt x="33770" y="31635"/>
-                </a:cubicBezTo>
-                <a:cubicBezTo>
-                  <a:pt x="35381" y="23459"/>
-                  <a:pt x="36900" y="14249"/>
-                  <a:pt x="32858" y="6498"/>
-                </a:cubicBezTo>
-                <a:cubicBezTo>
-                  <a:pt x="30386" y="1757"/>
-                  <a:pt x="25599" y="1"/>
-                  <a:pt x="20594" y="1"/>
-                </a:cubicBezTo>
-                <a:close/>
-              </a:path>
-            </a:pathLst>
-          </a:custGeom>
-          <a:noFill/>
-          <a:ln>
-            <a:solidFill>
-              <a:srgbClr val="3D4D55"/>
-            </a:solidFill>
-          </a:ln>
-        </p:spPr>
-        <p:txBody>
-          <a:bodyPr spcFirstLastPara="1" wrap="square" lIns="91425" tIns="91425" rIns="91425" bIns="91425" anchor="ctr" anchorCtr="0">
-            <a:noAutofit/>
-          </a:bodyPr>
-          <a:lstStyle/>
-          <a:p>
-            <a:pPr marL="0" marR="0" lvl="0" indent="0" defTabSz="914400" eaLnBrk="1" fontAlgn="auto" latinLnBrk="0" hangingPunct="1">
-              <a:lnSpc>
-                <a:spcPct val="100000"/>
-              </a:lnSpc>
-              <a:spcBef>
-                <a:spcPts val="0"/>
-              </a:spcBef>
-              <a:spcAft>
-                <a:spcPts val="0"/>
-              </a:spcAft>
-              <a:buClr>
-                <a:srgbClr val="000000"/>
-              </a:buClr>
-              <a:buSzTx/>
-              <a:buFont typeface="Arial"/>
-              <a:buNone/>
-              <a:tabLst/>
-              <a:defRPr/>
-            </a:pPr>
-            <a:endParaRPr kumimoji="0" sz="1400" b="0" i="0" u="none" strike="noStrike" kern="0" cap="none" spc="0" normalizeH="0" baseline="0" noProof="0">
-              <a:ln>
-                <a:noFill/>
-              </a:ln>
-              <a:solidFill>
-                <a:srgbClr val="000000"/>
-              </a:solidFill>
-              <a:effectLst/>
-              <a:uLnTx/>
-              <a:uFillTx/>
-              <a:latin typeface="Arial"/>
-              <a:cs typeface="Arial"/>
-              <a:sym typeface="Arial"/>
-            </a:endParaRPr>
-          </a:p>
-        </p:txBody>
-      </p:sp>
-    </p:spTree>
-    <p:extLst>
-      <p:ext uri="{BB962C8B-B14F-4D97-AF65-F5344CB8AC3E}">
-        <p14:creationId xmlns:p14="http://schemas.microsoft.com/office/powerpoint/2010/main" val="717832360"/>
-      </p:ext>
-    </p:extLst>
-  </p:cSld>
-  <p:clrMapOvr>
-    <a:masterClrMapping/>
-  </p:clrMapOvr>
-</p:sld>
-</file>
-
 <file path=ppt/slides/slide8.xml><?xml version="1.0" encoding="utf-8"?>
 <p:sld xmlns:a="http://schemas.openxmlformats.org/drawingml/2006/main" xmlns:r="http://schemas.openxmlformats.org/officeDocument/2006/relationships" xmlns:p="http://schemas.openxmlformats.org/presentationml/2006/main">
   <p:cSld>
@@ -15991,6 +17376,1008 @@
                 <a:latin typeface="Arial" panose="020B0604020202020204" pitchFamily="34" charset="0"/>
                 <a:cs typeface="Arial" panose="020B0604020202020204" pitchFamily="34" charset="0"/>
               </a:rPr>
+              <a:t>Realizado com o </a:t>
+            </a:r>
+            <a:r>
+              <a:rPr lang="pt-PT" sz="2000" dirty="0" err="1">
+                <a:latin typeface="Arial" panose="020B0604020202020204" pitchFamily="34" charset="0"/>
+                <a:cs typeface="Arial" panose="020B0604020202020204" pitchFamily="34" charset="0"/>
+              </a:rPr>
+              <a:t>middleware</a:t>
+            </a:r>
+            <a:r>
+              <a:rPr lang="pt-PT" sz="2000" dirty="0">
+                <a:latin typeface="Arial" panose="020B0604020202020204" pitchFamily="34" charset="0"/>
+                <a:cs typeface="Arial" panose="020B0604020202020204" pitchFamily="34" charset="0"/>
+              </a:rPr>
+              <a:t> </a:t>
+            </a:r>
+            <a:r>
+              <a:rPr lang="pt-PT" sz="2000" dirty="0" err="1">
+                <a:latin typeface="Arial" panose="020B0604020202020204" pitchFamily="34" charset="0"/>
+                <a:cs typeface="Arial" panose="020B0604020202020204" pitchFamily="34" charset="0"/>
+              </a:rPr>
+              <a:t>PassportJs</a:t>
+            </a:r>
+            <a:endParaRPr lang="pt-PT" sz="2000" dirty="0">
+              <a:latin typeface="Arial" panose="020B0604020202020204" pitchFamily="34" charset="0"/>
+              <a:cs typeface="Arial" panose="020B0604020202020204" pitchFamily="34" charset="0"/>
+            </a:endParaRPr>
+          </a:p>
+          <a:p>
+            <a:pPr marL="342900" indent="-342900" algn="l">
+              <a:lnSpc>
+                <a:spcPct val="100000"/>
+              </a:lnSpc>
+              <a:buSzPct val="100000"/>
+              <a:buFont typeface="Tahoma" panose="020B0604030504040204" pitchFamily="34" charset="0"/>
+              <a:buChar char="●"/>
+            </a:pPr>
+            <a:r>
+              <a:rPr lang="pt-PT" sz="2000" dirty="0">
+                <a:latin typeface="Arial" panose="020B0604020202020204" pitchFamily="34" charset="0"/>
+                <a:cs typeface="Arial" panose="020B0604020202020204" pitchFamily="34" charset="0"/>
+              </a:rPr>
+              <a:t>Implementa uma estratégia local baseada em username e password</a:t>
+            </a:r>
+          </a:p>
+          <a:p>
+            <a:pPr marL="342900" indent="-342900" algn="l">
+              <a:lnSpc>
+                <a:spcPct val="100000"/>
+              </a:lnSpc>
+              <a:buSzPct val="100000"/>
+              <a:buFont typeface="Tahoma" panose="020B0604030504040204" pitchFamily="34" charset="0"/>
+              <a:buChar char="●"/>
+            </a:pPr>
+            <a:r>
+              <a:rPr lang="pt-PT" sz="2000" dirty="0">
+                <a:latin typeface="Arial" panose="020B0604020202020204" pitchFamily="34" charset="0"/>
+                <a:cs typeface="Arial" panose="020B0604020202020204" pitchFamily="34" charset="0"/>
+              </a:rPr>
+              <a:t>Autenticação guardada na </a:t>
+            </a:r>
+            <a:r>
+              <a:rPr lang="pt-PT" sz="2000" dirty="0" err="1">
+                <a:latin typeface="Arial" panose="020B0604020202020204" pitchFamily="34" charset="0"/>
+                <a:cs typeface="Arial" panose="020B0604020202020204" pitchFamily="34" charset="0"/>
+              </a:rPr>
+              <a:t>session</a:t>
+            </a:r>
+            <a:endParaRPr lang="pt-PT" sz="2000" dirty="0">
+              <a:latin typeface="Arial" panose="020B0604020202020204" pitchFamily="34" charset="0"/>
+              <a:cs typeface="Arial" panose="020B0604020202020204" pitchFamily="34" charset="0"/>
+            </a:endParaRPr>
+          </a:p>
+          <a:p>
+            <a:pPr marL="342900" indent="-342900" algn="l">
+              <a:lnSpc>
+                <a:spcPct val="100000"/>
+              </a:lnSpc>
+              <a:buSzPct val="100000"/>
+              <a:buFont typeface="Tahoma" panose="020B0604030504040204" pitchFamily="34" charset="0"/>
+              <a:buChar char="●"/>
+            </a:pPr>
+            <a:r>
+              <a:rPr lang="pt-PT" sz="2000" dirty="0">
+                <a:latin typeface="Arial" panose="020B0604020202020204" pitchFamily="34" charset="0"/>
+                <a:cs typeface="Arial" panose="020B0604020202020204" pitchFamily="34" charset="0"/>
+              </a:rPr>
+              <a:t>Diferentes utilizadores têm diferentes autorizações</a:t>
+            </a:r>
+          </a:p>
+          <a:p>
+            <a:pPr marL="342900" indent="-342900" algn="l">
+              <a:lnSpc>
+                <a:spcPct val="100000"/>
+              </a:lnSpc>
+              <a:buSzPct val="100000"/>
+              <a:buFont typeface="Tahoma" panose="020B0604030504040204" pitchFamily="34" charset="0"/>
+              <a:buChar char="●"/>
+            </a:pPr>
+            <a:r>
+              <a:rPr lang="pt-PT" sz="2000" dirty="0">
+                <a:latin typeface="Arial" panose="020B0604020202020204" pitchFamily="34" charset="0"/>
+                <a:cs typeface="Arial" panose="020B0604020202020204" pitchFamily="34" charset="0"/>
+              </a:rPr>
+              <a:t>Administradores têm permissão para aceder a todos os endpoints</a:t>
+            </a:r>
+          </a:p>
+          <a:p>
+            <a:pPr marL="342900" indent="-342900" algn="l">
+              <a:lnSpc>
+                <a:spcPct val="100000"/>
+              </a:lnSpc>
+              <a:buSzPct val="100000"/>
+              <a:buFont typeface="Tahoma" panose="020B0604030504040204" pitchFamily="34" charset="0"/>
+              <a:buChar char="●"/>
+            </a:pPr>
+            <a:r>
+              <a:rPr lang="pt-PT" sz="2000" dirty="0">
+                <a:latin typeface="Arial" panose="020B0604020202020204" pitchFamily="34" charset="0"/>
+                <a:cs typeface="Arial" panose="020B0604020202020204" pitchFamily="34" charset="0"/>
+              </a:rPr>
+              <a:t>Membros normais, podem apenas aceder aos endpoints relacionados com eles próprios </a:t>
+            </a:r>
+          </a:p>
+        </p:txBody>
+      </p:sp>
+      <p:sp>
+        <p:nvSpPr>
+          <p:cNvPr id="7" name="Google Shape;296;p37">
+            <a:extLst>
+              <a:ext uri="{FF2B5EF4-FFF2-40B4-BE49-F238E27FC236}">
+                <a16:creationId xmlns:a16="http://schemas.microsoft.com/office/drawing/2014/main" id="{3D7AB695-BD0C-4E75-8783-E697EBED0E05}"/>
+              </a:ext>
+            </a:extLst>
+          </p:cNvPr>
+          <p:cNvSpPr txBox="1">
+            <a:spLocks/>
+          </p:cNvSpPr>
+          <p:nvPr/>
+        </p:nvSpPr>
+        <p:spPr>
+          <a:xfrm>
+            <a:off x="593554" y="383132"/>
+            <a:ext cx="6885581" cy="631554"/>
+          </a:xfrm>
+          <a:prstGeom prst="rect">
+            <a:avLst/>
+          </a:prstGeom>
+          <a:noFill/>
+          <a:ln>
+            <a:noFill/>
+          </a:ln>
+        </p:spPr>
+        <p:txBody>
+          <a:bodyPr spcFirstLastPara="1" wrap="square" lIns="0" tIns="0" rIns="0" bIns="0" anchor="t" anchorCtr="0">
+            <a:noAutofit/>
+          </a:bodyPr>
+          <a:lstStyle>
+            <a:defPPr marR="0" lvl="0" algn="l" rtl="0">
+              <a:lnSpc>
+                <a:spcPct val="100000"/>
+              </a:lnSpc>
+              <a:spcBef>
+                <a:spcPts val="0"/>
+              </a:spcBef>
+              <a:spcAft>
+                <a:spcPts val="0"/>
+              </a:spcAft>
+            </a:defPPr>
+            <a:lvl1pPr marL="0" marR="0" lvl="0" indent="0" algn="l" rtl="0">
+              <a:lnSpc>
+                <a:spcPct val="90000"/>
+              </a:lnSpc>
+              <a:spcBef>
+                <a:spcPts val="0"/>
+              </a:spcBef>
+              <a:spcAft>
+                <a:spcPts val="0"/>
+              </a:spcAft>
+              <a:buClr>
+                <a:schemeClr val="dk2"/>
+              </a:buClr>
+              <a:buSzPts val="5200"/>
+              <a:buFont typeface="Commissioner"/>
+              <a:buNone/>
+              <a:defRPr sz="5000" b="0" i="0" u="none" strike="noStrike" cap="none">
+                <a:solidFill>
+                  <a:schemeClr val="dk2"/>
+                </a:solidFill>
+                <a:latin typeface="Commissioner ExtraBold"/>
+                <a:ea typeface="Commissioner ExtraBold"/>
+                <a:cs typeface="Commissioner ExtraBold"/>
+                <a:sym typeface="Commissioner ExtraBold"/>
+              </a:defRPr>
+            </a:lvl1pPr>
+            <a:lvl2pPr marR="0" lvl="1" algn="ctr" rtl="0">
+              <a:lnSpc>
+                <a:spcPct val="100000"/>
+              </a:lnSpc>
+              <a:spcBef>
+                <a:spcPts val="0"/>
+              </a:spcBef>
+              <a:spcAft>
+                <a:spcPts val="0"/>
+              </a:spcAft>
+              <a:buClr>
+                <a:schemeClr val="dk2"/>
+              </a:buClr>
+              <a:buSzPts val="5200"/>
+              <a:buFont typeface="Barlow SemiBold"/>
+              <a:buNone/>
+              <a:defRPr sz="5200" b="0" i="0" u="none" strike="noStrike" cap="none">
+                <a:solidFill>
+                  <a:schemeClr val="dk2"/>
+                </a:solidFill>
+                <a:latin typeface="Barlow SemiBold"/>
+                <a:ea typeface="Barlow SemiBold"/>
+                <a:cs typeface="Barlow SemiBold"/>
+                <a:sym typeface="Barlow SemiBold"/>
+              </a:defRPr>
+            </a:lvl2pPr>
+            <a:lvl3pPr marR="0" lvl="2" algn="ctr" rtl="0">
+              <a:lnSpc>
+                <a:spcPct val="100000"/>
+              </a:lnSpc>
+              <a:spcBef>
+                <a:spcPts val="0"/>
+              </a:spcBef>
+              <a:spcAft>
+                <a:spcPts val="0"/>
+              </a:spcAft>
+              <a:buClr>
+                <a:schemeClr val="dk2"/>
+              </a:buClr>
+              <a:buSzPts val="5200"/>
+              <a:buFont typeface="Barlow SemiBold"/>
+              <a:buNone/>
+              <a:defRPr sz="5200" b="0" i="0" u="none" strike="noStrike" cap="none">
+                <a:solidFill>
+                  <a:schemeClr val="dk2"/>
+                </a:solidFill>
+                <a:latin typeface="Barlow SemiBold"/>
+                <a:ea typeface="Barlow SemiBold"/>
+                <a:cs typeface="Barlow SemiBold"/>
+                <a:sym typeface="Barlow SemiBold"/>
+              </a:defRPr>
+            </a:lvl3pPr>
+            <a:lvl4pPr marR="0" lvl="3" algn="ctr" rtl="0">
+              <a:lnSpc>
+                <a:spcPct val="100000"/>
+              </a:lnSpc>
+              <a:spcBef>
+                <a:spcPts val="0"/>
+              </a:spcBef>
+              <a:spcAft>
+                <a:spcPts val="0"/>
+              </a:spcAft>
+              <a:buClr>
+                <a:schemeClr val="dk2"/>
+              </a:buClr>
+              <a:buSzPts val="5200"/>
+              <a:buFont typeface="Barlow SemiBold"/>
+              <a:buNone/>
+              <a:defRPr sz="5200" b="0" i="0" u="none" strike="noStrike" cap="none">
+                <a:solidFill>
+                  <a:schemeClr val="dk2"/>
+                </a:solidFill>
+                <a:latin typeface="Barlow SemiBold"/>
+                <a:ea typeface="Barlow SemiBold"/>
+                <a:cs typeface="Barlow SemiBold"/>
+                <a:sym typeface="Barlow SemiBold"/>
+              </a:defRPr>
+            </a:lvl4pPr>
+            <a:lvl5pPr marR="0" lvl="4" algn="ctr" rtl="0">
+              <a:lnSpc>
+                <a:spcPct val="100000"/>
+              </a:lnSpc>
+              <a:spcBef>
+                <a:spcPts val="0"/>
+              </a:spcBef>
+              <a:spcAft>
+                <a:spcPts val="0"/>
+              </a:spcAft>
+              <a:buClr>
+                <a:schemeClr val="dk2"/>
+              </a:buClr>
+              <a:buSzPts val="5200"/>
+              <a:buFont typeface="Barlow SemiBold"/>
+              <a:buNone/>
+              <a:defRPr sz="5200" b="0" i="0" u="none" strike="noStrike" cap="none">
+                <a:solidFill>
+                  <a:schemeClr val="dk2"/>
+                </a:solidFill>
+                <a:latin typeface="Barlow SemiBold"/>
+                <a:ea typeface="Barlow SemiBold"/>
+                <a:cs typeface="Barlow SemiBold"/>
+                <a:sym typeface="Barlow SemiBold"/>
+              </a:defRPr>
+            </a:lvl5pPr>
+            <a:lvl6pPr marR="0" lvl="5" algn="ctr" rtl="0">
+              <a:lnSpc>
+                <a:spcPct val="100000"/>
+              </a:lnSpc>
+              <a:spcBef>
+                <a:spcPts val="0"/>
+              </a:spcBef>
+              <a:spcAft>
+                <a:spcPts val="0"/>
+              </a:spcAft>
+              <a:buClr>
+                <a:schemeClr val="dk2"/>
+              </a:buClr>
+              <a:buSzPts val="5200"/>
+              <a:buFont typeface="Barlow SemiBold"/>
+              <a:buNone/>
+              <a:defRPr sz="5200" b="0" i="0" u="none" strike="noStrike" cap="none">
+                <a:solidFill>
+                  <a:schemeClr val="dk2"/>
+                </a:solidFill>
+                <a:latin typeface="Barlow SemiBold"/>
+                <a:ea typeface="Barlow SemiBold"/>
+                <a:cs typeface="Barlow SemiBold"/>
+                <a:sym typeface="Barlow SemiBold"/>
+              </a:defRPr>
+            </a:lvl6pPr>
+            <a:lvl7pPr marR="0" lvl="6" algn="ctr" rtl="0">
+              <a:lnSpc>
+                <a:spcPct val="100000"/>
+              </a:lnSpc>
+              <a:spcBef>
+                <a:spcPts val="0"/>
+              </a:spcBef>
+              <a:spcAft>
+                <a:spcPts val="0"/>
+              </a:spcAft>
+              <a:buClr>
+                <a:schemeClr val="dk2"/>
+              </a:buClr>
+              <a:buSzPts val="5200"/>
+              <a:buFont typeface="Barlow SemiBold"/>
+              <a:buNone/>
+              <a:defRPr sz="5200" b="0" i="0" u="none" strike="noStrike" cap="none">
+                <a:solidFill>
+                  <a:schemeClr val="dk2"/>
+                </a:solidFill>
+                <a:latin typeface="Barlow SemiBold"/>
+                <a:ea typeface="Barlow SemiBold"/>
+                <a:cs typeface="Barlow SemiBold"/>
+                <a:sym typeface="Barlow SemiBold"/>
+              </a:defRPr>
+            </a:lvl7pPr>
+            <a:lvl8pPr marR="0" lvl="7" algn="ctr" rtl="0">
+              <a:lnSpc>
+                <a:spcPct val="100000"/>
+              </a:lnSpc>
+              <a:spcBef>
+                <a:spcPts val="0"/>
+              </a:spcBef>
+              <a:spcAft>
+                <a:spcPts val="0"/>
+              </a:spcAft>
+              <a:buClr>
+                <a:schemeClr val="dk2"/>
+              </a:buClr>
+              <a:buSzPts val="5200"/>
+              <a:buFont typeface="Barlow SemiBold"/>
+              <a:buNone/>
+              <a:defRPr sz="5200" b="0" i="0" u="none" strike="noStrike" cap="none">
+                <a:solidFill>
+                  <a:schemeClr val="dk2"/>
+                </a:solidFill>
+                <a:latin typeface="Barlow SemiBold"/>
+                <a:ea typeface="Barlow SemiBold"/>
+                <a:cs typeface="Barlow SemiBold"/>
+                <a:sym typeface="Barlow SemiBold"/>
+              </a:defRPr>
+            </a:lvl8pPr>
+            <a:lvl9pPr marR="0" lvl="8" algn="ctr" rtl="0">
+              <a:lnSpc>
+                <a:spcPct val="100000"/>
+              </a:lnSpc>
+              <a:spcBef>
+                <a:spcPts val="0"/>
+              </a:spcBef>
+              <a:spcAft>
+                <a:spcPts val="0"/>
+              </a:spcAft>
+              <a:buClr>
+                <a:schemeClr val="dk2"/>
+              </a:buClr>
+              <a:buSzPts val="5200"/>
+              <a:buFont typeface="Barlow SemiBold"/>
+              <a:buNone/>
+              <a:defRPr sz="5200" b="0" i="0" u="none" strike="noStrike" cap="none">
+                <a:solidFill>
+                  <a:schemeClr val="dk2"/>
+                </a:solidFill>
+                <a:latin typeface="Barlow SemiBold"/>
+                <a:ea typeface="Barlow SemiBold"/>
+                <a:cs typeface="Barlow SemiBold"/>
+                <a:sym typeface="Barlow SemiBold"/>
+              </a:defRPr>
+            </a:lvl9pPr>
+          </a:lstStyle>
+          <a:p>
+            <a:pPr marL="0" marR="0" lvl="0" indent="0" algn="l" defTabSz="914400" rtl="0" eaLnBrk="1" fontAlgn="auto" latinLnBrk="0" hangingPunct="1">
+              <a:lnSpc>
+                <a:spcPct val="90000"/>
+              </a:lnSpc>
+              <a:spcBef>
+                <a:spcPts val="0"/>
+              </a:spcBef>
+              <a:spcAft>
+                <a:spcPts val="0"/>
+              </a:spcAft>
+              <a:buClr>
+                <a:srgbClr val="164A4A"/>
+              </a:buClr>
+              <a:buSzPts val="5200"/>
+              <a:buFont typeface="Commissioner"/>
+              <a:buNone/>
+              <a:tabLst/>
+              <a:defRPr/>
+            </a:pPr>
+            <a:r>
+              <a:rPr kumimoji="0" lang="en-US" sz="5000" b="1" i="0" u="none" strike="noStrike" kern="0" cap="none" spc="0" normalizeH="0" baseline="0" noProof="0" dirty="0" err="1">
+                <a:ln>
+                  <a:noFill/>
+                </a:ln>
+                <a:solidFill>
+                  <a:srgbClr val="3D4D55"/>
+                </a:solidFill>
+                <a:effectLst/>
+                <a:uLnTx/>
+                <a:uFillTx/>
+                <a:latin typeface="Arial" panose="020B0604020202020204" pitchFamily="34" charset="0"/>
+                <a:cs typeface="Arial" panose="020B0604020202020204" pitchFamily="34" charset="0"/>
+                <a:sym typeface="Commissioner ExtraBold"/>
+              </a:rPr>
+              <a:t>Autenticação</a:t>
+            </a:r>
+            <a:endParaRPr kumimoji="0" lang="en-US" sz="5000" b="1" i="0" u="none" strike="noStrike" kern="0" cap="none" spc="0" normalizeH="0" baseline="0" noProof="0" dirty="0">
+              <a:ln>
+                <a:noFill/>
+              </a:ln>
+              <a:solidFill>
+                <a:srgbClr val="3D4D55"/>
+              </a:solidFill>
+              <a:effectLst/>
+              <a:uLnTx/>
+              <a:uFillTx/>
+              <a:latin typeface="Arial" panose="020B0604020202020204" pitchFamily="34" charset="0"/>
+              <a:cs typeface="Arial" panose="020B0604020202020204" pitchFamily="34" charset="0"/>
+              <a:sym typeface="Commissioner ExtraBold"/>
+            </a:endParaRPr>
+          </a:p>
+        </p:txBody>
+      </p:sp>
+      <p:sp>
+        <p:nvSpPr>
+          <p:cNvPr id="9" name="Google Shape;1460;p74">
+            <a:extLst>
+              <a:ext uri="{FF2B5EF4-FFF2-40B4-BE49-F238E27FC236}">
+                <a16:creationId xmlns:a16="http://schemas.microsoft.com/office/drawing/2014/main" id="{D1F998ED-C0F8-F98C-374B-0151B38AD950}"/>
+              </a:ext>
+            </a:extLst>
+          </p:cNvPr>
+          <p:cNvSpPr/>
+          <p:nvPr/>
+        </p:nvSpPr>
+        <p:spPr>
+          <a:xfrm>
+            <a:off x="8872199" y="-179614"/>
+            <a:ext cx="3472201" cy="3722914"/>
+          </a:xfrm>
+          <a:custGeom>
+            <a:avLst/>
+            <a:gdLst/>
+            <a:ahLst/>
+            <a:cxnLst/>
+            <a:rect l="l" t="t" r="r" b="b"/>
+            <a:pathLst>
+              <a:path w="146265" h="156112" extrusionOk="0">
+                <a:moveTo>
+                  <a:pt x="5411" y="0"/>
+                </a:moveTo>
+                <a:cubicBezTo>
+                  <a:pt x="5411" y="0"/>
+                  <a:pt x="1" y="28329"/>
+                  <a:pt x="20548" y="36870"/>
+                </a:cubicBezTo>
+                <a:cubicBezTo>
+                  <a:pt x="24058" y="38329"/>
+                  <a:pt x="27694" y="38893"/>
+                  <a:pt x="31373" y="38893"/>
+                </a:cubicBezTo>
+                <a:cubicBezTo>
+                  <a:pt x="43912" y="38893"/>
+                  <a:pt x="56943" y="32338"/>
+                  <a:pt x="67152" y="32338"/>
+                </a:cubicBezTo>
+                <a:cubicBezTo>
+                  <a:pt x="71479" y="32338"/>
+                  <a:pt x="75300" y="33516"/>
+                  <a:pt x="78361" y="36870"/>
+                </a:cubicBezTo>
+                <a:cubicBezTo>
+                  <a:pt x="90793" y="50426"/>
+                  <a:pt x="72190" y="65958"/>
+                  <a:pt x="96993" y="74500"/>
+                </a:cubicBezTo>
+                <a:cubicBezTo>
+                  <a:pt x="105899" y="77600"/>
+                  <a:pt x="114015" y="83740"/>
+                  <a:pt x="115717" y="93497"/>
+                </a:cubicBezTo>
+                <a:cubicBezTo>
+                  <a:pt x="117814" y="105503"/>
+                  <a:pt x="109060" y="112403"/>
+                  <a:pt x="105504" y="122646"/>
+                </a:cubicBezTo>
+                <a:cubicBezTo>
+                  <a:pt x="103559" y="128148"/>
+                  <a:pt x="104744" y="135078"/>
+                  <a:pt x="107024" y="140245"/>
+                </a:cubicBezTo>
+                <a:cubicBezTo>
+                  <a:pt x="109699" y="146294"/>
+                  <a:pt x="114501" y="151218"/>
+                  <a:pt x="120580" y="153832"/>
+                </a:cubicBezTo>
+                <a:cubicBezTo>
+                  <a:pt x="124167" y="155413"/>
+                  <a:pt x="128027" y="156081"/>
+                  <a:pt x="131918" y="156112"/>
+                </a:cubicBezTo>
+                <a:cubicBezTo>
+                  <a:pt x="133438" y="156112"/>
+                  <a:pt x="146265" y="155200"/>
+                  <a:pt x="146265" y="153650"/>
+                </a:cubicBezTo>
+                <a:lnTo>
+                  <a:pt x="146265" y="0"/>
+                </a:lnTo>
+                <a:close/>
+              </a:path>
+            </a:pathLst>
+          </a:custGeom>
+          <a:solidFill>
+            <a:srgbClr val="3D4D55"/>
+          </a:solidFill>
+          <a:ln>
+            <a:noFill/>
+          </a:ln>
+        </p:spPr>
+        <p:txBody>
+          <a:bodyPr spcFirstLastPara="1" wrap="square" lIns="91425" tIns="91425" rIns="91425" bIns="91425" anchor="ctr" anchorCtr="0">
+            <a:noAutofit/>
+          </a:bodyPr>
+          <a:lstStyle/>
+          <a:p>
+            <a:pPr marL="0" marR="0" lvl="0" indent="0" defTabSz="914400" eaLnBrk="1" fontAlgn="auto" latinLnBrk="0" hangingPunct="1">
+              <a:lnSpc>
+                <a:spcPct val="100000"/>
+              </a:lnSpc>
+              <a:spcBef>
+                <a:spcPts val="0"/>
+              </a:spcBef>
+              <a:spcAft>
+                <a:spcPts val="0"/>
+              </a:spcAft>
+              <a:buClr>
+                <a:srgbClr val="000000"/>
+              </a:buClr>
+              <a:buSzTx/>
+              <a:buFont typeface="Arial"/>
+              <a:buNone/>
+              <a:tabLst/>
+              <a:defRPr/>
+            </a:pPr>
+            <a:endParaRPr kumimoji="0" sz="1400" b="0" i="0" u="none" strike="noStrike" kern="0" cap="none" spc="0" normalizeH="0" baseline="0" noProof="0">
+              <a:ln>
+                <a:noFill/>
+              </a:ln>
+              <a:solidFill>
+                <a:srgbClr val="000000"/>
+              </a:solidFill>
+              <a:effectLst/>
+              <a:uLnTx/>
+              <a:uFillTx/>
+              <a:latin typeface="Arial"/>
+              <a:cs typeface="Arial"/>
+              <a:sym typeface="Arial"/>
+            </a:endParaRPr>
+          </a:p>
+        </p:txBody>
+      </p:sp>
+      <p:sp>
+        <p:nvSpPr>
+          <p:cNvPr id="11" name="Google Shape;1457;p74">
+            <a:extLst>
+              <a:ext uri="{FF2B5EF4-FFF2-40B4-BE49-F238E27FC236}">
+                <a16:creationId xmlns:a16="http://schemas.microsoft.com/office/drawing/2014/main" id="{D5B91189-D1FE-9273-BC8A-9C82DECCA2E3}"/>
+              </a:ext>
+            </a:extLst>
+          </p:cNvPr>
+          <p:cNvSpPr/>
+          <p:nvPr/>
+        </p:nvSpPr>
+        <p:spPr>
+          <a:xfrm rot="10191456">
+            <a:off x="10056522" y="580606"/>
+            <a:ext cx="2411496" cy="1900868"/>
+          </a:xfrm>
+          <a:custGeom>
+            <a:avLst/>
+            <a:gdLst/>
+            <a:ahLst/>
+            <a:cxnLst/>
+            <a:rect l="l" t="t" r="r" b="b"/>
+            <a:pathLst>
+              <a:path w="39363" h="31028" extrusionOk="0">
+                <a:moveTo>
+                  <a:pt x="21078" y="1"/>
+                </a:moveTo>
+                <a:cubicBezTo>
+                  <a:pt x="18634" y="1"/>
+                  <a:pt x="16478" y="1773"/>
+                  <a:pt x="15979" y="4271"/>
+                </a:cubicBezTo>
+                <a:cubicBezTo>
+                  <a:pt x="15946" y="4537"/>
+                  <a:pt x="15912" y="4838"/>
+                  <a:pt x="15912" y="5104"/>
+                </a:cubicBezTo>
+                <a:lnTo>
+                  <a:pt x="15912" y="5305"/>
+                </a:lnTo>
+                <a:cubicBezTo>
+                  <a:pt x="15846" y="6272"/>
+                  <a:pt x="15379" y="10008"/>
+                  <a:pt x="9708" y="11342"/>
+                </a:cubicBezTo>
+                <a:cubicBezTo>
+                  <a:pt x="5438" y="11776"/>
+                  <a:pt x="1802" y="14945"/>
+                  <a:pt x="1002" y="19348"/>
+                </a:cubicBezTo>
+                <a:cubicBezTo>
+                  <a:pt x="1" y="24685"/>
+                  <a:pt x="3570" y="29856"/>
+                  <a:pt x="8907" y="30856"/>
+                </a:cubicBezTo>
+                <a:cubicBezTo>
+                  <a:pt x="9518" y="30972"/>
+                  <a:pt x="10126" y="31028"/>
+                  <a:pt x="10725" y="31028"/>
+                </a:cubicBezTo>
+                <a:cubicBezTo>
+                  <a:pt x="13752" y="31028"/>
+                  <a:pt x="16548" y="29604"/>
+                  <a:pt x="18414" y="27320"/>
+                </a:cubicBezTo>
+                <a:cubicBezTo>
+                  <a:pt x="19014" y="26520"/>
+                  <a:pt x="19515" y="25653"/>
+                  <a:pt x="19915" y="24685"/>
+                </a:cubicBezTo>
+                <a:cubicBezTo>
+                  <a:pt x="21857" y="21834"/>
+                  <a:pt x="25742" y="17659"/>
+                  <a:pt x="31816" y="17659"/>
+                </a:cubicBezTo>
+                <a:cubicBezTo>
+                  <a:pt x="32210" y="17659"/>
+                  <a:pt x="32613" y="17677"/>
+                  <a:pt x="33024" y="17714"/>
+                </a:cubicBezTo>
+                <a:cubicBezTo>
+                  <a:pt x="33258" y="17780"/>
+                  <a:pt x="33425" y="17847"/>
+                  <a:pt x="33625" y="17880"/>
+                </a:cubicBezTo>
+                <a:cubicBezTo>
+                  <a:pt x="33909" y="17934"/>
+                  <a:pt x="34192" y="17960"/>
+                  <a:pt x="34471" y="17960"/>
+                </a:cubicBezTo>
+                <a:cubicBezTo>
+                  <a:pt x="36614" y="17960"/>
+                  <a:pt x="38515" y="16432"/>
+                  <a:pt x="38929" y="14278"/>
+                </a:cubicBezTo>
+                <a:cubicBezTo>
+                  <a:pt x="39362" y="11809"/>
+                  <a:pt x="37761" y="9441"/>
+                  <a:pt x="35293" y="8974"/>
+                </a:cubicBezTo>
+                <a:cubicBezTo>
+                  <a:pt x="34999" y="8913"/>
+                  <a:pt x="34710" y="8883"/>
+                  <a:pt x="34425" y="8883"/>
+                </a:cubicBezTo>
+                <a:cubicBezTo>
+                  <a:pt x="33934" y="8883"/>
+                  <a:pt x="33456" y="8972"/>
+                  <a:pt x="32991" y="9141"/>
+                </a:cubicBezTo>
+                <a:cubicBezTo>
+                  <a:pt x="32529" y="9216"/>
+                  <a:pt x="31929" y="9288"/>
+                  <a:pt x="31278" y="9288"/>
+                </a:cubicBezTo>
+                <a:cubicBezTo>
+                  <a:pt x="29341" y="9288"/>
+                  <a:pt x="26944" y="8658"/>
+                  <a:pt x="26320" y="5638"/>
+                </a:cubicBezTo>
+                <a:cubicBezTo>
+                  <a:pt x="26587" y="3103"/>
+                  <a:pt x="24785" y="601"/>
+                  <a:pt x="22083" y="101"/>
+                </a:cubicBezTo>
+                <a:cubicBezTo>
+                  <a:pt x="21745" y="33"/>
+                  <a:pt x="21409" y="1"/>
+                  <a:pt x="21078" y="1"/>
+                </a:cubicBezTo>
+                <a:close/>
+              </a:path>
+            </a:pathLst>
+          </a:custGeom>
+          <a:solidFill>
+            <a:srgbClr val="ACDBD3"/>
+          </a:solidFill>
+          <a:ln>
+            <a:noFill/>
+          </a:ln>
+        </p:spPr>
+        <p:txBody>
+          <a:bodyPr spcFirstLastPara="1" wrap="square" lIns="91425" tIns="91425" rIns="91425" bIns="91425" anchor="ctr" anchorCtr="0">
+            <a:noAutofit/>
+          </a:bodyPr>
+          <a:lstStyle/>
+          <a:p>
+            <a:pPr marL="0" marR="0" lvl="0" indent="0" defTabSz="914400" eaLnBrk="1" fontAlgn="auto" latinLnBrk="0" hangingPunct="1">
+              <a:lnSpc>
+                <a:spcPct val="100000"/>
+              </a:lnSpc>
+              <a:spcBef>
+                <a:spcPts val="0"/>
+              </a:spcBef>
+              <a:spcAft>
+                <a:spcPts val="0"/>
+              </a:spcAft>
+              <a:buClr>
+                <a:srgbClr val="000000"/>
+              </a:buClr>
+              <a:buSzTx/>
+              <a:buFont typeface="Arial"/>
+              <a:buNone/>
+              <a:tabLst/>
+              <a:defRPr/>
+            </a:pPr>
+            <a:endParaRPr kumimoji="0" sz="1400" b="0" i="0" u="none" strike="noStrike" kern="0" cap="none" spc="0" normalizeH="0" baseline="0" noProof="0">
+              <a:ln>
+                <a:noFill/>
+              </a:ln>
+              <a:solidFill>
+                <a:srgbClr val="000000"/>
+              </a:solidFill>
+              <a:effectLst/>
+              <a:uLnTx/>
+              <a:uFillTx/>
+              <a:latin typeface="Arial"/>
+              <a:cs typeface="Arial"/>
+              <a:sym typeface="Arial"/>
+            </a:endParaRPr>
+          </a:p>
+        </p:txBody>
+      </p:sp>
+      <p:sp>
+        <p:nvSpPr>
+          <p:cNvPr id="13" name="Google Shape;1463;p74">
+            <a:extLst>
+              <a:ext uri="{FF2B5EF4-FFF2-40B4-BE49-F238E27FC236}">
+                <a16:creationId xmlns:a16="http://schemas.microsoft.com/office/drawing/2014/main" id="{9FBE7827-AFF9-E943-D4D6-469993A3A5E2}"/>
+              </a:ext>
+            </a:extLst>
+          </p:cNvPr>
+          <p:cNvSpPr/>
+          <p:nvPr/>
+        </p:nvSpPr>
+        <p:spPr>
+          <a:xfrm rot="18140219">
+            <a:off x="8441112" y="4410166"/>
+            <a:ext cx="3874663" cy="3662248"/>
+          </a:xfrm>
+          <a:custGeom>
+            <a:avLst/>
+            <a:gdLst/>
+            <a:ahLst/>
+            <a:cxnLst/>
+            <a:rect l="l" t="t" r="r" b="b"/>
+            <a:pathLst>
+              <a:path w="119881" h="113309" extrusionOk="0">
+                <a:moveTo>
+                  <a:pt x="20594" y="1"/>
+                </a:moveTo>
+                <a:cubicBezTo>
+                  <a:pt x="16552" y="1"/>
+                  <a:pt x="12368" y="1147"/>
+                  <a:pt x="9149" y="2790"/>
+                </a:cubicBezTo>
+                <a:cubicBezTo>
+                  <a:pt x="5471" y="4675"/>
+                  <a:pt x="1915" y="7836"/>
+                  <a:pt x="0" y="11605"/>
+                </a:cubicBezTo>
+                <a:lnTo>
+                  <a:pt x="0" y="113308"/>
+                </a:lnTo>
+                <a:lnTo>
+                  <a:pt x="117935" y="113308"/>
+                </a:lnTo>
+                <a:cubicBezTo>
+                  <a:pt x="117935" y="113308"/>
+                  <a:pt x="119881" y="98901"/>
+                  <a:pt x="102008" y="94250"/>
+                </a:cubicBezTo>
+                <a:cubicBezTo>
+                  <a:pt x="89485" y="90968"/>
+                  <a:pt x="95139" y="77472"/>
+                  <a:pt x="92190" y="68141"/>
+                </a:cubicBezTo>
+                <a:cubicBezTo>
+                  <a:pt x="88773" y="57366"/>
+                  <a:pt x="78869" y="50808"/>
+                  <a:pt x="68440" y="50808"/>
+                </a:cubicBezTo>
+                <a:cubicBezTo>
+                  <a:pt x="64953" y="50808"/>
+                  <a:pt x="61407" y="51541"/>
+                  <a:pt x="58025" y="53095"/>
+                </a:cubicBezTo>
+                <a:cubicBezTo>
+                  <a:pt x="53166" y="55347"/>
+                  <a:pt x="45940" y="60409"/>
+                  <a:pt x="39678" y="60409"/>
+                </a:cubicBezTo>
+                <a:cubicBezTo>
+                  <a:pt x="37911" y="60409"/>
+                  <a:pt x="36220" y="60005"/>
+                  <a:pt x="34681" y="59022"/>
+                </a:cubicBezTo>
+                <a:cubicBezTo>
+                  <a:pt x="26323" y="53703"/>
+                  <a:pt x="32341" y="38991"/>
+                  <a:pt x="33770" y="31635"/>
+                </a:cubicBezTo>
+                <a:cubicBezTo>
+                  <a:pt x="35381" y="23459"/>
+                  <a:pt x="36900" y="14249"/>
+                  <a:pt x="32858" y="6498"/>
+                </a:cubicBezTo>
+                <a:cubicBezTo>
+                  <a:pt x="30386" y="1757"/>
+                  <a:pt x="25599" y="1"/>
+                  <a:pt x="20594" y="1"/>
+                </a:cubicBezTo>
+                <a:close/>
+              </a:path>
+            </a:pathLst>
+          </a:custGeom>
+          <a:noFill/>
+          <a:ln>
+            <a:solidFill>
+              <a:srgbClr val="3D4D55"/>
+            </a:solidFill>
+          </a:ln>
+        </p:spPr>
+        <p:txBody>
+          <a:bodyPr spcFirstLastPara="1" wrap="square" lIns="91425" tIns="91425" rIns="91425" bIns="91425" anchor="ctr" anchorCtr="0">
+            <a:noAutofit/>
+          </a:bodyPr>
+          <a:lstStyle/>
+          <a:p>
+            <a:pPr marL="0" marR="0" lvl="0" indent="0" defTabSz="914400" eaLnBrk="1" fontAlgn="auto" latinLnBrk="0" hangingPunct="1">
+              <a:lnSpc>
+                <a:spcPct val="100000"/>
+              </a:lnSpc>
+              <a:spcBef>
+                <a:spcPts val="0"/>
+              </a:spcBef>
+              <a:spcAft>
+                <a:spcPts val="0"/>
+              </a:spcAft>
+              <a:buClr>
+                <a:srgbClr val="000000"/>
+              </a:buClr>
+              <a:buSzTx/>
+              <a:buFont typeface="Arial"/>
+              <a:buNone/>
+              <a:tabLst/>
+              <a:defRPr/>
+            </a:pPr>
+            <a:endParaRPr kumimoji="0" sz="1400" b="0" i="0" u="none" strike="noStrike" kern="0" cap="none" spc="0" normalizeH="0" baseline="0" noProof="0">
+              <a:ln>
+                <a:noFill/>
+              </a:ln>
+              <a:solidFill>
+                <a:srgbClr val="000000"/>
+              </a:solidFill>
+              <a:effectLst/>
+              <a:uLnTx/>
+              <a:uFillTx/>
+              <a:latin typeface="Arial"/>
+              <a:cs typeface="Arial"/>
+              <a:sym typeface="Arial"/>
+            </a:endParaRPr>
+          </a:p>
+        </p:txBody>
+      </p:sp>
+    </p:spTree>
+    <p:extLst>
+      <p:ext uri="{BB962C8B-B14F-4D97-AF65-F5344CB8AC3E}">
+        <p14:creationId xmlns:p14="http://schemas.microsoft.com/office/powerpoint/2010/main" val="717832360"/>
+      </p:ext>
+    </p:extLst>
+  </p:cSld>
+  <p:clrMapOvr>
+    <a:masterClrMapping/>
+  </p:clrMapOvr>
+</p:sld>
+</file>
+
+<file path=ppt/slides/slide9.xml><?xml version="1.0" encoding="utf-8"?>
+<p:sld xmlns:a="http://schemas.openxmlformats.org/drawingml/2006/main" xmlns:r="http://schemas.openxmlformats.org/officeDocument/2006/relationships" xmlns:p="http://schemas.openxmlformats.org/presentationml/2006/main">
+  <p:cSld>
+    <p:bg>
+      <p:bgPr>
+        <a:solidFill>
+          <a:schemeClr val="bg1"/>
+        </a:solidFill>
+        <a:effectLst/>
+      </p:bgPr>
+    </p:bg>
+    <p:spTree>
+      <p:nvGrpSpPr>
+        <p:cNvPr id="1" name=""/>
+        <p:cNvGrpSpPr/>
+        <p:nvPr/>
+      </p:nvGrpSpPr>
+      <p:grpSpPr>
+        <a:xfrm>
+          <a:off x="0" y="0"/>
+          <a:ext cx="0" cy="0"/>
+          <a:chOff x="0" y="0"/>
+          <a:chExt cx="0" cy="0"/>
+        </a:xfrm>
+      </p:grpSpPr>
+      <p:sp>
+        <p:nvSpPr>
+          <p:cNvPr id="5" name="Subtítulo 4">
+            <a:extLst>
+              <a:ext uri="{FF2B5EF4-FFF2-40B4-BE49-F238E27FC236}">
+                <a16:creationId xmlns:a16="http://schemas.microsoft.com/office/drawing/2014/main" id="{0BBF98B1-EA66-EABA-F256-D9EE9AB32E0B}"/>
+              </a:ext>
+            </a:extLst>
+          </p:cNvPr>
+          <p:cNvSpPr>
+            <a:spLocks noGrp="1"/>
+          </p:cNvSpPr>
+          <p:nvPr>
+            <p:ph type="subTitle" idx="1"/>
+          </p:nvPr>
+        </p:nvSpPr>
+        <p:spPr>
+          <a:xfrm>
+            <a:off x="593554" y="1256732"/>
+            <a:ext cx="10464517" cy="4736420"/>
+          </a:xfrm>
+        </p:spPr>
+        <p:txBody>
+          <a:bodyPr>
+            <a:normAutofit/>
+          </a:bodyPr>
+          <a:lstStyle/>
+          <a:p>
+            <a:pPr marL="342900" indent="-342900" algn="l">
+              <a:lnSpc>
+                <a:spcPct val="100000"/>
+              </a:lnSpc>
+              <a:buSzPct val="100000"/>
+              <a:buFont typeface="Tahoma" panose="020B0604030504040204" pitchFamily="34" charset="0"/>
+              <a:buChar char="●"/>
+            </a:pPr>
+            <a:r>
+              <a:rPr lang="pt-PT" sz="2000" dirty="0">
+                <a:latin typeface="Arial" panose="020B0604020202020204" pitchFamily="34" charset="0"/>
+                <a:cs typeface="Arial" panose="020B0604020202020204" pitchFamily="34" charset="0"/>
+              </a:rPr>
               <a:t>Aplicação híbrida</a:t>
             </a:r>
           </a:p>
@@ -16205,7 +18592,7 @@
                 <a:latin typeface="Arial" panose="020B0604020202020204" pitchFamily="34" charset="0"/>
                 <a:cs typeface="Arial" panose="020B0604020202020204" pitchFamily="34" charset="0"/>
               </a:rPr>
-              <a:t>Servidor distinto da aplicação servidora</a:t>
+              <a:t>CSR (Client Side Rendering)</a:t>
             </a:r>
           </a:p>
           <a:p>
@@ -17062,1082 +19449,6 @@
     <p:extLst>
       <p:ext uri="{BB962C8B-B14F-4D97-AF65-F5344CB8AC3E}">
         <p14:creationId xmlns:p14="http://schemas.microsoft.com/office/powerpoint/2010/main" val="1901076948"/>
-      </p:ext>
-    </p:extLst>
-  </p:cSld>
-  <p:clrMapOvr>
-    <a:masterClrMapping/>
-  </p:clrMapOvr>
-</p:sld>
-</file>
-
-<file path=ppt/slides/slide9.xml><?xml version="1.0" encoding="utf-8"?>
-<p:sld xmlns:a="http://schemas.openxmlformats.org/drawingml/2006/main" xmlns:r="http://schemas.openxmlformats.org/officeDocument/2006/relationships" xmlns:p="http://schemas.openxmlformats.org/presentationml/2006/main">
-  <p:cSld>
-    <p:bg>
-      <p:bgPr>
-        <a:solidFill>
-          <a:schemeClr val="bg1"/>
-        </a:solidFill>
-        <a:effectLst/>
-      </p:bgPr>
-    </p:bg>
-    <p:spTree>
-      <p:nvGrpSpPr>
-        <p:cNvPr id="1" name=""/>
-        <p:cNvGrpSpPr/>
-        <p:nvPr/>
-      </p:nvGrpSpPr>
-      <p:grpSpPr>
-        <a:xfrm>
-          <a:off x="0" y="0"/>
-          <a:ext cx="0" cy="0"/>
-          <a:chOff x="0" y="0"/>
-          <a:chExt cx="0" cy="0"/>
-        </a:xfrm>
-      </p:grpSpPr>
-      <p:sp>
-        <p:nvSpPr>
-          <p:cNvPr id="10" name="Google Shape;1463;p74">
-            <a:extLst>
-              <a:ext uri="{FF2B5EF4-FFF2-40B4-BE49-F238E27FC236}">
-                <a16:creationId xmlns:a16="http://schemas.microsoft.com/office/drawing/2014/main" id="{643C1A7C-0827-BEE8-C235-6F25C8D9BCB5}"/>
-              </a:ext>
-            </a:extLst>
-          </p:cNvPr>
-          <p:cNvSpPr/>
-          <p:nvPr/>
-        </p:nvSpPr>
-        <p:spPr>
-          <a:xfrm>
-            <a:off x="-702050" y="4373217"/>
-            <a:ext cx="3536281" cy="2484784"/>
-          </a:xfrm>
-          <a:custGeom>
-            <a:avLst/>
-            <a:gdLst/>
-            <a:ahLst/>
-            <a:cxnLst/>
-            <a:rect l="l" t="t" r="r" b="b"/>
-            <a:pathLst>
-              <a:path w="119881" h="113309" extrusionOk="0">
-                <a:moveTo>
-                  <a:pt x="20594" y="1"/>
-                </a:moveTo>
-                <a:cubicBezTo>
-                  <a:pt x="16552" y="1"/>
-                  <a:pt x="12368" y="1147"/>
-                  <a:pt x="9149" y="2790"/>
-                </a:cubicBezTo>
-                <a:cubicBezTo>
-                  <a:pt x="5471" y="4675"/>
-                  <a:pt x="1915" y="7836"/>
-                  <a:pt x="0" y="11605"/>
-                </a:cubicBezTo>
-                <a:lnTo>
-                  <a:pt x="0" y="113308"/>
-                </a:lnTo>
-                <a:lnTo>
-                  <a:pt x="117935" y="113308"/>
-                </a:lnTo>
-                <a:cubicBezTo>
-                  <a:pt x="117935" y="113308"/>
-                  <a:pt x="119881" y="98901"/>
-                  <a:pt x="102008" y="94250"/>
-                </a:cubicBezTo>
-                <a:cubicBezTo>
-                  <a:pt x="89485" y="90968"/>
-                  <a:pt x="95139" y="77472"/>
-                  <a:pt x="92190" y="68141"/>
-                </a:cubicBezTo>
-                <a:cubicBezTo>
-                  <a:pt x="88773" y="57366"/>
-                  <a:pt x="78869" y="50808"/>
-                  <a:pt x="68440" y="50808"/>
-                </a:cubicBezTo>
-                <a:cubicBezTo>
-                  <a:pt x="64953" y="50808"/>
-                  <a:pt x="61407" y="51541"/>
-                  <a:pt x="58025" y="53095"/>
-                </a:cubicBezTo>
-                <a:cubicBezTo>
-                  <a:pt x="53166" y="55347"/>
-                  <a:pt x="45940" y="60409"/>
-                  <a:pt x="39678" y="60409"/>
-                </a:cubicBezTo>
-                <a:cubicBezTo>
-                  <a:pt x="37911" y="60409"/>
-                  <a:pt x="36220" y="60005"/>
-                  <a:pt x="34681" y="59022"/>
-                </a:cubicBezTo>
-                <a:cubicBezTo>
-                  <a:pt x="26323" y="53703"/>
-                  <a:pt x="32341" y="38991"/>
-                  <a:pt x="33770" y="31635"/>
-                </a:cubicBezTo>
-                <a:cubicBezTo>
-                  <a:pt x="35381" y="23459"/>
-                  <a:pt x="36900" y="14249"/>
-                  <a:pt x="32858" y="6498"/>
-                </a:cubicBezTo>
-                <a:cubicBezTo>
-                  <a:pt x="30386" y="1757"/>
-                  <a:pt x="25599" y="1"/>
-                  <a:pt x="20594" y="1"/>
-                </a:cubicBezTo>
-                <a:close/>
-              </a:path>
-            </a:pathLst>
-          </a:custGeom>
-          <a:solidFill>
-            <a:srgbClr val="3F4853"/>
-          </a:solidFill>
-          <a:ln>
-            <a:noFill/>
-          </a:ln>
-        </p:spPr>
-        <p:txBody>
-          <a:bodyPr spcFirstLastPara="1" wrap="square" lIns="91425" tIns="91425" rIns="91425" bIns="91425" anchor="ctr" anchorCtr="0">
-            <a:noAutofit/>
-          </a:bodyPr>
-          <a:lstStyle/>
-          <a:p>
-            <a:pPr marL="0" marR="0" lvl="0" indent="0" defTabSz="914400" eaLnBrk="1" fontAlgn="auto" latinLnBrk="0" hangingPunct="1">
-              <a:lnSpc>
-                <a:spcPct val="100000"/>
-              </a:lnSpc>
-              <a:spcBef>
-                <a:spcPts val="0"/>
-              </a:spcBef>
-              <a:spcAft>
-                <a:spcPts val="0"/>
-              </a:spcAft>
-              <a:buClr>
-                <a:srgbClr val="000000"/>
-              </a:buClr>
-              <a:buSzTx/>
-              <a:buFont typeface="Arial"/>
-              <a:buNone/>
-              <a:tabLst/>
-              <a:defRPr/>
-            </a:pPr>
-            <a:endParaRPr kumimoji="0" sz="1400" b="0" i="0" u="none" strike="noStrike" kern="0" cap="none" spc="0" normalizeH="0" baseline="0" noProof="0">
-              <a:ln>
-                <a:noFill/>
-              </a:ln>
-              <a:solidFill>
-                <a:srgbClr val="000000"/>
-              </a:solidFill>
-              <a:effectLst/>
-              <a:uLnTx/>
-              <a:uFillTx/>
-              <a:latin typeface="Arial"/>
-              <a:cs typeface="Arial"/>
-              <a:sym typeface="Arial"/>
-            </a:endParaRPr>
-          </a:p>
-        </p:txBody>
-      </p:sp>
-      <p:sp>
-        <p:nvSpPr>
-          <p:cNvPr id="5" name="Subtítulo 4">
-            <a:extLst>
-              <a:ext uri="{FF2B5EF4-FFF2-40B4-BE49-F238E27FC236}">
-                <a16:creationId xmlns:a16="http://schemas.microsoft.com/office/drawing/2014/main" id="{0BBF98B1-EA66-EABA-F256-D9EE9AB32E0B}"/>
-              </a:ext>
-            </a:extLst>
-          </p:cNvPr>
-          <p:cNvSpPr>
-            <a:spLocks noGrp="1"/>
-          </p:cNvSpPr>
-          <p:nvPr>
-            <p:ph type="subTitle" idx="1"/>
-          </p:nvPr>
-        </p:nvSpPr>
-        <p:spPr>
-          <a:xfrm>
-            <a:off x="593554" y="1256732"/>
-            <a:ext cx="10464517" cy="4736420"/>
-          </a:xfrm>
-        </p:spPr>
-        <p:txBody>
-          <a:bodyPr>
-            <a:normAutofit/>
-          </a:bodyPr>
-          <a:lstStyle/>
-          <a:p>
-            <a:pPr marL="342900" indent="-342900" algn="l">
-              <a:lnSpc>
-                <a:spcPct val="100000"/>
-              </a:lnSpc>
-              <a:buSzPct val="100000"/>
-              <a:buFont typeface="Tahoma" panose="020B0604030504040204" pitchFamily="34" charset="0"/>
-              <a:buChar char="●"/>
-            </a:pPr>
-            <a:r>
-              <a:rPr lang="pt-PT" sz="2000" dirty="0">
-                <a:latin typeface="Arial" panose="020B0604020202020204" pitchFamily="34" charset="0"/>
-                <a:cs typeface="Arial" panose="020B0604020202020204" pitchFamily="34" charset="0"/>
-              </a:rPr>
-              <a:t>Realizado com o uso de </a:t>
-            </a:r>
-            <a:r>
-              <a:rPr lang="pt-PT" sz="2000" dirty="0" err="1">
-                <a:latin typeface="Arial" panose="020B0604020202020204" pitchFamily="34" charset="0"/>
-                <a:cs typeface="Arial" panose="020B0604020202020204" pitchFamily="34" charset="0"/>
-              </a:rPr>
-              <a:t>react-redux</a:t>
-            </a:r>
-            <a:endParaRPr lang="pt-PT" sz="2000" dirty="0">
-              <a:latin typeface="Arial" panose="020B0604020202020204" pitchFamily="34" charset="0"/>
-              <a:cs typeface="Arial" panose="020B0604020202020204" pitchFamily="34" charset="0"/>
-            </a:endParaRPr>
-          </a:p>
-          <a:p>
-            <a:pPr marL="800100" lvl="1" indent="-342900" algn="l">
-              <a:lnSpc>
-                <a:spcPct val="100000"/>
-              </a:lnSpc>
-              <a:buSzPct val="100000"/>
-              <a:buFont typeface="Wingdings" panose="05000000000000000000" pitchFamily="2" charset="2"/>
-              <a:buChar char="§"/>
-            </a:pPr>
-            <a:r>
-              <a:rPr lang="pt-PT" dirty="0">
-                <a:latin typeface="Arial" panose="020B0604020202020204" pitchFamily="34" charset="0"/>
-                <a:cs typeface="Arial" panose="020B0604020202020204" pitchFamily="34" charset="0"/>
-              </a:rPr>
-              <a:t>Contentor de estado global – centralizado na </a:t>
-            </a:r>
-            <a:r>
-              <a:rPr lang="pt-PT" dirty="0" err="1">
-                <a:latin typeface="Arial" panose="020B0604020202020204" pitchFamily="34" charset="0"/>
-                <a:cs typeface="Arial" panose="020B0604020202020204" pitchFamily="34" charset="0"/>
-              </a:rPr>
-              <a:t>redux</a:t>
-            </a:r>
-            <a:r>
-              <a:rPr lang="pt-PT" dirty="0">
-                <a:latin typeface="Arial" panose="020B0604020202020204" pitchFamily="34" charset="0"/>
-                <a:cs typeface="Arial" panose="020B0604020202020204" pitchFamily="34" charset="0"/>
-              </a:rPr>
-              <a:t> </a:t>
-            </a:r>
-            <a:r>
-              <a:rPr lang="pt-PT" dirty="0" err="1">
-                <a:latin typeface="Arial" panose="020B0604020202020204" pitchFamily="34" charset="0"/>
-                <a:cs typeface="Arial" panose="020B0604020202020204" pitchFamily="34" charset="0"/>
-              </a:rPr>
-              <a:t>store</a:t>
-            </a:r>
-            <a:endParaRPr lang="pt-PT" dirty="0">
-              <a:latin typeface="Arial" panose="020B0604020202020204" pitchFamily="34" charset="0"/>
-              <a:cs typeface="Arial" panose="020B0604020202020204" pitchFamily="34" charset="0"/>
-            </a:endParaRPr>
-          </a:p>
-          <a:p>
-            <a:pPr marL="342900" indent="-342900" algn="l">
-              <a:lnSpc>
-                <a:spcPct val="100000"/>
-              </a:lnSpc>
-              <a:buSzPct val="100000"/>
-              <a:buFont typeface="Tahoma" panose="020B0604030504040204" pitchFamily="34" charset="0"/>
-              <a:buChar char="●"/>
-            </a:pPr>
-            <a:r>
-              <a:rPr lang="pt-PT" sz="2000" dirty="0">
-                <a:latin typeface="Arial" panose="020B0604020202020204" pitchFamily="34" charset="0"/>
-                <a:cs typeface="Arial" panose="020B0604020202020204" pitchFamily="34" charset="0"/>
-              </a:rPr>
-              <a:t>Permite alteração de estado entre componentes</a:t>
-            </a:r>
-          </a:p>
-          <a:p>
-            <a:pPr marL="800100" lvl="1" indent="-342900" algn="l">
-              <a:lnSpc>
-                <a:spcPct val="100000"/>
-              </a:lnSpc>
-              <a:buSzPct val="100000"/>
-              <a:buFont typeface="Wingdings" panose="05000000000000000000" pitchFamily="2" charset="2"/>
-              <a:buChar char="§"/>
-            </a:pPr>
-            <a:r>
-              <a:rPr lang="pt-PT" dirty="0" err="1">
-                <a:latin typeface="Arial" panose="020B0604020202020204" pitchFamily="34" charset="0"/>
-                <a:cs typeface="Arial" panose="020B0604020202020204" pitchFamily="34" charset="0"/>
-              </a:rPr>
-              <a:t>Renderização</a:t>
-            </a:r>
-            <a:r>
-              <a:rPr lang="pt-PT" dirty="0">
-                <a:latin typeface="Arial" panose="020B0604020202020204" pitchFamily="34" charset="0"/>
-                <a:cs typeface="Arial" panose="020B0604020202020204" pitchFamily="34" charset="0"/>
-              </a:rPr>
-              <a:t> das modificações em real time</a:t>
-            </a:r>
-          </a:p>
-        </p:txBody>
-      </p:sp>
-      <p:sp>
-        <p:nvSpPr>
-          <p:cNvPr id="7" name="Google Shape;296;p37">
-            <a:extLst>
-              <a:ext uri="{FF2B5EF4-FFF2-40B4-BE49-F238E27FC236}">
-                <a16:creationId xmlns:a16="http://schemas.microsoft.com/office/drawing/2014/main" id="{3D7AB695-BD0C-4E75-8783-E697EBED0E05}"/>
-              </a:ext>
-            </a:extLst>
-          </p:cNvPr>
-          <p:cNvSpPr txBox="1">
-            <a:spLocks/>
-          </p:cNvSpPr>
-          <p:nvPr/>
-        </p:nvSpPr>
-        <p:spPr>
-          <a:xfrm>
-            <a:off x="593554" y="383132"/>
-            <a:ext cx="7178846" cy="631554"/>
-          </a:xfrm>
-          <a:prstGeom prst="rect">
-            <a:avLst/>
-          </a:prstGeom>
-          <a:noFill/>
-          <a:ln>
-            <a:noFill/>
-          </a:ln>
-        </p:spPr>
-        <p:txBody>
-          <a:bodyPr spcFirstLastPara="1" wrap="square" lIns="0" tIns="0" rIns="0" bIns="0" anchor="t" anchorCtr="0">
-            <a:noAutofit/>
-          </a:bodyPr>
-          <a:lstStyle>
-            <a:defPPr marR="0" lvl="0" algn="l" rtl="0">
-              <a:lnSpc>
-                <a:spcPct val="100000"/>
-              </a:lnSpc>
-              <a:spcBef>
-                <a:spcPts val="0"/>
-              </a:spcBef>
-              <a:spcAft>
-                <a:spcPts val="0"/>
-              </a:spcAft>
-            </a:defPPr>
-            <a:lvl1pPr marL="0" marR="0" lvl="0" indent="0" algn="l" rtl="0">
-              <a:lnSpc>
-                <a:spcPct val="90000"/>
-              </a:lnSpc>
-              <a:spcBef>
-                <a:spcPts val="0"/>
-              </a:spcBef>
-              <a:spcAft>
-                <a:spcPts val="0"/>
-              </a:spcAft>
-              <a:buClr>
-                <a:schemeClr val="dk2"/>
-              </a:buClr>
-              <a:buSzPts val="5200"/>
-              <a:buFont typeface="Commissioner"/>
-              <a:buNone/>
-              <a:defRPr sz="5000" b="0" i="0" u="none" strike="noStrike" cap="none">
-                <a:solidFill>
-                  <a:schemeClr val="dk2"/>
-                </a:solidFill>
-                <a:latin typeface="Commissioner ExtraBold"/>
-                <a:ea typeface="Commissioner ExtraBold"/>
-                <a:cs typeface="Commissioner ExtraBold"/>
-                <a:sym typeface="Commissioner ExtraBold"/>
-              </a:defRPr>
-            </a:lvl1pPr>
-            <a:lvl2pPr marR="0" lvl="1" algn="ctr" rtl="0">
-              <a:lnSpc>
-                <a:spcPct val="100000"/>
-              </a:lnSpc>
-              <a:spcBef>
-                <a:spcPts val="0"/>
-              </a:spcBef>
-              <a:spcAft>
-                <a:spcPts val="0"/>
-              </a:spcAft>
-              <a:buClr>
-                <a:schemeClr val="dk2"/>
-              </a:buClr>
-              <a:buSzPts val="5200"/>
-              <a:buFont typeface="Barlow SemiBold"/>
-              <a:buNone/>
-              <a:defRPr sz="5200" b="0" i="0" u="none" strike="noStrike" cap="none">
-                <a:solidFill>
-                  <a:schemeClr val="dk2"/>
-                </a:solidFill>
-                <a:latin typeface="Barlow SemiBold"/>
-                <a:ea typeface="Barlow SemiBold"/>
-                <a:cs typeface="Barlow SemiBold"/>
-                <a:sym typeface="Barlow SemiBold"/>
-              </a:defRPr>
-            </a:lvl2pPr>
-            <a:lvl3pPr marR="0" lvl="2" algn="ctr" rtl="0">
-              <a:lnSpc>
-                <a:spcPct val="100000"/>
-              </a:lnSpc>
-              <a:spcBef>
-                <a:spcPts val="0"/>
-              </a:spcBef>
-              <a:spcAft>
-                <a:spcPts val="0"/>
-              </a:spcAft>
-              <a:buClr>
-                <a:schemeClr val="dk2"/>
-              </a:buClr>
-              <a:buSzPts val="5200"/>
-              <a:buFont typeface="Barlow SemiBold"/>
-              <a:buNone/>
-              <a:defRPr sz="5200" b="0" i="0" u="none" strike="noStrike" cap="none">
-                <a:solidFill>
-                  <a:schemeClr val="dk2"/>
-                </a:solidFill>
-                <a:latin typeface="Barlow SemiBold"/>
-                <a:ea typeface="Barlow SemiBold"/>
-                <a:cs typeface="Barlow SemiBold"/>
-                <a:sym typeface="Barlow SemiBold"/>
-              </a:defRPr>
-            </a:lvl3pPr>
-            <a:lvl4pPr marR="0" lvl="3" algn="ctr" rtl="0">
-              <a:lnSpc>
-                <a:spcPct val="100000"/>
-              </a:lnSpc>
-              <a:spcBef>
-                <a:spcPts val="0"/>
-              </a:spcBef>
-              <a:spcAft>
-                <a:spcPts val="0"/>
-              </a:spcAft>
-              <a:buClr>
-                <a:schemeClr val="dk2"/>
-              </a:buClr>
-              <a:buSzPts val="5200"/>
-              <a:buFont typeface="Barlow SemiBold"/>
-              <a:buNone/>
-              <a:defRPr sz="5200" b="0" i="0" u="none" strike="noStrike" cap="none">
-                <a:solidFill>
-                  <a:schemeClr val="dk2"/>
-                </a:solidFill>
-                <a:latin typeface="Barlow SemiBold"/>
-                <a:ea typeface="Barlow SemiBold"/>
-                <a:cs typeface="Barlow SemiBold"/>
-                <a:sym typeface="Barlow SemiBold"/>
-              </a:defRPr>
-            </a:lvl4pPr>
-            <a:lvl5pPr marR="0" lvl="4" algn="ctr" rtl="0">
-              <a:lnSpc>
-                <a:spcPct val="100000"/>
-              </a:lnSpc>
-              <a:spcBef>
-                <a:spcPts val="0"/>
-              </a:spcBef>
-              <a:spcAft>
-                <a:spcPts val="0"/>
-              </a:spcAft>
-              <a:buClr>
-                <a:schemeClr val="dk2"/>
-              </a:buClr>
-              <a:buSzPts val="5200"/>
-              <a:buFont typeface="Barlow SemiBold"/>
-              <a:buNone/>
-              <a:defRPr sz="5200" b="0" i="0" u="none" strike="noStrike" cap="none">
-                <a:solidFill>
-                  <a:schemeClr val="dk2"/>
-                </a:solidFill>
-                <a:latin typeface="Barlow SemiBold"/>
-                <a:ea typeface="Barlow SemiBold"/>
-                <a:cs typeface="Barlow SemiBold"/>
-                <a:sym typeface="Barlow SemiBold"/>
-              </a:defRPr>
-            </a:lvl5pPr>
-            <a:lvl6pPr marR="0" lvl="5" algn="ctr" rtl="0">
-              <a:lnSpc>
-                <a:spcPct val="100000"/>
-              </a:lnSpc>
-              <a:spcBef>
-                <a:spcPts val="0"/>
-              </a:spcBef>
-              <a:spcAft>
-                <a:spcPts val="0"/>
-              </a:spcAft>
-              <a:buClr>
-                <a:schemeClr val="dk2"/>
-              </a:buClr>
-              <a:buSzPts val="5200"/>
-              <a:buFont typeface="Barlow SemiBold"/>
-              <a:buNone/>
-              <a:defRPr sz="5200" b="0" i="0" u="none" strike="noStrike" cap="none">
-                <a:solidFill>
-                  <a:schemeClr val="dk2"/>
-                </a:solidFill>
-                <a:latin typeface="Barlow SemiBold"/>
-                <a:ea typeface="Barlow SemiBold"/>
-                <a:cs typeface="Barlow SemiBold"/>
-                <a:sym typeface="Barlow SemiBold"/>
-              </a:defRPr>
-            </a:lvl6pPr>
-            <a:lvl7pPr marR="0" lvl="6" algn="ctr" rtl="0">
-              <a:lnSpc>
-                <a:spcPct val="100000"/>
-              </a:lnSpc>
-              <a:spcBef>
-                <a:spcPts val="0"/>
-              </a:spcBef>
-              <a:spcAft>
-                <a:spcPts val="0"/>
-              </a:spcAft>
-              <a:buClr>
-                <a:schemeClr val="dk2"/>
-              </a:buClr>
-              <a:buSzPts val="5200"/>
-              <a:buFont typeface="Barlow SemiBold"/>
-              <a:buNone/>
-              <a:defRPr sz="5200" b="0" i="0" u="none" strike="noStrike" cap="none">
-                <a:solidFill>
-                  <a:schemeClr val="dk2"/>
-                </a:solidFill>
-                <a:latin typeface="Barlow SemiBold"/>
-                <a:ea typeface="Barlow SemiBold"/>
-                <a:cs typeface="Barlow SemiBold"/>
-                <a:sym typeface="Barlow SemiBold"/>
-              </a:defRPr>
-            </a:lvl7pPr>
-            <a:lvl8pPr marR="0" lvl="7" algn="ctr" rtl="0">
-              <a:lnSpc>
-                <a:spcPct val="100000"/>
-              </a:lnSpc>
-              <a:spcBef>
-                <a:spcPts val="0"/>
-              </a:spcBef>
-              <a:spcAft>
-                <a:spcPts val="0"/>
-              </a:spcAft>
-              <a:buClr>
-                <a:schemeClr val="dk2"/>
-              </a:buClr>
-              <a:buSzPts val="5200"/>
-              <a:buFont typeface="Barlow SemiBold"/>
-              <a:buNone/>
-              <a:defRPr sz="5200" b="0" i="0" u="none" strike="noStrike" cap="none">
-                <a:solidFill>
-                  <a:schemeClr val="dk2"/>
-                </a:solidFill>
-                <a:latin typeface="Barlow SemiBold"/>
-                <a:ea typeface="Barlow SemiBold"/>
-                <a:cs typeface="Barlow SemiBold"/>
-                <a:sym typeface="Barlow SemiBold"/>
-              </a:defRPr>
-            </a:lvl8pPr>
-            <a:lvl9pPr marR="0" lvl="8" algn="ctr" rtl="0">
-              <a:lnSpc>
-                <a:spcPct val="100000"/>
-              </a:lnSpc>
-              <a:spcBef>
-                <a:spcPts val="0"/>
-              </a:spcBef>
-              <a:spcAft>
-                <a:spcPts val="0"/>
-              </a:spcAft>
-              <a:buClr>
-                <a:schemeClr val="dk2"/>
-              </a:buClr>
-              <a:buSzPts val="5200"/>
-              <a:buFont typeface="Barlow SemiBold"/>
-              <a:buNone/>
-              <a:defRPr sz="5200" b="0" i="0" u="none" strike="noStrike" cap="none">
-                <a:solidFill>
-                  <a:schemeClr val="dk2"/>
-                </a:solidFill>
-                <a:latin typeface="Barlow SemiBold"/>
-                <a:ea typeface="Barlow SemiBold"/>
-                <a:cs typeface="Barlow SemiBold"/>
-                <a:sym typeface="Barlow SemiBold"/>
-              </a:defRPr>
-            </a:lvl9pPr>
-          </a:lstStyle>
-          <a:p>
-            <a:pPr marL="0" marR="0" lvl="0" indent="0" algn="l" defTabSz="914400" rtl="0" eaLnBrk="1" fontAlgn="auto" latinLnBrk="0" hangingPunct="1">
-              <a:lnSpc>
-                <a:spcPct val="90000"/>
-              </a:lnSpc>
-              <a:spcBef>
-                <a:spcPts val="0"/>
-              </a:spcBef>
-              <a:spcAft>
-                <a:spcPts val="0"/>
-              </a:spcAft>
-              <a:buClr>
-                <a:srgbClr val="164A4A"/>
-              </a:buClr>
-              <a:buSzPts val="5200"/>
-              <a:buFont typeface="Commissioner"/>
-              <a:buNone/>
-              <a:tabLst/>
-              <a:defRPr/>
-            </a:pPr>
-            <a:r>
-              <a:rPr kumimoji="0" lang="en-US" sz="5000" b="1" i="0" u="none" strike="noStrike" kern="0" cap="none" spc="0" normalizeH="0" baseline="0" noProof="0" dirty="0" err="1">
-                <a:ln>
-                  <a:noFill/>
-                </a:ln>
-                <a:solidFill>
-                  <a:srgbClr val="3D4D55"/>
-                </a:solidFill>
-                <a:effectLst/>
-                <a:uLnTx/>
-                <a:uFillTx/>
-                <a:latin typeface="Arial" panose="020B0604020202020204" pitchFamily="34" charset="0"/>
-                <a:cs typeface="Arial" panose="020B0604020202020204" pitchFamily="34" charset="0"/>
-                <a:sym typeface="Commissioner ExtraBold"/>
-              </a:rPr>
-              <a:t>Manutenção</a:t>
-            </a:r>
-            <a:r>
-              <a:rPr kumimoji="0" lang="en-US" sz="5000" b="1" i="0" u="none" strike="noStrike" kern="0" cap="none" spc="0" normalizeH="0" baseline="0" noProof="0" dirty="0">
-                <a:ln>
-                  <a:noFill/>
-                </a:ln>
-                <a:solidFill>
-                  <a:srgbClr val="3D4D55"/>
-                </a:solidFill>
-                <a:effectLst/>
-                <a:uLnTx/>
-                <a:uFillTx/>
-                <a:latin typeface="Arial" panose="020B0604020202020204" pitchFamily="34" charset="0"/>
-                <a:cs typeface="Arial" panose="020B0604020202020204" pitchFamily="34" charset="0"/>
-                <a:sym typeface="Commissioner ExtraBold"/>
-              </a:rPr>
-              <a:t> de Estado</a:t>
-            </a:r>
-          </a:p>
-        </p:txBody>
-      </p:sp>
-      <p:sp>
-        <p:nvSpPr>
-          <p:cNvPr id="9" name="Google Shape;1460;p74">
-            <a:extLst>
-              <a:ext uri="{FF2B5EF4-FFF2-40B4-BE49-F238E27FC236}">
-                <a16:creationId xmlns:a16="http://schemas.microsoft.com/office/drawing/2014/main" id="{D1F998ED-C0F8-F98C-374B-0151B38AD950}"/>
-              </a:ext>
-            </a:extLst>
-          </p:cNvPr>
-          <p:cNvSpPr/>
-          <p:nvPr/>
-        </p:nvSpPr>
-        <p:spPr>
-          <a:xfrm rot="9642873">
-            <a:off x="-447547" y="3897933"/>
-            <a:ext cx="3472201" cy="3722914"/>
-          </a:xfrm>
-          <a:custGeom>
-            <a:avLst/>
-            <a:gdLst/>
-            <a:ahLst/>
-            <a:cxnLst/>
-            <a:rect l="l" t="t" r="r" b="b"/>
-            <a:pathLst>
-              <a:path w="146265" h="156112" extrusionOk="0">
-                <a:moveTo>
-                  <a:pt x="5411" y="0"/>
-                </a:moveTo>
-                <a:cubicBezTo>
-                  <a:pt x="5411" y="0"/>
-                  <a:pt x="1" y="28329"/>
-                  <a:pt x="20548" y="36870"/>
-                </a:cubicBezTo>
-                <a:cubicBezTo>
-                  <a:pt x="24058" y="38329"/>
-                  <a:pt x="27694" y="38893"/>
-                  <a:pt x="31373" y="38893"/>
-                </a:cubicBezTo>
-                <a:cubicBezTo>
-                  <a:pt x="43912" y="38893"/>
-                  <a:pt x="56943" y="32338"/>
-                  <a:pt x="67152" y="32338"/>
-                </a:cubicBezTo>
-                <a:cubicBezTo>
-                  <a:pt x="71479" y="32338"/>
-                  <a:pt x="75300" y="33516"/>
-                  <a:pt x="78361" y="36870"/>
-                </a:cubicBezTo>
-                <a:cubicBezTo>
-                  <a:pt x="90793" y="50426"/>
-                  <a:pt x="72190" y="65958"/>
-                  <a:pt x="96993" y="74500"/>
-                </a:cubicBezTo>
-                <a:cubicBezTo>
-                  <a:pt x="105899" y="77600"/>
-                  <a:pt x="114015" y="83740"/>
-                  <a:pt x="115717" y="93497"/>
-                </a:cubicBezTo>
-                <a:cubicBezTo>
-                  <a:pt x="117814" y="105503"/>
-                  <a:pt x="109060" y="112403"/>
-                  <a:pt x="105504" y="122646"/>
-                </a:cubicBezTo>
-                <a:cubicBezTo>
-                  <a:pt x="103559" y="128148"/>
-                  <a:pt x="104744" y="135078"/>
-                  <a:pt x="107024" y="140245"/>
-                </a:cubicBezTo>
-                <a:cubicBezTo>
-                  <a:pt x="109699" y="146294"/>
-                  <a:pt x="114501" y="151218"/>
-                  <a:pt x="120580" y="153832"/>
-                </a:cubicBezTo>
-                <a:cubicBezTo>
-                  <a:pt x="124167" y="155413"/>
-                  <a:pt x="128027" y="156081"/>
-                  <a:pt x="131918" y="156112"/>
-                </a:cubicBezTo>
-                <a:cubicBezTo>
-                  <a:pt x="133438" y="156112"/>
-                  <a:pt x="146265" y="155200"/>
-                  <a:pt x="146265" y="153650"/>
-                </a:cubicBezTo>
-                <a:lnTo>
-                  <a:pt x="146265" y="0"/>
-                </a:lnTo>
-                <a:close/>
-              </a:path>
-            </a:pathLst>
-          </a:custGeom>
-          <a:solidFill>
-            <a:srgbClr val="ACDBD3"/>
-          </a:solidFill>
-          <a:ln>
-            <a:noFill/>
-          </a:ln>
-        </p:spPr>
-        <p:txBody>
-          <a:bodyPr spcFirstLastPara="1" wrap="square" lIns="91425" tIns="91425" rIns="91425" bIns="91425" anchor="ctr" anchorCtr="0">
-            <a:noAutofit/>
-          </a:bodyPr>
-          <a:lstStyle/>
-          <a:p>
-            <a:pPr marL="0" marR="0" lvl="0" indent="0" defTabSz="914400" eaLnBrk="1" fontAlgn="auto" latinLnBrk="0" hangingPunct="1">
-              <a:lnSpc>
-                <a:spcPct val="100000"/>
-              </a:lnSpc>
-              <a:spcBef>
-                <a:spcPts val="0"/>
-              </a:spcBef>
-              <a:spcAft>
-                <a:spcPts val="0"/>
-              </a:spcAft>
-              <a:buClr>
-                <a:srgbClr val="000000"/>
-              </a:buClr>
-              <a:buSzTx/>
-              <a:buFont typeface="Arial"/>
-              <a:buNone/>
-              <a:tabLst/>
-              <a:defRPr/>
-            </a:pPr>
-            <a:endParaRPr kumimoji="0" sz="1400" b="0" i="0" u="none" strike="noStrike" kern="0" cap="none" spc="0" normalizeH="0" baseline="0" noProof="0">
-              <a:ln>
-                <a:noFill/>
-              </a:ln>
-              <a:solidFill>
-                <a:srgbClr val="000000"/>
-              </a:solidFill>
-              <a:effectLst/>
-              <a:uLnTx/>
-              <a:uFillTx/>
-              <a:latin typeface="Arial"/>
-              <a:cs typeface="Arial"/>
-              <a:sym typeface="Arial"/>
-            </a:endParaRPr>
-          </a:p>
-        </p:txBody>
-      </p:sp>
-      <p:sp>
-        <p:nvSpPr>
-          <p:cNvPr id="12" name="Google Shape;1459;p74">
-            <a:extLst>
-              <a:ext uri="{FF2B5EF4-FFF2-40B4-BE49-F238E27FC236}">
-                <a16:creationId xmlns:a16="http://schemas.microsoft.com/office/drawing/2014/main" id="{9F8BE949-C935-C8B4-DDD3-C528C8246C5D}"/>
-              </a:ext>
-            </a:extLst>
-          </p:cNvPr>
-          <p:cNvSpPr/>
-          <p:nvPr/>
-        </p:nvSpPr>
-        <p:spPr>
-          <a:xfrm>
-            <a:off x="10555358" y="-719069"/>
-            <a:ext cx="2534024" cy="1975801"/>
-          </a:xfrm>
-          <a:custGeom>
-            <a:avLst/>
-            <a:gdLst/>
-            <a:ahLst/>
-            <a:cxnLst/>
-            <a:rect l="l" t="t" r="r" b="b"/>
-            <a:pathLst>
-              <a:path w="97966" h="76385" fill="none" extrusionOk="0">
-                <a:moveTo>
-                  <a:pt x="608" y="34743"/>
-                </a:moveTo>
-                <a:cubicBezTo>
-                  <a:pt x="973" y="28967"/>
-                  <a:pt x="3769" y="23618"/>
-                  <a:pt x="8207" y="19849"/>
-                </a:cubicBezTo>
-                <a:cubicBezTo>
-                  <a:pt x="17083" y="12402"/>
-                  <a:pt x="36931" y="0"/>
-                  <a:pt x="62707" y="10396"/>
-                </a:cubicBezTo>
-                <a:cubicBezTo>
-                  <a:pt x="97966" y="24590"/>
-                  <a:pt x="91734" y="64925"/>
-                  <a:pt x="64895" y="73771"/>
-                </a:cubicBezTo>
-                <a:cubicBezTo>
-                  <a:pt x="56962" y="76385"/>
-                  <a:pt x="49028" y="75594"/>
-                  <a:pt x="42463" y="70275"/>
-                </a:cubicBezTo>
-                <a:cubicBezTo>
-                  <a:pt x="37812" y="66506"/>
-                  <a:pt x="35107" y="61126"/>
-                  <a:pt x="31004" y="56901"/>
-                </a:cubicBezTo>
-                <a:cubicBezTo>
-                  <a:pt x="27296" y="53071"/>
-                  <a:pt x="23526" y="53132"/>
-                  <a:pt x="18390" y="52706"/>
-                </a:cubicBezTo>
-                <a:cubicBezTo>
-                  <a:pt x="8602" y="51916"/>
-                  <a:pt x="0" y="45199"/>
-                  <a:pt x="608" y="34743"/>
-                </a:cubicBezTo>
-                <a:close/>
-              </a:path>
-            </a:pathLst>
-          </a:custGeom>
-          <a:noFill/>
-          <a:ln w="9875" cap="rnd" cmpd="sng">
-            <a:solidFill>
-              <a:srgbClr val="3F4853"/>
-            </a:solidFill>
-            <a:prstDash val="solid"/>
-            <a:round/>
-            <a:headEnd type="none" w="sm" len="sm"/>
-            <a:tailEnd type="none" w="sm" len="sm"/>
-          </a:ln>
-        </p:spPr>
-        <p:txBody>
-          <a:bodyPr spcFirstLastPara="1" wrap="square" lIns="91425" tIns="91425" rIns="91425" bIns="91425" anchor="ctr" anchorCtr="0">
-            <a:noAutofit/>
-          </a:bodyPr>
-          <a:lstStyle/>
-          <a:p>
-            <a:pPr marL="0" marR="0" lvl="0" indent="0" defTabSz="914400" eaLnBrk="1" fontAlgn="auto" latinLnBrk="0" hangingPunct="1">
-              <a:lnSpc>
-                <a:spcPct val="100000"/>
-              </a:lnSpc>
-              <a:spcBef>
-                <a:spcPts val="0"/>
-              </a:spcBef>
-              <a:spcAft>
-                <a:spcPts val="0"/>
-              </a:spcAft>
-              <a:buClr>
-                <a:srgbClr val="000000"/>
-              </a:buClr>
-              <a:buSzTx/>
-              <a:buFont typeface="Arial"/>
-              <a:buNone/>
-              <a:tabLst/>
-              <a:defRPr/>
-            </a:pPr>
-            <a:endParaRPr kumimoji="0" sz="1400" b="0" i="0" u="none" strike="noStrike" kern="0" cap="none" spc="0" normalizeH="0" baseline="0" noProof="0">
-              <a:ln>
-                <a:noFill/>
-              </a:ln>
-              <a:solidFill>
-                <a:srgbClr val="000000"/>
-              </a:solidFill>
-              <a:effectLst/>
-              <a:uLnTx/>
-              <a:uFillTx/>
-              <a:latin typeface="Arial"/>
-              <a:cs typeface="Arial"/>
-              <a:sym typeface="Arial"/>
-            </a:endParaRPr>
-          </a:p>
-        </p:txBody>
-      </p:sp>
-      <p:sp>
-        <p:nvSpPr>
-          <p:cNvPr id="14" name="Google Shape;1458;p74">
-            <a:extLst>
-              <a:ext uri="{FF2B5EF4-FFF2-40B4-BE49-F238E27FC236}">
-                <a16:creationId xmlns:a16="http://schemas.microsoft.com/office/drawing/2014/main" id="{633FD01B-ABC4-69D0-7AAC-909B3022F502}"/>
-              </a:ext>
-            </a:extLst>
-          </p:cNvPr>
-          <p:cNvSpPr/>
-          <p:nvPr/>
-        </p:nvSpPr>
-        <p:spPr>
-          <a:xfrm>
-            <a:off x="11209933" y="698909"/>
-            <a:ext cx="1224873" cy="1366944"/>
-          </a:xfrm>
-          <a:custGeom>
-            <a:avLst/>
-            <a:gdLst/>
-            <a:ahLst/>
-            <a:cxnLst/>
-            <a:rect l="l" t="t" r="r" b="b"/>
-            <a:pathLst>
-              <a:path w="77206" h="86161" extrusionOk="0">
-                <a:moveTo>
-                  <a:pt x="43626" y="0"/>
-                </a:moveTo>
-                <a:cubicBezTo>
-                  <a:pt x="31498" y="0"/>
-                  <a:pt x="18907" y="6868"/>
-                  <a:pt x="11551" y="22967"/>
-                </a:cubicBezTo>
-                <a:cubicBezTo>
-                  <a:pt x="1" y="48195"/>
-                  <a:pt x="11521" y="68591"/>
-                  <a:pt x="18542" y="77801"/>
-                </a:cubicBezTo>
-                <a:cubicBezTo>
-                  <a:pt x="22068" y="82421"/>
-                  <a:pt x="27266" y="85460"/>
-                  <a:pt x="33041" y="86068"/>
-                </a:cubicBezTo>
-                <a:cubicBezTo>
-                  <a:pt x="33654" y="86131"/>
-                  <a:pt x="34255" y="86161"/>
-                  <a:pt x="34845" y="86161"/>
-                </a:cubicBezTo>
-                <a:cubicBezTo>
-                  <a:pt x="44307" y="86161"/>
-                  <a:pt x="50652" y="78321"/>
-                  <a:pt x="51826" y="69107"/>
-                </a:cubicBezTo>
-                <a:cubicBezTo>
-                  <a:pt x="52464" y="64001"/>
-                  <a:pt x="52585" y="60262"/>
-                  <a:pt x="56567" y="56706"/>
-                </a:cubicBezTo>
-                <a:cubicBezTo>
-                  <a:pt x="60944" y="52785"/>
-                  <a:pt x="66476" y="50323"/>
-                  <a:pt x="70428" y="45855"/>
-                </a:cubicBezTo>
-                <a:cubicBezTo>
-                  <a:pt x="76081" y="39563"/>
-                  <a:pt x="77206" y="31660"/>
-                  <a:pt x="74957" y="23605"/>
-                </a:cubicBezTo>
-                <a:cubicBezTo>
-                  <a:pt x="70878" y="9062"/>
-                  <a:pt x="57557" y="0"/>
-                  <a:pt x="43626" y="0"/>
-                </a:cubicBezTo>
-                <a:close/>
-              </a:path>
-            </a:pathLst>
-          </a:custGeom>
-          <a:solidFill>
-            <a:srgbClr val="81B5A8"/>
-          </a:solidFill>
-          <a:ln>
-            <a:noFill/>
-          </a:ln>
-        </p:spPr>
-        <p:txBody>
-          <a:bodyPr spcFirstLastPara="1" wrap="square" lIns="91425" tIns="91425" rIns="91425" bIns="91425" anchor="ctr" anchorCtr="0">
-            <a:noAutofit/>
-          </a:bodyPr>
-          <a:lstStyle/>
-          <a:p>
-            <a:pPr marL="0" marR="0" lvl="0" indent="0" defTabSz="914400" eaLnBrk="1" fontAlgn="auto" latinLnBrk="0" hangingPunct="1">
-              <a:lnSpc>
-                <a:spcPct val="100000"/>
-              </a:lnSpc>
-              <a:spcBef>
-                <a:spcPts val="0"/>
-              </a:spcBef>
-              <a:spcAft>
-                <a:spcPts val="0"/>
-              </a:spcAft>
-              <a:buClr>
-                <a:srgbClr val="000000"/>
-              </a:buClr>
-              <a:buSzTx/>
-              <a:buFont typeface="Arial"/>
-              <a:buNone/>
-              <a:tabLst/>
-              <a:defRPr/>
-            </a:pPr>
-            <a:endParaRPr kumimoji="0" sz="1400" b="0" i="0" u="none" strike="noStrike" kern="0" cap="none" spc="0" normalizeH="0" baseline="0" noProof="0">
-              <a:ln>
-                <a:noFill/>
-              </a:ln>
-              <a:solidFill>
-                <a:srgbClr val="000000"/>
-              </a:solidFill>
-              <a:effectLst/>
-              <a:uLnTx/>
-              <a:uFillTx/>
-              <a:latin typeface="Arial"/>
-              <a:cs typeface="Arial"/>
-              <a:sym typeface="Arial"/>
-            </a:endParaRPr>
-          </a:p>
-        </p:txBody>
-      </p:sp>
-      <p:pic>
-        <p:nvPicPr>
-          <p:cNvPr id="11" name="Imagem 10">
-            <a:extLst>
-              <a:ext uri="{FF2B5EF4-FFF2-40B4-BE49-F238E27FC236}">
-                <a16:creationId xmlns:a16="http://schemas.microsoft.com/office/drawing/2014/main" id="{D8CFE733-63D6-8110-B77A-29B609D05611}"/>
-              </a:ext>
-            </a:extLst>
-          </p:cNvPr>
-          <p:cNvPicPr>
-            <a:picLocks noChangeAspect="1"/>
-          </p:cNvPicPr>
-          <p:nvPr/>
-        </p:nvPicPr>
-        <p:blipFill>
-          <a:blip r:embed="rId3">
-            <a:extLst>
-              <a:ext uri="{28A0092B-C50C-407E-A947-70E740481C1C}">
-                <a14:useLocalDpi xmlns:a14="http://schemas.microsoft.com/office/drawing/2010/main" val="0"/>
-              </a:ext>
-            </a:extLst>
-          </a:blip>
-          <a:stretch>
-            <a:fillRect/>
-          </a:stretch>
-        </p:blipFill>
-        <p:spPr>
-          <a:xfrm>
-            <a:off x="3377560" y="3038815"/>
-            <a:ext cx="5436879" cy="2954337"/>
-          </a:xfrm>
-          <a:prstGeom prst="rect">
-            <a:avLst/>
-          </a:prstGeom>
-        </p:spPr>
-      </p:pic>
-    </p:spTree>
-    <p:extLst>
-      <p:ext uri="{BB962C8B-B14F-4D97-AF65-F5344CB8AC3E}">
-        <p14:creationId xmlns:p14="http://schemas.microsoft.com/office/powerpoint/2010/main" val="3481042323"/>
       </p:ext>
     </p:extLst>
   </p:cSld>

--- a/docs/demonstracao-progresso.pptx
+++ b/docs/demonstracao-progresso.pptx
@@ -5,7 +5,7 @@
     <p:sldMasterId id="2147483648" r:id="rId1"/>
   </p:sldMasterIdLst>
   <p:notesMasterIdLst>
-    <p:notesMasterId r:id="rId15"/>
+    <p:notesMasterId r:id="rId16"/>
   </p:notesMasterIdLst>
   <p:sldIdLst>
     <p:sldId id="256" r:id="rId2"/>
@@ -17,10 +17,11 @@
     <p:sldId id="271" r:id="rId8"/>
     <p:sldId id="272" r:id="rId9"/>
     <p:sldId id="273" r:id="rId10"/>
-    <p:sldId id="274" r:id="rId11"/>
-    <p:sldId id="265" r:id="rId12"/>
-    <p:sldId id="276" r:id="rId13"/>
-    <p:sldId id="275" r:id="rId14"/>
+    <p:sldId id="278" r:id="rId11"/>
+    <p:sldId id="274" r:id="rId12"/>
+    <p:sldId id="265" r:id="rId13"/>
+    <p:sldId id="276" r:id="rId14"/>
+    <p:sldId id="275" r:id="rId15"/>
   </p:sldIdLst>
   <p:sldSz cx="12192000" cy="6858000"/>
   <p:notesSz cx="6858000" cy="9144000"/>
@@ -395,7 +396,7 @@
           <a:p>
             <a:fld id="{AE2878C6-71D8-4CCA-BAA2-BDA9B09C4693}" type="datetimeFigureOut">
               <a:rPr lang="pt-PT" smtClean="0"/>
-              <a:t>08/05/2022</a:t>
+              <a:t>09/05/2022</a:t>
             </a:fld>
             <a:endParaRPr lang="pt-PT"/>
           </a:p>
@@ -820,6 +821,90 @@
     </p:spTree>
     <p:extLst>
       <p:ext uri="{BB962C8B-B14F-4D97-AF65-F5344CB8AC3E}">
+        <p14:creationId xmlns:p14="http://schemas.microsoft.com/office/powerpoint/2010/main" val="1357454804"/>
+      </p:ext>
+    </p:extLst>
+  </p:cSld>
+  <p:clrMapOvr>
+    <a:masterClrMapping/>
+  </p:clrMapOvr>
+</p:notes>
+</file>
+
+<file path=ppt/notesSlides/notesSlide11.xml><?xml version="1.0" encoding="utf-8"?>
+<p:notes xmlns:a="http://schemas.openxmlformats.org/drawingml/2006/main" xmlns:r="http://schemas.openxmlformats.org/officeDocument/2006/relationships" xmlns:p="http://schemas.openxmlformats.org/presentationml/2006/main">
+  <p:cSld>
+    <p:spTree>
+      <p:nvGrpSpPr>
+        <p:cNvPr id="1" name=""/>
+        <p:cNvGrpSpPr/>
+        <p:nvPr/>
+      </p:nvGrpSpPr>
+      <p:grpSpPr>
+        <a:xfrm>
+          <a:off x="0" y="0"/>
+          <a:ext cx="0" cy="0"/>
+          <a:chOff x="0" y="0"/>
+          <a:chExt cx="0" cy="0"/>
+        </a:xfrm>
+      </p:grpSpPr>
+      <p:sp>
+        <p:nvSpPr>
+          <p:cNvPr id="2" name="Marcador de Posição da Imagem do Diapositivo 1"/>
+          <p:cNvSpPr>
+            <a:spLocks noGrp="1" noRot="1" noChangeAspect="1"/>
+          </p:cNvSpPr>
+          <p:nvPr>
+            <p:ph type="sldImg"/>
+          </p:nvPr>
+        </p:nvSpPr>
+        <p:spPr/>
+      </p:sp>
+      <p:sp>
+        <p:nvSpPr>
+          <p:cNvPr id="3" name="Marcador de Posição de Notas 2"/>
+          <p:cNvSpPr>
+            <a:spLocks noGrp="1"/>
+          </p:cNvSpPr>
+          <p:nvPr>
+            <p:ph type="body" idx="1"/>
+          </p:nvPr>
+        </p:nvSpPr>
+        <p:spPr/>
+        <p:txBody>
+          <a:bodyPr/>
+          <a:lstStyle/>
+          <a:p>
+            <a:endParaRPr lang="pt-PT" dirty="0"/>
+          </a:p>
+        </p:txBody>
+      </p:sp>
+      <p:sp>
+        <p:nvSpPr>
+          <p:cNvPr id="4" name="Marcador de Posição do Número do Diapositivo 3"/>
+          <p:cNvSpPr>
+            <a:spLocks noGrp="1"/>
+          </p:cNvSpPr>
+          <p:nvPr>
+            <p:ph type="sldNum" sz="quarter" idx="5"/>
+          </p:nvPr>
+        </p:nvSpPr>
+        <p:spPr/>
+        <p:txBody>
+          <a:bodyPr/>
+          <a:lstStyle/>
+          <a:p>
+            <a:fld id="{94CA1B7B-AC94-4A5F-A3AF-BA18A1FB115E}" type="slidenum">
+              <a:rPr lang="pt-PT" smtClean="0"/>
+              <a:t>14</a:t>
+            </a:fld>
+            <a:endParaRPr lang="pt-PT"/>
+          </a:p>
+        </p:txBody>
+      </p:sp>
+    </p:spTree>
+    <p:extLst>
+      <p:ext uri="{BB962C8B-B14F-4D97-AF65-F5344CB8AC3E}">
         <p14:creationId xmlns:p14="http://schemas.microsoft.com/office/powerpoint/2010/main" val="319738974"/>
       </p:ext>
     </p:extLst>
@@ -1324,7 +1409,7 @@
     </p:spTree>
     <p:extLst>
       <p:ext uri="{BB962C8B-B14F-4D97-AF65-F5344CB8AC3E}">
-        <p14:creationId xmlns:p14="http://schemas.microsoft.com/office/powerpoint/2010/main" val="356707761"/>
+        <p14:creationId xmlns:p14="http://schemas.microsoft.com/office/powerpoint/2010/main" val="1950631954"/>
       </p:ext>
     </p:extLst>
   </p:cSld>
@@ -1408,7 +1493,7 @@
     </p:spTree>
     <p:extLst>
       <p:ext uri="{BB962C8B-B14F-4D97-AF65-F5344CB8AC3E}">
-        <p14:creationId xmlns:p14="http://schemas.microsoft.com/office/powerpoint/2010/main" val="4221033489"/>
+        <p14:creationId xmlns:p14="http://schemas.microsoft.com/office/powerpoint/2010/main" val="356707761"/>
       </p:ext>
     </p:extLst>
   </p:cSld>
@@ -1492,7 +1577,7 @@
     </p:spTree>
     <p:extLst>
       <p:ext uri="{BB962C8B-B14F-4D97-AF65-F5344CB8AC3E}">
-        <p14:creationId xmlns:p14="http://schemas.microsoft.com/office/powerpoint/2010/main" val="1357454804"/>
+        <p14:creationId xmlns:p14="http://schemas.microsoft.com/office/powerpoint/2010/main" val="4221033489"/>
       </p:ext>
     </p:extLst>
   </p:cSld>
@@ -1647,9 +1732,9 @@
           <a:bodyPr/>
           <a:lstStyle/>
           <a:p>
-            <a:fld id="{854D7B4E-3C09-4D08-AB45-14F4B5321C45}" type="datetimeFigureOut">
+            <a:fld id="{71E8F39A-2FD0-4B84-8CE2-B235B2217E9A}" type="datetime1">
               <a:rPr lang="pt-PT" smtClean="0"/>
-              <a:t>08/05/2022</a:t>
+              <a:t>09/05/2022</a:t>
             </a:fld>
             <a:endParaRPr lang="pt-PT"/>
           </a:p>
@@ -1845,9 +1930,9 @@
           <a:bodyPr/>
           <a:lstStyle/>
           <a:p>
-            <a:fld id="{854D7B4E-3C09-4D08-AB45-14F4B5321C45}" type="datetimeFigureOut">
+            <a:fld id="{476DE7D9-5358-409F-B54B-B36C5B5CAEAE}" type="datetime1">
               <a:rPr lang="pt-PT" smtClean="0"/>
-              <a:t>08/05/2022</a:t>
+              <a:t>09/05/2022</a:t>
             </a:fld>
             <a:endParaRPr lang="pt-PT"/>
           </a:p>
@@ -2053,9 +2138,9 @@
           <a:bodyPr/>
           <a:lstStyle/>
           <a:p>
-            <a:fld id="{854D7B4E-3C09-4D08-AB45-14F4B5321C45}" type="datetimeFigureOut">
+            <a:fld id="{81C46145-D87A-4E31-8E4A-B7DA916B4134}" type="datetime1">
               <a:rPr lang="pt-PT" smtClean="0"/>
-              <a:t>08/05/2022</a:t>
+              <a:t>09/05/2022</a:t>
             </a:fld>
             <a:endParaRPr lang="pt-PT"/>
           </a:p>
@@ -2251,9 +2336,9 @@
           <a:bodyPr/>
           <a:lstStyle/>
           <a:p>
-            <a:fld id="{854D7B4E-3C09-4D08-AB45-14F4B5321C45}" type="datetimeFigureOut">
+            <a:fld id="{B0762F41-A4A9-4B81-B0FE-157A422CC113}" type="datetime1">
               <a:rPr lang="pt-PT" smtClean="0"/>
-              <a:t>08/05/2022</a:t>
+              <a:t>09/05/2022</a:t>
             </a:fld>
             <a:endParaRPr lang="pt-PT"/>
           </a:p>
@@ -2526,9 +2611,9 @@
           <a:bodyPr/>
           <a:lstStyle/>
           <a:p>
-            <a:fld id="{854D7B4E-3C09-4D08-AB45-14F4B5321C45}" type="datetimeFigureOut">
+            <a:fld id="{8A6FE2CF-506A-44EE-9CDB-9CA32A0EA254}" type="datetime1">
               <a:rPr lang="pt-PT" smtClean="0"/>
-              <a:t>08/05/2022</a:t>
+              <a:t>09/05/2022</a:t>
             </a:fld>
             <a:endParaRPr lang="pt-PT"/>
           </a:p>
@@ -2791,9 +2876,9 @@
           <a:bodyPr/>
           <a:lstStyle/>
           <a:p>
-            <a:fld id="{854D7B4E-3C09-4D08-AB45-14F4B5321C45}" type="datetimeFigureOut">
+            <a:fld id="{4D093144-108E-4ABB-B5EE-989550599024}" type="datetime1">
               <a:rPr lang="pt-PT" smtClean="0"/>
-              <a:t>08/05/2022</a:t>
+              <a:t>09/05/2022</a:t>
             </a:fld>
             <a:endParaRPr lang="pt-PT"/>
           </a:p>
@@ -3203,9 +3288,9 @@
           <a:bodyPr/>
           <a:lstStyle/>
           <a:p>
-            <a:fld id="{854D7B4E-3C09-4D08-AB45-14F4B5321C45}" type="datetimeFigureOut">
+            <a:fld id="{71037909-39AA-4969-A8DE-541654EC4B3C}" type="datetime1">
               <a:rPr lang="pt-PT" smtClean="0"/>
-              <a:t>08/05/2022</a:t>
+              <a:t>09/05/2022</a:t>
             </a:fld>
             <a:endParaRPr lang="pt-PT"/>
           </a:p>
@@ -3344,9 +3429,9 @@
           <a:bodyPr/>
           <a:lstStyle/>
           <a:p>
-            <a:fld id="{854D7B4E-3C09-4D08-AB45-14F4B5321C45}" type="datetimeFigureOut">
+            <a:fld id="{2925BD8D-BF4A-433C-8BD2-12F51FF2706D}" type="datetime1">
               <a:rPr lang="pt-PT" smtClean="0"/>
-              <a:t>08/05/2022</a:t>
+              <a:t>09/05/2022</a:t>
             </a:fld>
             <a:endParaRPr lang="pt-PT"/>
           </a:p>
@@ -3457,9 +3542,9 @@
           <a:bodyPr/>
           <a:lstStyle/>
           <a:p>
-            <a:fld id="{854D7B4E-3C09-4D08-AB45-14F4B5321C45}" type="datetimeFigureOut">
+            <a:fld id="{8154E443-2AAA-469F-ABFA-1C5467D579D4}" type="datetime1">
               <a:rPr lang="pt-PT" smtClean="0"/>
-              <a:t>08/05/2022</a:t>
+              <a:t>09/05/2022</a:t>
             </a:fld>
             <a:endParaRPr lang="pt-PT"/>
           </a:p>
@@ -3768,9 +3853,9 @@
           <a:bodyPr/>
           <a:lstStyle/>
           <a:p>
-            <a:fld id="{854D7B4E-3C09-4D08-AB45-14F4B5321C45}" type="datetimeFigureOut">
+            <a:fld id="{530DAAB8-059A-4AA6-9B4B-B3069E6F3839}" type="datetime1">
               <a:rPr lang="pt-PT" smtClean="0"/>
-              <a:t>08/05/2022</a:t>
+              <a:t>09/05/2022</a:t>
             </a:fld>
             <a:endParaRPr lang="pt-PT"/>
           </a:p>
@@ -4056,9 +4141,9 @@
           <a:bodyPr/>
           <a:lstStyle/>
           <a:p>
-            <a:fld id="{854D7B4E-3C09-4D08-AB45-14F4B5321C45}" type="datetimeFigureOut">
+            <a:fld id="{5E0E70E8-D5C9-4440-8F9C-97207B2B1563}" type="datetime1">
               <a:rPr lang="pt-PT" smtClean="0"/>
-              <a:t>08/05/2022</a:t>
+              <a:t>09/05/2022</a:t>
             </a:fld>
             <a:endParaRPr lang="pt-PT"/>
           </a:p>
@@ -4297,9 +4382,9 @@
             </a:lvl1pPr>
           </a:lstStyle>
           <a:p>
-            <a:fld id="{854D7B4E-3C09-4D08-AB45-14F4B5321C45}" type="datetimeFigureOut">
+            <a:fld id="{DC24F65C-C974-4992-BD7A-F0053110CB9D}" type="datetime1">
               <a:rPr lang="pt-PT" smtClean="0"/>
-              <a:t>08/05/2022</a:t>
+              <a:t>09/05/2022</a:t>
             </a:fld>
             <a:endParaRPr lang="pt-PT"/>
           </a:p>
@@ -4416,6 +4501,7 @@
     <p:sldLayoutId id="2147483658" r:id="rId10"/>
     <p:sldLayoutId id="2147483659" r:id="rId11"/>
   </p:sldLayoutIdLst>
+  <p:hf hdr="0" ftr="0" dt="0"/>
   <p:txStyles>
     <p:titleStyle>
       <a:lvl1pPr algn="l" defTabSz="914400" rtl="0" eaLnBrk="1" latinLnBrk="0" hangingPunct="1">
@@ -5039,7 +5125,7 @@
                 <a:latin typeface="Arial" panose="020B0604020202020204" pitchFamily="34" charset="0"/>
                 <a:cs typeface="Arial" panose="020B0604020202020204" pitchFamily="34" charset="0"/>
               </a:rPr>
-              <a:t>Orientador: Filipe Freitas</a:t>
+              <a:t>Orientador: Filipe Freitas &amp; Miguel Pires</a:t>
             </a:r>
           </a:p>
         </p:txBody>
@@ -5075,7 +5161,7 @@
         </p:blipFill>
         <p:spPr>
           <a:xfrm>
-            <a:off x="6385972" y="1670025"/>
+            <a:off x="6385972" y="1687955"/>
             <a:ext cx="3810000" cy="1838325"/>
           </a:xfrm>
           <a:prstGeom prst="rect">
@@ -5695,7 +5781,7 @@
             </a:pathLst>
           </a:custGeom>
           <a:solidFill>
-            <a:srgbClr val="3F4853"/>
+            <a:srgbClr val="ACDBD3"/>
           </a:solidFill>
           <a:ln>
             <a:noFill/>
@@ -5757,7 +5843,7 @@
         </p:nvSpPr>
         <p:spPr>
           <a:xfrm rot="16200000">
-            <a:off x="9347152" y="4487408"/>
+            <a:off x="9119710" y="4347685"/>
             <a:ext cx="3615778" cy="3417556"/>
           </a:xfrm>
           <a:custGeom>
@@ -5839,7 +5925,7 @@
           <a:noFill/>
           <a:ln>
             <a:solidFill>
-              <a:srgbClr val="6EC0B2"/>
+              <a:srgbClr val="3D4D55"/>
             </a:solidFill>
           </a:ln>
         </p:spPr>
@@ -6213,6 +6299,35 @@
           </a:extLst>
         </p:spPr>
       </p:pic>
+      <p:sp>
+        <p:nvSpPr>
+          <p:cNvPr id="2" name="Slide Number Placeholder 1">
+            <a:extLst>
+              <a:ext uri="{FF2B5EF4-FFF2-40B4-BE49-F238E27FC236}">
+                <a16:creationId xmlns:a16="http://schemas.microsoft.com/office/drawing/2014/main" id="{2C02C6D2-E221-A862-E37C-961347F5C429}"/>
+              </a:ext>
+            </a:extLst>
+          </p:cNvPr>
+          <p:cNvSpPr>
+            <a:spLocks noGrp="1"/>
+          </p:cNvSpPr>
+          <p:nvPr>
+            <p:ph type="sldNum" sz="quarter" idx="12"/>
+          </p:nvPr>
+        </p:nvSpPr>
+        <p:spPr/>
+        <p:txBody>
+          <a:bodyPr/>
+          <a:lstStyle/>
+          <a:p>
+            <a:fld id="{834E4636-1AC7-4593-8425-9A7E3B693646}" type="slidenum">
+              <a:rPr lang="pt-PT" smtClean="0"/>
+              <a:t>1</a:t>
+            </a:fld>
+            <a:endParaRPr lang="pt-PT"/>
+          </a:p>
+        </p:txBody>
+      </p:sp>
     </p:spTree>
     <p:extLst>
       <p:ext uri="{BB962C8B-B14F-4D97-AF65-F5344CB8AC3E}">
@@ -6227,6 +6342,1296 @@
 </file>
 
 <file path=ppt/slides/slide10.xml><?xml version="1.0" encoding="utf-8"?>
+<p:sld xmlns:a="http://schemas.openxmlformats.org/drawingml/2006/main" xmlns:r="http://schemas.openxmlformats.org/officeDocument/2006/relationships" xmlns:p="http://schemas.openxmlformats.org/presentationml/2006/main">
+  <p:cSld>
+    <p:bg>
+      <p:bgPr>
+        <a:solidFill>
+          <a:schemeClr val="bg1"/>
+        </a:solidFill>
+        <a:effectLst/>
+      </p:bgPr>
+    </p:bg>
+    <p:spTree>
+      <p:nvGrpSpPr>
+        <p:cNvPr id="1" name=""/>
+        <p:cNvGrpSpPr/>
+        <p:nvPr/>
+      </p:nvGrpSpPr>
+      <p:grpSpPr>
+        <a:xfrm>
+          <a:off x="0" y="0"/>
+          <a:ext cx="0" cy="0"/>
+          <a:chOff x="0" y="0"/>
+          <a:chExt cx="0" cy="0"/>
+        </a:xfrm>
+      </p:grpSpPr>
+      <p:sp>
+        <p:nvSpPr>
+          <p:cNvPr id="5" name="Subtítulo 4">
+            <a:extLst>
+              <a:ext uri="{FF2B5EF4-FFF2-40B4-BE49-F238E27FC236}">
+                <a16:creationId xmlns:a16="http://schemas.microsoft.com/office/drawing/2014/main" id="{0BBF98B1-EA66-EABA-F256-D9EE9AB32E0B}"/>
+              </a:ext>
+            </a:extLst>
+          </p:cNvPr>
+          <p:cNvSpPr>
+            <a:spLocks noGrp="1"/>
+          </p:cNvSpPr>
+          <p:nvPr>
+            <p:ph type="subTitle" idx="1"/>
+          </p:nvPr>
+        </p:nvSpPr>
+        <p:spPr>
+          <a:xfrm>
+            <a:off x="593554" y="1256732"/>
+            <a:ext cx="8710103" cy="4736420"/>
+          </a:xfrm>
+        </p:spPr>
+        <p:txBody>
+          <a:bodyPr>
+            <a:normAutofit/>
+          </a:bodyPr>
+          <a:lstStyle/>
+          <a:p>
+            <a:pPr marL="342900" indent="-342900" algn="l">
+              <a:lnSpc>
+                <a:spcPct val="100000"/>
+              </a:lnSpc>
+              <a:buSzPct val="100000"/>
+              <a:buFont typeface="Tahoma" panose="020B0604030504040204" pitchFamily="34" charset="0"/>
+              <a:buChar char="●"/>
+            </a:pPr>
+            <a:r>
+              <a:rPr lang="pt-PT" sz="2000" dirty="0">
+                <a:latin typeface="Arial" panose="020B0604020202020204" pitchFamily="34" charset="0"/>
+                <a:cs typeface="Arial" panose="020B0604020202020204" pitchFamily="34" charset="0"/>
+              </a:rPr>
+              <a:t>UI dinâmico</a:t>
+            </a:r>
+          </a:p>
+          <a:p>
+            <a:pPr marL="800100" lvl="1" indent="-342900" algn="l">
+              <a:lnSpc>
+                <a:spcPct val="100000"/>
+              </a:lnSpc>
+              <a:buSzPct val="100000"/>
+              <a:buFont typeface="Tahoma" panose="020B0604030504040204" pitchFamily="34" charset="0"/>
+              <a:buChar char="●"/>
+            </a:pPr>
+            <a:r>
+              <a:rPr lang="pt-PT" dirty="0">
+                <a:latin typeface="Arial" panose="020B0604020202020204" pitchFamily="34" charset="0"/>
+                <a:cs typeface="Arial" panose="020B0604020202020204" pitchFamily="34" charset="0"/>
+              </a:rPr>
+              <a:t>Páginas acessíveis consoante o tipo e papel no clube</a:t>
+            </a:r>
+          </a:p>
+          <a:p>
+            <a:pPr marL="342900" indent="-342900" algn="l">
+              <a:lnSpc>
+                <a:spcPct val="100000"/>
+              </a:lnSpc>
+              <a:buSzPct val="100000"/>
+              <a:buFont typeface="Tahoma" panose="020B0604030504040204" pitchFamily="34" charset="0"/>
+              <a:buChar char="●"/>
+            </a:pPr>
+            <a:r>
+              <a:rPr lang="pt-PT" sz="2000" dirty="0">
+                <a:latin typeface="Arial" panose="020B0604020202020204" pitchFamily="34" charset="0"/>
+                <a:cs typeface="Arial" panose="020B0604020202020204" pitchFamily="34" charset="0"/>
+              </a:rPr>
+              <a:t>Views de dashboard protegidas</a:t>
+            </a:r>
+          </a:p>
+          <a:p>
+            <a:pPr marL="800100" lvl="1" indent="-342900" algn="l">
+              <a:lnSpc>
+                <a:spcPct val="100000"/>
+              </a:lnSpc>
+              <a:buSzPct val="100000"/>
+              <a:buFont typeface="Tahoma" panose="020B0604030504040204" pitchFamily="34" charset="0"/>
+              <a:buChar char="●"/>
+            </a:pPr>
+            <a:r>
+              <a:rPr lang="pt-PT" dirty="0">
+                <a:latin typeface="Arial" panose="020B0604020202020204" pitchFamily="34" charset="0"/>
+                <a:cs typeface="Arial" panose="020B0604020202020204" pitchFamily="34" charset="0"/>
+              </a:rPr>
+              <a:t>Componente costumizado – RequireAuth</a:t>
+            </a:r>
+          </a:p>
+          <a:p>
+            <a:pPr marL="800100" lvl="1" indent="-342900" algn="l">
+              <a:lnSpc>
+                <a:spcPct val="100000"/>
+              </a:lnSpc>
+              <a:buSzPct val="100000"/>
+              <a:buFont typeface="Tahoma" panose="020B0604030504040204" pitchFamily="34" charset="0"/>
+              <a:buChar char="●"/>
+            </a:pPr>
+            <a:r>
+              <a:rPr lang="pt-PT" dirty="0">
+                <a:latin typeface="Arial" panose="020B0604020202020204" pitchFamily="34" charset="0"/>
+                <a:cs typeface="Arial" panose="020B0604020202020204" pitchFamily="34" charset="0"/>
+              </a:rPr>
+              <a:t>Com auxílio de um hook - UseAuth</a:t>
+            </a:r>
+          </a:p>
+          <a:p>
+            <a:pPr marL="342900" indent="-342900" algn="l">
+              <a:lnSpc>
+                <a:spcPct val="100000"/>
+              </a:lnSpc>
+              <a:buSzPct val="100000"/>
+              <a:buFont typeface="Tahoma" panose="020B0604030504040204" pitchFamily="34" charset="0"/>
+              <a:buChar char="●"/>
+            </a:pPr>
+            <a:r>
+              <a:rPr lang="pt-PT" sz="2000" dirty="0">
+                <a:latin typeface="Arial" panose="020B0604020202020204" pitchFamily="34" charset="0"/>
+                <a:cs typeface="Arial" panose="020B0604020202020204" pitchFamily="34" charset="0"/>
+              </a:rPr>
+              <a:t>Mantém o estado persistente entre sessões</a:t>
+            </a:r>
+          </a:p>
+          <a:p>
+            <a:pPr marL="342900" indent="-342900" algn="l">
+              <a:lnSpc>
+                <a:spcPct val="100000"/>
+              </a:lnSpc>
+              <a:buSzPct val="100000"/>
+              <a:buFont typeface="Tahoma" panose="020B0604030504040204" pitchFamily="34" charset="0"/>
+              <a:buChar char="●"/>
+            </a:pPr>
+            <a:endParaRPr lang="pt-PT" sz="2000" dirty="0">
+              <a:latin typeface="Arial" panose="020B0604020202020204" pitchFamily="34" charset="0"/>
+              <a:cs typeface="Arial" panose="020B0604020202020204" pitchFamily="34" charset="0"/>
+            </a:endParaRPr>
+          </a:p>
+        </p:txBody>
+      </p:sp>
+      <p:sp>
+        <p:nvSpPr>
+          <p:cNvPr id="7" name="Google Shape;296;p37">
+            <a:extLst>
+              <a:ext uri="{FF2B5EF4-FFF2-40B4-BE49-F238E27FC236}">
+                <a16:creationId xmlns:a16="http://schemas.microsoft.com/office/drawing/2014/main" id="{3D7AB695-BD0C-4E75-8783-E697EBED0E05}"/>
+              </a:ext>
+            </a:extLst>
+          </p:cNvPr>
+          <p:cNvSpPr txBox="1">
+            <a:spLocks/>
+          </p:cNvSpPr>
+          <p:nvPr/>
+        </p:nvSpPr>
+        <p:spPr>
+          <a:xfrm>
+            <a:off x="593554" y="383132"/>
+            <a:ext cx="6885581" cy="631554"/>
+          </a:xfrm>
+          <a:prstGeom prst="rect">
+            <a:avLst/>
+          </a:prstGeom>
+          <a:noFill/>
+          <a:ln>
+            <a:noFill/>
+          </a:ln>
+        </p:spPr>
+        <p:txBody>
+          <a:bodyPr spcFirstLastPara="1" wrap="square" lIns="0" tIns="0" rIns="0" bIns="0" anchor="t" anchorCtr="0">
+            <a:noAutofit/>
+          </a:bodyPr>
+          <a:lstStyle>
+            <a:defPPr marR="0" lvl="0" algn="l" rtl="0">
+              <a:lnSpc>
+                <a:spcPct val="100000"/>
+              </a:lnSpc>
+              <a:spcBef>
+                <a:spcPts val="0"/>
+              </a:spcBef>
+              <a:spcAft>
+                <a:spcPts val="0"/>
+              </a:spcAft>
+            </a:defPPr>
+            <a:lvl1pPr marL="0" marR="0" lvl="0" indent="0" algn="l" rtl="0">
+              <a:lnSpc>
+                <a:spcPct val="90000"/>
+              </a:lnSpc>
+              <a:spcBef>
+                <a:spcPts val="0"/>
+              </a:spcBef>
+              <a:spcAft>
+                <a:spcPts val="0"/>
+              </a:spcAft>
+              <a:buClr>
+                <a:schemeClr val="dk2"/>
+              </a:buClr>
+              <a:buSzPts val="5200"/>
+              <a:buFont typeface="Commissioner"/>
+              <a:buNone/>
+              <a:defRPr sz="5000" b="0" i="0" u="none" strike="noStrike" cap="none">
+                <a:solidFill>
+                  <a:schemeClr val="dk2"/>
+                </a:solidFill>
+                <a:latin typeface="Commissioner ExtraBold"/>
+                <a:ea typeface="Commissioner ExtraBold"/>
+                <a:cs typeface="Commissioner ExtraBold"/>
+                <a:sym typeface="Commissioner ExtraBold"/>
+              </a:defRPr>
+            </a:lvl1pPr>
+            <a:lvl2pPr marR="0" lvl="1" algn="ctr" rtl="0">
+              <a:lnSpc>
+                <a:spcPct val="100000"/>
+              </a:lnSpc>
+              <a:spcBef>
+                <a:spcPts val="0"/>
+              </a:spcBef>
+              <a:spcAft>
+                <a:spcPts val="0"/>
+              </a:spcAft>
+              <a:buClr>
+                <a:schemeClr val="dk2"/>
+              </a:buClr>
+              <a:buSzPts val="5200"/>
+              <a:buFont typeface="Barlow SemiBold"/>
+              <a:buNone/>
+              <a:defRPr sz="5200" b="0" i="0" u="none" strike="noStrike" cap="none">
+                <a:solidFill>
+                  <a:schemeClr val="dk2"/>
+                </a:solidFill>
+                <a:latin typeface="Barlow SemiBold"/>
+                <a:ea typeface="Barlow SemiBold"/>
+                <a:cs typeface="Barlow SemiBold"/>
+                <a:sym typeface="Barlow SemiBold"/>
+              </a:defRPr>
+            </a:lvl2pPr>
+            <a:lvl3pPr marR="0" lvl="2" algn="ctr" rtl="0">
+              <a:lnSpc>
+                <a:spcPct val="100000"/>
+              </a:lnSpc>
+              <a:spcBef>
+                <a:spcPts val="0"/>
+              </a:spcBef>
+              <a:spcAft>
+                <a:spcPts val="0"/>
+              </a:spcAft>
+              <a:buClr>
+                <a:schemeClr val="dk2"/>
+              </a:buClr>
+              <a:buSzPts val="5200"/>
+              <a:buFont typeface="Barlow SemiBold"/>
+              <a:buNone/>
+              <a:defRPr sz="5200" b="0" i="0" u="none" strike="noStrike" cap="none">
+                <a:solidFill>
+                  <a:schemeClr val="dk2"/>
+                </a:solidFill>
+                <a:latin typeface="Barlow SemiBold"/>
+                <a:ea typeface="Barlow SemiBold"/>
+                <a:cs typeface="Barlow SemiBold"/>
+                <a:sym typeface="Barlow SemiBold"/>
+              </a:defRPr>
+            </a:lvl3pPr>
+            <a:lvl4pPr marR="0" lvl="3" algn="ctr" rtl="0">
+              <a:lnSpc>
+                <a:spcPct val="100000"/>
+              </a:lnSpc>
+              <a:spcBef>
+                <a:spcPts val="0"/>
+              </a:spcBef>
+              <a:spcAft>
+                <a:spcPts val="0"/>
+              </a:spcAft>
+              <a:buClr>
+                <a:schemeClr val="dk2"/>
+              </a:buClr>
+              <a:buSzPts val="5200"/>
+              <a:buFont typeface="Barlow SemiBold"/>
+              <a:buNone/>
+              <a:defRPr sz="5200" b="0" i="0" u="none" strike="noStrike" cap="none">
+                <a:solidFill>
+                  <a:schemeClr val="dk2"/>
+                </a:solidFill>
+                <a:latin typeface="Barlow SemiBold"/>
+                <a:ea typeface="Barlow SemiBold"/>
+                <a:cs typeface="Barlow SemiBold"/>
+                <a:sym typeface="Barlow SemiBold"/>
+              </a:defRPr>
+            </a:lvl4pPr>
+            <a:lvl5pPr marR="0" lvl="4" algn="ctr" rtl="0">
+              <a:lnSpc>
+                <a:spcPct val="100000"/>
+              </a:lnSpc>
+              <a:spcBef>
+                <a:spcPts val="0"/>
+              </a:spcBef>
+              <a:spcAft>
+                <a:spcPts val="0"/>
+              </a:spcAft>
+              <a:buClr>
+                <a:schemeClr val="dk2"/>
+              </a:buClr>
+              <a:buSzPts val="5200"/>
+              <a:buFont typeface="Barlow SemiBold"/>
+              <a:buNone/>
+              <a:defRPr sz="5200" b="0" i="0" u="none" strike="noStrike" cap="none">
+                <a:solidFill>
+                  <a:schemeClr val="dk2"/>
+                </a:solidFill>
+                <a:latin typeface="Barlow SemiBold"/>
+                <a:ea typeface="Barlow SemiBold"/>
+                <a:cs typeface="Barlow SemiBold"/>
+                <a:sym typeface="Barlow SemiBold"/>
+              </a:defRPr>
+            </a:lvl5pPr>
+            <a:lvl6pPr marR="0" lvl="5" algn="ctr" rtl="0">
+              <a:lnSpc>
+                <a:spcPct val="100000"/>
+              </a:lnSpc>
+              <a:spcBef>
+                <a:spcPts val="0"/>
+              </a:spcBef>
+              <a:spcAft>
+                <a:spcPts val="0"/>
+              </a:spcAft>
+              <a:buClr>
+                <a:schemeClr val="dk2"/>
+              </a:buClr>
+              <a:buSzPts val="5200"/>
+              <a:buFont typeface="Barlow SemiBold"/>
+              <a:buNone/>
+              <a:defRPr sz="5200" b="0" i="0" u="none" strike="noStrike" cap="none">
+                <a:solidFill>
+                  <a:schemeClr val="dk2"/>
+                </a:solidFill>
+                <a:latin typeface="Barlow SemiBold"/>
+                <a:ea typeface="Barlow SemiBold"/>
+                <a:cs typeface="Barlow SemiBold"/>
+                <a:sym typeface="Barlow SemiBold"/>
+              </a:defRPr>
+            </a:lvl6pPr>
+            <a:lvl7pPr marR="0" lvl="6" algn="ctr" rtl="0">
+              <a:lnSpc>
+                <a:spcPct val="100000"/>
+              </a:lnSpc>
+              <a:spcBef>
+                <a:spcPts val="0"/>
+              </a:spcBef>
+              <a:spcAft>
+                <a:spcPts val="0"/>
+              </a:spcAft>
+              <a:buClr>
+                <a:schemeClr val="dk2"/>
+              </a:buClr>
+              <a:buSzPts val="5200"/>
+              <a:buFont typeface="Barlow SemiBold"/>
+              <a:buNone/>
+              <a:defRPr sz="5200" b="0" i="0" u="none" strike="noStrike" cap="none">
+                <a:solidFill>
+                  <a:schemeClr val="dk2"/>
+                </a:solidFill>
+                <a:latin typeface="Barlow SemiBold"/>
+                <a:ea typeface="Barlow SemiBold"/>
+                <a:cs typeface="Barlow SemiBold"/>
+                <a:sym typeface="Barlow SemiBold"/>
+              </a:defRPr>
+            </a:lvl7pPr>
+            <a:lvl8pPr marR="0" lvl="7" algn="ctr" rtl="0">
+              <a:lnSpc>
+                <a:spcPct val="100000"/>
+              </a:lnSpc>
+              <a:spcBef>
+                <a:spcPts val="0"/>
+              </a:spcBef>
+              <a:spcAft>
+                <a:spcPts val="0"/>
+              </a:spcAft>
+              <a:buClr>
+                <a:schemeClr val="dk2"/>
+              </a:buClr>
+              <a:buSzPts val="5200"/>
+              <a:buFont typeface="Barlow SemiBold"/>
+              <a:buNone/>
+              <a:defRPr sz="5200" b="0" i="0" u="none" strike="noStrike" cap="none">
+                <a:solidFill>
+                  <a:schemeClr val="dk2"/>
+                </a:solidFill>
+                <a:latin typeface="Barlow SemiBold"/>
+                <a:ea typeface="Barlow SemiBold"/>
+                <a:cs typeface="Barlow SemiBold"/>
+                <a:sym typeface="Barlow SemiBold"/>
+              </a:defRPr>
+            </a:lvl8pPr>
+            <a:lvl9pPr marR="0" lvl="8" algn="ctr" rtl="0">
+              <a:lnSpc>
+                <a:spcPct val="100000"/>
+              </a:lnSpc>
+              <a:spcBef>
+                <a:spcPts val="0"/>
+              </a:spcBef>
+              <a:spcAft>
+                <a:spcPts val="0"/>
+              </a:spcAft>
+              <a:buClr>
+                <a:schemeClr val="dk2"/>
+              </a:buClr>
+              <a:buSzPts val="5200"/>
+              <a:buFont typeface="Barlow SemiBold"/>
+              <a:buNone/>
+              <a:defRPr sz="5200" b="0" i="0" u="none" strike="noStrike" cap="none">
+                <a:solidFill>
+                  <a:schemeClr val="dk2"/>
+                </a:solidFill>
+                <a:latin typeface="Barlow SemiBold"/>
+                <a:ea typeface="Barlow SemiBold"/>
+                <a:cs typeface="Barlow SemiBold"/>
+                <a:sym typeface="Barlow SemiBold"/>
+              </a:defRPr>
+            </a:lvl9pPr>
+          </a:lstStyle>
+          <a:p>
+            <a:pPr marL="0" marR="0" lvl="0" indent="0" algn="l" defTabSz="914400" rtl="0" eaLnBrk="1" fontAlgn="auto" latinLnBrk="0" hangingPunct="1">
+              <a:lnSpc>
+                <a:spcPct val="90000"/>
+              </a:lnSpc>
+              <a:spcBef>
+                <a:spcPts val="0"/>
+              </a:spcBef>
+              <a:spcAft>
+                <a:spcPts val="0"/>
+              </a:spcAft>
+              <a:buClr>
+                <a:srgbClr val="164A4A"/>
+              </a:buClr>
+              <a:buSzPts val="5200"/>
+              <a:buFont typeface="Commissioner"/>
+              <a:buNone/>
+              <a:tabLst/>
+              <a:defRPr/>
+            </a:pPr>
+            <a:r>
+              <a:rPr kumimoji="0" lang="en-US" sz="5000" b="1" i="0" u="none" strike="noStrike" kern="0" cap="none" spc="0" normalizeH="0" baseline="0" noProof="0" dirty="0" err="1">
+                <a:ln>
+                  <a:noFill/>
+                </a:ln>
+                <a:solidFill>
+                  <a:srgbClr val="3D4D55"/>
+                </a:solidFill>
+                <a:effectLst/>
+                <a:uLnTx/>
+                <a:uFillTx/>
+                <a:latin typeface="Arial" panose="020B0604020202020204" pitchFamily="34" charset="0"/>
+                <a:cs typeface="Arial" panose="020B0604020202020204" pitchFamily="34" charset="0"/>
+                <a:sym typeface="Commissioner ExtraBold"/>
+              </a:rPr>
+              <a:t>Autorização</a:t>
+            </a:r>
+            <a:endParaRPr kumimoji="0" lang="en-US" sz="5000" b="1" i="0" u="none" strike="noStrike" kern="0" cap="none" spc="0" normalizeH="0" baseline="0" noProof="0" dirty="0">
+              <a:ln>
+                <a:noFill/>
+              </a:ln>
+              <a:solidFill>
+                <a:srgbClr val="3D4D55"/>
+              </a:solidFill>
+              <a:effectLst/>
+              <a:uLnTx/>
+              <a:uFillTx/>
+              <a:latin typeface="Arial" panose="020B0604020202020204" pitchFamily="34" charset="0"/>
+              <a:cs typeface="Arial" panose="020B0604020202020204" pitchFamily="34" charset="0"/>
+              <a:sym typeface="Commissioner ExtraBold"/>
+            </a:endParaRPr>
+          </a:p>
+        </p:txBody>
+      </p:sp>
+      <p:sp>
+        <p:nvSpPr>
+          <p:cNvPr id="9" name="Google Shape;1460;p74">
+            <a:extLst>
+              <a:ext uri="{FF2B5EF4-FFF2-40B4-BE49-F238E27FC236}">
+                <a16:creationId xmlns:a16="http://schemas.microsoft.com/office/drawing/2014/main" id="{D1F998ED-C0F8-F98C-374B-0151B38AD950}"/>
+              </a:ext>
+            </a:extLst>
+          </p:cNvPr>
+          <p:cNvSpPr/>
+          <p:nvPr/>
+        </p:nvSpPr>
+        <p:spPr>
+          <a:xfrm>
+            <a:off x="8872199" y="-179614"/>
+            <a:ext cx="3472201" cy="3722914"/>
+          </a:xfrm>
+          <a:custGeom>
+            <a:avLst/>
+            <a:gdLst/>
+            <a:ahLst/>
+            <a:cxnLst/>
+            <a:rect l="l" t="t" r="r" b="b"/>
+            <a:pathLst>
+              <a:path w="146265" h="156112" extrusionOk="0">
+                <a:moveTo>
+                  <a:pt x="5411" y="0"/>
+                </a:moveTo>
+                <a:cubicBezTo>
+                  <a:pt x="5411" y="0"/>
+                  <a:pt x="1" y="28329"/>
+                  <a:pt x="20548" y="36870"/>
+                </a:cubicBezTo>
+                <a:cubicBezTo>
+                  <a:pt x="24058" y="38329"/>
+                  <a:pt x="27694" y="38893"/>
+                  <a:pt x="31373" y="38893"/>
+                </a:cubicBezTo>
+                <a:cubicBezTo>
+                  <a:pt x="43912" y="38893"/>
+                  <a:pt x="56943" y="32338"/>
+                  <a:pt x="67152" y="32338"/>
+                </a:cubicBezTo>
+                <a:cubicBezTo>
+                  <a:pt x="71479" y="32338"/>
+                  <a:pt x="75300" y="33516"/>
+                  <a:pt x="78361" y="36870"/>
+                </a:cubicBezTo>
+                <a:cubicBezTo>
+                  <a:pt x="90793" y="50426"/>
+                  <a:pt x="72190" y="65958"/>
+                  <a:pt x="96993" y="74500"/>
+                </a:cubicBezTo>
+                <a:cubicBezTo>
+                  <a:pt x="105899" y="77600"/>
+                  <a:pt x="114015" y="83740"/>
+                  <a:pt x="115717" y="93497"/>
+                </a:cubicBezTo>
+                <a:cubicBezTo>
+                  <a:pt x="117814" y="105503"/>
+                  <a:pt x="109060" y="112403"/>
+                  <a:pt x="105504" y="122646"/>
+                </a:cubicBezTo>
+                <a:cubicBezTo>
+                  <a:pt x="103559" y="128148"/>
+                  <a:pt x="104744" y="135078"/>
+                  <a:pt x="107024" y="140245"/>
+                </a:cubicBezTo>
+                <a:cubicBezTo>
+                  <a:pt x="109699" y="146294"/>
+                  <a:pt x="114501" y="151218"/>
+                  <a:pt x="120580" y="153832"/>
+                </a:cubicBezTo>
+                <a:cubicBezTo>
+                  <a:pt x="124167" y="155413"/>
+                  <a:pt x="128027" y="156081"/>
+                  <a:pt x="131918" y="156112"/>
+                </a:cubicBezTo>
+                <a:cubicBezTo>
+                  <a:pt x="133438" y="156112"/>
+                  <a:pt x="146265" y="155200"/>
+                  <a:pt x="146265" y="153650"/>
+                </a:cubicBezTo>
+                <a:lnTo>
+                  <a:pt x="146265" y="0"/>
+                </a:lnTo>
+                <a:close/>
+              </a:path>
+            </a:pathLst>
+          </a:custGeom>
+          <a:solidFill>
+            <a:srgbClr val="3D4D55"/>
+          </a:solidFill>
+          <a:ln>
+            <a:noFill/>
+          </a:ln>
+        </p:spPr>
+        <p:txBody>
+          <a:bodyPr spcFirstLastPara="1" wrap="square" lIns="91425" tIns="91425" rIns="91425" bIns="91425" anchor="ctr" anchorCtr="0">
+            <a:noAutofit/>
+          </a:bodyPr>
+          <a:lstStyle/>
+          <a:p>
+            <a:pPr marL="0" marR="0" lvl="0" indent="0" defTabSz="914400" eaLnBrk="1" fontAlgn="auto" latinLnBrk="0" hangingPunct="1">
+              <a:lnSpc>
+                <a:spcPct val="100000"/>
+              </a:lnSpc>
+              <a:spcBef>
+                <a:spcPts val="0"/>
+              </a:spcBef>
+              <a:spcAft>
+                <a:spcPts val="0"/>
+              </a:spcAft>
+              <a:buClr>
+                <a:srgbClr val="000000"/>
+              </a:buClr>
+              <a:buSzTx/>
+              <a:buFont typeface="Arial"/>
+              <a:buNone/>
+              <a:tabLst/>
+              <a:defRPr/>
+            </a:pPr>
+            <a:endParaRPr kumimoji="0" sz="1400" b="0" i="0" u="none" strike="noStrike" kern="0" cap="none" spc="0" normalizeH="0" baseline="0" noProof="0">
+              <a:ln>
+                <a:noFill/>
+              </a:ln>
+              <a:solidFill>
+                <a:srgbClr val="000000"/>
+              </a:solidFill>
+              <a:effectLst/>
+              <a:uLnTx/>
+              <a:uFillTx/>
+              <a:latin typeface="Arial"/>
+              <a:cs typeface="Arial"/>
+              <a:sym typeface="Arial"/>
+            </a:endParaRPr>
+          </a:p>
+        </p:txBody>
+      </p:sp>
+      <p:sp>
+        <p:nvSpPr>
+          <p:cNvPr id="11" name="Google Shape;1457;p74">
+            <a:extLst>
+              <a:ext uri="{FF2B5EF4-FFF2-40B4-BE49-F238E27FC236}">
+                <a16:creationId xmlns:a16="http://schemas.microsoft.com/office/drawing/2014/main" id="{D5B91189-D1FE-9273-BC8A-9C82DECCA2E3}"/>
+              </a:ext>
+            </a:extLst>
+          </p:cNvPr>
+          <p:cNvSpPr/>
+          <p:nvPr/>
+        </p:nvSpPr>
+        <p:spPr>
+          <a:xfrm rot="10191456">
+            <a:off x="10056522" y="580606"/>
+            <a:ext cx="2411496" cy="1900868"/>
+          </a:xfrm>
+          <a:custGeom>
+            <a:avLst/>
+            <a:gdLst/>
+            <a:ahLst/>
+            <a:cxnLst/>
+            <a:rect l="l" t="t" r="r" b="b"/>
+            <a:pathLst>
+              <a:path w="39363" h="31028" extrusionOk="0">
+                <a:moveTo>
+                  <a:pt x="21078" y="1"/>
+                </a:moveTo>
+                <a:cubicBezTo>
+                  <a:pt x="18634" y="1"/>
+                  <a:pt x="16478" y="1773"/>
+                  <a:pt x="15979" y="4271"/>
+                </a:cubicBezTo>
+                <a:cubicBezTo>
+                  <a:pt x="15946" y="4537"/>
+                  <a:pt x="15912" y="4838"/>
+                  <a:pt x="15912" y="5104"/>
+                </a:cubicBezTo>
+                <a:lnTo>
+                  <a:pt x="15912" y="5305"/>
+                </a:lnTo>
+                <a:cubicBezTo>
+                  <a:pt x="15846" y="6272"/>
+                  <a:pt x="15379" y="10008"/>
+                  <a:pt x="9708" y="11342"/>
+                </a:cubicBezTo>
+                <a:cubicBezTo>
+                  <a:pt x="5438" y="11776"/>
+                  <a:pt x="1802" y="14945"/>
+                  <a:pt x="1002" y="19348"/>
+                </a:cubicBezTo>
+                <a:cubicBezTo>
+                  <a:pt x="1" y="24685"/>
+                  <a:pt x="3570" y="29856"/>
+                  <a:pt x="8907" y="30856"/>
+                </a:cubicBezTo>
+                <a:cubicBezTo>
+                  <a:pt x="9518" y="30972"/>
+                  <a:pt x="10126" y="31028"/>
+                  <a:pt x="10725" y="31028"/>
+                </a:cubicBezTo>
+                <a:cubicBezTo>
+                  <a:pt x="13752" y="31028"/>
+                  <a:pt x="16548" y="29604"/>
+                  <a:pt x="18414" y="27320"/>
+                </a:cubicBezTo>
+                <a:cubicBezTo>
+                  <a:pt x="19014" y="26520"/>
+                  <a:pt x="19515" y="25653"/>
+                  <a:pt x="19915" y="24685"/>
+                </a:cubicBezTo>
+                <a:cubicBezTo>
+                  <a:pt x="21857" y="21834"/>
+                  <a:pt x="25742" y="17659"/>
+                  <a:pt x="31816" y="17659"/>
+                </a:cubicBezTo>
+                <a:cubicBezTo>
+                  <a:pt x="32210" y="17659"/>
+                  <a:pt x="32613" y="17677"/>
+                  <a:pt x="33024" y="17714"/>
+                </a:cubicBezTo>
+                <a:cubicBezTo>
+                  <a:pt x="33258" y="17780"/>
+                  <a:pt x="33425" y="17847"/>
+                  <a:pt x="33625" y="17880"/>
+                </a:cubicBezTo>
+                <a:cubicBezTo>
+                  <a:pt x="33909" y="17934"/>
+                  <a:pt x="34192" y="17960"/>
+                  <a:pt x="34471" y="17960"/>
+                </a:cubicBezTo>
+                <a:cubicBezTo>
+                  <a:pt x="36614" y="17960"/>
+                  <a:pt x="38515" y="16432"/>
+                  <a:pt x="38929" y="14278"/>
+                </a:cubicBezTo>
+                <a:cubicBezTo>
+                  <a:pt x="39362" y="11809"/>
+                  <a:pt x="37761" y="9441"/>
+                  <a:pt x="35293" y="8974"/>
+                </a:cubicBezTo>
+                <a:cubicBezTo>
+                  <a:pt x="34999" y="8913"/>
+                  <a:pt x="34710" y="8883"/>
+                  <a:pt x="34425" y="8883"/>
+                </a:cubicBezTo>
+                <a:cubicBezTo>
+                  <a:pt x="33934" y="8883"/>
+                  <a:pt x="33456" y="8972"/>
+                  <a:pt x="32991" y="9141"/>
+                </a:cubicBezTo>
+                <a:cubicBezTo>
+                  <a:pt x="32529" y="9216"/>
+                  <a:pt x="31929" y="9288"/>
+                  <a:pt x="31278" y="9288"/>
+                </a:cubicBezTo>
+                <a:cubicBezTo>
+                  <a:pt x="29341" y="9288"/>
+                  <a:pt x="26944" y="8658"/>
+                  <a:pt x="26320" y="5638"/>
+                </a:cubicBezTo>
+                <a:cubicBezTo>
+                  <a:pt x="26587" y="3103"/>
+                  <a:pt x="24785" y="601"/>
+                  <a:pt x="22083" y="101"/>
+                </a:cubicBezTo>
+                <a:cubicBezTo>
+                  <a:pt x="21745" y="33"/>
+                  <a:pt x="21409" y="1"/>
+                  <a:pt x="21078" y="1"/>
+                </a:cubicBezTo>
+                <a:close/>
+              </a:path>
+            </a:pathLst>
+          </a:custGeom>
+          <a:solidFill>
+            <a:srgbClr val="ACDBD3"/>
+          </a:solidFill>
+          <a:ln>
+            <a:noFill/>
+          </a:ln>
+        </p:spPr>
+        <p:txBody>
+          <a:bodyPr spcFirstLastPara="1" wrap="square" lIns="91425" tIns="91425" rIns="91425" bIns="91425" anchor="ctr" anchorCtr="0">
+            <a:noAutofit/>
+          </a:bodyPr>
+          <a:lstStyle/>
+          <a:p>
+            <a:pPr marL="0" marR="0" lvl="0" indent="0" defTabSz="914400" eaLnBrk="1" fontAlgn="auto" latinLnBrk="0" hangingPunct="1">
+              <a:lnSpc>
+                <a:spcPct val="100000"/>
+              </a:lnSpc>
+              <a:spcBef>
+                <a:spcPts val="0"/>
+              </a:spcBef>
+              <a:spcAft>
+                <a:spcPts val="0"/>
+              </a:spcAft>
+              <a:buClr>
+                <a:srgbClr val="000000"/>
+              </a:buClr>
+              <a:buSzTx/>
+              <a:buFont typeface="Arial"/>
+              <a:buNone/>
+              <a:tabLst/>
+              <a:defRPr/>
+            </a:pPr>
+            <a:endParaRPr kumimoji="0" sz="1400" b="0" i="0" u="none" strike="noStrike" kern="0" cap="none" spc="0" normalizeH="0" baseline="0" noProof="0">
+              <a:ln>
+                <a:noFill/>
+              </a:ln>
+              <a:solidFill>
+                <a:srgbClr val="000000"/>
+              </a:solidFill>
+              <a:effectLst/>
+              <a:uLnTx/>
+              <a:uFillTx/>
+              <a:latin typeface="Arial"/>
+              <a:cs typeface="Arial"/>
+              <a:sym typeface="Arial"/>
+            </a:endParaRPr>
+          </a:p>
+        </p:txBody>
+      </p:sp>
+      <p:sp>
+        <p:nvSpPr>
+          <p:cNvPr id="13" name="Google Shape;1463;p74">
+            <a:extLst>
+              <a:ext uri="{FF2B5EF4-FFF2-40B4-BE49-F238E27FC236}">
+                <a16:creationId xmlns:a16="http://schemas.microsoft.com/office/drawing/2014/main" id="{9FBE7827-AFF9-E943-D4D6-469993A3A5E2}"/>
+              </a:ext>
+            </a:extLst>
+          </p:cNvPr>
+          <p:cNvSpPr/>
+          <p:nvPr/>
+        </p:nvSpPr>
+        <p:spPr>
+          <a:xfrm rot="18140219">
+            <a:off x="8441112" y="4410166"/>
+            <a:ext cx="3874663" cy="3662248"/>
+          </a:xfrm>
+          <a:custGeom>
+            <a:avLst/>
+            <a:gdLst/>
+            <a:ahLst/>
+            <a:cxnLst/>
+            <a:rect l="l" t="t" r="r" b="b"/>
+            <a:pathLst>
+              <a:path w="119881" h="113309" extrusionOk="0">
+                <a:moveTo>
+                  <a:pt x="20594" y="1"/>
+                </a:moveTo>
+                <a:cubicBezTo>
+                  <a:pt x="16552" y="1"/>
+                  <a:pt x="12368" y="1147"/>
+                  <a:pt x="9149" y="2790"/>
+                </a:cubicBezTo>
+                <a:cubicBezTo>
+                  <a:pt x="5471" y="4675"/>
+                  <a:pt x="1915" y="7836"/>
+                  <a:pt x="0" y="11605"/>
+                </a:cubicBezTo>
+                <a:lnTo>
+                  <a:pt x="0" y="113308"/>
+                </a:lnTo>
+                <a:lnTo>
+                  <a:pt x="117935" y="113308"/>
+                </a:lnTo>
+                <a:cubicBezTo>
+                  <a:pt x="117935" y="113308"/>
+                  <a:pt x="119881" y="98901"/>
+                  <a:pt x="102008" y="94250"/>
+                </a:cubicBezTo>
+                <a:cubicBezTo>
+                  <a:pt x="89485" y="90968"/>
+                  <a:pt x="95139" y="77472"/>
+                  <a:pt x="92190" y="68141"/>
+                </a:cubicBezTo>
+                <a:cubicBezTo>
+                  <a:pt x="88773" y="57366"/>
+                  <a:pt x="78869" y="50808"/>
+                  <a:pt x="68440" y="50808"/>
+                </a:cubicBezTo>
+                <a:cubicBezTo>
+                  <a:pt x="64953" y="50808"/>
+                  <a:pt x="61407" y="51541"/>
+                  <a:pt x="58025" y="53095"/>
+                </a:cubicBezTo>
+                <a:cubicBezTo>
+                  <a:pt x="53166" y="55347"/>
+                  <a:pt x="45940" y="60409"/>
+                  <a:pt x="39678" y="60409"/>
+                </a:cubicBezTo>
+                <a:cubicBezTo>
+                  <a:pt x="37911" y="60409"/>
+                  <a:pt x="36220" y="60005"/>
+                  <a:pt x="34681" y="59022"/>
+                </a:cubicBezTo>
+                <a:cubicBezTo>
+                  <a:pt x="26323" y="53703"/>
+                  <a:pt x="32341" y="38991"/>
+                  <a:pt x="33770" y="31635"/>
+                </a:cubicBezTo>
+                <a:cubicBezTo>
+                  <a:pt x="35381" y="23459"/>
+                  <a:pt x="36900" y="14249"/>
+                  <a:pt x="32858" y="6498"/>
+                </a:cubicBezTo>
+                <a:cubicBezTo>
+                  <a:pt x="30386" y="1757"/>
+                  <a:pt x="25599" y="1"/>
+                  <a:pt x="20594" y="1"/>
+                </a:cubicBezTo>
+                <a:close/>
+              </a:path>
+            </a:pathLst>
+          </a:custGeom>
+          <a:noFill/>
+          <a:ln>
+            <a:solidFill>
+              <a:srgbClr val="3D4D55"/>
+            </a:solidFill>
+          </a:ln>
+        </p:spPr>
+        <p:txBody>
+          <a:bodyPr spcFirstLastPara="1" wrap="square" lIns="91425" tIns="91425" rIns="91425" bIns="91425" anchor="ctr" anchorCtr="0">
+            <a:noAutofit/>
+          </a:bodyPr>
+          <a:lstStyle/>
+          <a:p>
+            <a:pPr marL="0" marR="0" lvl="0" indent="0" defTabSz="914400" eaLnBrk="1" fontAlgn="auto" latinLnBrk="0" hangingPunct="1">
+              <a:lnSpc>
+                <a:spcPct val="100000"/>
+              </a:lnSpc>
+              <a:spcBef>
+                <a:spcPts val="0"/>
+              </a:spcBef>
+              <a:spcAft>
+                <a:spcPts val="0"/>
+              </a:spcAft>
+              <a:buClr>
+                <a:srgbClr val="000000"/>
+              </a:buClr>
+              <a:buSzTx/>
+              <a:buFont typeface="Arial"/>
+              <a:buNone/>
+              <a:tabLst/>
+              <a:defRPr/>
+            </a:pPr>
+            <a:endParaRPr kumimoji="0" sz="1400" b="0" i="0" u="none" strike="noStrike" kern="0" cap="none" spc="0" normalizeH="0" baseline="0" noProof="0">
+              <a:ln>
+                <a:noFill/>
+              </a:ln>
+              <a:solidFill>
+                <a:srgbClr val="000000"/>
+              </a:solidFill>
+              <a:effectLst/>
+              <a:uLnTx/>
+              <a:uFillTx/>
+              <a:latin typeface="Arial"/>
+              <a:cs typeface="Arial"/>
+              <a:sym typeface="Arial"/>
+            </a:endParaRPr>
+          </a:p>
+        </p:txBody>
+      </p:sp>
+      <p:sp>
+        <p:nvSpPr>
+          <p:cNvPr id="2" name="Slide Number Placeholder 1">
+            <a:extLst>
+              <a:ext uri="{FF2B5EF4-FFF2-40B4-BE49-F238E27FC236}">
+                <a16:creationId xmlns:a16="http://schemas.microsoft.com/office/drawing/2014/main" id="{749BBD88-A4E5-6147-9010-7F2FA63B6611}"/>
+              </a:ext>
+            </a:extLst>
+          </p:cNvPr>
+          <p:cNvSpPr>
+            <a:spLocks noGrp="1"/>
+          </p:cNvSpPr>
+          <p:nvPr>
+            <p:ph type="sldNum" sz="quarter" idx="12"/>
+          </p:nvPr>
+        </p:nvSpPr>
+        <p:spPr/>
+        <p:txBody>
+          <a:bodyPr/>
+          <a:lstStyle/>
+          <a:p>
+            <a:fld id="{834E4636-1AC7-4593-8425-9A7E3B693646}" type="slidenum">
+              <a:rPr lang="pt-PT" smtClean="0"/>
+              <a:t>10</a:t>
+            </a:fld>
+            <a:endParaRPr lang="pt-PT"/>
+          </a:p>
+        </p:txBody>
+      </p:sp>
+      <p:sp>
+        <p:nvSpPr>
+          <p:cNvPr id="8" name="Google Shape;1463;p74">
+            <a:extLst>
+              <a:ext uri="{FF2B5EF4-FFF2-40B4-BE49-F238E27FC236}">
+                <a16:creationId xmlns:a16="http://schemas.microsoft.com/office/drawing/2014/main" id="{8748D113-06D6-DA2F-32F4-14CF4A57695C}"/>
+              </a:ext>
+            </a:extLst>
+          </p:cNvPr>
+          <p:cNvSpPr/>
+          <p:nvPr/>
+        </p:nvSpPr>
+        <p:spPr>
+          <a:xfrm>
+            <a:off x="-702050" y="4373217"/>
+            <a:ext cx="3536281" cy="2484784"/>
+          </a:xfrm>
+          <a:custGeom>
+            <a:avLst/>
+            <a:gdLst/>
+            <a:ahLst/>
+            <a:cxnLst/>
+            <a:rect l="l" t="t" r="r" b="b"/>
+            <a:pathLst>
+              <a:path w="119881" h="113309" extrusionOk="0">
+                <a:moveTo>
+                  <a:pt x="20594" y="1"/>
+                </a:moveTo>
+                <a:cubicBezTo>
+                  <a:pt x="16552" y="1"/>
+                  <a:pt x="12368" y="1147"/>
+                  <a:pt x="9149" y="2790"/>
+                </a:cubicBezTo>
+                <a:cubicBezTo>
+                  <a:pt x="5471" y="4675"/>
+                  <a:pt x="1915" y="7836"/>
+                  <a:pt x="0" y="11605"/>
+                </a:cubicBezTo>
+                <a:lnTo>
+                  <a:pt x="0" y="113308"/>
+                </a:lnTo>
+                <a:lnTo>
+                  <a:pt x="117935" y="113308"/>
+                </a:lnTo>
+                <a:cubicBezTo>
+                  <a:pt x="117935" y="113308"/>
+                  <a:pt x="119881" y="98901"/>
+                  <a:pt x="102008" y="94250"/>
+                </a:cubicBezTo>
+                <a:cubicBezTo>
+                  <a:pt x="89485" y="90968"/>
+                  <a:pt x="95139" y="77472"/>
+                  <a:pt x="92190" y="68141"/>
+                </a:cubicBezTo>
+                <a:cubicBezTo>
+                  <a:pt x="88773" y="57366"/>
+                  <a:pt x="78869" y="50808"/>
+                  <a:pt x="68440" y="50808"/>
+                </a:cubicBezTo>
+                <a:cubicBezTo>
+                  <a:pt x="64953" y="50808"/>
+                  <a:pt x="61407" y="51541"/>
+                  <a:pt x="58025" y="53095"/>
+                </a:cubicBezTo>
+                <a:cubicBezTo>
+                  <a:pt x="53166" y="55347"/>
+                  <a:pt x="45940" y="60409"/>
+                  <a:pt x="39678" y="60409"/>
+                </a:cubicBezTo>
+                <a:cubicBezTo>
+                  <a:pt x="37911" y="60409"/>
+                  <a:pt x="36220" y="60005"/>
+                  <a:pt x="34681" y="59022"/>
+                </a:cubicBezTo>
+                <a:cubicBezTo>
+                  <a:pt x="26323" y="53703"/>
+                  <a:pt x="32341" y="38991"/>
+                  <a:pt x="33770" y="31635"/>
+                </a:cubicBezTo>
+                <a:cubicBezTo>
+                  <a:pt x="35381" y="23459"/>
+                  <a:pt x="36900" y="14249"/>
+                  <a:pt x="32858" y="6498"/>
+                </a:cubicBezTo>
+                <a:cubicBezTo>
+                  <a:pt x="30386" y="1757"/>
+                  <a:pt x="25599" y="1"/>
+                  <a:pt x="20594" y="1"/>
+                </a:cubicBezTo>
+                <a:close/>
+              </a:path>
+            </a:pathLst>
+          </a:custGeom>
+          <a:solidFill>
+            <a:srgbClr val="3F4853"/>
+          </a:solidFill>
+          <a:ln>
+            <a:noFill/>
+          </a:ln>
+        </p:spPr>
+        <p:txBody>
+          <a:bodyPr spcFirstLastPara="1" wrap="square" lIns="91425" tIns="91425" rIns="91425" bIns="91425" anchor="ctr" anchorCtr="0">
+            <a:noAutofit/>
+          </a:bodyPr>
+          <a:lstStyle/>
+          <a:p>
+            <a:pPr marL="0" marR="0" lvl="0" indent="0" defTabSz="914400" eaLnBrk="1" fontAlgn="auto" latinLnBrk="0" hangingPunct="1">
+              <a:lnSpc>
+                <a:spcPct val="100000"/>
+              </a:lnSpc>
+              <a:spcBef>
+                <a:spcPts val="0"/>
+              </a:spcBef>
+              <a:spcAft>
+                <a:spcPts val="0"/>
+              </a:spcAft>
+              <a:buClr>
+                <a:srgbClr val="000000"/>
+              </a:buClr>
+              <a:buSzTx/>
+              <a:buFont typeface="Arial"/>
+              <a:buNone/>
+              <a:tabLst/>
+              <a:defRPr/>
+            </a:pPr>
+            <a:endParaRPr kumimoji="0" sz="1400" b="0" i="0" u="none" strike="noStrike" kern="0" cap="none" spc="0" normalizeH="0" baseline="0" noProof="0">
+              <a:ln>
+                <a:noFill/>
+              </a:ln>
+              <a:solidFill>
+                <a:srgbClr val="000000"/>
+              </a:solidFill>
+              <a:effectLst/>
+              <a:uLnTx/>
+              <a:uFillTx/>
+              <a:latin typeface="Arial"/>
+              <a:cs typeface="Arial"/>
+              <a:sym typeface="Arial"/>
+            </a:endParaRPr>
+          </a:p>
+        </p:txBody>
+      </p:sp>
+      <p:sp>
+        <p:nvSpPr>
+          <p:cNvPr id="10" name="Google Shape;1460;p74">
+            <a:extLst>
+              <a:ext uri="{FF2B5EF4-FFF2-40B4-BE49-F238E27FC236}">
+                <a16:creationId xmlns:a16="http://schemas.microsoft.com/office/drawing/2014/main" id="{4C23886B-6987-A37B-93B9-19278F4820BE}"/>
+              </a:ext>
+            </a:extLst>
+          </p:cNvPr>
+          <p:cNvSpPr/>
+          <p:nvPr/>
+        </p:nvSpPr>
+        <p:spPr>
+          <a:xfrm rot="9642873">
+            <a:off x="-447547" y="3897933"/>
+            <a:ext cx="3472201" cy="3722914"/>
+          </a:xfrm>
+          <a:custGeom>
+            <a:avLst/>
+            <a:gdLst/>
+            <a:ahLst/>
+            <a:cxnLst/>
+            <a:rect l="l" t="t" r="r" b="b"/>
+            <a:pathLst>
+              <a:path w="146265" h="156112" extrusionOk="0">
+                <a:moveTo>
+                  <a:pt x="5411" y="0"/>
+                </a:moveTo>
+                <a:cubicBezTo>
+                  <a:pt x="5411" y="0"/>
+                  <a:pt x="1" y="28329"/>
+                  <a:pt x="20548" y="36870"/>
+                </a:cubicBezTo>
+                <a:cubicBezTo>
+                  <a:pt x="24058" y="38329"/>
+                  <a:pt x="27694" y="38893"/>
+                  <a:pt x="31373" y="38893"/>
+                </a:cubicBezTo>
+                <a:cubicBezTo>
+                  <a:pt x="43912" y="38893"/>
+                  <a:pt x="56943" y="32338"/>
+                  <a:pt x="67152" y="32338"/>
+                </a:cubicBezTo>
+                <a:cubicBezTo>
+                  <a:pt x="71479" y="32338"/>
+                  <a:pt x="75300" y="33516"/>
+                  <a:pt x="78361" y="36870"/>
+                </a:cubicBezTo>
+                <a:cubicBezTo>
+                  <a:pt x="90793" y="50426"/>
+                  <a:pt x="72190" y="65958"/>
+                  <a:pt x="96993" y="74500"/>
+                </a:cubicBezTo>
+                <a:cubicBezTo>
+                  <a:pt x="105899" y="77600"/>
+                  <a:pt x="114015" y="83740"/>
+                  <a:pt x="115717" y="93497"/>
+                </a:cubicBezTo>
+                <a:cubicBezTo>
+                  <a:pt x="117814" y="105503"/>
+                  <a:pt x="109060" y="112403"/>
+                  <a:pt x="105504" y="122646"/>
+                </a:cubicBezTo>
+                <a:cubicBezTo>
+                  <a:pt x="103559" y="128148"/>
+                  <a:pt x="104744" y="135078"/>
+                  <a:pt x="107024" y="140245"/>
+                </a:cubicBezTo>
+                <a:cubicBezTo>
+                  <a:pt x="109699" y="146294"/>
+                  <a:pt x="114501" y="151218"/>
+                  <a:pt x="120580" y="153832"/>
+                </a:cubicBezTo>
+                <a:cubicBezTo>
+                  <a:pt x="124167" y="155413"/>
+                  <a:pt x="128027" y="156081"/>
+                  <a:pt x="131918" y="156112"/>
+                </a:cubicBezTo>
+                <a:cubicBezTo>
+                  <a:pt x="133438" y="156112"/>
+                  <a:pt x="146265" y="155200"/>
+                  <a:pt x="146265" y="153650"/>
+                </a:cubicBezTo>
+                <a:lnTo>
+                  <a:pt x="146265" y="0"/>
+                </a:lnTo>
+                <a:close/>
+              </a:path>
+            </a:pathLst>
+          </a:custGeom>
+          <a:solidFill>
+            <a:srgbClr val="ACDBD3"/>
+          </a:solidFill>
+          <a:ln>
+            <a:noFill/>
+          </a:ln>
+        </p:spPr>
+        <p:txBody>
+          <a:bodyPr spcFirstLastPara="1" wrap="square" lIns="91425" tIns="91425" rIns="91425" bIns="91425" anchor="ctr" anchorCtr="0">
+            <a:noAutofit/>
+          </a:bodyPr>
+          <a:lstStyle/>
+          <a:p>
+            <a:pPr marL="0" marR="0" lvl="0" indent="0" defTabSz="914400" eaLnBrk="1" fontAlgn="auto" latinLnBrk="0" hangingPunct="1">
+              <a:lnSpc>
+                <a:spcPct val="100000"/>
+              </a:lnSpc>
+              <a:spcBef>
+                <a:spcPts val="0"/>
+              </a:spcBef>
+              <a:spcAft>
+                <a:spcPts val="0"/>
+              </a:spcAft>
+              <a:buClr>
+                <a:srgbClr val="000000"/>
+              </a:buClr>
+              <a:buSzTx/>
+              <a:buFont typeface="Arial"/>
+              <a:buNone/>
+              <a:tabLst/>
+              <a:defRPr/>
+            </a:pPr>
+            <a:endParaRPr kumimoji="0" sz="1400" b="0" i="0" u="none" strike="noStrike" kern="0" cap="none" spc="0" normalizeH="0" baseline="0" noProof="0">
+              <a:ln>
+                <a:noFill/>
+              </a:ln>
+              <a:solidFill>
+                <a:srgbClr val="000000"/>
+              </a:solidFill>
+              <a:effectLst/>
+              <a:uLnTx/>
+              <a:uFillTx/>
+              <a:latin typeface="Arial"/>
+              <a:cs typeface="Arial"/>
+              <a:sym typeface="Arial"/>
+            </a:endParaRPr>
+          </a:p>
+        </p:txBody>
+      </p:sp>
+    </p:spTree>
+    <p:extLst>
+      <p:ext uri="{BB962C8B-B14F-4D97-AF65-F5344CB8AC3E}">
+        <p14:creationId xmlns:p14="http://schemas.microsoft.com/office/powerpoint/2010/main" val="1890884866"/>
+      </p:ext>
+    </p:extLst>
+  </p:cSld>
+  <p:clrMapOvr>
+    <a:masterClrMapping/>
+  </p:clrMapOvr>
+</p:sld>
+</file>
+
+<file path=ppt/slides/slide11.xml><?xml version="1.0" encoding="utf-8"?>
 <p:sld xmlns:a="http://schemas.openxmlformats.org/drawingml/2006/main" xmlns:r="http://schemas.openxmlformats.org/officeDocument/2006/relationships" xmlns:p="http://schemas.openxmlformats.org/presentationml/2006/main">
   <p:cSld>
     <p:bg>
@@ -7300,6 +8705,35 @@
           </a:p>
         </p:txBody>
       </p:sp>
+      <p:sp>
+        <p:nvSpPr>
+          <p:cNvPr id="2" name="Slide Number Placeholder 1">
+            <a:extLst>
+              <a:ext uri="{FF2B5EF4-FFF2-40B4-BE49-F238E27FC236}">
+                <a16:creationId xmlns:a16="http://schemas.microsoft.com/office/drawing/2014/main" id="{77BED183-6420-262B-DD7C-5117475ECA43}"/>
+              </a:ext>
+            </a:extLst>
+          </p:cNvPr>
+          <p:cNvSpPr>
+            <a:spLocks noGrp="1"/>
+          </p:cNvSpPr>
+          <p:nvPr>
+            <p:ph type="sldNum" sz="quarter" idx="12"/>
+          </p:nvPr>
+        </p:nvSpPr>
+        <p:spPr/>
+        <p:txBody>
+          <a:bodyPr/>
+          <a:lstStyle/>
+          <a:p>
+            <a:fld id="{834E4636-1AC7-4593-8425-9A7E3B693646}" type="slidenum">
+              <a:rPr lang="pt-PT" smtClean="0"/>
+              <a:t>11</a:t>
+            </a:fld>
+            <a:endParaRPr lang="pt-PT"/>
+          </a:p>
+        </p:txBody>
+      </p:sp>
     </p:spTree>
     <p:extLst>
       <p:ext uri="{BB962C8B-B14F-4D97-AF65-F5344CB8AC3E}">
@@ -7313,7 +8747,7 @@
 </p:sld>
 </file>
 
-<file path=ppt/slides/slide11.xml><?xml version="1.0" encoding="utf-8"?>
+<file path=ppt/slides/slide12.xml><?xml version="1.0" encoding="utf-8"?>
 <p:sld xmlns:a="http://schemas.openxmlformats.org/drawingml/2006/main" xmlns:r="http://schemas.openxmlformats.org/officeDocument/2006/relationships" xmlns:p="http://schemas.openxmlformats.org/presentationml/2006/main">
   <p:cSld>
     <p:bg>
@@ -7399,7 +8833,7 @@
             </a:pathLst>
           </a:custGeom>
           <a:solidFill>
-            <a:srgbClr val="ADDBD0"/>
+            <a:srgbClr val="3D4D55"/>
           </a:solidFill>
           <a:ln>
             <a:noFill/>
@@ -7982,7 +9416,7 @@
             </a:pathLst>
           </a:custGeom>
           <a:solidFill>
-            <a:srgbClr val="3D4D55"/>
+            <a:srgbClr val="ACDBD3"/>
           </a:solidFill>
           <a:ln>
             <a:noFill/>
@@ -8027,125 +9461,6 @@
               <a:cs typeface="Arial"/>
               <a:sym typeface="Arial"/>
             </a:endParaRPr>
-          </a:p>
-        </p:txBody>
-      </p:sp>
-      <p:sp>
-        <p:nvSpPr>
-          <p:cNvPr id="16" name="Google Shape;1463;p74">
-            <a:extLst>
-              <a:ext uri="{FF2B5EF4-FFF2-40B4-BE49-F238E27FC236}">
-                <a16:creationId xmlns:a16="http://schemas.microsoft.com/office/drawing/2014/main" id="{B2E1E741-343A-E17F-A716-BF7EC1D36A60}"/>
-              </a:ext>
-            </a:extLst>
-          </p:cNvPr>
-          <p:cNvSpPr/>
-          <p:nvPr/>
-        </p:nvSpPr>
-        <p:spPr>
-          <a:xfrm flipH="1">
-            <a:off x="9593942" y="4558296"/>
-            <a:ext cx="2598056" cy="2589989"/>
-          </a:xfrm>
-          <a:custGeom>
-            <a:avLst/>
-            <a:gdLst/>
-            <a:ahLst/>
-            <a:cxnLst/>
-            <a:rect l="l" t="t" r="r" b="b"/>
-            <a:pathLst>
-              <a:path w="119881" h="113309" extrusionOk="0">
-                <a:moveTo>
-                  <a:pt x="20594" y="1"/>
-                </a:moveTo>
-                <a:cubicBezTo>
-                  <a:pt x="16552" y="1"/>
-                  <a:pt x="12368" y="1147"/>
-                  <a:pt x="9149" y="2790"/>
-                </a:cubicBezTo>
-                <a:cubicBezTo>
-                  <a:pt x="5471" y="4675"/>
-                  <a:pt x="1915" y="7836"/>
-                  <a:pt x="0" y="11605"/>
-                </a:cubicBezTo>
-                <a:lnTo>
-                  <a:pt x="0" y="113308"/>
-                </a:lnTo>
-                <a:lnTo>
-                  <a:pt x="117935" y="113308"/>
-                </a:lnTo>
-                <a:cubicBezTo>
-                  <a:pt x="117935" y="113308"/>
-                  <a:pt x="119881" y="98901"/>
-                  <a:pt x="102008" y="94250"/>
-                </a:cubicBezTo>
-                <a:cubicBezTo>
-                  <a:pt x="89485" y="90968"/>
-                  <a:pt x="95139" y="77472"/>
-                  <a:pt x="92190" y="68141"/>
-                </a:cubicBezTo>
-                <a:cubicBezTo>
-                  <a:pt x="88773" y="57366"/>
-                  <a:pt x="78869" y="50808"/>
-                  <a:pt x="68440" y="50808"/>
-                </a:cubicBezTo>
-                <a:cubicBezTo>
-                  <a:pt x="64953" y="50808"/>
-                  <a:pt x="61407" y="51541"/>
-                  <a:pt x="58025" y="53095"/>
-                </a:cubicBezTo>
-                <a:cubicBezTo>
-                  <a:pt x="53166" y="55347"/>
-                  <a:pt x="45940" y="60409"/>
-                  <a:pt x="39678" y="60409"/>
-                </a:cubicBezTo>
-                <a:cubicBezTo>
-                  <a:pt x="37911" y="60409"/>
-                  <a:pt x="36220" y="60005"/>
-                  <a:pt x="34681" y="59022"/>
-                </a:cubicBezTo>
-                <a:cubicBezTo>
-                  <a:pt x="26323" y="53703"/>
-                  <a:pt x="32341" y="38991"/>
-                  <a:pt x="33770" y="31635"/>
-                </a:cubicBezTo>
-                <a:cubicBezTo>
-                  <a:pt x="35381" y="23459"/>
-                  <a:pt x="36900" y="14249"/>
-                  <a:pt x="32858" y="6498"/>
-                </a:cubicBezTo>
-                <a:cubicBezTo>
-                  <a:pt x="30386" y="1757"/>
-                  <a:pt x="25599" y="1"/>
-                  <a:pt x="20594" y="1"/>
-                </a:cubicBezTo>
-                <a:close/>
-              </a:path>
-            </a:pathLst>
-          </a:custGeom>
-          <a:noFill/>
-          <a:ln>
-            <a:solidFill>
-              <a:srgbClr val="ACDBD3"/>
-            </a:solidFill>
-          </a:ln>
-        </p:spPr>
-        <p:txBody>
-          <a:bodyPr spcFirstLastPara="1" wrap="square" lIns="91425" tIns="91425" rIns="91425" bIns="91425" anchor="ctr" anchorCtr="0">
-            <a:noAutofit/>
-          </a:bodyPr>
-          <a:lstStyle/>
-          <a:p>
-            <a:pPr marL="0" lvl="0" indent="0" algn="l" rtl="0">
-              <a:spcBef>
-                <a:spcPts val="0"/>
-              </a:spcBef>
-              <a:spcAft>
-                <a:spcPts val="0"/>
-              </a:spcAft>
-              <a:buNone/>
-            </a:pPr>
-            <a:endParaRPr dirty="0"/>
           </a:p>
         </p:txBody>
       </p:sp>
@@ -8638,6 +9953,154 @@
           </a:p>
         </p:txBody>
       </p:sp>
+      <p:sp>
+        <p:nvSpPr>
+          <p:cNvPr id="16" name="Google Shape;1463;p74">
+            <a:extLst>
+              <a:ext uri="{FF2B5EF4-FFF2-40B4-BE49-F238E27FC236}">
+                <a16:creationId xmlns:a16="http://schemas.microsoft.com/office/drawing/2014/main" id="{B2E1E741-343A-E17F-A716-BF7EC1D36A60}"/>
+              </a:ext>
+            </a:extLst>
+          </p:cNvPr>
+          <p:cNvSpPr/>
+          <p:nvPr/>
+        </p:nvSpPr>
+        <p:spPr>
+          <a:xfrm flipH="1">
+            <a:off x="9593942" y="4558296"/>
+            <a:ext cx="2598056" cy="2589989"/>
+          </a:xfrm>
+          <a:custGeom>
+            <a:avLst/>
+            <a:gdLst/>
+            <a:ahLst/>
+            <a:cxnLst/>
+            <a:rect l="l" t="t" r="r" b="b"/>
+            <a:pathLst>
+              <a:path w="119881" h="113309" extrusionOk="0">
+                <a:moveTo>
+                  <a:pt x="20594" y="1"/>
+                </a:moveTo>
+                <a:cubicBezTo>
+                  <a:pt x="16552" y="1"/>
+                  <a:pt x="12368" y="1147"/>
+                  <a:pt x="9149" y="2790"/>
+                </a:cubicBezTo>
+                <a:cubicBezTo>
+                  <a:pt x="5471" y="4675"/>
+                  <a:pt x="1915" y="7836"/>
+                  <a:pt x="0" y="11605"/>
+                </a:cubicBezTo>
+                <a:lnTo>
+                  <a:pt x="0" y="113308"/>
+                </a:lnTo>
+                <a:lnTo>
+                  <a:pt x="117935" y="113308"/>
+                </a:lnTo>
+                <a:cubicBezTo>
+                  <a:pt x="117935" y="113308"/>
+                  <a:pt x="119881" y="98901"/>
+                  <a:pt x="102008" y="94250"/>
+                </a:cubicBezTo>
+                <a:cubicBezTo>
+                  <a:pt x="89485" y="90968"/>
+                  <a:pt x="95139" y="77472"/>
+                  <a:pt x="92190" y="68141"/>
+                </a:cubicBezTo>
+                <a:cubicBezTo>
+                  <a:pt x="88773" y="57366"/>
+                  <a:pt x="78869" y="50808"/>
+                  <a:pt x="68440" y="50808"/>
+                </a:cubicBezTo>
+                <a:cubicBezTo>
+                  <a:pt x="64953" y="50808"/>
+                  <a:pt x="61407" y="51541"/>
+                  <a:pt x="58025" y="53095"/>
+                </a:cubicBezTo>
+                <a:cubicBezTo>
+                  <a:pt x="53166" y="55347"/>
+                  <a:pt x="45940" y="60409"/>
+                  <a:pt x="39678" y="60409"/>
+                </a:cubicBezTo>
+                <a:cubicBezTo>
+                  <a:pt x="37911" y="60409"/>
+                  <a:pt x="36220" y="60005"/>
+                  <a:pt x="34681" y="59022"/>
+                </a:cubicBezTo>
+                <a:cubicBezTo>
+                  <a:pt x="26323" y="53703"/>
+                  <a:pt x="32341" y="38991"/>
+                  <a:pt x="33770" y="31635"/>
+                </a:cubicBezTo>
+                <a:cubicBezTo>
+                  <a:pt x="35381" y="23459"/>
+                  <a:pt x="36900" y="14249"/>
+                  <a:pt x="32858" y="6498"/>
+                </a:cubicBezTo>
+                <a:cubicBezTo>
+                  <a:pt x="30386" y="1757"/>
+                  <a:pt x="25599" y="1"/>
+                  <a:pt x="20594" y="1"/>
+                </a:cubicBezTo>
+                <a:close/>
+              </a:path>
+            </a:pathLst>
+          </a:custGeom>
+          <a:noFill/>
+          <a:ln>
+            <a:solidFill>
+              <a:srgbClr val="3D4D55"/>
+            </a:solidFill>
+          </a:ln>
+        </p:spPr>
+        <p:txBody>
+          <a:bodyPr spcFirstLastPara="1" wrap="square" lIns="91425" tIns="91425" rIns="91425" bIns="91425" anchor="ctr" anchorCtr="0">
+            <a:noAutofit/>
+          </a:bodyPr>
+          <a:lstStyle/>
+          <a:p>
+            <a:pPr marL="0" lvl="0" indent="0" algn="l" rtl="0">
+              <a:spcBef>
+                <a:spcPts val="0"/>
+              </a:spcBef>
+              <a:spcAft>
+                <a:spcPts val="0"/>
+              </a:spcAft>
+              <a:buNone/>
+            </a:pPr>
+            <a:endParaRPr dirty="0"/>
+          </a:p>
+        </p:txBody>
+      </p:sp>
+      <p:sp>
+        <p:nvSpPr>
+          <p:cNvPr id="2" name="Slide Number Placeholder 1">
+            <a:extLst>
+              <a:ext uri="{FF2B5EF4-FFF2-40B4-BE49-F238E27FC236}">
+                <a16:creationId xmlns:a16="http://schemas.microsoft.com/office/drawing/2014/main" id="{EE4468D3-E113-4D57-9D7F-97EA6A08324F}"/>
+              </a:ext>
+            </a:extLst>
+          </p:cNvPr>
+          <p:cNvSpPr>
+            <a:spLocks noGrp="1"/>
+          </p:cNvSpPr>
+          <p:nvPr>
+            <p:ph type="sldNum" sz="quarter" idx="12"/>
+          </p:nvPr>
+        </p:nvSpPr>
+        <p:spPr/>
+        <p:txBody>
+          <a:bodyPr/>
+          <a:lstStyle/>
+          <a:p>
+            <a:fld id="{834E4636-1AC7-4593-8425-9A7E3B693646}" type="slidenum">
+              <a:rPr lang="pt-PT" smtClean="0"/>
+              <a:t>12</a:t>
+            </a:fld>
+            <a:endParaRPr lang="pt-PT"/>
+          </a:p>
+        </p:txBody>
+      </p:sp>
     </p:spTree>
     <p:extLst>
       <p:ext uri="{BB962C8B-B14F-4D97-AF65-F5344CB8AC3E}">
@@ -8651,7 +10114,7 @@
 </p:sld>
 </file>
 
-<file path=ppt/slides/slide12.xml><?xml version="1.0" encoding="utf-8"?>
+<file path=ppt/slides/slide13.xml><?xml version="1.0" encoding="utf-8"?>
 <p:sld xmlns:a="http://schemas.openxmlformats.org/drawingml/2006/main" xmlns:r="http://schemas.openxmlformats.org/officeDocument/2006/relationships" xmlns:p="http://schemas.openxmlformats.org/presentationml/2006/main">
   <p:cSld>
     <p:bg>
@@ -8887,7 +10350,7 @@
                 <a:latin typeface="Arial" panose="020B0604020202020204" pitchFamily="34" charset="0"/>
                 <a:cs typeface="Arial" panose="020B0604020202020204" pitchFamily="34" charset="0"/>
               </a:rPr>
-              <a:t>Teste da aplicação num ambiente profissional</a:t>
+              <a:t>Deploy da aplicação para testar e obter feedback proviniente do clube</a:t>
             </a:r>
           </a:p>
         </p:txBody>
@@ -9689,6 +11152,35 @@
           </a:p>
         </p:txBody>
       </p:sp>
+      <p:sp>
+        <p:nvSpPr>
+          <p:cNvPr id="2" name="Slide Number Placeholder 1">
+            <a:extLst>
+              <a:ext uri="{FF2B5EF4-FFF2-40B4-BE49-F238E27FC236}">
+                <a16:creationId xmlns:a16="http://schemas.microsoft.com/office/drawing/2014/main" id="{C22A3A7D-DE13-20F0-1ED2-B869951FF2DC}"/>
+              </a:ext>
+            </a:extLst>
+          </p:cNvPr>
+          <p:cNvSpPr>
+            <a:spLocks noGrp="1"/>
+          </p:cNvSpPr>
+          <p:nvPr>
+            <p:ph type="sldNum" sz="quarter" idx="12"/>
+          </p:nvPr>
+        </p:nvSpPr>
+        <p:spPr/>
+        <p:txBody>
+          <a:bodyPr/>
+          <a:lstStyle/>
+          <a:p>
+            <a:fld id="{834E4636-1AC7-4593-8425-9A7E3B693646}" type="slidenum">
+              <a:rPr lang="pt-PT" smtClean="0"/>
+              <a:t>13</a:t>
+            </a:fld>
+            <a:endParaRPr lang="pt-PT"/>
+          </a:p>
+        </p:txBody>
+      </p:sp>
     </p:spTree>
     <p:extLst>
       <p:ext uri="{BB962C8B-B14F-4D97-AF65-F5344CB8AC3E}">
@@ -9702,7 +11194,7 @@
 </p:sld>
 </file>
 
-<file path=ppt/slides/slide13.xml><?xml version="1.0" encoding="utf-8"?>
+<file path=ppt/slides/slide14.xml><?xml version="1.0" encoding="utf-8"?>
 <p:sld xmlns:a="http://schemas.openxmlformats.org/drawingml/2006/main" xmlns:r="http://schemas.openxmlformats.org/officeDocument/2006/relationships" xmlns:p="http://schemas.openxmlformats.org/presentationml/2006/main">
   <p:cSld>
     <p:bg>
@@ -9729,10 +11221,10 @@
       </p:grpSpPr>
       <p:sp>
         <p:nvSpPr>
-          <p:cNvPr id="19" name="Google Shape;1461;p74">
+          <p:cNvPr id="24" name="Google Shape;1456;p74">
             <a:extLst>
               <a:ext uri="{FF2B5EF4-FFF2-40B4-BE49-F238E27FC236}">
-                <a16:creationId xmlns:a16="http://schemas.microsoft.com/office/drawing/2014/main" id="{D2D1B2FD-B3BE-C9A2-F643-6C4255236DF4}"/>
+                <a16:creationId xmlns:a16="http://schemas.microsoft.com/office/drawing/2014/main" id="{D3CFCFD3-E59A-A973-5C8E-1480D3732A45}"/>
               </a:ext>
             </a:extLst>
           </p:cNvPr>
@@ -9740,9 +11232,9 @@
           <p:nvPr/>
         </p:nvSpPr>
         <p:spPr>
-          <a:xfrm rot="4324910">
-            <a:off x="10942090" y="2308251"/>
-            <a:ext cx="3339871" cy="3160289"/>
+          <a:xfrm rot="8516003">
+            <a:off x="9219064" y="5413071"/>
+            <a:ext cx="3573785" cy="2322295"/>
           </a:xfrm>
           <a:custGeom>
             <a:avLst/>
@@ -9751,44 +11243,92 @@
             <a:cxnLst/>
             <a:rect l="l" t="t" r="r" b="b"/>
             <a:pathLst>
-              <a:path w="71370" h="79623" extrusionOk="0">
+              <a:path w="71719" h="46604" extrusionOk="0">
                 <a:moveTo>
-                  <a:pt x="609" y="0"/>
+                  <a:pt x="29382" y="0"/>
                 </a:moveTo>
                 <a:cubicBezTo>
-                  <a:pt x="1" y="10578"/>
-                  <a:pt x="2949" y="24438"/>
-                  <a:pt x="14925" y="26627"/>
-                </a:cubicBezTo>
-                <a:cubicBezTo>
-                  <a:pt x="21642" y="27873"/>
-                  <a:pt x="28998" y="28116"/>
-                  <a:pt x="35168" y="31399"/>
-                </a:cubicBezTo>
-                <a:cubicBezTo>
-                  <a:pt x="51734" y="40274"/>
-                  <a:pt x="28512" y="60791"/>
-                  <a:pt x="40214" y="72828"/>
-                </a:cubicBezTo>
-                <a:cubicBezTo>
-                  <a:pt x="44913" y="77681"/>
-                  <a:pt x="50938" y="79622"/>
-                  <a:pt x="57153" y="79622"/>
-                </a:cubicBezTo>
-                <a:cubicBezTo>
-                  <a:pt x="61953" y="79622"/>
-                  <a:pt x="66866" y="78464"/>
-                  <a:pt x="71370" y="76597"/>
+                  <a:pt x="11785" y="0"/>
+                  <a:pt x="3670" y="13663"/>
+                  <a:pt x="3670" y="13663"/>
+                </a:cubicBezTo>
+                <a:cubicBezTo>
+                  <a:pt x="1" y="19267"/>
+                  <a:pt x="1568" y="26839"/>
+                  <a:pt x="7206" y="30509"/>
+                </a:cubicBezTo>
+                <a:cubicBezTo>
+                  <a:pt x="9266" y="31845"/>
+                  <a:pt x="11583" y="32485"/>
+                  <a:pt x="13864" y="32485"/>
+                </a:cubicBezTo>
+                <a:cubicBezTo>
+                  <a:pt x="14315" y="32485"/>
+                  <a:pt x="14765" y="32460"/>
+                  <a:pt x="15211" y="32410"/>
+                </a:cubicBezTo>
+                <a:cubicBezTo>
+                  <a:pt x="16145" y="32310"/>
+                  <a:pt x="17046" y="32110"/>
+                  <a:pt x="17913" y="31776"/>
+                </a:cubicBezTo>
+                <a:cubicBezTo>
+                  <a:pt x="19417" y="31509"/>
+                  <a:pt x="20791" y="31392"/>
+                  <a:pt x="22045" y="31392"/>
+                </a:cubicBezTo>
+                <a:cubicBezTo>
+                  <a:pt x="28943" y="31392"/>
+                  <a:pt x="32211" y="34950"/>
+                  <a:pt x="33424" y="36813"/>
+                </a:cubicBezTo>
+                <a:cubicBezTo>
+                  <a:pt x="33591" y="37113"/>
+                  <a:pt x="33758" y="37414"/>
+                  <a:pt x="33925" y="37647"/>
                 </a:cubicBezTo>
                 <a:lnTo>
-                  <a:pt x="71370" y="0"/>
+                  <a:pt x="34058" y="37914"/>
                 </a:lnTo>
+                <a:lnTo>
+                  <a:pt x="34092" y="37881"/>
+                </a:lnTo>
+                <a:cubicBezTo>
+                  <a:pt x="35526" y="40049"/>
+                  <a:pt x="37394" y="41984"/>
+                  <a:pt x="39696" y="43485"/>
+                </a:cubicBezTo>
+                <a:cubicBezTo>
+                  <a:pt x="42915" y="45595"/>
+                  <a:pt x="46532" y="46603"/>
+                  <a:pt x="50107" y="46603"/>
+                </a:cubicBezTo>
+                <a:cubicBezTo>
+                  <a:pt x="56310" y="46603"/>
+                  <a:pt x="62387" y="43567"/>
+                  <a:pt x="66048" y="37981"/>
+                </a:cubicBezTo>
+                <a:cubicBezTo>
+                  <a:pt x="71718" y="29208"/>
+                  <a:pt x="69250" y="17399"/>
+                  <a:pt x="60444" y="11662"/>
+                </a:cubicBezTo>
+                <a:cubicBezTo>
+                  <a:pt x="60010" y="11362"/>
+                  <a:pt x="59543" y="11061"/>
+                  <a:pt x="59076" y="10828"/>
+                </a:cubicBezTo>
+                <a:cubicBezTo>
+                  <a:pt x="47169" y="2776"/>
+                  <a:pt x="37312" y="0"/>
+                  <a:pt x="29382" y="0"/>
+                </a:cubicBezTo>
                 <a:close/>
               </a:path>
             </a:pathLst>
           </a:custGeom>
           <a:solidFill>
-            <a:srgbClr val="ADDBD0"/>
+            <a:srgbClr val="ACDBD3"/>
           </a:solidFill>
           <a:ln>
             <a:noFill/>
@@ -10218,439 +11758,6 @@
             <a:solidFill>
               <a:srgbClr val="ACDBD3"/>
             </a:solidFill>
-          </a:ln>
-        </p:spPr>
-        <p:txBody>
-          <a:bodyPr spcFirstLastPara="1" wrap="square" lIns="91425" tIns="91425" rIns="91425" bIns="91425" anchor="ctr" anchorCtr="0">
-            <a:noAutofit/>
-          </a:bodyPr>
-          <a:lstStyle/>
-          <a:p>
-            <a:pPr marL="0" marR="0" lvl="0" indent="0" defTabSz="914400" eaLnBrk="1" fontAlgn="auto" latinLnBrk="0" hangingPunct="1">
-              <a:lnSpc>
-                <a:spcPct val="100000"/>
-              </a:lnSpc>
-              <a:spcBef>
-                <a:spcPts val="0"/>
-              </a:spcBef>
-              <a:spcAft>
-                <a:spcPts val="0"/>
-              </a:spcAft>
-              <a:buClr>
-                <a:srgbClr val="000000"/>
-              </a:buClr>
-              <a:buSzTx/>
-              <a:buFont typeface="Arial"/>
-              <a:buNone/>
-              <a:tabLst/>
-              <a:defRPr/>
-            </a:pPr>
-            <a:endParaRPr kumimoji="0" sz="1400" b="0" i="0" u="none" strike="noStrike" kern="0" cap="none" spc="0" normalizeH="0" baseline="0" noProof="0">
-              <a:ln>
-                <a:noFill/>
-              </a:ln>
-              <a:solidFill>
-                <a:srgbClr val="000000"/>
-              </a:solidFill>
-              <a:effectLst/>
-              <a:uLnTx/>
-              <a:uFillTx/>
-              <a:latin typeface="Arial"/>
-              <a:cs typeface="Arial"/>
-              <a:sym typeface="Arial"/>
-            </a:endParaRPr>
-          </a:p>
-        </p:txBody>
-      </p:sp>
-      <p:sp>
-        <p:nvSpPr>
-          <p:cNvPr id="15" name="Google Shape;1456;p74">
-            <a:extLst>
-              <a:ext uri="{FF2B5EF4-FFF2-40B4-BE49-F238E27FC236}">
-                <a16:creationId xmlns:a16="http://schemas.microsoft.com/office/drawing/2014/main" id="{B1C0096E-F9DC-46F7-8356-E4DC7EAFD62A}"/>
-              </a:ext>
-            </a:extLst>
-          </p:cNvPr>
-          <p:cNvSpPr/>
-          <p:nvPr/>
-        </p:nvSpPr>
-        <p:spPr>
-          <a:xfrm rot="8516003">
-            <a:off x="9219064" y="5413071"/>
-            <a:ext cx="3573785" cy="2322295"/>
-          </a:xfrm>
-          <a:custGeom>
-            <a:avLst/>
-            <a:gdLst/>
-            <a:ahLst/>
-            <a:cxnLst/>
-            <a:rect l="l" t="t" r="r" b="b"/>
-            <a:pathLst>
-              <a:path w="71719" h="46604" extrusionOk="0">
-                <a:moveTo>
-                  <a:pt x="29382" y="0"/>
-                </a:moveTo>
-                <a:cubicBezTo>
-                  <a:pt x="11785" y="0"/>
-                  <a:pt x="3670" y="13663"/>
-                  <a:pt x="3670" y="13663"/>
-                </a:cubicBezTo>
-                <a:cubicBezTo>
-                  <a:pt x="1" y="19267"/>
-                  <a:pt x="1568" y="26839"/>
-                  <a:pt x="7206" y="30509"/>
-                </a:cubicBezTo>
-                <a:cubicBezTo>
-                  <a:pt x="9266" y="31845"/>
-                  <a:pt x="11583" y="32485"/>
-                  <a:pt x="13864" y="32485"/>
-                </a:cubicBezTo>
-                <a:cubicBezTo>
-                  <a:pt x="14315" y="32485"/>
-                  <a:pt x="14765" y="32460"/>
-                  <a:pt x="15211" y="32410"/>
-                </a:cubicBezTo>
-                <a:cubicBezTo>
-                  <a:pt x="16145" y="32310"/>
-                  <a:pt x="17046" y="32110"/>
-                  <a:pt x="17913" y="31776"/>
-                </a:cubicBezTo>
-                <a:cubicBezTo>
-                  <a:pt x="19417" y="31509"/>
-                  <a:pt x="20791" y="31392"/>
-                  <a:pt x="22045" y="31392"/>
-                </a:cubicBezTo>
-                <a:cubicBezTo>
-                  <a:pt x="28943" y="31392"/>
-                  <a:pt x="32211" y="34950"/>
-                  <a:pt x="33424" y="36813"/>
-                </a:cubicBezTo>
-                <a:cubicBezTo>
-                  <a:pt x="33591" y="37113"/>
-                  <a:pt x="33758" y="37414"/>
-                  <a:pt x="33925" y="37647"/>
-                </a:cubicBezTo>
-                <a:lnTo>
-                  <a:pt x="34058" y="37914"/>
-                </a:lnTo>
-                <a:lnTo>
-                  <a:pt x="34092" y="37881"/>
-                </a:lnTo>
-                <a:cubicBezTo>
-                  <a:pt x="35526" y="40049"/>
-                  <a:pt x="37394" y="41984"/>
-                  <a:pt x="39696" y="43485"/>
-                </a:cubicBezTo>
-                <a:cubicBezTo>
-                  <a:pt x="42915" y="45595"/>
-                  <a:pt x="46532" y="46603"/>
-                  <a:pt x="50107" y="46603"/>
-                </a:cubicBezTo>
-                <a:cubicBezTo>
-                  <a:pt x="56310" y="46603"/>
-                  <a:pt x="62387" y="43567"/>
-                  <a:pt x="66048" y="37981"/>
-                </a:cubicBezTo>
-                <a:cubicBezTo>
-                  <a:pt x="71718" y="29208"/>
-                  <a:pt x="69250" y="17399"/>
-                  <a:pt x="60444" y="11662"/>
-                </a:cubicBezTo>
-                <a:cubicBezTo>
-                  <a:pt x="60010" y="11362"/>
-                  <a:pt x="59543" y="11061"/>
-                  <a:pt x="59076" y="10828"/>
-                </a:cubicBezTo>
-                <a:cubicBezTo>
-                  <a:pt x="47169" y="2776"/>
-                  <a:pt x="37312" y="0"/>
-                  <a:pt x="29382" y="0"/>
-                </a:cubicBezTo>
-                <a:close/>
-              </a:path>
-            </a:pathLst>
-          </a:custGeom>
-          <a:solidFill>
-            <a:srgbClr val="3D4D55"/>
-          </a:solidFill>
-          <a:ln>
-            <a:noFill/>
-          </a:ln>
-        </p:spPr>
-        <p:txBody>
-          <a:bodyPr spcFirstLastPara="1" wrap="square" lIns="91425" tIns="91425" rIns="91425" bIns="91425" anchor="ctr" anchorCtr="0">
-            <a:noAutofit/>
-          </a:bodyPr>
-          <a:lstStyle/>
-          <a:p>
-            <a:pPr marL="0" marR="0" lvl="0" indent="0" defTabSz="914400" eaLnBrk="1" fontAlgn="auto" latinLnBrk="0" hangingPunct="1">
-              <a:lnSpc>
-                <a:spcPct val="100000"/>
-              </a:lnSpc>
-              <a:spcBef>
-                <a:spcPts val="0"/>
-              </a:spcBef>
-              <a:spcAft>
-                <a:spcPts val="0"/>
-              </a:spcAft>
-              <a:buClr>
-                <a:srgbClr val="000000"/>
-              </a:buClr>
-              <a:buSzTx/>
-              <a:buFont typeface="Arial"/>
-              <a:buNone/>
-              <a:tabLst/>
-              <a:defRPr/>
-            </a:pPr>
-            <a:endParaRPr kumimoji="0" sz="1400" b="0" i="0" u="none" strike="noStrike" kern="0" cap="none" spc="0" normalizeH="0" baseline="0" noProof="0">
-              <a:ln>
-                <a:noFill/>
-              </a:ln>
-              <a:solidFill>
-                <a:srgbClr val="000000"/>
-              </a:solidFill>
-              <a:effectLst/>
-              <a:uLnTx/>
-              <a:uFillTx/>
-              <a:latin typeface="Arial"/>
-              <a:cs typeface="Arial"/>
-              <a:sym typeface="Arial"/>
-            </a:endParaRPr>
-          </a:p>
-        </p:txBody>
-      </p:sp>
-      <p:sp>
-        <p:nvSpPr>
-          <p:cNvPr id="16" name="Google Shape;1463;p74">
-            <a:extLst>
-              <a:ext uri="{FF2B5EF4-FFF2-40B4-BE49-F238E27FC236}">
-                <a16:creationId xmlns:a16="http://schemas.microsoft.com/office/drawing/2014/main" id="{B2E1E741-343A-E17F-A716-BF7EC1D36A60}"/>
-              </a:ext>
-            </a:extLst>
-          </p:cNvPr>
-          <p:cNvSpPr/>
-          <p:nvPr/>
-        </p:nvSpPr>
-        <p:spPr>
-          <a:xfrm flipH="1">
-            <a:off x="9593942" y="4558296"/>
-            <a:ext cx="2598056" cy="2589989"/>
-          </a:xfrm>
-          <a:custGeom>
-            <a:avLst/>
-            <a:gdLst/>
-            <a:ahLst/>
-            <a:cxnLst/>
-            <a:rect l="l" t="t" r="r" b="b"/>
-            <a:pathLst>
-              <a:path w="119881" h="113309" extrusionOk="0">
-                <a:moveTo>
-                  <a:pt x="20594" y="1"/>
-                </a:moveTo>
-                <a:cubicBezTo>
-                  <a:pt x="16552" y="1"/>
-                  <a:pt x="12368" y="1147"/>
-                  <a:pt x="9149" y="2790"/>
-                </a:cubicBezTo>
-                <a:cubicBezTo>
-                  <a:pt x="5471" y="4675"/>
-                  <a:pt x="1915" y="7836"/>
-                  <a:pt x="0" y="11605"/>
-                </a:cubicBezTo>
-                <a:lnTo>
-                  <a:pt x="0" y="113308"/>
-                </a:lnTo>
-                <a:lnTo>
-                  <a:pt x="117935" y="113308"/>
-                </a:lnTo>
-                <a:cubicBezTo>
-                  <a:pt x="117935" y="113308"/>
-                  <a:pt x="119881" y="98901"/>
-                  <a:pt x="102008" y="94250"/>
-                </a:cubicBezTo>
-                <a:cubicBezTo>
-                  <a:pt x="89485" y="90968"/>
-                  <a:pt x="95139" y="77472"/>
-                  <a:pt x="92190" y="68141"/>
-                </a:cubicBezTo>
-                <a:cubicBezTo>
-                  <a:pt x="88773" y="57366"/>
-                  <a:pt x="78869" y="50808"/>
-                  <a:pt x="68440" y="50808"/>
-                </a:cubicBezTo>
-                <a:cubicBezTo>
-                  <a:pt x="64953" y="50808"/>
-                  <a:pt x="61407" y="51541"/>
-                  <a:pt x="58025" y="53095"/>
-                </a:cubicBezTo>
-                <a:cubicBezTo>
-                  <a:pt x="53166" y="55347"/>
-                  <a:pt x="45940" y="60409"/>
-                  <a:pt x="39678" y="60409"/>
-                </a:cubicBezTo>
-                <a:cubicBezTo>
-                  <a:pt x="37911" y="60409"/>
-                  <a:pt x="36220" y="60005"/>
-                  <a:pt x="34681" y="59022"/>
-                </a:cubicBezTo>
-                <a:cubicBezTo>
-                  <a:pt x="26323" y="53703"/>
-                  <a:pt x="32341" y="38991"/>
-                  <a:pt x="33770" y="31635"/>
-                </a:cubicBezTo>
-                <a:cubicBezTo>
-                  <a:pt x="35381" y="23459"/>
-                  <a:pt x="36900" y="14249"/>
-                  <a:pt x="32858" y="6498"/>
-                </a:cubicBezTo>
-                <a:cubicBezTo>
-                  <a:pt x="30386" y="1757"/>
-                  <a:pt x="25599" y="1"/>
-                  <a:pt x="20594" y="1"/>
-                </a:cubicBezTo>
-                <a:close/>
-              </a:path>
-            </a:pathLst>
-          </a:custGeom>
-          <a:noFill/>
-          <a:ln>
-            <a:solidFill>
-              <a:srgbClr val="ACDBD3"/>
-            </a:solidFill>
-          </a:ln>
-        </p:spPr>
-        <p:txBody>
-          <a:bodyPr spcFirstLastPara="1" wrap="square" lIns="91425" tIns="91425" rIns="91425" bIns="91425" anchor="ctr" anchorCtr="0">
-            <a:noAutofit/>
-          </a:bodyPr>
-          <a:lstStyle/>
-          <a:p>
-            <a:pPr marL="0" lvl="0" indent="0" algn="l" rtl="0">
-              <a:spcBef>
-                <a:spcPts val="0"/>
-              </a:spcBef>
-              <a:spcAft>
-                <a:spcPts val="0"/>
-              </a:spcAft>
-              <a:buNone/>
-            </a:pPr>
-            <a:endParaRPr dirty="0"/>
-          </a:p>
-        </p:txBody>
-      </p:sp>
-      <p:sp>
-        <p:nvSpPr>
-          <p:cNvPr id="17" name="Google Shape;1456;p74">
-            <a:extLst>
-              <a:ext uri="{FF2B5EF4-FFF2-40B4-BE49-F238E27FC236}">
-                <a16:creationId xmlns:a16="http://schemas.microsoft.com/office/drawing/2014/main" id="{A1DC0FCF-72F1-6D51-F56D-186BBA4114EC}"/>
-              </a:ext>
-            </a:extLst>
-          </p:cNvPr>
-          <p:cNvSpPr/>
-          <p:nvPr/>
-        </p:nvSpPr>
-        <p:spPr>
-          <a:xfrm rot="8516003">
-            <a:off x="9897076" y="5138610"/>
-            <a:ext cx="1433457" cy="699454"/>
-          </a:xfrm>
-          <a:custGeom>
-            <a:avLst/>
-            <a:gdLst/>
-            <a:ahLst/>
-            <a:cxnLst/>
-            <a:rect l="l" t="t" r="r" b="b"/>
-            <a:pathLst>
-              <a:path w="71719" h="46604" extrusionOk="0">
-                <a:moveTo>
-                  <a:pt x="29382" y="0"/>
-                </a:moveTo>
-                <a:cubicBezTo>
-                  <a:pt x="11785" y="0"/>
-                  <a:pt x="3670" y="13663"/>
-                  <a:pt x="3670" y="13663"/>
-                </a:cubicBezTo>
-                <a:cubicBezTo>
-                  <a:pt x="1" y="19267"/>
-                  <a:pt x="1568" y="26839"/>
-                  <a:pt x="7206" y="30509"/>
-                </a:cubicBezTo>
-                <a:cubicBezTo>
-                  <a:pt x="9266" y="31845"/>
-                  <a:pt x="11583" y="32485"/>
-                  <a:pt x="13864" y="32485"/>
-                </a:cubicBezTo>
-                <a:cubicBezTo>
-                  <a:pt x="14315" y="32485"/>
-                  <a:pt x="14765" y="32460"/>
-                  <a:pt x="15211" y="32410"/>
-                </a:cubicBezTo>
-                <a:cubicBezTo>
-                  <a:pt x="16145" y="32310"/>
-                  <a:pt x="17046" y="32110"/>
-                  <a:pt x="17913" y="31776"/>
-                </a:cubicBezTo>
-                <a:cubicBezTo>
-                  <a:pt x="19417" y="31509"/>
-                  <a:pt x="20791" y="31392"/>
-                  <a:pt x="22045" y="31392"/>
-                </a:cubicBezTo>
-                <a:cubicBezTo>
-                  <a:pt x="28943" y="31392"/>
-                  <a:pt x="32211" y="34950"/>
-                  <a:pt x="33424" y="36813"/>
-                </a:cubicBezTo>
-                <a:cubicBezTo>
-                  <a:pt x="33591" y="37113"/>
-                  <a:pt x="33758" y="37414"/>
-                  <a:pt x="33925" y="37647"/>
-                </a:cubicBezTo>
-                <a:lnTo>
-                  <a:pt x="34058" y="37914"/>
-                </a:lnTo>
-                <a:lnTo>
-                  <a:pt x="34092" y="37881"/>
-                </a:lnTo>
-                <a:cubicBezTo>
-                  <a:pt x="35526" y="40049"/>
-                  <a:pt x="37394" y="41984"/>
-                  <a:pt x="39696" y="43485"/>
-                </a:cubicBezTo>
-                <a:cubicBezTo>
-                  <a:pt x="42915" y="45595"/>
-                  <a:pt x="46532" y="46603"/>
-                  <a:pt x="50107" y="46603"/>
-                </a:cubicBezTo>
-                <a:cubicBezTo>
-                  <a:pt x="56310" y="46603"/>
-                  <a:pt x="62387" y="43567"/>
-                  <a:pt x="66048" y="37981"/>
-                </a:cubicBezTo>
-                <a:cubicBezTo>
-                  <a:pt x="71718" y="29208"/>
-                  <a:pt x="69250" y="17399"/>
-                  <a:pt x="60444" y="11662"/>
-                </a:cubicBezTo>
-                <a:cubicBezTo>
-                  <a:pt x="60010" y="11362"/>
-                  <a:pt x="59543" y="11061"/>
-                  <a:pt x="59076" y="10828"/>
-                </a:cubicBezTo>
-                <a:cubicBezTo>
-                  <a:pt x="47169" y="2776"/>
-                  <a:pt x="37312" y="0"/>
-                  <a:pt x="29382" y="0"/>
-                </a:cubicBezTo>
-                <a:close/>
-              </a:path>
-            </a:pathLst>
-          </a:custGeom>
-          <a:solidFill>
-            <a:srgbClr val="ACDBD3"/>
-          </a:solidFill>
-          <a:ln>
-            <a:noFill/>
           </a:ln>
         </p:spPr>
         <p:txBody>
@@ -11024,6 +12131,420 @@
               <a:cs typeface="Arial" panose="020B0604020202020204" pitchFamily="34" charset="0"/>
               <a:sym typeface="Commissioner ExtraBold"/>
             </a:endParaRPr>
+          </a:p>
+        </p:txBody>
+      </p:sp>
+      <p:sp>
+        <p:nvSpPr>
+          <p:cNvPr id="21" name="Google Shape;1461;p74">
+            <a:extLst>
+              <a:ext uri="{FF2B5EF4-FFF2-40B4-BE49-F238E27FC236}">
+                <a16:creationId xmlns:a16="http://schemas.microsoft.com/office/drawing/2014/main" id="{740DC0B6-9E4F-4D1C-1252-092D1C7AEFD1}"/>
+              </a:ext>
+            </a:extLst>
+          </p:cNvPr>
+          <p:cNvSpPr/>
+          <p:nvPr/>
+        </p:nvSpPr>
+        <p:spPr>
+          <a:xfrm rot="4324910">
+            <a:off x="10942090" y="2308251"/>
+            <a:ext cx="3339871" cy="3160289"/>
+          </a:xfrm>
+          <a:custGeom>
+            <a:avLst/>
+            <a:gdLst/>
+            <a:ahLst/>
+            <a:cxnLst/>
+            <a:rect l="l" t="t" r="r" b="b"/>
+            <a:pathLst>
+              <a:path w="71370" h="79623" extrusionOk="0">
+                <a:moveTo>
+                  <a:pt x="609" y="0"/>
+                </a:moveTo>
+                <a:cubicBezTo>
+                  <a:pt x="1" y="10578"/>
+                  <a:pt x="2949" y="24438"/>
+                  <a:pt x="14925" y="26627"/>
+                </a:cubicBezTo>
+                <a:cubicBezTo>
+                  <a:pt x="21642" y="27873"/>
+                  <a:pt x="28998" y="28116"/>
+                  <a:pt x="35168" y="31399"/>
+                </a:cubicBezTo>
+                <a:cubicBezTo>
+                  <a:pt x="51734" y="40274"/>
+                  <a:pt x="28512" y="60791"/>
+                  <a:pt x="40214" y="72828"/>
+                </a:cubicBezTo>
+                <a:cubicBezTo>
+                  <a:pt x="44913" y="77681"/>
+                  <a:pt x="50938" y="79622"/>
+                  <a:pt x="57153" y="79622"/>
+                </a:cubicBezTo>
+                <a:cubicBezTo>
+                  <a:pt x="61953" y="79622"/>
+                  <a:pt x="66866" y="78464"/>
+                  <a:pt x="71370" y="76597"/>
+                </a:cubicBezTo>
+                <a:lnTo>
+                  <a:pt x="71370" y="0"/>
+                </a:lnTo>
+                <a:close/>
+              </a:path>
+            </a:pathLst>
+          </a:custGeom>
+          <a:solidFill>
+            <a:srgbClr val="3D4D55"/>
+          </a:solidFill>
+          <a:ln>
+            <a:noFill/>
+          </a:ln>
+        </p:spPr>
+        <p:txBody>
+          <a:bodyPr spcFirstLastPara="1" wrap="square" lIns="91425" tIns="91425" rIns="91425" bIns="91425" anchor="ctr" anchorCtr="0">
+            <a:noAutofit/>
+          </a:bodyPr>
+          <a:lstStyle/>
+          <a:p>
+            <a:pPr marL="0" marR="0" lvl="0" indent="0" defTabSz="914400" eaLnBrk="1" fontAlgn="auto" latinLnBrk="0" hangingPunct="1">
+              <a:lnSpc>
+                <a:spcPct val="100000"/>
+              </a:lnSpc>
+              <a:spcBef>
+                <a:spcPts val="0"/>
+              </a:spcBef>
+              <a:spcAft>
+                <a:spcPts val="0"/>
+              </a:spcAft>
+              <a:buClr>
+                <a:srgbClr val="000000"/>
+              </a:buClr>
+              <a:buSzTx/>
+              <a:buFont typeface="Arial"/>
+              <a:buNone/>
+              <a:tabLst/>
+              <a:defRPr/>
+            </a:pPr>
+            <a:endParaRPr kumimoji="0" sz="1400" b="0" i="0" u="none" strike="noStrike" kern="0" cap="none" spc="0" normalizeH="0" baseline="0" noProof="0">
+              <a:ln>
+                <a:noFill/>
+              </a:ln>
+              <a:solidFill>
+                <a:srgbClr val="000000"/>
+              </a:solidFill>
+              <a:effectLst/>
+              <a:uLnTx/>
+              <a:uFillTx/>
+              <a:latin typeface="Arial"/>
+              <a:cs typeface="Arial"/>
+              <a:sym typeface="Arial"/>
+            </a:endParaRPr>
+          </a:p>
+        </p:txBody>
+      </p:sp>
+      <p:sp>
+        <p:nvSpPr>
+          <p:cNvPr id="22" name="Google Shape;1456;p74">
+            <a:extLst>
+              <a:ext uri="{FF2B5EF4-FFF2-40B4-BE49-F238E27FC236}">
+                <a16:creationId xmlns:a16="http://schemas.microsoft.com/office/drawing/2014/main" id="{0E520425-CDF5-5AF4-60EC-CDB10B95B1E1}"/>
+              </a:ext>
+            </a:extLst>
+          </p:cNvPr>
+          <p:cNvSpPr/>
+          <p:nvPr/>
+        </p:nvSpPr>
+        <p:spPr>
+          <a:xfrm rot="8516003">
+            <a:off x="9897076" y="5138610"/>
+            <a:ext cx="1433457" cy="699454"/>
+          </a:xfrm>
+          <a:custGeom>
+            <a:avLst/>
+            <a:gdLst/>
+            <a:ahLst/>
+            <a:cxnLst/>
+            <a:rect l="l" t="t" r="r" b="b"/>
+            <a:pathLst>
+              <a:path w="71719" h="46604" extrusionOk="0">
+                <a:moveTo>
+                  <a:pt x="29382" y="0"/>
+                </a:moveTo>
+                <a:cubicBezTo>
+                  <a:pt x="11785" y="0"/>
+                  <a:pt x="3670" y="13663"/>
+                  <a:pt x="3670" y="13663"/>
+                </a:cubicBezTo>
+                <a:cubicBezTo>
+                  <a:pt x="1" y="19267"/>
+                  <a:pt x="1568" y="26839"/>
+                  <a:pt x="7206" y="30509"/>
+                </a:cubicBezTo>
+                <a:cubicBezTo>
+                  <a:pt x="9266" y="31845"/>
+                  <a:pt x="11583" y="32485"/>
+                  <a:pt x="13864" y="32485"/>
+                </a:cubicBezTo>
+                <a:cubicBezTo>
+                  <a:pt x="14315" y="32485"/>
+                  <a:pt x="14765" y="32460"/>
+                  <a:pt x="15211" y="32410"/>
+                </a:cubicBezTo>
+                <a:cubicBezTo>
+                  <a:pt x="16145" y="32310"/>
+                  <a:pt x="17046" y="32110"/>
+                  <a:pt x="17913" y="31776"/>
+                </a:cubicBezTo>
+                <a:cubicBezTo>
+                  <a:pt x="19417" y="31509"/>
+                  <a:pt x="20791" y="31392"/>
+                  <a:pt x="22045" y="31392"/>
+                </a:cubicBezTo>
+                <a:cubicBezTo>
+                  <a:pt x="28943" y="31392"/>
+                  <a:pt x="32211" y="34950"/>
+                  <a:pt x="33424" y="36813"/>
+                </a:cubicBezTo>
+                <a:cubicBezTo>
+                  <a:pt x="33591" y="37113"/>
+                  <a:pt x="33758" y="37414"/>
+                  <a:pt x="33925" y="37647"/>
+                </a:cubicBezTo>
+                <a:lnTo>
+                  <a:pt x="34058" y="37914"/>
+                </a:lnTo>
+                <a:lnTo>
+                  <a:pt x="34092" y="37881"/>
+                </a:lnTo>
+                <a:cubicBezTo>
+                  <a:pt x="35526" y="40049"/>
+                  <a:pt x="37394" y="41984"/>
+                  <a:pt x="39696" y="43485"/>
+                </a:cubicBezTo>
+                <a:cubicBezTo>
+                  <a:pt x="42915" y="45595"/>
+                  <a:pt x="46532" y="46603"/>
+                  <a:pt x="50107" y="46603"/>
+                </a:cubicBezTo>
+                <a:cubicBezTo>
+                  <a:pt x="56310" y="46603"/>
+                  <a:pt x="62387" y="43567"/>
+                  <a:pt x="66048" y="37981"/>
+                </a:cubicBezTo>
+                <a:cubicBezTo>
+                  <a:pt x="71718" y="29208"/>
+                  <a:pt x="69250" y="17399"/>
+                  <a:pt x="60444" y="11662"/>
+                </a:cubicBezTo>
+                <a:cubicBezTo>
+                  <a:pt x="60010" y="11362"/>
+                  <a:pt x="59543" y="11061"/>
+                  <a:pt x="59076" y="10828"/>
+                </a:cubicBezTo>
+                <a:cubicBezTo>
+                  <a:pt x="47169" y="2776"/>
+                  <a:pt x="37312" y="0"/>
+                  <a:pt x="29382" y="0"/>
+                </a:cubicBezTo>
+                <a:close/>
+              </a:path>
+            </a:pathLst>
+          </a:custGeom>
+          <a:solidFill>
+            <a:srgbClr val="ACDBD3"/>
+          </a:solidFill>
+          <a:ln>
+            <a:noFill/>
+          </a:ln>
+        </p:spPr>
+        <p:txBody>
+          <a:bodyPr spcFirstLastPara="1" wrap="square" lIns="91425" tIns="91425" rIns="91425" bIns="91425" anchor="ctr" anchorCtr="0">
+            <a:noAutofit/>
+          </a:bodyPr>
+          <a:lstStyle/>
+          <a:p>
+            <a:pPr marL="0" marR="0" lvl="0" indent="0" defTabSz="914400" eaLnBrk="1" fontAlgn="auto" latinLnBrk="0" hangingPunct="1">
+              <a:lnSpc>
+                <a:spcPct val="100000"/>
+              </a:lnSpc>
+              <a:spcBef>
+                <a:spcPts val="0"/>
+              </a:spcBef>
+              <a:spcAft>
+                <a:spcPts val="0"/>
+              </a:spcAft>
+              <a:buClr>
+                <a:srgbClr val="000000"/>
+              </a:buClr>
+              <a:buSzTx/>
+              <a:buFont typeface="Arial"/>
+              <a:buNone/>
+              <a:tabLst/>
+              <a:defRPr/>
+            </a:pPr>
+            <a:endParaRPr kumimoji="0" sz="1400" b="0" i="0" u="none" strike="noStrike" kern="0" cap="none" spc="0" normalizeH="0" baseline="0" noProof="0">
+              <a:ln>
+                <a:noFill/>
+              </a:ln>
+              <a:solidFill>
+                <a:srgbClr val="000000"/>
+              </a:solidFill>
+              <a:effectLst/>
+              <a:uLnTx/>
+              <a:uFillTx/>
+              <a:latin typeface="Arial"/>
+              <a:cs typeface="Arial"/>
+              <a:sym typeface="Arial"/>
+            </a:endParaRPr>
+          </a:p>
+        </p:txBody>
+      </p:sp>
+      <p:sp>
+        <p:nvSpPr>
+          <p:cNvPr id="23" name="Google Shape;1463;p74">
+            <a:extLst>
+              <a:ext uri="{FF2B5EF4-FFF2-40B4-BE49-F238E27FC236}">
+                <a16:creationId xmlns:a16="http://schemas.microsoft.com/office/drawing/2014/main" id="{31B71AF4-FD4E-6BE3-A35C-D063BA02833B}"/>
+              </a:ext>
+            </a:extLst>
+          </p:cNvPr>
+          <p:cNvSpPr/>
+          <p:nvPr/>
+        </p:nvSpPr>
+        <p:spPr>
+          <a:xfrm flipH="1">
+            <a:off x="9593942" y="4558296"/>
+            <a:ext cx="2598056" cy="2589989"/>
+          </a:xfrm>
+          <a:custGeom>
+            <a:avLst/>
+            <a:gdLst/>
+            <a:ahLst/>
+            <a:cxnLst/>
+            <a:rect l="l" t="t" r="r" b="b"/>
+            <a:pathLst>
+              <a:path w="119881" h="113309" extrusionOk="0">
+                <a:moveTo>
+                  <a:pt x="20594" y="1"/>
+                </a:moveTo>
+                <a:cubicBezTo>
+                  <a:pt x="16552" y="1"/>
+                  <a:pt x="12368" y="1147"/>
+                  <a:pt x="9149" y="2790"/>
+                </a:cubicBezTo>
+                <a:cubicBezTo>
+                  <a:pt x="5471" y="4675"/>
+                  <a:pt x="1915" y="7836"/>
+                  <a:pt x="0" y="11605"/>
+                </a:cubicBezTo>
+                <a:lnTo>
+                  <a:pt x="0" y="113308"/>
+                </a:lnTo>
+                <a:lnTo>
+                  <a:pt x="117935" y="113308"/>
+                </a:lnTo>
+                <a:cubicBezTo>
+                  <a:pt x="117935" y="113308"/>
+                  <a:pt x="119881" y="98901"/>
+                  <a:pt x="102008" y="94250"/>
+                </a:cubicBezTo>
+                <a:cubicBezTo>
+                  <a:pt x="89485" y="90968"/>
+                  <a:pt x="95139" y="77472"/>
+                  <a:pt x="92190" y="68141"/>
+                </a:cubicBezTo>
+                <a:cubicBezTo>
+                  <a:pt x="88773" y="57366"/>
+                  <a:pt x="78869" y="50808"/>
+                  <a:pt x="68440" y="50808"/>
+                </a:cubicBezTo>
+                <a:cubicBezTo>
+                  <a:pt x="64953" y="50808"/>
+                  <a:pt x="61407" y="51541"/>
+                  <a:pt x="58025" y="53095"/>
+                </a:cubicBezTo>
+                <a:cubicBezTo>
+                  <a:pt x="53166" y="55347"/>
+                  <a:pt x="45940" y="60409"/>
+                  <a:pt x="39678" y="60409"/>
+                </a:cubicBezTo>
+                <a:cubicBezTo>
+                  <a:pt x="37911" y="60409"/>
+                  <a:pt x="36220" y="60005"/>
+                  <a:pt x="34681" y="59022"/>
+                </a:cubicBezTo>
+                <a:cubicBezTo>
+                  <a:pt x="26323" y="53703"/>
+                  <a:pt x="32341" y="38991"/>
+                  <a:pt x="33770" y="31635"/>
+                </a:cubicBezTo>
+                <a:cubicBezTo>
+                  <a:pt x="35381" y="23459"/>
+                  <a:pt x="36900" y="14249"/>
+                  <a:pt x="32858" y="6498"/>
+                </a:cubicBezTo>
+                <a:cubicBezTo>
+                  <a:pt x="30386" y="1757"/>
+                  <a:pt x="25599" y="1"/>
+                  <a:pt x="20594" y="1"/>
+                </a:cubicBezTo>
+                <a:close/>
+              </a:path>
+            </a:pathLst>
+          </a:custGeom>
+          <a:noFill/>
+          <a:ln>
+            <a:solidFill>
+              <a:srgbClr val="3D4D55"/>
+            </a:solidFill>
+          </a:ln>
+        </p:spPr>
+        <p:txBody>
+          <a:bodyPr spcFirstLastPara="1" wrap="square" lIns="91425" tIns="91425" rIns="91425" bIns="91425" anchor="ctr" anchorCtr="0">
+            <a:noAutofit/>
+          </a:bodyPr>
+          <a:lstStyle/>
+          <a:p>
+            <a:pPr marL="0" lvl="0" indent="0" algn="l" rtl="0">
+              <a:spcBef>
+                <a:spcPts val="0"/>
+              </a:spcBef>
+              <a:spcAft>
+                <a:spcPts val="0"/>
+              </a:spcAft>
+              <a:buNone/>
+            </a:pPr>
+            <a:endParaRPr dirty="0"/>
+          </a:p>
+        </p:txBody>
+      </p:sp>
+      <p:sp>
+        <p:nvSpPr>
+          <p:cNvPr id="2" name="Slide Number Placeholder 1">
+            <a:extLst>
+              <a:ext uri="{FF2B5EF4-FFF2-40B4-BE49-F238E27FC236}">
+                <a16:creationId xmlns:a16="http://schemas.microsoft.com/office/drawing/2014/main" id="{9D93DD25-CD1F-8BDC-94E3-9F9257A08938}"/>
+              </a:ext>
+            </a:extLst>
+          </p:cNvPr>
+          <p:cNvSpPr>
+            <a:spLocks noGrp="1"/>
+          </p:cNvSpPr>
+          <p:nvPr>
+            <p:ph type="sldNum" sz="quarter" idx="12"/>
+          </p:nvPr>
+        </p:nvSpPr>
+        <p:spPr/>
+        <p:txBody>
+          <a:bodyPr/>
+          <a:lstStyle/>
+          <a:p>
+            <a:fld id="{834E4636-1AC7-4593-8425-9A7E3B693646}" type="slidenum">
+              <a:rPr lang="pt-PT" smtClean="0"/>
+              <a:t>14</a:t>
+            </a:fld>
+            <a:endParaRPr lang="pt-PT"/>
           </a:p>
         </p:txBody>
       </p:sp>
@@ -12187,6 +13708,35 @@
           </a:p>
         </p:txBody>
       </p:sp>
+      <p:sp>
+        <p:nvSpPr>
+          <p:cNvPr id="2" name="Slide Number Placeholder 1">
+            <a:extLst>
+              <a:ext uri="{FF2B5EF4-FFF2-40B4-BE49-F238E27FC236}">
+                <a16:creationId xmlns:a16="http://schemas.microsoft.com/office/drawing/2014/main" id="{6CB4DED2-B005-A152-E611-38AB42243BCE}"/>
+              </a:ext>
+            </a:extLst>
+          </p:cNvPr>
+          <p:cNvSpPr>
+            <a:spLocks noGrp="1"/>
+          </p:cNvSpPr>
+          <p:nvPr>
+            <p:ph type="sldNum" sz="quarter" idx="12"/>
+          </p:nvPr>
+        </p:nvSpPr>
+        <p:spPr/>
+        <p:txBody>
+          <a:bodyPr/>
+          <a:lstStyle/>
+          <a:p>
+            <a:fld id="{834E4636-1AC7-4593-8425-9A7E3B693646}" type="slidenum">
+              <a:rPr lang="pt-PT" smtClean="0"/>
+              <a:t>2</a:t>
+            </a:fld>
+            <a:endParaRPr lang="pt-PT"/>
+          </a:p>
+        </p:txBody>
+      </p:sp>
     </p:spTree>
     <p:extLst>
       <p:ext uri="{BB962C8B-B14F-4D97-AF65-F5344CB8AC3E}">
@@ -12266,7 +13816,7 @@
                 <a:latin typeface="Arial" panose="020B0604020202020204" pitchFamily="34" charset="0"/>
                 <a:cs typeface="Arial" panose="020B0604020202020204" pitchFamily="34" charset="0"/>
               </a:rPr>
-              <a:t>Facilidade e eficiência na visualização e criação dos dados</a:t>
+              <a:t>Interface visual que facilite a análise e filtragem de dados</a:t>
             </a:r>
           </a:p>
           <a:p>
@@ -13323,6 +14873,35 @@
               <a:cs typeface="Arial"/>
               <a:sym typeface="Arial"/>
             </a:endParaRPr>
+          </a:p>
+        </p:txBody>
+      </p:sp>
+      <p:sp>
+        <p:nvSpPr>
+          <p:cNvPr id="2" name="Slide Number Placeholder 1">
+            <a:extLst>
+              <a:ext uri="{FF2B5EF4-FFF2-40B4-BE49-F238E27FC236}">
+                <a16:creationId xmlns:a16="http://schemas.microsoft.com/office/drawing/2014/main" id="{E66AD933-E960-FB6A-4DC4-C41CDA8D0DE5}"/>
+              </a:ext>
+            </a:extLst>
+          </p:cNvPr>
+          <p:cNvSpPr>
+            <a:spLocks noGrp="1"/>
+          </p:cNvSpPr>
+          <p:nvPr>
+            <p:ph type="sldNum" sz="quarter" idx="12"/>
+          </p:nvPr>
+        </p:nvSpPr>
+        <p:spPr/>
+        <p:txBody>
+          <a:bodyPr/>
+          <a:lstStyle/>
+          <a:p>
+            <a:fld id="{834E4636-1AC7-4593-8425-9A7E3B693646}" type="slidenum">
+              <a:rPr lang="pt-PT" smtClean="0"/>
+              <a:t>3</a:t>
+            </a:fld>
+            <a:endParaRPr lang="pt-PT"/>
           </a:p>
         </p:txBody>
       </p:sp>
@@ -13383,7 +14962,7 @@
         <p:spPr>
           <a:xfrm>
             <a:off x="593554" y="1256732"/>
-            <a:ext cx="10464517" cy="4736420"/>
+            <a:ext cx="9314443" cy="4736420"/>
           </a:xfrm>
         </p:spPr>
         <p:txBody>
@@ -13405,7 +14984,7 @@
                 <a:latin typeface="Arial" panose="020B0604020202020204" pitchFamily="34" charset="0"/>
                 <a:cs typeface="Arial" panose="020B0604020202020204" pitchFamily="34" charset="0"/>
               </a:rPr>
-              <a:t>Criação de membros, candidaturas, quotas, eventos, desportos</a:t>
+              <a:t>Criação de membros (utilizadores e empresas), candidaturas, quotas, eventos, desportos</a:t>
             </a:r>
           </a:p>
           <a:p>
@@ -14323,6 +15902,35 @@
               <a:cs typeface="Arial"/>
               <a:sym typeface="Arial"/>
             </a:endParaRPr>
+          </a:p>
+        </p:txBody>
+      </p:sp>
+      <p:sp>
+        <p:nvSpPr>
+          <p:cNvPr id="2" name="Slide Number Placeholder 1">
+            <a:extLst>
+              <a:ext uri="{FF2B5EF4-FFF2-40B4-BE49-F238E27FC236}">
+                <a16:creationId xmlns:a16="http://schemas.microsoft.com/office/drawing/2014/main" id="{BD239F8F-4494-393C-5044-01D4A580AC78}"/>
+              </a:ext>
+            </a:extLst>
+          </p:cNvPr>
+          <p:cNvSpPr>
+            <a:spLocks noGrp="1"/>
+          </p:cNvSpPr>
+          <p:nvPr>
+            <p:ph type="sldNum" sz="quarter" idx="12"/>
+          </p:nvPr>
+        </p:nvSpPr>
+        <p:spPr/>
+        <p:txBody>
+          <a:bodyPr/>
+          <a:lstStyle/>
+          <a:p>
+            <a:fld id="{834E4636-1AC7-4593-8425-9A7E3B693646}" type="slidenum">
+              <a:rPr lang="pt-PT" smtClean="0"/>
+              <a:t>4</a:t>
+            </a:fld>
+            <a:endParaRPr lang="pt-PT"/>
           </a:p>
         </p:txBody>
       </p:sp>
@@ -15364,6 +16972,35 @@
           </a:p>
         </p:txBody>
       </p:sp>
+      <p:sp>
+        <p:nvSpPr>
+          <p:cNvPr id="2" name="Slide Number Placeholder 1">
+            <a:extLst>
+              <a:ext uri="{FF2B5EF4-FFF2-40B4-BE49-F238E27FC236}">
+                <a16:creationId xmlns:a16="http://schemas.microsoft.com/office/drawing/2014/main" id="{828ACF4A-A3DF-F46E-4319-8AA4C342BAE4}"/>
+              </a:ext>
+            </a:extLst>
+          </p:cNvPr>
+          <p:cNvSpPr>
+            <a:spLocks noGrp="1"/>
+          </p:cNvSpPr>
+          <p:nvPr>
+            <p:ph type="sldNum" sz="quarter" idx="12"/>
+          </p:nvPr>
+        </p:nvSpPr>
+        <p:spPr/>
+        <p:txBody>
+          <a:bodyPr/>
+          <a:lstStyle/>
+          <a:p>
+            <a:fld id="{834E4636-1AC7-4593-8425-9A7E3B693646}" type="slidenum">
+              <a:rPr lang="pt-PT" smtClean="0"/>
+              <a:t>5</a:t>
+            </a:fld>
+            <a:endParaRPr lang="pt-PT"/>
+          </a:p>
+        </p:txBody>
+      </p:sp>
     </p:spTree>
     <p:extLst>
       <p:ext uri="{BB962C8B-B14F-4D97-AF65-F5344CB8AC3E}">
@@ -16300,6 +17937,35 @@
           </a:prstGeom>
         </p:spPr>
       </p:pic>
+      <p:sp>
+        <p:nvSpPr>
+          <p:cNvPr id="2" name="Slide Number Placeholder 1">
+            <a:extLst>
+              <a:ext uri="{FF2B5EF4-FFF2-40B4-BE49-F238E27FC236}">
+                <a16:creationId xmlns:a16="http://schemas.microsoft.com/office/drawing/2014/main" id="{D389E60E-9E7C-C9AA-30AA-07BBED64EDF4}"/>
+              </a:ext>
+            </a:extLst>
+          </p:cNvPr>
+          <p:cNvSpPr>
+            <a:spLocks noGrp="1"/>
+          </p:cNvSpPr>
+          <p:nvPr>
+            <p:ph type="sldNum" sz="quarter" idx="12"/>
+          </p:nvPr>
+        </p:nvSpPr>
+        <p:spPr/>
+        <p:txBody>
+          <a:bodyPr/>
+          <a:lstStyle/>
+          <a:p>
+            <a:fld id="{834E4636-1AC7-4593-8425-9A7E3B693646}" type="slidenum">
+              <a:rPr lang="pt-PT" smtClean="0"/>
+              <a:t>6</a:t>
+            </a:fld>
+            <a:endParaRPr lang="pt-PT"/>
+          </a:p>
+        </p:txBody>
+      </p:sp>
     </p:spTree>
     <p:extLst>
       <p:ext uri="{BB962C8B-B14F-4D97-AF65-F5344CB8AC3E}">
@@ -16357,7 +18023,7 @@
         <p:spPr>
           <a:xfrm>
             <a:off x="593554" y="1256732"/>
-            <a:ext cx="10464517" cy="4736420"/>
+            <a:ext cx="9314443" cy="4736420"/>
           </a:xfrm>
         </p:spPr>
         <p:txBody>
@@ -16365,23 +18031,6 @@
             <a:normAutofit/>
           </a:bodyPr>
           <a:lstStyle/>
-          <a:p>
-            <a:pPr marL="342900" indent="-342900" algn="l">
-              <a:lnSpc>
-                <a:spcPct val="100000"/>
-              </a:lnSpc>
-              <a:buSzPct val="100000"/>
-              <a:buFont typeface="Tahoma" panose="020B0604030504040204" pitchFamily="34" charset="0"/>
-              <a:buChar char="●"/>
-            </a:pPr>
-            <a:r>
-              <a:rPr lang="pt-PT" sz="2000" dirty="0">
-                <a:latin typeface="Arial" panose="020B0604020202020204" pitchFamily="34" charset="0"/>
-                <a:cs typeface="Arial" panose="020B0604020202020204" pitchFamily="34" charset="0"/>
-              </a:rPr>
-              <a:t>Abrangente a todos os clientes</a:t>
-            </a:r>
-          </a:p>
           <a:p>
             <a:pPr marL="342900" indent="-342900" algn="l">
               <a:lnSpc>
@@ -17297,6 +18946,35 @@
           </a:p>
         </p:txBody>
       </p:sp>
+      <p:sp>
+        <p:nvSpPr>
+          <p:cNvPr id="2" name="Slide Number Placeholder 1">
+            <a:extLst>
+              <a:ext uri="{FF2B5EF4-FFF2-40B4-BE49-F238E27FC236}">
+                <a16:creationId xmlns:a16="http://schemas.microsoft.com/office/drawing/2014/main" id="{41C6F999-F5AE-2F2D-2A38-E186FBF76BA3}"/>
+              </a:ext>
+            </a:extLst>
+          </p:cNvPr>
+          <p:cNvSpPr>
+            <a:spLocks noGrp="1"/>
+          </p:cNvSpPr>
+          <p:nvPr>
+            <p:ph type="sldNum" sz="quarter" idx="12"/>
+          </p:nvPr>
+        </p:nvSpPr>
+        <p:spPr/>
+        <p:txBody>
+          <a:bodyPr/>
+          <a:lstStyle/>
+          <a:p>
+            <a:fld id="{834E4636-1AC7-4593-8425-9A7E3B693646}" type="slidenum">
+              <a:rPr lang="pt-PT" smtClean="0"/>
+              <a:t>7</a:t>
+            </a:fld>
+            <a:endParaRPr lang="pt-PT"/>
+          </a:p>
+        </p:txBody>
+      </p:sp>
     </p:spTree>
     <p:extLst>
       <p:ext uri="{BB962C8B-B14F-4D97-AF65-F5344CB8AC3E}">
@@ -17354,7 +19032,7 @@
         <p:spPr>
           <a:xfrm>
             <a:off x="593554" y="1256732"/>
-            <a:ext cx="10464517" cy="4736420"/>
+            <a:ext cx="8710103" cy="4736420"/>
           </a:xfrm>
         </p:spPr>
         <p:txBody>
@@ -17463,7 +19141,7 @@
                 <a:latin typeface="Arial" panose="020B0604020202020204" pitchFamily="34" charset="0"/>
                 <a:cs typeface="Arial" panose="020B0604020202020204" pitchFamily="34" charset="0"/>
               </a:rPr>
-              <a:t>Diferentes utilizadores têm diferentes autorizações</a:t>
+              <a:t>Diferentes membros têm diferentes autorizações, consoante o seu papel no clube e a sua relação com a administração</a:t>
             </a:r>
           </a:p>
           <a:p>
@@ -17497,7 +19175,7 @@
                 <a:latin typeface="Arial" panose="020B0604020202020204" pitchFamily="34" charset="0"/>
                 <a:cs typeface="Arial" panose="020B0604020202020204" pitchFamily="34" charset="0"/>
               </a:rPr>
-              <a:t>Membros normais, podem apenas aceder aos endpoints relacionados com eles próprios </a:t>
+              <a:t>Membros não administrativos, podem apenas aceder aos endpoints relacionados com eles próprios </a:t>
             </a:r>
           </a:p>
         </p:txBody>
@@ -18171,7 +19849,7 @@
         </p:nvSpPr>
         <p:spPr>
           <a:xfrm rot="18140219">
-            <a:off x="8441112" y="4410166"/>
+            <a:off x="8670966" y="4410165"/>
             <a:ext cx="3874663" cy="3662248"/>
           </a:xfrm>
           <a:custGeom>
@@ -18296,6 +19974,35 @@
               <a:cs typeface="Arial"/>
               <a:sym typeface="Arial"/>
             </a:endParaRPr>
+          </a:p>
+        </p:txBody>
+      </p:sp>
+      <p:sp>
+        <p:nvSpPr>
+          <p:cNvPr id="2" name="Slide Number Placeholder 1">
+            <a:extLst>
+              <a:ext uri="{FF2B5EF4-FFF2-40B4-BE49-F238E27FC236}">
+                <a16:creationId xmlns:a16="http://schemas.microsoft.com/office/drawing/2014/main" id="{749BBD88-A4E5-6147-9010-7F2FA63B6611}"/>
+              </a:ext>
+            </a:extLst>
+          </p:cNvPr>
+          <p:cNvSpPr>
+            <a:spLocks noGrp="1"/>
+          </p:cNvSpPr>
+          <p:nvPr>
+            <p:ph type="sldNum" sz="quarter" idx="12"/>
+          </p:nvPr>
+        </p:nvSpPr>
+        <p:spPr/>
+        <p:txBody>
+          <a:bodyPr/>
+          <a:lstStyle/>
+          <a:p>
+            <a:fld id="{834E4636-1AC7-4593-8425-9A7E3B693646}" type="slidenum">
+              <a:rPr lang="pt-PT" smtClean="0"/>
+              <a:t>8</a:t>
+            </a:fld>
+            <a:endParaRPr lang="pt-PT"/>
           </a:p>
         </p:txBody>
       </p:sp>
@@ -19442,6 +21149,35 @@
               <a:cs typeface="Arial"/>
               <a:sym typeface="Arial"/>
             </a:endParaRPr>
+          </a:p>
+        </p:txBody>
+      </p:sp>
+      <p:sp>
+        <p:nvSpPr>
+          <p:cNvPr id="2" name="Slide Number Placeholder 1">
+            <a:extLst>
+              <a:ext uri="{FF2B5EF4-FFF2-40B4-BE49-F238E27FC236}">
+                <a16:creationId xmlns:a16="http://schemas.microsoft.com/office/drawing/2014/main" id="{57AF5AC8-D573-A81D-344D-E676EDF92889}"/>
+              </a:ext>
+            </a:extLst>
+          </p:cNvPr>
+          <p:cNvSpPr>
+            <a:spLocks noGrp="1"/>
+          </p:cNvSpPr>
+          <p:nvPr>
+            <p:ph type="sldNum" sz="quarter" idx="12"/>
+          </p:nvPr>
+        </p:nvSpPr>
+        <p:spPr/>
+        <p:txBody>
+          <a:bodyPr/>
+          <a:lstStyle/>
+          <a:p>
+            <a:fld id="{834E4636-1AC7-4593-8425-9A7E3B693646}" type="slidenum">
+              <a:rPr lang="pt-PT" smtClean="0"/>
+              <a:t>9</a:t>
+            </a:fld>
+            <a:endParaRPr lang="pt-PT"/>
           </a:p>
         </p:txBody>
       </p:sp>
